--- a/HEW/data/TEXTURE/ロゴ作成.pptx
+++ b/HEW/data/TEXTURE/ロゴ作成.pptx
@@ -104,6 +104,11 @@
       </a:defRPr>
     </a:lvl9pPr>
   </p:defaultTextStyle>
+  <p:extLst>
+    <p:ext uri="{EFAFB233-063F-42B5-8137-9DF3F51BA10A}">
+      <p15:sldGuideLst xmlns:p15="http://schemas.microsoft.com/office/powerpoint/2012/main"/>
+    </p:ext>
+  </p:extLst>
 </p:presentation>
 </file>
 
@@ -254,7 +259,7 @@
           <a:p>
             <a:fld id="{38902CDB-4AA8-4DB9-834E-17D8C468A2CA}" type="datetimeFigureOut">
               <a:rPr kumimoji="1" lang="ja-JP" altLang="en-US" smtClean="0"/>
-              <a:t>2020/4/5</a:t>
+              <a:t>2020/4/8</a:t>
             </a:fld>
             <a:endParaRPr kumimoji="1" lang="ja-JP" altLang="en-US"/>
           </a:p>
@@ -484,7 +489,7 @@
           <a:p>
             <a:fld id="{38902CDB-4AA8-4DB9-834E-17D8C468A2CA}" type="datetimeFigureOut">
               <a:rPr kumimoji="1" lang="ja-JP" altLang="en-US" smtClean="0"/>
-              <a:t>2020/4/5</a:t>
+              <a:t>2020/4/8</a:t>
             </a:fld>
             <a:endParaRPr kumimoji="1" lang="ja-JP" altLang="en-US"/>
           </a:p>
@@ -724,7 +729,7 @@
           <a:p>
             <a:fld id="{38902CDB-4AA8-4DB9-834E-17D8C468A2CA}" type="datetimeFigureOut">
               <a:rPr kumimoji="1" lang="ja-JP" altLang="en-US" smtClean="0"/>
-              <a:t>2020/4/5</a:t>
+              <a:t>2020/4/8</a:t>
             </a:fld>
             <a:endParaRPr kumimoji="1" lang="ja-JP" altLang="en-US"/>
           </a:p>
@@ -954,7 +959,7 @@
           <a:p>
             <a:fld id="{38902CDB-4AA8-4DB9-834E-17D8C468A2CA}" type="datetimeFigureOut">
               <a:rPr kumimoji="1" lang="ja-JP" altLang="en-US" smtClean="0"/>
-              <a:t>2020/4/5</a:t>
+              <a:t>2020/4/8</a:t>
             </a:fld>
             <a:endParaRPr kumimoji="1" lang="ja-JP" altLang="en-US"/>
           </a:p>
@@ -1229,7 +1234,7 @@
           <a:p>
             <a:fld id="{38902CDB-4AA8-4DB9-834E-17D8C468A2CA}" type="datetimeFigureOut">
               <a:rPr kumimoji="1" lang="ja-JP" altLang="en-US" smtClean="0"/>
-              <a:t>2020/4/5</a:t>
+              <a:t>2020/4/8</a:t>
             </a:fld>
             <a:endParaRPr kumimoji="1" lang="ja-JP" altLang="en-US"/>
           </a:p>
@@ -1558,7 +1563,7 @@
           <a:p>
             <a:fld id="{38902CDB-4AA8-4DB9-834E-17D8C468A2CA}" type="datetimeFigureOut">
               <a:rPr kumimoji="1" lang="ja-JP" altLang="en-US" smtClean="0"/>
-              <a:t>2020/4/5</a:t>
+              <a:t>2020/4/8</a:t>
             </a:fld>
             <a:endParaRPr kumimoji="1" lang="ja-JP" altLang="en-US"/>
           </a:p>
@@ -2034,7 +2039,7 @@
           <a:p>
             <a:fld id="{38902CDB-4AA8-4DB9-834E-17D8C468A2CA}" type="datetimeFigureOut">
               <a:rPr kumimoji="1" lang="ja-JP" altLang="en-US" smtClean="0"/>
-              <a:t>2020/4/5</a:t>
+              <a:t>2020/4/8</a:t>
             </a:fld>
             <a:endParaRPr kumimoji="1" lang="ja-JP" altLang="en-US"/>
           </a:p>
@@ -2175,7 +2180,7 @@
           <a:p>
             <a:fld id="{38902CDB-4AA8-4DB9-834E-17D8C468A2CA}" type="datetimeFigureOut">
               <a:rPr kumimoji="1" lang="ja-JP" altLang="en-US" smtClean="0"/>
-              <a:t>2020/4/5</a:t>
+              <a:t>2020/4/8</a:t>
             </a:fld>
             <a:endParaRPr kumimoji="1" lang="ja-JP" altLang="en-US"/>
           </a:p>
@@ -2288,7 +2293,7 @@
           <a:p>
             <a:fld id="{38902CDB-4AA8-4DB9-834E-17D8C468A2CA}" type="datetimeFigureOut">
               <a:rPr kumimoji="1" lang="ja-JP" altLang="en-US" smtClean="0"/>
-              <a:t>2020/4/5</a:t>
+              <a:t>2020/4/8</a:t>
             </a:fld>
             <a:endParaRPr kumimoji="1" lang="ja-JP" altLang="en-US"/>
           </a:p>
@@ -2631,7 +2636,7 @@
           <a:p>
             <a:fld id="{38902CDB-4AA8-4DB9-834E-17D8C468A2CA}" type="datetimeFigureOut">
               <a:rPr kumimoji="1" lang="ja-JP" altLang="en-US" smtClean="0"/>
-              <a:t>2020/4/5</a:t>
+              <a:t>2020/4/8</a:t>
             </a:fld>
             <a:endParaRPr kumimoji="1" lang="ja-JP" altLang="en-US"/>
           </a:p>
@@ -2919,7 +2924,7 @@
           <a:p>
             <a:fld id="{38902CDB-4AA8-4DB9-834E-17D8C468A2CA}" type="datetimeFigureOut">
               <a:rPr kumimoji="1" lang="ja-JP" altLang="en-US" smtClean="0"/>
-              <a:t>2020/4/5</a:t>
+              <a:t>2020/4/8</a:t>
             </a:fld>
             <a:endParaRPr kumimoji="1" lang="ja-JP" altLang="en-US"/>
           </a:p>
@@ -3192,7 +3197,7 @@
           <a:p>
             <a:fld id="{38902CDB-4AA8-4DB9-834E-17D8C468A2CA}" type="datetimeFigureOut">
               <a:rPr kumimoji="1" lang="ja-JP" altLang="en-US" smtClean="0"/>
-              <a:t>2020/4/5</a:t>
+              <a:t>2020/4/8</a:t>
             </a:fld>
             <a:endParaRPr kumimoji="1" lang="ja-JP" altLang="en-US"/>
           </a:p>
@@ -3650,7 +3655,7 @@
           <a:lstStyle/>
           <a:p>
             <a:r>
-              <a:rPr kumimoji="1" lang="en-US" altLang="ja-JP" dirty="0">
+              <a:rPr kumimoji="1" lang="en-US" altLang="ja-JP" b="1" dirty="0">
                 <a:ln w="38100">
                   <a:solidFill>
                     <a:schemeClr val="accent2">
@@ -3674,7 +3679,7 @@
               <a:t>Rugger</a:t>
             </a:r>
             <a:r>
-              <a:rPr kumimoji="1" lang="en-US" altLang="ja-JP" dirty="0">
+              <a:rPr kumimoji="1" lang="en-US" altLang="ja-JP" b="1" dirty="0">
                 <a:ln w="38100">
                   <a:solidFill>
                     <a:srgbClr val="FFFF00"/>
@@ -3696,7 +3701,7 @@
               </a:rPr>
               <a:t>Man</a:t>
             </a:r>
-            <a:endParaRPr kumimoji="1" lang="ja-JP" altLang="en-US" dirty="0">
+            <a:endParaRPr kumimoji="1" lang="ja-JP" altLang="en-US" b="1" dirty="0">
               <a:ln w="38100">
                 <a:solidFill>
                   <a:srgbClr val="FFFF00"/>

--- a/HEW/data/TEXTURE/ロゴ作成.pptx
+++ b/HEW/data/TEXTURE/ロゴ作成.pptx
@@ -259,7 +259,7 @@
           <a:p>
             <a:fld id="{38902CDB-4AA8-4DB9-834E-17D8C468A2CA}" type="datetimeFigureOut">
               <a:rPr kumimoji="1" lang="ja-JP" altLang="en-US" smtClean="0"/>
-              <a:t>2020/4/8</a:t>
+              <a:t>2020/4/28</a:t>
             </a:fld>
             <a:endParaRPr kumimoji="1" lang="ja-JP" altLang="en-US"/>
           </a:p>
@@ -489,7 +489,7 @@
           <a:p>
             <a:fld id="{38902CDB-4AA8-4DB9-834E-17D8C468A2CA}" type="datetimeFigureOut">
               <a:rPr kumimoji="1" lang="ja-JP" altLang="en-US" smtClean="0"/>
-              <a:t>2020/4/8</a:t>
+              <a:t>2020/4/28</a:t>
             </a:fld>
             <a:endParaRPr kumimoji="1" lang="ja-JP" altLang="en-US"/>
           </a:p>
@@ -729,7 +729,7 @@
           <a:p>
             <a:fld id="{38902CDB-4AA8-4DB9-834E-17D8C468A2CA}" type="datetimeFigureOut">
               <a:rPr kumimoji="1" lang="ja-JP" altLang="en-US" smtClean="0"/>
-              <a:t>2020/4/8</a:t>
+              <a:t>2020/4/28</a:t>
             </a:fld>
             <a:endParaRPr kumimoji="1" lang="ja-JP" altLang="en-US"/>
           </a:p>
@@ -959,7 +959,7 @@
           <a:p>
             <a:fld id="{38902CDB-4AA8-4DB9-834E-17D8C468A2CA}" type="datetimeFigureOut">
               <a:rPr kumimoji="1" lang="ja-JP" altLang="en-US" smtClean="0"/>
-              <a:t>2020/4/8</a:t>
+              <a:t>2020/4/28</a:t>
             </a:fld>
             <a:endParaRPr kumimoji="1" lang="ja-JP" altLang="en-US"/>
           </a:p>
@@ -1234,7 +1234,7 @@
           <a:p>
             <a:fld id="{38902CDB-4AA8-4DB9-834E-17D8C468A2CA}" type="datetimeFigureOut">
               <a:rPr kumimoji="1" lang="ja-JP" altLang="en-US" smtClean="0"/>
-              <a:t>2020/4/8</a:t>
+              <a:t>2020/4/28</a:t>
             </a:fld>
             <a:endParaRPr kumimoji="1" lang="ja-JP" altLang="en-US"/>
           </a:p>
@@ -1563,7 +1563,7 @@
           <a:p>
             <a:fld id="{38902CDB-4AA8-4DB9-834E-17D8C468A2CA}" type="datetimeFigureOut">
               <a:rPr kumimoji="1" lang="ja-JP" altLang="en-US" smtClean="0"/>
-              <a:t>2020/4/8</a:t>
+              <a:t>2020/4/28</a:t>
             </a:fld>
             <a:endParaRPr kumimoji="1" lang="ja-JP" altLang="en-US"/>
           </a:p>
@@ -2039,7 +2039,7 @@
           <a:p>
             <a:fld id="{38902CDB-4AA8-4DB9-834E-17D8C468A2CA}" type="datetimeFigureOut">
               <a:rPr kumimoji="1" lang="ja-JP" altLang="en-US" smtClean="0"/>
-              <a:t>2020/4/8</a:t>
+              <a:t>2020/4/28</a:t>
             </a:fld>
             <a:endParaRPr kumimoji="1" lang="ja-JP" altLang="en-US"/>
           </a:p>
@@ -2180,7 +2180,7 @@
           <a:p>
             <a:fld id="{38902CDB-4AA8-4DB9-834E-17D8C468A2CA}" type="datetimeFigureOut">
               <a:rPr kumimoji="1" lang="ja-JP" altLang="en-US" smtClean="0"/>
-              <a:t>2020/4/8</a:t>
+              <a:t>2020/4/28</a:t>
             </a:fld>
             <a:endParaRPr kumimoji="1" lang="ja-JP" altLang="en-US"/>
           </a:p>
@@ -2293,7 +2293,7 @@
           <a:p>
             <a:fld id="{38902CDB-4AA8-4DB9-834E-17D8C468A2CA}" type="datetimeFigureOut">
               <a:rPr kumimoji="1" lang="ja-JP" altLang="en-US" smtClean="0"/>
-              <a:t>2020/4/8</a:t>
+              <a:t>2020/4/28</a:t>
             </a:fld>
             <a:endParaRPr kumimoji="1" lang="ja-JP" altLang="en-US"/>
           </a:p>
@@ -2636,7 +2636,7 @@
           <a:p>
             <a:fld id="{38902CDB-4AA8-4DB9-834E-17D8C468A2CA}" type="datetimeFigureOut">
               <a:rPr kumimoji="1" lang="ja-JP" altLang="en-US" smtClean="0"/>
-              <a:t>2020/4/8</a:t>
+              <a:t>2020/4/28</a:t>
             </a:fld>
             <a:endParaRPr kumimoji="1" lang="ja-JP" altLang="en-US"/>
           </a:p>
@@ -2924,7 +2924,7 @@
           <a:p>
             <a:fld id="{38902CDB-4AA8-4DB9-834E-17D8C468A2CA}" type="datetimeFigureOut">
               <a:rPr kumimoji="1" lang="ja-JP" altLang="en-US" smtClean="0"/>
-              <a:t>2020/4/8</a:t>
+              <a:t>2020/4/28</a:t>
             </a:fld>
             <a:endParaRPr kumimoji="1" lang="ja-JP" altLang="en-US"/>
           </a:p>
@@ -3197,7 +3197,7 @@
           <a:p>
             <a:fld id="{38902CDB-4AA8-4DB9-834E-17D8C468A2CA}" type="datetimeFigureOut">
               <a:rPr kumimoji="1" lang="ja-JP" altLang="en-US" smtClean="0"/>
-              <a:t>2020/4/8</a:t>
+              <a:t>2020/4/28</a:t>
             </a:fld>
             <a:endParaRPr kumimoji="1" lang="ja-JP" altLang="en-US"/>
           </a:p>
@@ -3628,7 +3628,7 @@
         </p:nvSpPr>
         <p:spPr>
           <a:xfrm>
-            <a:off x="2530135" y="1878938"/>
+            <a:off x="506026" y="325345"/>
             <a:ext cx="5353235" cy="1550062"/>
           </a:xfrm>
           <a:prstGeom prst="rect">
@@ -3720,6 +3720,132 @@
               </a:effectLst>
               <a:latin typeface="HGS創英角ﾎﾟｯﾌﾟ体" panose="040B0A00000000000000" pitchFamily="50" charset="-128"/>
               <a:ea typeface="HGS創英角ﾎﾟｯﾌﾟ体" panose="040B0A00000000000000" pitchFamily="50" charset="-128"/>
+            </a:endParaRPr>
+          </a:p>
+        </p:txBody>
+      </p:sp>
+      <p:sp>
+        <p:nvSpPr>
+          <p:cNvPr id="2" name="テキスト ボックス 1">
+            <a:extLst>
+              <a:ext uri="{FF2B5EF4-FFF2-40B4-BE49-F238E27FC236}">
+                <a16:creationId xmlns:a16="http://schemas.microsoft.com/office/drawing/2014/main" id="{521446FF-465B-4943-B63A-8F1BB169639D}"/>
+              </a:ext>
+            </a:extLst>
+          </p:cNvPr>
+          <p:cNvSpPr txBox="1"/>
+          <p:nvPr/>
+        </p:nvSpPr>
+        <p:spPr>
+          <a:xfrm>
+            <a:off x="1392628" y="2440908"/>
+            <a:ext cx="5452839" cy="1200329"/>
+          </a:xfrm>
+          <a:prstGeom prst="rect">
+            <a:avLst/>
+          </a:prstGeom>
+          <a:noFill/>
+        </p:spPr>
+        <p:txBody>
+          <a:bodyPr wrap="none" rtlCol="0">
+            <a:prstTxWarp prst="textFadeDown">
+              <a:avLst>
+                <a:gd name="adj" fmla="val 12883"/>
+              </a:avLst>
+            </a:prstTxWarp>
+            <a:spAutoFit/>
+            <a:scene3d>
+              <a:camera prst="orthographicFront"/>
+              <a:lightRig rig="threePt" dir="t">
+                <a:rot lat="0" lon="0" rev="3600000"/>
+              </a:lightRig>
+            </a:scene3d>
+            <a:sp3d extrusionH="57150">
+              <a:bevelT w="82550" h="69850" prst="angle"/>
+            </a:sp3d>
+          </a:bodyPr>
+          <a:lstStyle/>
+          <a:p>
+            <a:r>
+              <a:rPr lang="en-US" altLang="ja-JP" sz="7200" b="1" dirty="0" err="1">
+                <a:ln w="57150">
+                  <a:solidFill>
+                    <a:srgbClr val="FF0000"/>
+                  </a:solidFill>
+                </a:ln>
+                <a:solidFill>
+                  <a:srgbClr val="FFC000"/>
+                </a:solidFill>
+                <a:effectLst>
+                  <a:innerShdw blurRad="63500" dist="50800" dir="13500000">
+                    <a:prstClr val="black">
+                      <a:alpha val="50000"/>
+                    </a:prstClr>
+                  </a:innerShdw>
+                </a:effectLst>
+                <a:latin typeface="Snap ITC" panose="04040A07060A02020202" pitchFamily="82" charset="0"/>
+              </a:rPr>
+              <a:t>Last</a:t>
+            </a:r>
+            <a:r>
+              <a:rPr lang="en-US" altLang="ja-JP" sz="7200" b="1" dirty="0" err="1">
+                <a:ln w="57150">
+                  <a:solidFill>
+                    <a:schemeClr val="accent1"/>
+                  </a:solidFill>
+                </a:ln>
+                <a:solidFill>
+                  <a:srgbClr val="FFC000"/>
+                </a:solidFill>
+                <a:effectLst>
+                  <a:innerShdw blurRad="63500" dist="50800" dir="13500000">
+                    <a:prstClr val="black">
+                      <a:alpha val="50000"/>
+                    </a:prstClr>
+                  </a:innerShdw>
+                </a:effectLst>
+                <a:latin typeface="Snap ITC" panose="04040A07060A02020202" pitchFamily="82" charset="0"/>
+              </a:rPr>
+              <a:t>Kick</a:t>
+            </a:r>
+            <a:r>
+              <a:rPr lang="en-US" altLang="ja-JP" sz="7200" b="1" dirty="0">
+                <a:ln w="57150">
+                  <a:solidFill>
+                    <a:schemeClr val="accent1"/>
+                  </a:solidFill>
+                </a:ln>
+                <a:solidFill>
+                  <a:srgbClr val="FFC000"/>
+                </a:solidFill>
+                <a:effectLst>
+                  <a:innerShdw blurRad="63500" dist="50800" dir="13500000">
+                    <a:prstClr val="black">
+                      <a:alpha val="50000"/>
+                    </a:prstClr>
+                  </a:innerShdw>
+                </a:effectLst>
+                <a:latin typeface="Snap ITC" panose="04040A07060A02020202" pitchFamily="82" charset="0"/>
+              </a:rPr>
+              <a:t>!</a:t>
+            </a:r>
+            <a:endParaRPr kumimoji="1" lang="ja-JP" altLang="en-US" sz="7200" b="1" dirty="0">
+              <a:ln w="57150">
+                <a:solidFill>
+                  <a:schemeClr val="accent1"/>
+                </a:solidFill>
+              </a:ln>
+              <a:solidFill>
+                <a:srgbClr val="FFC000"/>
+              </a:solidFill>
+              <a:effectLst>
+                <a:innerShdw blurRad="63500" dist="50800" dir="13500000">
+                  <a:prstClr val="black">
+                    <a:alpha val="50000"/>
+                  </a:prstClr>
+                </a:innerShdw>
+              </a:effectLst>
+              <a:latin typeface="Snap ITC" panose="04040A07060A02020202" pitchFamily="82" charset="0"/>
             </a:endParaRPr>
           </a:p>
         </p:txBody>

--- a/HEW/data/TEXTURE/ロゴ作成.pptx
+++ b/HEW/data/TEXTURE/ロゴ作成.pptx
@@ -259,7 +259,7 @@
           <a:p>
             <a:fld id="{38902CDB-4AA8-4DB9-834E-17D8C468A2CA}" type="datetimeFigureOut">
               <a:rPr kumimoji="1" lang="ja-JP" altLang="en-US" smtClean="0"/>
-              <a:t>2020/4/28</a:t>
+              <a:t>2020/5/13</a:t>
             </a:fld>
             <a:endParaRPr kumimoji="1" lang="ja-JP" altLang="en-US"/>
           </a:p>
@@ -489,7 +489,7 @@
           <a:p>
             <a:fld id="{38902CDB-4AA8-4DB9-834E-17D8C468A2CA}" type="datetimeFigureOut">
               <a:rPr kumimoji="1" lang="ja-JP" altLang="en-US" smtClean="0"/>
-              <a:t>2020/4/28</a:t>
+              <a:t>2020/5/13</a:t>
             </a:fld>
             <a:endParaRPr kumimoji="1" lang="ja-JP" altLang="en-US"/>
           </a:p>
@@ -729,7 +729,7 @@
           <a:p>
             <a:fld id="{38902CDB-4AA8-4DB9-834E-17D8C468A2CA}" type="datetimeFigureOut">
               <a:rPr kumimoji="1" lang="ja-JP" altLang="en-US" smtClean="0"/>
-              <a:t>2020/4/28</a:t>
+              <a:t>2020/5/13</a:t>
             </a:fld>
             <a:endParaRPr kumimoji="1" lang="ja-JP" altLang="en-US"/>
           </a:p>
@@ -959,7 +959,7 @@
           <a:p>
             <a:fld id="{38902CDB-4AA8-4DB9-834E-17D8C468A2CA}" type="datetimeFigureOut">
               <a:rPr kumimoji="1" lang="ja-JP" altLang="en-US" smtClean="0"/>
-              <a:t>2020/4/28</a:t>
+              <a:t>2020/5/13</a:t>
             </a:fld>
             <a:endParaRPr kumimoji="1" lang="ja-JP" altLang="en-US"/>
           </a:p>
@@ -1234,7 +1234,7 @@
           <a:p>
             <a:fld id="{38902CDB-4AA8-4DB9-834E-17D8C468A2CA}" type="datetimeFigureOut">
               <a:rPr kumimoji="1" lang="ja-JP" altLang="en-US" smtClean="0"/>
-              <a:t>2020/4/28</a:t>
+              <a:t>2020/5/13</a:t>
             </a:fld>
             <a:endParaRPr kumimoji="1" lang="ja-JP" altLang="en-US"/>
           </a:p>
@@ -1563,7 +1563,7 @@
           <a:p>
             <a:fld id="{38902CDB-4AA8-4DB9-834E-17D8C468A2CA}" type="datetimeFigureOut">
               <a:rPr kumimoji="1" lang="ja-JP" altLang="en-US" smtClean="0"/>
-              <a:t>2020/4/28</a:t>
+              <a:t>2020/5/13</a:t>
             </a:fld>
             <a:endParaRPr kumimoji="1" lang="ja-JP" altLang="en-US"/>
           </a:p>
@@ -2039,7 +2039,7 @@
           <a:p>
             <a:fld id="{38902CDB-4AA8-4DB9-834E-17D8C468A2CA}" type="datetimeFigureOut">
               <a:rPr kumimoji="1" lang="ja-JP" altLang="en-US" smtClean="0"/>
-              <a:t>2020/4/28</a:t>
+              <a:t>2020/5/13</a:t>
             </a:fld>
             <a:endParaRPr kumimoji="1" lang="ja-JP" altLang="en-US"/>
           </a:p>
@@ -2180,7 +2180,7 @@
           <a:p>
             <a:fld id="{38902CDB-4AA8-4DB9-834E-17D8C468A2CA}" type="datetimeFigureOut">
               <a:rPr kumimoji="1" lang="ja-JP" altLang="en-US" smtClean="0"/>
-              <a:t>2020/4/28</a:t>
+              <a:t>2020/5/13</a:t>
             </a:fld>
             <a:endParaRPr kumimoji="1" lang="ja-JP" altLang="en-US"/>
           </a:p>
@@ -2293,7 +2293,7 @@
           <a:p>
             <a:fld id="{38902CDB-4AA8-4DB9-834E-17D8C468A2CA}" type="datetimeFigureOut">
               <a:rPr kumimoji="1" lang="ja-JP" altLang="en-US" smtClean="0"/>
-              <a:t>2020/4/28</a:t>
+              <a:t>2020/5/13</a:t>
             </a:fld>
             <a:endParaRPr kumimoji="1" lang="ja-JP" altLang="en-US"/>
           </a:p>
@@ -2636,7 +2636,7 @@
           <a:p>
             <a:fld id="{38902CDB-4AA8-4DB9-834E-17D8C468A2CA}" type="datetimeFigureOut">
               <a:rPr kumimoji="1" lang="ja-JP" altLang="en-US" smtClean="0"/>
-              <a:t>2020/4/28</a:t>
+              <a:t>2020/5/13</a:t>
             </a:fld>
             <a:endParaRPr kumimoji="1" lang="ja-JP" altLang="en-US"/>
           </a:p>
@@ -2924,7 +2924,7 @@
           <a:p>
             <a:fld id="{38902CDB-4AA8-4DB9-834E-17D8C468A2CA}" type="datetimeFigureOut">
               <a:rPr kumimoji="1" lang="ja-JP" altLang="en-US" smtClean="0"/>
-              <a:t>2020/4/28</a:t>
+              <a:t>2020/5/13</a:t>
             </a:fld>
             <a:endParaRPr kumimoji="1" lang="ja-JP" altLang="en-US"/>
           </a:p>
@@ -3197,7 +3197,7 @@
           <a:p>
             <a:fld id="{38902CDB-4AA8-4DB9-834E-17D8C468A2CA}" type="datetimeFigureOut">
               <a:rPr kumimoji="1" lang="ja-JP" altLang="en-US" smtClean="0"/>
-              <a:t>2020/4/28</a:t>
+              <a:t>2020/5/13</a:t>
             </a:fld>
             <a:endParaRPr kumimoji="1" lang="ja-JP" altLang="en-US"/>
           </a:p>
@@ -3850,6 +3850,591 @@
           </a:p>
         </p:txBody>
       </p:sp>
+      <p:pic>
+        <p:nvPicPr>
+          <p:cNvPr id="5" name="図 4" descr="建物, 塗装, 男, 落書き が含まれている画像&#10;&#10;自動的に生成された説明">
+            <a:extLst>
+              <a:ext uri="{FF2B5EF4-FFF2-40B4-BE49-F238E27FC236}">
+                <a16:creationId xmlns:a16="http://schemas.microsoft.com/office/drawing/2014/main" id="{AE02EAFE-98F7-4643-8896-9B339036B5DF}"/>
+              </a:ext>
+            </a:extLst>
+          </p:cNvPr>
+          <p:cNvPicPr>
+            <a:picLocks noChangeAspect="1"/>
+          </p:cNvPicPr>
+          <p:nvPr/>
+        </p:nvPicPr>
+        <p:blipFill>
+          <a:blip r:embed="rId2">
+            <a:extLst>
+              <a:ext uri="{28A0092B-C50C-407E-A947-70E740481C1C}">
+                <a14:useLocalDpi xmlns:a14="http://schemas.microsoft.com/office/drawing/2010/main" val="0"/>
+              </a:ext>
+            </a:extLst>
+          </a:blip>
+          <a:stretch>
+            <a:fillRect/>
+          </a:stretch>
+        </p:blipFill>
+        <p:spPr>
+          <a:xfrm>
+            <a:off x="7620000" y="351407"/>
+            <a:ext cx="1524000" cy="1524000"/>
+          </a:xfrm>
+          <a:prstGeom prst="rect">
+            <a:avLst/>
+          </a:prstGeom>
+        </p:spPr>
+      </p:pic>
+      <p:pic>
+        <p:nvPicPr>
+          <p:cNvPr id="7" name="図 6" descr="建物, ベンチ, 座る, 木製 が含まれている画像&#10;&#10;自動的に生成された説明">
+            <a:extLst>
+              <a:ext uri="{FF2B5EF4-FFF2-40B4-BE49-F238E27FC236}">
+                <a16:creationId xmlns:a16="http://schemas.microsoft.com/office/drawing/2014/main" id="{A85EA9CA-3173-48C3-9865-DFECF049B585}"/>
+              </a:ext>
+            </a:extLst>
+          </p:cNvPr>
+          <p:cNvPicPr>
+            <a:picLocks noChangeAspect="1"/>
+          </p:cNvPicPr>
+          <p:nvPr/>
+        </p:nvPicPr>
+        <p:blipFill>
+          <a:blip r:embed="rId3">
+            <a:extLst>
+              <a:ext uri="{28A0092B-C50C-407E-A947-70E740481C1C}">
+                <a14:useLocalDpi xmlns:a14="http://schemas.microsoft.com/office/drawing/2010/main" val="0"/>
+              </a:ext>
+            </a:extLst>
+          </a:blip>
+          <a:stretch>
+            <a:fillRect/>
+          </a:stretch>
+        </p:blipFill>
+        <p:spPr>
+          <a:xfrm rot="5400000">
+            <a:off x="7620000" y="1875407"/>
+            <a:ext cx="1524000" cy="1524000"/>
+          </a:xfrm>
+          <a:prstGeom prst="rect">
+            <a:avLst/>
+          </a:prstGeom>
+        </p:spPr>
+      </p:pic>
+      <p:pic>
+        <p:nvPicPr>
+          <p:cNvPr id="8" name="図 7" descr="建物, 塗装, 男, 落書き が含まれている画像&#10;&#10;自動的に生成された説明">
+            <a:extLst>
+              <a:ext uri="{FF2B5EF4-FFF2-40B4-BE49-F238E27FC236}">
+                <a16:creationId xmlns:a16="http://schemas.microsoft.com/office/drawing/2014/main" id="{67BA1436-D578-409D-BBE5-41EF5F2CBB9A}"/>
+              </a:ext>
+            </a:extLst>
+          </p:cNvPr>
+          <p:cNvPicPr>
+            <a:picLocks noChangeAspect="1"/>
+          </p:cNvPicPr>
+          <p:nvPr/>
+        </p:nvPicPr>
+        <p:blipFill>
+          <a:blip r:embed="rId2">
+            <a:extLst>
+              <a:ext uri="{28A0092B-C50C-407E-A947-70E740481C1C}">
+                <a14:useLocalDpi xmlns:a14="http://schemas.microsoft.com/office/drawing/2010/main" val="0"/>
+              </a:ext>
+            </a:extLst>
+          </a:blip>
+          <a:stretch>
+            <a:fillRect/>
+          </a:stretch>
+        </p:blipFill>
+        <p:spPr>
+          <a:xfrm>
+            <a:off x="7620000" y="3399407"/>
+            <a:ext cx="1524000" cy="1524000"/>
+          </a:xfrm>
+          <a:prstGeom prst="rect">
+            <a:avLst/>
+          </a:prstGeom>
+        </p:spPr>
+      </p:pic>
+      <p:pic>
+        <p:nvPicPr>
+          <p:cNvPr id="9" name="図 8" descr="建物, ベンチ, 座る, 木製 が含まれている画像&#10;&#10;自動的に生成された説明">
+            <a:extLst>
+              <a:ext uri="{FF2B5EF4-FFF2-40B4-BE49-F238E27FC236}">
+                <a16:creationId xmlns:a16="http://schemas.microsoft.com/office/drawing/2014/main" id="{20663E3F-58A9-4227-AE3A-7634DDD8A808}"/>
+              </a:ext>
+            </a:extLst>
+          </p:cNvPr>
+          <p:cNvPicPr>
+            <a:picLocks noChangeAspect="1"/>
+          </p:cNvPicPr>
+          <p:nvPr/>
+        </p:nvPicPr>
+        <p:blipFill>
+          <a:blip r:embed="rId3">
+            <a:extLst>
+              <a:ext uri="{28A0092B-C50C-407E-A947-70E740481C1C}">
+                <a14:useLocalDpi xmlns:a14="http://schemas.microsoft.com/office/drawing/2010/main" val="0"/>
+              </a:ext>
+            </a:extLst>
+          </a:blip>
+          <a:stretch>
+            <a:fillRect/>
+          </a:stretch>
+        </p:blipFill>
+        <p:spPr>
+          <a:xfrm rot="5400000">
+            <a:off x="7620000" y="4923407"/>
+            <a:ext cx="1524000" cy="1524000"/>
+          </a:xfrm>
+          <a:prstGeom prst="rect">
+            <a:avLst/>
+          </a:prstGeom>
+        </p:spPr>
+      </p:pic>
+      <p:pic>
+        <p:nvPicPr>
+          <p:cNvPr id="10" name="図 9" descr="建物, ベンチ, 座る, 木製 が含まれている画像&#10;&#10;自動的に生成された説明">
+            <a:extLst>
+              <a:ext uri="{FF2B5EF4-FFF2-40B4-BE49-F238E27FC236}">
+                <a16:creationId xmlns:a16="http://schemas.microsoft.com/office/drawing/2014/main" id="{AC1A378D-17FC-4A45-8D7C-4A14D34EEB51}"/>
+              </a:ext>
+            </a:extLst>
+          </p:cNvPr>
+          <p:cNvPicPr>
+            <a:picLocks noChangeAspect="1"/>
+          </p:cNvPicPr>
+          <p:nvPr/>
+        </p:nvPicPr>
+        <p:blipFill>
+          <a:blip r:embed="rId3">
+            <a:extLst>
+              <a:ext uri="{28A0092B-C50C-407E-A947-70E740481C1C}">
+                <a14:useLocalDpi xmlns:a14="http://schemas.microsoft.com/office/drawing/2010/main" val="0"/>
+              </a:ext>
+            </a:extLst>
+          </a:blip>
+          <a:stretch>
+            <a:fillRect/>
+          </a:stretch>
+        </p:blipFill>
+        <p:spPr>
+          <a:xfrm rot="5400000">
+            <a:off x="6096000" y="1875407"/>
+            <a:ext cx="1524000" cy="1524000"/>
+          </a:xfrm>
+          <a:prstGeom prst="rect">
+            <a:avLst/>
+          </a:prstGeom>
+        </p:spPr>
+      </p:pic>
+      <p:pic>
+        <p:nvPicPr>
+          <p:cNvPr id="11" name="図 10" descr="建物, ベンチ, 座る, 木製 が含まれている画像&#10;&#10;自動的に生成された説明">
+            <a:extLst>
+              <a:ext uri="{FF2B5EF4-FFF2-40B4-BE49-F238E27FC236}">
+                <a16:creationId xmlns:a16="http://schemas.microsoft.com/office/drawing/2014/main" id="{50C6E6B6-059D-416C-A88B-B11D04CBFF00}"/>
+              </a:ext>
+            </a:extLst>
+          </p:cNvPr>
+          <p:cNvPicPr>
+            <a:picLocks noChangeAspect="1"/>
+          </p:cNvPicPr>
+          <p:nvPr/>
+        </p:nvPicPr>
+        <p:blipFill>
+          <a:blip r:embed="rId3">
+            <a:extLst>
+              <a:ext uri="{28A0092B-C50C-407E-A947-70E740481C1C}">
+                <a14:useLocalDpi xmlns:a14="http://schemas.microsoft.com/office/drawing/2010/main" val="0"/>
+              </a:ext>
+            </a:extLst>
+          </a:blip>
+          <a:stretch>
+            <a:fillRect/>
+          </a:stretch>
+        </p:blipFill>
+        <p:spPr>
+          <a:xfrm rot="5400000">
+            <a:off x="9144000" y="1875407"/>
+            <a:ext cx="1524000" cy="1524000"/>
+          </a:xfrm>
+          <a:prstGeom prst="rect">
+            <a:avLst/>
+          </a:prstGeom>
+        </p:spPr>
+      </p:pic>
+      <p:pic>
+        <p:nvPicPr>
+          <p:cNvPr id="12" name="図 11" descr="建物, ベンチ, 座る, 木製 が含まれている画像&#10;&#10;自動的に生成された説明">
+            <a:extLst>
+              <a:ext uri="{FF2B5EF4-FFF2-40B4-BE49-F238E27FC236}">
+                <a16:creationId xmlns:a16="http://schemas.microsoft.com/office/drawing/2014/main" id="{EA5D69A1-D631-4DD4-8712-6E9AF3316F8C}"/>
+              </a:ext>
+            </a:extLst>
+          </p:cNvPr>
+          <p:cNvPicPr>
+            <a:picLocks noChangeAspect="1"/>
+          </p:cNvPicPr>
+          <p:nvPr/>
+        </p:nvPicPr>
+        <p:blipFill>
+          <a:blip r:embed="rId4">
+            <a:extLst>
+              <a:ext uri="{BEBA8EAE-BF5A-486C-A8C5-ECC9F3942E4B}">
+                <a14:imgProps xmlns:a14="http://schemas.microsoft.com/office/drawing/2010/main">
+                  <a14:imgLayer r:embed="rId5">
+                    <a14:imgEffect>
+                      <a14:artisticChalkSketch/>
+                    </a14:imgEffect>
+                  </a14:imgLayer>
+                </a14:imgProps>
+              </a:ext>
+              <a:ext uri="{28A0092B-C50C-407E-A947-70E740481C1C}">
+                <a14:useLocalDpi xmlns:a14="http://schemas.microsoft.com/office/drawing/2010/main" val="0"/>
+              </a:ext>
+            </a:extLst>
+          </a:blip>
+          <a:stretch>
+            <a:fillRect/>
+          </a:stretch>
+        </p:blipFill>
+        <p:spPr>
+          <a:xfrm rot="5400000">
+            <a:off x="10668000" y="1875407"/>
+            <a:ext cx="1524000" cy="1524000"/>
+          </a:xfrm>
+          <a:prstGeom prst="rect">
+            <a:avLst/>
+          </a:prstGeom>
+        </p:spPr>
+      </p:pic>
+      <p:sp>
+        <p:nvSpPr>
+          <p:cNvPr id="13" name="テキスト ボックス 12">
+            <a:extLst>
+              <a:ext uri="{FF2B5EF4-FFF2-40B4-BE49-F238E27FC236}">
+                <a16:creationId xmlns:a16="http://schemas.microsoft.com/office/drawing/2014/main" id="{46BC6945-1F00-4457-8283-148587D504C0}"/>
+              </a:ext>
+            </a:extLst>
+          </p:cNvPr>
+          <p:cNvSpPr txBox="1"/>
+          <p:nvPr/>
+        </p:nvSpPr>
+        <p:spPr>
+          <a:xfrm rot="10800000">
+            <a:off x="8087557" y="3852909"/>
+            <a:ext cx="595035" cy="584775"/>
+          </a:xfrm>
+          <a:prstGeom prst="rect">
+            <a:avLst/>
+          </a:prstGeom>
+          <a:noFill/>
+        </p:spPr>
+        <p:txBody>
+          <a:bodyPr wrap="none" rtlCol="0">
+            <a:spAutoFit/>
+          </a:bodyPr>
+          <a:lstStyle/>
+          <a:p>
+            <a:r>
+              <a:rPr kumimoji="1" lang="ja-JP" altLang="en-US" sz="3200" b="1" dirty="0">
+                <a:highlight>
+                  <a:srgbClr val="FFFF00"/>
+                </a:highlight>
+              </a:rPr>
+              <a:t>裏</a:t>
+            </a:r>
+          </a:p>
+        </p:txBody>
+      </p:sp>
+      <p:sp>
+        <p:nvSpPr>
+          <p:cNvPr id="14" name="テキスト ボックス 13">
+            <a:extLst>
+              <a:ext uri="{FF2B5EF4-FFF2-40B4-BE49-F238E27FC236}">
+                <a16:creationId xmlns:a16="http://schemas.microsoft.com/office/drawing/2014/main" id="{64EEE056-C52B-414A-9EB9-8D071E7CA89E}"/>
+              </a:ext>
+            </a:extLst>
+          </p:cNvPr>
+          <p:cNvSpPr txBox="1"/>
+          <p:nvPr/>
+        </p:nvSpPr>
+        <p:spPr>
+          <a:xfrm>
+            <a:off x="8056486" y="837130"/>
+            <a:ext cx="595035" cy="584775"/>
+          </a:xfrm>
+          <a:prstGeom prst="rect">
+            <a:avLst/>
+          </a:prstGeom>
+          <a:noFill/>
+        </p:spPr>
+        <p:txBody>
+          <a:bodyPr wrap="none" rtlCol="0">
+            <a:spAutoFit/>
+          </a:bodyPr>
+          <a:lstStyle/>
+          <a:p>
+            <a:r>
+              <a:rPr kumimoji="1" lang="ja-JP" altLang="en-US" sz="3200" b="1" dirty="0">
+                <a:highlight>
+                  <a:srgbClr val="FFFF00"/>
+                </a:highlight>
+              </a:rPr>
+              <a:t>表</a:t>
+            </a:r>
+          </a:p>
+        </p:txBody>
+      </p:sp>
+      <p:sp>
+        <p:nvSpPr>
+          <p:cNvPr id="15" name="テキスト ボックス 14">
+            <a:extLst>
+              <a:ext uri="{FF2B5EF4-FFF2-40B4-BE49-F238E27FC236}">
+                <a16:creationId xmlns:a16="http://schemas.microsoft.com/office/drawing/2014/main" id="{D46206E8-AA92-41AE-A4B3-EF59CEA4FEA0}"/>
+              </a:ext>
+            </a:extLst>
+          </p:cNvPr>
+          <p:cNvSpPr txBox="1"/>
+          <p:nvPr/>
+        </p:nvSpPr>
+        <p:spPr>
+          <a:xfrm>
+            <a:off x="10627128" y="2183575"/>
+            <a:ext cx="1415772" cy="1077218"/>
+          </a:xfrm>
+          <a:prstGeom prst="rect">
+            <a:avLst/>
+          </a:prstGeom>
+          <a:noFill/>
+        </p:spPr>
+        <p:txBody>
+          <a:bodyPr wrap="none" rtlCol="0">
+            <a:spAutoFit/>
+          </a:bodyPr>
+          <a:lstStyle/>
+          <a:p>
+            <a:r>
+              <a:rPr lang="ja-JP" altLang="en-US" sz="3200" b="1" dirty="0">
+                <a:highlight>
+                  <a:srgbClr val="FFFF00"/>
+                </a:highlight>
+              </a:rPr>
+              <a:t>使用</a:t>
+            </a:r>
+            <a:endParaRPr lang="en-US" altLang="ja-JP" sz="3200" b="1" dirty="0">
+              <a:highlight>
+                <a:srgbClr val="FFFF00"/>
+              </a:highlight>
+            </a:endParaRPr>
+          </a:p>
+          <a:p>
+            <a:r>
+              <a:rPr kumimoji="1" lang="ja-JP" altLang="en-US" sz="3200" b="1" dirty="0">
+                <a:highlight>
+                  <a:srgbClr val="FFFF00"/>
+                </a:highlight>
+              </a:rPr>
+              <a:t>しない</a:t>
+            </a:r>
+          </a:p>
+        </p:txBody>
+      </p:sp>
+      <p:sp>
+        <p:nvSpPr>
+          <p:cNvPr id="16" name="テキスト ボックス 15">
+            <a:extLst>
+              <a:ext uri="{FF2B5EF4-FFF2-40B4-BE49-F238E27FC236}">
+                <a16:creationId xmlns:a16="http://schemas.microsoft.com/office/drawing/2014/main" id="{A35F4DDD-7D92-46C4-9151-FBD1C9F142E2}"/>
+              </a:ext>
+            </a:extLst>
+          </p:cNvPr>
+          <p:cNvSpPr txBox="1"/>
+          <p:nvPr/>
+        </p:nvSpPr>
+        <p:spPr>
+          <a:xfrm>
+            <a:off x="7701171" y="2361130"/>
+            <a:ext cx="1241045" cy="584775"/>
+          </a:xfrm>
+          <a:prstGeom prst="rect">
+            <a:avLst/>
+          </a:prstGeom>
+          <a:noFill/>
+        </p:spPr>
+        <p:txBody>
+          <a:bodyPr wrap="none" rtlCol="0">
+            <a:spAutoFit/>
+          </a:bodyPr>
+          <a:lstStyle/>
+          <a:p>
+            <a:r>
+              <a:rPr lang="ja-JP" altLang="en-US" sz="3200" b="1" dirty="0">
+                <a:highlight>
+                  <a:srgbClr val="FFFF00"/>
+                </a:highlight>
+              </a:rPr>
+              <a:t>側面</a:t>
+            </a:r>
+            <a:r>
+              <a:rPr lang="en-US" altLang="ja-JP" sz="3200" b="1" dirty="0">
+                <a:highlight>
+                  <a:srgbClr val="FFFF00"/>
+                </a:highlight>
+              </a:rPr>
+              <a:t>2</a:t>
+            </a:r>
+            <a:endParaRPr kumimoji="1" lang="ja-JP" altLang="en-US" sz="3200" b="1" dirty="0">
+              <a:highlight>
+                <a:srgbClr val="FFFF00"/>
+              </a:highlight>
+            </a:endParaRPr>
+          </a:p>
+        </p:txBody>
+      </p:sp>
+      <p:sp>
+        <p:nvSpPr>
+          <p:cNvPr id="17" name="テキスト ボックス 16">
+            <a:extLst>
+              <a:ext uri="{FF2B5EF4-FFF2-40B4-BE49-F238E27FC236}">
+                <a16:creationId xmlns:a16="http://schemas.microsoft.com/office/drawing/2014/main" id="{E9AABB88-90A5-40D8-B367-C0A0180FC072}"/>
+              </a:ext>
+            </a:extLst>
+          </p:cNvPr>
+          <p:cNvSpPr txBox="1"/>
+          <p:nvPr/>
+        </p:nvSpPr>
+        <p:spPr>
+          <a:xfrm>
+            <a:off x="6204228" y="2361130"/>
+            <a:ext cx="1415772" cy="584775"/>
+          </a:xfrm>
+          <a:prstGeom prst="rect">
+            <a:avLst/>
+          </a:prstGeom>
+          <a:noFill/>
+        </p:spPr>
+        <p:txBody>
+          <a:bodyPr wrap="none" rtlCol="0">
+            <a:spAutoFit/>
+          </a:bodyPr>
+          <a:lstStyle/>
+          <a:p>
+            <a:r>
+              <a:rPr lang="ja-JP" altLang="en-US" sz="3200" b="1" dirty="0">
+                <a:highlight>
+                  <a:srgbClr val="FFFF00"/>
+                </a:highlight>
+              </a:rPr>
+              <a:t>側面１</a:t>
+            </a:r>
+            <a:endParaRPr kumimoji="1" lang="ja-JP" altLang="en-US" sz="3200" b="1" dirty="0">
+              <a:highlight>
+                <a:srgbClr val="FFFF00"/>
+              </a:highlight>
+            </a:endParaRPr>
+          </a:p>
+        </p:txBody>
+      </p:sp>
+      <p:sp>
+        <p:nvSpPr>
+          <p:cNvPr id="18" name="テキスト ボックス 17">
+            <a:extLst>
+              <a:ext uri="{FF2B5EF4-FFF2-40B4-BE49-F238E27FC236}">
+                <a16:creationId xmlns:a16="http://schemas.microsoft.com/office/drawing/2014/main" id="{0471389F-0E06-4055-AE3A-22AE11CC4FF9}"/>
+              </a:ext>
+            </a:extLst>
+          </p:cNvPr>
+          <p:cNvSpPr txBox="1"/>
+          <p:nvPr/>
+        </p:nvSpPr>
+        <p:spPr>
+          <a:xfrm>
+            <a:off x="9318727" y="2361130"/>
+            <a:ext cx="1241045" cy="584775"/>
+          </a:xfrm>
+          <a:prstGeom prst="rect">
+            <a:avLst/>
+          </a:prstGeom>
+          <a:noFill/>
+        </p:spPr>
+        <p:txBody>
+          <a:bodyPr wrap="none" rtlCol="0">
+            <a:spAutoFit/>
+          </a:bodyPr>
+          <a:lstStyle/>
+          <a:p>
+            <a:r>
+              <a:rPr lang="ja-JP" altLang="en-US" sz="3200" b="1" dirty="0">
+                <a:highlight>
+                  <a:srgbClr val="FFFF00"/>
+                </a:highlight>
+              </a:rPr>
+              <a:t>側面</a:t>
+            </a:r>
+            <a:r>
+              <a:rPr lang="en-US" altLang="ja-JP" sz="3200" b="1" dirty="0">
+                <a:highlight>
+                  <a:srgbClr val="FFFF00"/>
+                </a:highlight>
+              </a:rPr>
+              <a:t>3</a:t>
+            </a:r>
+            <a:endParaRPr kumimoji="1" lang="ja-JP" altLang="en-US" sz="3200" b="1" dirty="0">
+              <a:highlight>
+                <a:srgbClr val="FFFF00"/>
+              </a:highlight>
+            </a:endParaRPr>
+          </a:p>
+        </p:txBody>
+      </p:sp>
+      <p:sp>
+        <p:nvSpPr>
+          <p:cNvPr id="19" name="テキスト ボックス 18">
+            <a:extLst>
+              <a:ext uri="{FF2B5EF4-FFF2-40B4-BE49-F238E27FC236}">
+                <a16:creationId xmlns:a16="http://schemas.microsoft.com/office/drawing/2014/main" id="{38E7951E-2C64-4FF2-90FF-19C8857F0444}"/>
+              </a:ext>
+            </a:extLst>
+          </p:cNvPr>
+          <p:cNvSpPr txBox="1"/>
+          <p:nvPr/>
+        </p:nvSpPr>
+        <p:spPr>
+          <a:xfrm rot="10800000">
+            <a:off x="7674114" y="5393019"/>
+            <a:ext cx="1415772" cy="584775"/>
+          </a:xfrm>
+          <a:prstGeom prst="rect">
+            <a:avLst/>
+          </a:prstGeom>
+          <a:noFill/>
+        </p:spPr>
+        <p:txBody>
+          <a:bodyPr wrap="none" rtlCol="0">
+            <a:spAutoFit/>
+          </a:bodyPr>
+          <a:lstStyle/>
+          <a:p>
+            <a:r>
+              <a:rPr lang="ja-JP" altLang="en-US" sz="3200" b="1" dirty="0">
+                <a:highlight>
+                  <a:srgbClr val="FFFF00"/>
+                </a:highlight>
+              </a:rPr>
+              <a:t>側面４</a:t>
+            </a:r>
+            <a:endParaRPr kumimoji="1" lang="ja-JP" altLang="en-US" sz="3200" b="1" dirty="0">
+              <a:highlight>
+                <a:srgbClr val="FFFF00"/>
+              </a:highlight>
+            </a:endParaRPr>
+          </a:p>
+        </p:txBody>
+      </p:sp>
     </p:spTree>
     <p:extLst>
       <p:ext uri="{BB962C8B-B14F-4D97-AF65-F5344CB8AC3E}">

--- a/HEW/data/TEXTURE/ロゴ作成.pptx
+++ b/HEW/data/TEXTURE/ロゴ作成.pptx
@@ -259,7 +259,7 @@
           <a:p>
             <a:fld id="{38902CDB-4AA8-4DB9-834E-17D8C468A2CA}" type="datetimeFigureOut">
               <a:rPr kumimoji="1" lang="ja-JP" altLang="en-US" smtClean="0"/>
-              <a:t>2020/5/13</a:t>
+              <a:t>2020/5/17</a:t>
             </a:fld>
             <a:endParaRPr kumimoji="1" lang="ja-JP" altLang="en-US"/>
           </a:p>
@@ -489,7 +489,7 @@
           <a:p>
             <a:fld id="{38902CDB-4AA8-4DB9-834E-17D8C468A2CA}" type="datetimeFigureOut">
               <a:rPr kumimoji="1" lang="ja-JP" altLang="en-US" smtClean="0"/>
-              <a:t>2020/5/13</a:t>
+              <a:t>2020/5/17</a:t>
             </a:fld>
             <a:endParaRPr kumimoji="1" lang="ja-JP" altLang="en-US"/>
           </a:p>
@@ -729,7 +729,7 @@
           <a:p>
             <a:fld id="{38902CDB-4AA8-4DB9-834E-17D8C468A2CA}" type="datetimeFigureOut">
               <a:rPr kumimoji="1" lang="ja-JP" altLang="en-US" smtClean="0"/>
-              <a:t>2020/5/13</a:t>
+              <a:t>2020/5/17</a:t>
             </a:fld>
             <a:endParaRPr kumimoji="1" lang="ja-JP" altLang="en-US"/>
           </a:p>
@@ -959,7 +959,7 @@
           <a:p>
             <a:fld id="{38902CDB-4AA8-4DB9-834E-17D8C468A2CA}" type="datetimeFigureOut">
               <a:rPr kumimoji="1" lang="ja-JP" altLang="en-US" smtClean="0"/>
-              <a:t>2020/5/13</a:t>
+              <a:t>2020/5/17</a:t>
             </a:fld>
             <a:endParaRPr kumimoji="1" lang="ja-JP" altLang="en-US"/>
           </a:p>
@@ -1234,7 +1234,7 @@
           <a:p>
             <a:fld id="{38902CDB-4AA8-4DB9-834E-17D8C468A2CA}" type="datetimeFigureOut">
               <a:rPr kumimoji="1" lang="ja-JP" altLang="en-US" smtClean="0"/>
-              <a:t>2020/5/13</a:t>
+              <a:t>2020/5/17</a:t>
             </a:fld>
             <a:endParaRPr kumimoji="1" lang="ja-JP" altLang="en-US"/>
           </a:p>
@@ -1563,7 +1563,7 @@
           <a:p>
             <a:fld id="{38902CDB-4AA8-4DB9-834E-17D8C468A2CA}" type="datetimeFigureOut">
               <a:rPr kumimoji="1" lang="ja-JP" altLang="en-US" smtClean="0"/>
-              <a:t>2020/5/13</a:t>
+              <a:t>2020/5/17</a:t>
             </a:fld>
             <a:endParaRPr kumimoji="1" lang="ja-JP" altLang="en-US"/>
           </a:p>
@@ -2039,7 +2039,7 @@
           <a:p>
             <a:fld id="{38902CDB-4AA8-4DB9-834E-17D8C468A2CA}" type="datetimeFigureOut">
               <a:rPr kumimoji="1" lang="ja-JP" altLang="en-US" smtClean="0"/>
-              <a:t>2020/5/13</a:t>
+              <a:t>2020/5/17</a:t>
             </a:fld>
             <a:endParaRPr kumimoji="1" lang="ja-JP" altLang="en-US"/>
           </a:p>
@@ -2180,7 +2180,7 @@
           <a:p>
             <a:fld id="{38902CDB-4AA8-4DB9-834E-17D8C468A2CA}" type="datetimeFigureOut">
               <a:rPr kumimoji="1" lang="ja-JP" altLang="en-US" smtClean="0"/>
-              <a:t>2020/5/13</a:t>
+              <a:t>2020/5/17</a:t>
             </a:fld>
             <a:endParaRPr kumimoji="1" lang="ja-JP" altLang="en-US"/>
           </a:p>
@@ -2293,7 +2293,7 @@
           <a:p>
             <a:fld id="{38902CDB-4AA8-4DB9-834E-17D8C468A2CA}" type="datetimeFigureOut">
               <a:rPr kumimoji="1" lang="ja-JP" altLang="en-US" smtClean="0"/>
-              <a:t>2020/5/13</a:t>
+              <a:t>2020/5/17</a:t>
             </a:fld>
             <a:endParaRPr kumimoji="1" lang="ja-JP" altLang="en-US"/>
           </a:p>
@@ -2636,7 +2636,7 @@
           <a:p>
             <a:fld id="{38902CDB-4AA8-4DB9-834E-17D8C468A2CA}" type="datetimeFigureOut">
               <a:rPr kumimoji="1" lang="ja-JP" altLang="en-US" smtClean="0"/>
-              <a:t>2020/5/13</a:t>
+              <a:t>2020/5/17</a:t>
             </a:fld>
             <a:endParaRPr kumimoji="1" lang="ja-JP" altLang="en-US"/>
           </a:p>
@@ -2924,7 +2924,7 @@
           <a:p>
             <a:fld id="{38902CDB-4AA8-4DB9-834E-17D8C468A2CA}" type="datetimeFigureOut">
               <a:rPr kumimoji="1" lang="ja-JP" altLang="en-US" smtClean="0"/>
-              <a:t>2020/5/13</a:t>
+              <a:t>2020/5/17</a:t>
             </a:fld>
             <a:endParaRPr kumimoji="1" lang="ja-JP" altLang="en-US"/>
           </a:p>
@@ -3197,7 +3197,7 @@
           <a:p>
             <a:fld id="{38902CDB-4AA8-4DB9-834E-17D8C468A2CA}" type="datetimeFigureOut">
               <a:rPr kumimoji="1" lang="ja-JP" altLang="en-US" smtClean="0"/>
-              <a:t>2020/5/13</a:t>
+              <a:t>2020/5/17</a:t>
             </a:fld>
             <a:endParaRPr kumimoji="1" lang="ja-JP" altLang="en-US"/>
           </a:p>
@@ -3738,7 +3738,7 @@
         </p:nvSpPr>
         <p:spPr>
           <a:xfrm>
-            <a:off x="1392628" y="2440908"/>
+            <a:off x="-731739" y="2345740"/>
             <a:ext cx="5452839" cy="1200329"/>
           </a:xfrm>
           <a:prstGeom prst="rect">
@@ -3852,10 +3852,10 @@
       </p:sp>
       <p:pic>
         <p:nvPicPr>
-          <p:cNvPr id="5" name="図 4" descr="建物, 塗装, 男, 落書き が含まれている画像&#10;&#10;自動的に生成された説明">
-            <a:extLst>
-              <a:ext uri="{FF2B5EF4-FFF2-40B4-BE49-F238E27FC236}">
-                <a16:creationId xmlns:a16="http://schemas.microsoft.com/office/drawing/2014/main" id="{AE02EAFE-98F7-4643-8896-9B339036B5DF}"/>
+          <p:cNvPr id="10" name="図 9" descr="建物, ベンチ, 座る, 木製 が含まれている画像&#10;&#10;自動的に生成された説明">
+            <a:extLst>
+              <a:ext uri="{FF2B5EF4-FFF2-40B4-BE49-F238E27FC236}">
+                <a16:creationId xmlns:a16="http://schemas.microsoft.com/office/drawing/2014/main" id="{AC1A378D-17FC-4A45-8D7C-4A14D34EEB51}"/>
               </a:ext>
             </a:extLst>
           </p:cNvPr>
@@ -3877,8 +3877,8 @@
           </a:stretch>
         </p:blipFill>
         <p:spPr>
-          <a:xfrm>
-            <a:off x="7620000" y="351407"/>
+          <a:xfrm rot="5400000">
+            <a:off x="1658643" y="4453795"/>
             <a:ext cx="1524000" cy="1524000"/>
           </a:xfrm>
           <a:prstGeom prst="rect">
@@ -3886,555 +3886,612 @@
           </a:prstGeom>
         </p:spPr>
       </p:pic>
-      <p:pic>
-        <p:nvPicPr>
-          <p:cNvPr id="7" name="図 6" descr="建物, ベンチ, 座る, 木製 が含まれている画像&#10;&#10;自動的に生成された説明">
-            <a:extLst>
-              <a:ext uri="{FF2B5EF4-FFF2-40B4-BE49-F238E27FC236}">
-                <a16:creationId xmlns:a16="http://schemas.microsoft.com/office/drawing/2014/main" id="{A85EA9CA-3173-48C3-9865-DFECF049B585}"/>
-              </a:ext>
-            </a:extLst>
-          </p:cNvPr>
-          <p:cNvPicPr>
-            <a:picLocks noChangeAspect="1"/>
-          </p:cNvPicPr>
+      <p:grpSp>
+        <p:nvGrpSpPr>
+          <p:cNvPr id="3" name="グループ化 2">
+            <a:extLst>
+              <a:ext uri="{FF2B5EF4-FFF2-40B4-BE49-F238E27FC236}">
+                <a16:creationId xmlns:a16="http://schemas.microsoft.com/office/drawing/2014/main" id="{AB6CCACA-CA47-4924-B54E-810A43D726EB}"/>
+              </a:ext>
+            </a:extLst>
+          </p:cNvPr>
+          <p:cNvGrpSpPr/>
           <p:nvPr/>
-        </p:nvPicPr>
-        <p:blipFill>
-          <a:blip r:embed="rId3">
-            <a:extLst>
-              <a:ext uri="{28A0092B-C50C-407E-A947-70E740481C1C}">
-                <a14:useLocalDpi xmlns:a14="http://schemas.microsoft.com/office/drawing/2010/main" val="0"/>
-              </a:ext>
-            </a:extLst>
-          </a:blip>
-          <a:stretch>
-            <a:fillRect/>
-          </a:stretch>
-        </p:blipFill>
-        <p:spPr>
-          <a:xfrm rot="5400000">
-            <a:off x="7620000" y="1875407"/>
-            <a:ext cx="1524000" cy="1524000"/>
+        </p:nvGrpSpPr>
+        <p:grpSpPr>
+          <a:xfrm>
+            <a:off x="6096000" y="351407"/>
+            <a:ext cx="6096000" cy="6096000"/>
+            <a:chOff x="6096000" y="351407"/>
+            <a:chExt cx="6096000" cy="6096000"/>
           </a:xfrm>
-          <a:prstGeom prst="rect">
-            <a:avLst/>
-          </a:prstGeom>
-        </p:spPr>
-      </p:pic>
-      <p:pic>
-        <p:nvPicPr>
-          <p:cNvPr id="8" name="図 7" descr="建物, 塗装, 男, 落書き が含まれている画像&#10;&#10;自動的に生成された説明">
-            <a:extLst>
-              <a:ext uri="{FF2B5EF4-FFF2-40B4-BE49-F238E27FC236}">
-                <a16:creationId xmlns:a16="http://schemas.microsoft.com/office/drawing/2014/main" id="{67BA1436-D578-409D-BBE5-41EF5F2CBB9A}"/>
-              </a:ext>
-            </a:extLst>
-          </p:cNvPr>
-          <p:cNvPicPr>
-            <a:picLocks noChangeAspect="1"/>
-          </p:cNvPicPr>
-          <p:nvPr/>
-        </p:nvPicPr>
-        <p:blipFill>
-          <a:blip r:embed="rId2">
-            <a:extLst>
-              <a:ext uri="{28A0092B-C50C-407E-A947-70E740481C1C}">
-                <a14:useLocalDpi xmlns:a14="http://schemas.microsoft.com/office/drawing/2010/main" val="0"/>
-              </a:ext>
-            </a:extLst>
-          </a:blip>
-          <a:stretch>
-            <a:fillRect/>
-          </a:stretch>
-        </p:blipFill>
-        <p:spPr>
-          <a:xfrm>
-            <a:off x="7620000" y="3399407"/>
-            <a:ext cx="1524000" cy="1524000"/>
-          </a:xfrm>
-          <a:prstGeom prst="rect">
-            <a:avLst/>
-          </a:prstGeom>
-        </p:spPr>
-      </p:pic>
-      <p:pic>
-        <p:nvPicPr>
-          <p:cNvPr id="9" name="図 8" descr="建物, ベンチ, 座る, 木製 が含まれている画像&#10;&#10;自動的に生成された説明">
-            <a:extLst>
-              <a:ext uri="{FF2B5EF4-FFF2-40B4-BE49-F238E27FC236}">
-                <a16:creationId xmlns:a16="http://schemas.microsoft.com/office/drawing/2014/main" id="{20663E3F-58A9-4227-AE3A-7634DDD8A808}"/>
-              </a:ext>
-            </a:extLst>
-          </p:cNvPr>
-          <p:cNvPicPr>
-            <a:picLocks noChangeAspect="1"/>
-          </p:cNvPicPr>
-          <p:nvPr/>
-        </p:nvPicPr>
-        <p:blipFill>
-          <a:blip r:embed="rId3">
-            <a:extLst>
-              <a:ext uri="{28A0092B-C50C-407E-A947-70E740481C1C}">
-                <a14:useLocalDpi xmlns:a14="http://schemas.microsoft.com/office/drawing/2010/main" val="0"/>
-              </a:ext>
-            </a:extLst>
-          </a:blip>
-          <a:stretch>
-            <a:fillRect/>
-          </a:stretch>
-        </p:blipFill>
-        <p:spPr>
-          <a:xfrm rot="5400000">
-            <a:off x="7620000" y="4923407"/>
-            <a:ext cx="1524000" cy="1524000"/>
-          </a:xfrm>
-          <a:prstGeom prst="rect">
-            <a:avLst/>
-          </a:prstGeom>
-        </p:spPr>
-      </p:pic>
-      <p:pic>
-        <p:nvPicPr>
-          <p:cNvPr id="10" name="図 9" descr="建物, ベンチ, 座る, 木製 が含まれている画像&#10;&#10;自動的に生成された説明">
-            <a:extLst>
-              <a:ext uri="{FF2B5EF4-FFF2-40B4-BE49-F238E27FC236}">
-                <a16:creationId xmlns:a16="http://schemas.microsoft.com/office/drawing/2014/main" id="{AC1A378D-17FC-4A45-8D7C-4A14D34EEB51}"/>
-              </a:ext>
-            </a:extLst>
-          </p:cNvPr>
-          <p:cNvPicPr>
-            <a:picLocks noChangeAspect="1"/>
-          </p:cNvPicPr>
-          <p:nvPr/>
-        </p:nvPicPr>
-        <p:blipFill>
-          <a:blip r:embed="rId3">
-            <a:extLst>
-              <a:ext uri="{28A0092B-C50C-407E-A947-70E740481C1C}">
-                <a14:useLocalDpi xmlns:a14="http://schemas.microsoft.com/office/drawing/2010/main" val="0"/>
-              </a:ext>
-            </a:extLst>
-          </a:blip>
-          <a:stretch>
-            <a:fillRect/>
-          </a:stretch>
-        </p:blipFill>
-        <p:spPr>
-          <a:xfrm rot="5400000">
-            <a:off x="6096000" y="1875407"/>
-            <a:ext cx="1524000" cy="1524000"/>
-          </a:xfrm>
-          <a:prstGeom prst="rect">
-            <a:avLst/>
-          </a:prstGeom>
-        </p:spPr>
-      </p:pic>
-      <p:pic>
-        <p:nvPicPr>
-          <p:cNvPr id="11" name="図 10" descr="建物, ベンチ, 座る, 木製 が含まれている画像&#10;&#10;自動的に生成された説明">
-            <a:extLst>
-              <a:ext uri="{FF2B5EF4-FFF2-40B4-BE49-F238E27FC236}">
-                <a16:creationId xmlns:a16="http://schemas.microsoft.com/office/drawing/2014/main" id="{50C6E6B6-059D-416C-A88B-B11D04CBFF00}"/>
-              </a:ext>
-            </a:extLst>
-          </p:cNvPr>
-          <p:cNvPicPr>
-            <a:picLocks noChangeAspect="1"/>
-          </p:cNvPicPr>
-          <p:nvPr/>
-        </p:nvPicPr>
-        <p:blipFill>
-          <a:blip r:embed="rId3">
-            <a:extLst>
-              <a:ext uri="{28A0092B-C50C-407E-A947-70E740481C1C}">
-                <a14:useLocalDpi xmlns:a14="http://schemas.microsoft.com/office/drawing/2010/main" val="0"/>
-              </a:ext>
-            </a:extLst>
-          </a:blip>
-          <a:stretch>
-            <a:fillRect/>
-          </a:stretch>
-        </p:blipFill>
-        <p:spPr>
-          <a:xfrm rot="5400000">
-            <a:off x="9144000" y="1875407"/>
-            <a:ext cx="1524000" cy="1524000"/>
-          </a:xfrm>
-          <a:prstGeom prst="rect">
-            <a:avLst/>
-          </a:prstGeom>
-        </p:spPr>
-      </p:pic>
-      <p:pic>
-        <p:nvPicPr>
-          <p:cNvPr id="12" name="図 11" descr="建物, ベンチ, 座る, 木製 が含まれている画像&#10;&#10;自動的に生成された説明">
-            <a:extLst>
-              <a:ext uri="{FF2B5EF4-FFF2-40B4-BE49-F238E27FC236}">
-                <a16:creationId xmlns:a16="http://schemas.microsoft.com/office/drawing/2014/main" id="{EA5D69A1-D631-4DD4-8712-6E9AF3316F8C}"/>
-              </a:ext>
-            </a:extLst>
-          </p:cNvPr>
-          <p:cNvPicPr>
-            <a:picLocks noChangeAspect="1"/>
-          </p:cNvPicPr>
-          <p:nvPr/>
-        </p:nvPicPr>
-        <p:blipFill>
-          <a:blip r:embed="rId4">
-            <a:extLst>
-              <a:ext uri="{BEBA8EAE-BF5A-486C-A8C5-ECC9F3942E4B}">
-                <a14:imgProps xmlns:a14="http://schemas.microsoft.com/office/drawing/2010/main">
-                  <a14:imgLayer r:embed="rId5">
-                    <a14:imgEffect>
-                      <a14:artisticChalkSketch/>
-                    </a14:imgEffect>
-                  </a14:imgLayer>
-                </a14:imgProps>
-              </a:ext>
-              <a:ext uri="{28A0092B-C50C-407E-A947-70E740481C1C}">
-                <a14:useLocalDpi xmlns:a14="http://schemas.microsoft.com/office/drawing/2010/main" val="0"/>
-              </a:ext>
-            </a:extLst>
-          </a:blip>
-          <a:stretch>
-            <a:fillRect/>
-          </a:stretch>
-        </p:blipFill>
-        <p:spPr>
-          <a:xfrm rot="5400000">
-            <a:off x="10668000" y="1875407"/>
-            <a:ext cx="1524000" cy="1524000"/>
-          </a:xfrm>
-          <a:prstGeom prst="rect">
-            <a:avLst/>
-          </a:prstGeom>
-        </p:spPr>
-      </p:pic>
-      <p:sp>
-        <p:nvSpPr>
-          <p:cNvPr id="13" name="テキスト ボックス 12">
-            <a:extLst>
-              <a:ext uri="{FF2B5EF4-FFF2-40B4-BE49-F238E27FC236}">
-                <a16:creationId xmlns:a16="http://schemas.microsoft.com/office/drawing/2014/main" id="{46BC6945-1F00-4457-8283-148587D504C0}"/>
-              </a:ext>
-            </a:extLst>
-          </p:cNvPr>
-          <p:cNvSpPr txBox="1"/>
-          <p:nvPr/>
-        </p:nvSpPr>
-        <p:spPr>
-          <a:xfrm rot="10800000">
-            <a:off x="8087557" y="3852909"/>
-            <a:ext cx="595035" cy="584775"/>
-          </a:xfrm>
-          <a:prstGeom prst="rect">
-            <a:avLst/>
-          </a:prstGeom>
-          <a:noFill/>
-        </p:spPr>
-        <p:txBody>
-          <a:bodyPr wrap="none" rtlCol="0">
-            <a:spAutoFit/>
-          </a:bodyPr>
-          <a:lstStyle/>
-          <a:p>
-            <a:r>
-              <a:rPr kumimoji="1" lang="ja-JP" altLang="en-US" sz="3200" b="1" dirty="0">
+        </p:grpSpPr>
+        <p:pic>
+          <p:nvPicPr>
+            <p:cNvPr id="5" name="図 4" descr="建物, 塗装, 男, 落書き が含まれている画像&#10;&#10;自動的に生成された説明">
+              <a:extLst>
+                <a:ext uri="{FF2B5EF4-FFF2-40B4-BE49-F238E27FC236}">
+                  <a16:creationId xmlns:a16="http://schemas.microsoft.com/office/drawing/2014/main" id="{AE02EAFE-98F7-4643-8896-9B339036B5DF}"/>
+                </a:ext>
+              </a:extLst>
+            </p:cNvPr>
+            <p:cNvPicPr>
+              <a:picLocks noChangeAspect="1"/>
+            </p:cNvPicPr>
+            <p:nvPr/>
+          </p:nvPicPr>
+          <p:blipFill>
+            <a:blip r:embed="rId3">
+              <a:extLst>
+                <a:ext uri="{28A0092B-C50C-407E-A947-70E740481C1C}">
+                  <a14:useLocalDpi xmlns:a14="http://schemas.microsoft.com/office/drawing/2010/main" val="0"/>
+                </a:ext>
+              </a:extLst>
+            </a:blip>
+            <a:stretch>
+              <a:fillRect/>
+            </a:stretch>
+          </p:blipFill>
+          <p:spPr>
+            <a:xfrm>
+              <a:off x="7620000" y="351407"/>
+              <a:ext cx="1524000" cy="1524000"/>
+            </a:xfrm>
+            <a:prstGeom prst="rect">
+              <a:avLst/>
+            </a:prstGeom>
+          </p:spPr>
+        </p:pic>
+        <p:pic>
+          <p:nvPicPr>
+            <p:cNvPr id="7" name="図 6" descr="建物, ベンチ, 座る, 木製 が含まれている画像&#10;&#10;自動的に生成された説明">
+              <a:extLst>
+                <a:ext uri="{FF2B5EF4-FFF2-40B4-BE49-F238E27FC236}">
+                  <a16:creationId xmlns:a16="http://schemas.microsoft.com/office/drawing/2014/main" id="{A85EA9CA-3173-48C3-9865-DFECF049B585}"/>
+                </a:ext>
+              </a:extLst>
+            </p:cNvPr>
+            <p:cNvPicPr>
+              <a:picLocks noChangeAspect="1"/>
+            </p:cNvPicPr>
+            <p:nvPr/>
+          </p:nvPicPr>
+          <p:blipFill>
+            <a:blip r:embed="rId2">
+              <a:extLst>
+                <a:ext uri="{28A0092B-C50C-407E-A947-70E740481C1C}">
+                  <a14:useLocalDpi xmlns:a14="http://schemas.microsoft.com/office/drawing/2010/main" val="0"/>
+                </a:ext>
+              </a:extLst>
+            </a:blip>
+            <a:stretch>
+              <a:fillRect/>
+            </a:stretch>
+          </p:blipFill>
+          <p:spPr>
+            <a:xfrm rot="5400000">
+              <a:off x="7620000" y="1875407"/>
+              <a:ext cx="1524000" cy="1524000"/>
+            </a:xfrm>
+            <a:prstGeom prst="rect">
+              <a:avLst/>
+            </a:prstGeom>
+          </p:spPr>
+        </p:pic>
+        <p:pic>
+          <p:nvPicPr>
+            <p:cNvPr id="8" name="図 7" descr="建物, 塗装, 男, 落書き が含まれている画像&#10;&#10;自動的に生成された説明">
+              <a:extLst>
+                <a:ext uri="{FF2B5EF4-FFF2-40B4-BE49-F238E27FC236}">
+                  <a16:creationId xmlns:a16="http://schemas.microsoft.com/office/drawing/2014/main" id="{67BA1436-D578-409D-BBE5-41EF5F2CBB9A}"/>
+                </a:ext>
+              </a:extLst>
+            </p:cNvPr>
+            <p:cNvPicPr>
+              <a:picLocks noChangeAspect="1"/>
+            </p:cNvPicPr>
+            <p:nvPr/>
+          </p:nvPicPr>
+          <p:blipFill>
+            <a:blip r:embed="rId3">
+              <a:extLst>
+                <a:ext uri="{28A0092B-C50C-407E-A947-70E740481C1C}">
+                  <a14:useLocalDpi xmlns:a14="http://schemas.microsoft.com/office/drawing/2010/main" val="0"/>
+                </a:ext>
+              </a:extLst>
+            </a:blip>
+            <a:stretch>
+              <a:fillRect/>
+            </a:stretch>
+          </p:blipFill>
+          <p:spPr>
+            <a:xfrm>
+              <a:off x="7620000" y="3399407"/>
+              <a:ext cx="1524000" cy="1524000"/>
+            </a:xfrm>
+            <a:prstGeom prst="rect">
+              <a:avLst/>
+            </a:prstGeom>
+          </p:spPr>
+        </p:pic>
+        <p:pic>
+          <p:nvPicPr>
+            <p:cNvPr id="9" name="図 8" descr="建物, ベンチ, 座る, 木製 が含まれている画像&#10;&#10;自動的に生成された説明">
+              <a:extLst>
+                <a:ext uri="{FF2B5EF4-FFF2-40B4-BE49-F238E27FC236}">
+                  <a16:creationId xmlns:a16="http://schemas.microsoft.com/office/drawing/2014/main" id="{20663E3F-58A9-4227-AE3A-7634DDD8A808}"/>
+                </a:ext>
+              </a:extLst>
+            </p:cNvPr>
+            <p:cNvPicPr>
+              <a:picLocks noChangeAspect="1"/>
+            </p:cNvPicPr>
+            <p:nvPr/>
+          </p:nvPicPr>
+          <p:blipFill>
+            <a:blip r:embed="rId2">
+              <a:extLst>
+                <a:ext uri="{28A0092B-C50C-407E-A947-70E740481C1C}">
+                  <a14:useLocalDpi xmlns:a14="http://schemas.microsoft.com/office/drawing/2010/main" val="0"/>
+                </a:ext>
+              </a:extLst>
+            </a:blip>
+            <a:stretch>
+              <a:fillRect/>
+            </a:stretch>
+          </p:blipFill>
+          <p:spPr>
+            <a:xfrm rot="5400000">
+              <a:off x="7620000" y="4923407"/>
+              <a:ext cx="1524000" cy="1524000"/>
+            </a:xfrm>
+            <a:prstGeom prst="rect">
+              <a:avLst/>
+            </a:prstGeom>
+          </p:spPr>
+        </p:pic>
+        <p:pic>
+          <p:nvPicPr>
+            <p:cNvPr id="11" name="図 10" descr="建物, ベンチ, 座る, 木製 が含まれている画像&#10;&#10;自動的に生成された説明">
+              <a:extLst>
+                <a:ext uri="{FF2B5EF4-FFF2-40B4-BE49-F238E27FC236}">
+                  <a16:creationId xmlns:a16="http://schemas.microsoft.com/office/drawing/2014/main" id="{50C6E6B6-059D-416C-A88B-B11D04CBFF00}"/>
+                </a:ext>
+              </a:extLst>
+            </p:cNvPr>
+            <p:cNvPicPr>
+              <a:picLocks noChangeAspect="1"/>
+            </p:cNvPicPr>
+            <p:nvPr/>
+          </p:nvPicPr>
+          <p:blipFill>
+            <a:blip r:embed="rId2">
+              <a:extLst>
+                <a:ext uri="{28A0092B-C50C-407E-A947-70E740481C1C}">
+                  <a14:useLocalDpi xmlns:a14="http://schemas.microsoft.com/office/drawing/2010/main" val="0"/>
+                </a:ext>
+              </a:extLst>
+            </a:blip>
+            <a:stretch>
+              <a:fillRect/>
+            </a:stretch>
+          </p:blipFill>
+          <p:spPr>
+            <a:xfrm rot="5400000">
+              <a:off x="9144000" y="1875407"/>
+              <a:ext cx="1524000" cy="1524000"/>
+            </a:xfrm>
+            <a:prstGeom prst="rect">
+              <a:avLst/>
+            </a:prstGeom>
+          </p:spPr>
+        </p:pic>
+        <p:pic>
+          <p:nvPicPr>
+            <p:cNvPr id="12" name="図 11" descr="建物, ベンチ, 座る, 木製 が含まれている画像&#10;&#10;自動的に生成された説明">
+              <a:extLst>
+                <a:ext uri="{FF2B5EF4-FFF2-40B4-BE49-F238E27FC236}">
+                  <a16:creationId xmlns:a16="http://schemas.microsoft.com/office/drawing/2014/main" id="{EA5D69A1-D631-4DD4-8712-6E9AF3316F8C}"/>
+                </a:ext>
+              </a:extLst>
+            </p:cNvPr>
+            <p:cNvPicPr>
+              <a:picLocks noChangeAspect="1"/>
+            </p:cNvPicPr>
+            <p:nvPr/>
+          </p:nvPicPr>
+          <p:blipFill>
+            <a:blip r:embed="rId4">
+              <a:extLst>
+                <a:ext uri="{BEBA8EAE-BF5A-486C-A8C5-ECC9F3942E4B}">
+                  <a14:imgProps xmlns:a14="http://schemas.microsoft.com/office/drawing/2010/main">
+                    <a14:imgLayer r:embed="rId5">
+                      <a14:imgEffect>
+                        <a14:artisticChalkSketch/>
+                      </a14:imgEffect>
+                    </a14:imgLayer>
+                  </a14:imgProps>
+                </a:ext>
+                <a:ext uri="{28A0092B-C50C-407E-A947-70E740481C1C}">
+                  <a14:useLocalDpi xmlns:a14="http://schemas.microsoft.com/office/drawing/2010/main" val="0"/>
+                </a:ext>
+              </a:extLst>
+            </a:blip>
+            <a:stretch>
+              <a:fillRect/>
+            </a:stretch>
+          </p:blipFill>
+          <p:spPr>
+            <a:xfrm rot="5400000">
+              <a:off x="10668000" y="1875407"/>
+              <a:ext cx="1524000" cy="1524000"/>
+            </a:xfrm>
+            <a:prstGeom prst="rect">
+              <a:avLst/>
+            </a:prstGeom>
+          </p:spPr>
+        </p:pic>
+        <p:sp>
+          <p:nvSpPr>
+            <p:cNvPr id="13" name="テキスト ボックス 12">
+              <a:extLst>
+                <a:ext uri="{FF2B5EF4-FFF2-40B4-BE49-F238E27FC236}">
+                  <a16:creationId xmlns:a16="http://schemas.microsoft.com/office/drawing/2014/main" id="{46BC6945-1F00-4457-8283-148587D504C0}"/>
+                </a:ext>
+              </a:extLst>
+            </p:cNvPr>
+            <p:cNvSpPr txBox="1"/>
+            <p:nvPr/>
+          </p:nvSpPr>
+          <p:spPr>
+            <a:xfrm rot="10800000">
+              <a:off x="8087557" y="3852909"/>
+              <a:ext cx="595035" cy="584775"/>
+            </a:xfrm>
+            <a:prstGeom prst="rect">
+              <a:avLst/>
+            </a:prstGeom>
+            <a:noFill/>
+          </p:spPr>
+          <p:txBody>
+            <a:bodyPr wrap="none" rtlCol="0">
+              <a:spAutoFit/>
+            </a:bodyPr>
+            <a:lstStyle/>
+            <a:p>
+              <a:r>
+                <a:rPr kumimoji="1" lang="ja-JP" altLang="en-US" sz="3200" b="1" dirty="0">
+                  <a:highlight>
+                    <a:srgbClr val="FFFF00"/>
+                  </a:highlight>
+                </a:rPr>
+                <a:t>裏</a:t>
+              </a:r>
+            </a:p>
+          </p:txBody>
+        </p:sp>
+        <p:sp>
+          <p:nvSpPr>
+            <p:cNvPr id="14" name="テキスト ボックス 13">
+              <a:extLst>
+                <a:ext uri="{FF2B5EF4-FFF2-40B4-BE49-F238E27FC236}">
+                  <a16:creationId xmlns:a16="http://schemas.microsoft.com/office/drawing/2014/main" id="{64EEE056-C52B-414A-9EB9-8D071E7CA89E}"/>
+                </a:ext>
+              </a:extLst>
+            </p:cNvPr>
+            <p:cNvSpPr txBox="1"/>
+            <p:nvPr/>
+          </p:nvSpPr>
+          <p:spPr>
+            <a:xfrm>
+              <a:off x="8056486" y="837130"/>
+              <a:ext cx="595035" cy="584775"/>
+            </a:xfrm>
+            <a:prstGeom prst="rect">
+              <a:avLst/>
+            </a:prstGeom>
+            <a:noFill/>
+          </p:spPr>
+          <p:txBody>
+            <a:bodyPr wrap="none" rtlCol="0">
+              <a:spAutoFit/>
+            </a:bodyPr>
+            <a:lstStyle/>
+            <a:p>
+              <a:r>
+                <a:rPr kumimoji="1" lang="ja-JP" altLang="en-US" sz="3200" b="1" dirty="0">
+                  <a:highlight>
+                    <a:srgbClr val="FFFF00"/>
+                  </a:highlight>
+                </a:rPr>
+                <a:t>表</a:t>
+              </a:r>
+            </a:p>
+          </p:txBody>
+        </p:sp>
+        <p:sp>
+          <p:nvSpPr>
+            <p:cNvPr id="15" name="テキスト ボックス 14">
+              <a:extLst>
+                <a:ext uri="{FF2B5EF4-FFF2-40B4-BE49-F238E27FC236}">
+                  <a16:creationId xmlns:a16="http://schemas.microsoft.com/office/drawing/2014/main" id="{D46206E8-AA92-41AE-A4B3-EF59CEA4FEA0}"/>
+                </a:ext>
+              </a:extLst>
+            </p:cNvPr>
+            <p:cNvSpPr txBox="1"/>
+            <p:nvPr/>
+          </p:nvSpPr>
+          <p:spPr>
+            <a:xfrm>
+              <a:off x="10627128" y="2183575"/>
+              <a:ext cx="1415772" cy="1077218"/>
+            </a:xfrm>
+            <a:prstGeom prst="rect">
+              <a:avLst/>
+            </a:prstGeom>
+            <a:noFill/>
+          </p:spPr>
+          <p:txBody>
+            <a:bodyPr wrap="none" rtlCol="0">
+              <a:spAutoFit/>
+            </a:bodyPr>
+            <a:lstStyle/>
+            <a:p>
+              <a:r>
+                <a:rPr lang="ja-JP" altLang="en-US" sz="3200" b="1" dirty="0">
+                  <a:highlight>
+                    <a:srgbClr val="FFFF00"/>
+                  </a:highlight>
+                </a:rPr>
+                <a:t>使用</a:t>
+              </a:r>
+              <a:endParaRPr lang="en-US" altLang="ja-JP" sz="3200" b="1" dirty="0">
                 <a:highlight>
                   <a:srgbClr val="FFFF00"/>
                 </a:highlight>
-              </a:rPr>
-              <a:t>裏</a:t>
-            </a:r>
-          </a:p>
-        </p:txBody>
-      </p:sp>
-      <p:sp>
-        <p:nvSpPr>
-          <p:cNvPr id="14" name="テキスト ボックス 13">
-            <a:extLst>
-              <a:ext uri="{FF2B5EF4-FFF2-40B4-BE49-F238E27FC236}">
-                <a16:creationId xmlns:a16="http://schemas.microsoft.com/office/drawing/2014/main" id="{64EEE056-C52B-414A-9EB9-8D071E7CA89E}"/>
-              </a:ext>
-            </a:extLst>
-          </p:cNvPr>
-          <p:cNvSpPr txBox="1"/>
-          <p:nvPr/>
-        </p:nvSpPr>
-        <p:spPr>
-          <a:xfrm>
-            <a:off x="8056486" y="837130"/>
-            <a:ext cx="595035" cy="584775"/>
-          </a:xfrm>
-          <a:prstGeom prst="rect">
-            <a:avLst/>
-          </a:prstGeom>
-          <a:noFill/>
-        </p:spPr>
-        <p:txBody>
-          <a:bodyPr wrap="none" rtlCol="0">
-            <a:spAutoFit/>
-          </a:bodyPr>
-          <a:lstStyle/>
-          <a:p>
-            <a:r>
-              <a:rPr kumimoji="1" lang="ja-JP" altLang="en-US" sz="3200" b="1" dirty="0">
+              </a:endParaRPr>
+            </a:p>
+            <a:p>
+              <a:r>
+                <a:rPr kumimoji="1" lang="ja-JP" altLang="en-US" sz="3200" b="1" dirty="0">
+                  <a:highlight>
+                    <a:srgbClr val="FFFF00"/>
+                  </a:highlight>
+                </a:rPr>
+                <a:t>しない</a:t>
+              </a:r>
+            </a:p>
+          </p:txBody>
+        </p:sp>
+        <p:sp>
+          <p:nvSpPr>
+            <p:cNvPr id="16" name="テキスト ボックス 15">
+              <a:extLst>
+                <a:ext uri="{FF2B5EF4-FFF2-40B4-BE49-F238E27FC236}">
+                  <a16:creationId xmlns:a16="http://schemas.microsoft.com/office/drawing/2014/main" id="{A35F4DDD-7D92-46C4-9151-FBD1C9F142E2}"/>
+                </a:ext>
+              </a:extLst>
+            </p:cNvPr>
+            <p:cNvSpPr txBox="1"/>
+            <p:nvPr/>
+          </p:nvSpPr>
+          <p:spPr>
+            <a:xfrm>
+              <a:off x="7701171" y="2361130"/>
+              <a:ext cx="1241045" cy="584775"/>
+            </a:xfrm>
+            <a:prstGeom prst="rect">
+              <a:avLst/>
+            </a:prstGeom>
+            <a:noFill/>
+          </p:spPr>
+          <p:txBody>
+            <a:bodyPr wrap="none" rtlCol="0">
+              <a:spAutoFit/>
+            </a:bodyPr>
+            <a:lstStyle/>
+            <a:p>
+              <a:r>
+                <a:rPr lang="ja-JP" altLang="en-US" sz="3200" b="1" dirty="0">
+                  <a:highlight>
+                    <a:srgbClr val="FFFF00"/>
+                  </a:highlight>
+                </a:rPr>
+                <a:t>側面</a:t>
+              </a:r>
+              <a:r>
+                <a:rPr lang="en-US" altLang="ja-JP" sz="3200" b="1" dirty="0">
+                  <a:highlight>
+                    <a:srgbClr val="FFFF00"/>
+                  </a:highlight>
+                </a:rPr>
+                <a:t>2</a:t>
+              </a:r>
+              <a:endParaRPr kumimoji="1" lang="ja-JP" altLang="en-US" sz="3200" b="1" dirty="0">
                 <a:highlight>
                   <a:srgbClr val="FFFF00"/>
                 </a:highlight>
-              </a:rPr>
-              <a:t>表</a:t>
-            </a:r>
-          </a:p>
-        </p:txBody>
-      </p:sp>
-      <p:sp>
-        <p:nvSpPr>
-          <p:cNvPr id="15" name="テキスト ボックス 14">
-            <a:extLst>
-              <a:ext uri="{FF2B5EF4-FFF2-40B4-BE49-F238E27FC236}">
-                <a16:creationId xmlns:a16="http://schemas.microsoft.com/office/drawing/2014/main" id="{D46206E8-AA92-41AE-A4B3-EF59CEA4FEA0}"/>
-              </a:ext>
-            </a:extLst>
-          </p:cNvPr>
-          <p:cNvSpPr txBox="1"/>
-          <p:nvPr/>
-        </p:nvSpPr>
-        <p:spPr>
-          <a:xfrm>
-            <a:off x="10627128" y="2183575"/>
-            <a:ext cx="1415772" cy="1077218"/>
-          </a:xfrm>
-          <a:prstGeom prst="rect">
-            <a:avLst/>
-          </a:prstGeom>
-          <a:noFill/>
-        </p:spPr>
-        <p:txBody>
-          <a:bodyPr wrap="none" rtlCol="0">
-            <a:spAutoFit/>
-          </a:bodyPr>
-          <a:lstStyle/>
-          <a:p>
-            <a:r>
-              <a:rPr lang="ja-JP" altLang="en-US" sz="3200" b="1" dirty="0">
+              </a:endParaRPr>
+            </a:p>
+          </p:txBody>
+        </p:sp>
+        <p:sp>
+          <p:nvSpPr>
+            <p:cNvPr id="18" name="テキスト ボックス 17">
+              <a:extLst>
+                <a:ext uri="{FF2B5EF4-FFF2-40B4-BE49-F238E27FC236}">
+                  <a16:creationId xmlns:a16="http://schemas.microsoft.com/office/drawing/2014/main" id="{0471389F-0E06-4055-AE3A-22AE11CC4FF9}"/>
+                </a:ext>
+              </a:extLst>
+            </p:cNvPr>
+            <p:cNvSpPr txBox="1"/>
+            <p:nvPr/>
+          </p:nvSpPr>
+          <p:spPr>
+            <a:xfrm>
+              <a:off x="9318727" y="2361130"/>
+              <a:ext cx="1241045" cy="584775"/>
+            </a:xfrm>
+            <a:prstGeom prst="rect">
+              <a:avLst/>
+            </a:prstGeom>
+            <a:noFill/>
+          </p:spPr>
+          <p:txBody>
+            <a:bodyPr wrap="none" rtlCol="0">
+              <a:spAutoFit/>
+            </a:bodyPr>
+            <a:lstStyle/>
+            <a:p>
+              <a:r>
+                <a:rPr lang="ja-JP" altLang="en-US" sz="3200" b="1" dirty="0">
+                  <a:highlight>
+                    <a:srgbClr val="FFFF00"/>
+                  </a:highlight>
+                </a:rPr>
+                <a:t>側面</a:t>
+              </a:r>
+              <a:r>
+                <a:rPr lang="en-US" altLang="ja-JP" sz="3200" b="1" dirty="0">
+                  <a:highlight>
+                    <a:srgbClr val="FFFF00"/>
+                  </a:highlight>
+                </a:rPr>
+                <a:t>3</a:t>
+              </a:r>
+              <a:endParaRPr kumimoji="1" lang="ja-JP" altLang="en-US" sz="3200" b="1" dirty="0">
                 <a:highlight>
                   <a:srgbClr val="FFFF00"/>
                 </a:highlight>
-              </a:rPr>
-              <a:t>使用</a:t>
-            </a:r>
-            <a:endParaRPr lang="en-US" altLang="ja-JP" sz="3200" b="1" dirty="0">
-              <a:highlight>
-                <a:srgbClr val="FFFF00"/>
-              </a:highlight>
-            </a:endParaRPr>
-          </a:p>
-          <a:p>
-            <a:r>
-              <a:rPr kumimoji="1" lang="ja-JP" altLang="en-US" sz="3200" b="1" dirty="0">
+              </a:endParaRPr>
+            </a:p>
+          </p:txBody>
+        </p:sp>
+        <p:sp>
+          <p:nvSpPr>
+            <p:cNvPr id="19" name="テキスト ボックス 18">
+              <a:extLst>
+                <a:ext uri="{FF2B5EF4-FFF2-40B4-BE49-F238E27FC236}">
+                  <a16:creationId xmlns:a16="http://schemas.microsoft.com/office/drawing/2014/main" id="{38E7951E-2C64-4FF2-90FF-19C8857F0444}"/>
+                </a:ext>
+              </a:extLst>
+            </p:cNvPr>
+            <p:cNvSpPr txBox="1"/>
+            <p:nvPr/>
+          </p:nvSpPr>
+          <p:spPr>
+            <a:xfrm rot="10800000">
+              <a:off x="7674114" y="5393019"/>
+              <a:ext cx="1415772" cy="584775"/>
+            </a:xfrm>
+            <a:prstGeom prst="rect">
+              <a:avLst/>
+            </a:prstGeom>
+            <a:noFill/>
+          </p:spPr>
+          <p:txBody>
+            <a:bodyPr wrap="none" rtlCol="0">
+              <a:spAutoFit/>
+            </a:bodyPr>
+            <a:lstStyle/>
+            <a:p>
+              <a:r>
+                <a:rPr lang="ja-JP" altLang="en-US" sz="3200" b="1" dirty="0">
+                  <a:highlight>
+                    <a:srgbClr val="FFFF00"/>
+                  </a:highlight>
+                </a:rPr>
+                <a:t>側面４</a:t>
+              </a:r>
+              <a:endParaRPr kumimoji="1" lang="ja-JP" altLang="en-US" sz="3200" b="1" dirty="0">
                 <a:highlight>
                   <a:srgbClr val="FFFF00"/>
                 </a:highlight>
-              </a:rPr>
-              <a:t>しない</a:t>
-            </a:r>
-          </a:p>
-        </p:txBody>
-      </p:sp>
-      <p:sp>
-        <p:nvSpPr>
-          <p:cNvPr id="16" name="テキスト ボックス 15">
-            <a:extLst>
-              <a:ext uri="{FF2B5EF4-FFF2-40B4-BE49-F238E27FC236}">
-                <a16:creationId xmlns:a16="http://schemas.microsoft.com/office/drawing/2014/main" id="{A35F4DDD-7D92-46C4-9151-FBD1C9F142E2}"/>
-              </a:ext>
-            </a:extLst>
-          </p:cNvPr>
-          <p:cNvSpPr txBox="1"/>
-          <p:nvPr/>
-        </p:nvSpPr>
-        <p:spPr>
-          <a:xfrm>
-            <a:off x="7701171" y="2361130"/>
-            <a:ext cx="1241045" cy="584775"/>
-          </a:xfrm>
-          <a:prstGeom prst="rect">
-            <a:avLst/>
-          </a:prstGeom>
-          <a:noFill/>
-        </p:spPr>
-        <p:txBody>
-          <a:bodyPr wrap="none" rtlCol="0">
-            <a:spAutoFit/>
-          </a:bodyPr>
-          <a:lstStyle/>
-          <a:p>
-            <a:r>
-              <a:rPr lang="ja-JP" altLang="en-US" sz="3200" b="1" dirty="0">
+              </a:endParaRPr>
+            </a:p>
+          </p:txBody>
+        </p:sp>
+        <p:pic>
+          <p:nvPicPr>
+            <p:cNvPr id="20" name="図 19" descr="建物, ベンチ, 座る, 木製 が含まれている画像&#10;&#10;自動的に生成された説明">
+              <a:extLst>
+                <a:ext uri="{FF2B5EF4-FFF2-40B4-BE49-F238E27FC236}">
+                  <a16:creationId xmlns:a16="http://schemas.microsoft.com/office/drawing/2014/main" id="{B3DA2E0A-17CE-419A-8322-A5E983674339}"/>
+                </a:ext>
+              </a:extLst>
+            </p:cNvPr>
+            <p:cNvPicPr>
+              <a:picLocks noChangeAspect="1"/>
+            </p:cNvPicPr>
+            <p:nvPr/>
+          </p:nvPicPr>
+          <p:blipFill>
+            <a:blip r:embed="rId2">
+              <a:extLst>
+                <a:ext uri="{28A0092B-C50C-407E-A947-70E740481C1C}">
+                  <a14:useLocalDpi xmlns:a14="http://schemas.microsoft.com/office/drawing/2010/main" val="0"/>
+                </a:ext>
+              </a:extLst>
+            </a:blip>
+            <a:stretch>
+              <a:fillRect/>
+            </a:stretch>
+          </p:blipFill>
+          <p:spPr>
+            <a:xfrm rot="5400000">
+              <a:off x="6096000" y="1881024"/>
+              <a:ext cx="1524000" cy="1524000"/>
+            </a:xfrm>
+            <a:prstGeom prst="rect">
+              <a:avLst/>
+            </a:prstGeom>
+          </p:spPr>
+        </p:pic>
+        <p:sp>
+          <p:nvSpPr>
+            <p:cNvPr id="17" name="テキスト ボックス 16">
+              <a:extLst>
+                <a:ext uri="{FF2B5EF4-FFF2-40B4-BE49-F238E27FC236}">
+                  <a16:creationId xmlns:a16="http://schemas.microsoft.com/office/drawing/2014/main" id="{E9AABB88-90A5-40D8-B367-C0A0180FC072}"/>
+                </a:ext>
+              </a:extLst>
+            </p:cNvPr>
+            <p:cNvSpPr txBox="1"/>
+            <p:nvPr/>
+          </p:nvSpPr>
+          <p:spPr>
+            <a:xfrm>
+              <a:off x="6231285" y="2376571"/>
+              <a:ext cx="1415772" cy="584775"/>
+            </a:xfrm>
+            <a:prstGeom prst="rect">
+              <a:avLst/>
+            </a:prstGeom>
+            <a:noFill/>
+          </p:spPr>
+          <p:txBody>
+            <a:bodyPr wrap="none" rtlCol="0">
+              <a:spAutoFit/>
+            </a:bodyPr>
+            <a:lstStyle/>
+            <a:p>
+              <a:r>
+                <a:rPr lang="ja-JP" altLang="en-US" sz="3200" b="1" dirty="0">
+                  <a:highlight>
+                    <a:srgbClr val="FFFF00"/>
+                  </a:highlight>
+                </a:rPr>
+                <a:t>側面１</a:t>
+              </a:r>
+              <a:endParaRPr kumimoji="1" lang="ja-JP" altLang="en-US" sz="3200" b="1" dirty="0">
                 <a:highlight>
                   <a:srgbClr val="FFFF00"/>
                 </a:highlight>
-              </a:rPr>
-              <a:t>側面</a:t>
-            </a:r>
-            <a:r>
-              <a:rPr lang="en-US" altLang="ja-JP" sz="3200" b="1" dirty="0">
-                <a:highlight>
-                  <a:srgbClr val="FFFF00"/>
-                </a:highlight>
-              </a:rPr>
-              <a:t>2</a:t>
-            </a:r>
-            <a:endParaRPr kumimoji="1" lang="ja-JP" altLang="en-US" sz="3200" b="1" dirty="0">
-              <a:highlight>
-                <a:srgbClr val="FFFF00"/>
-              </a:highlight>
-            </a:endParaRPr>
-          </a:p>
-        </p:txBody>
-      </p:sp>
-      <p:sp>
-        <p:nvSpPr>
-          <p:cNvPr id="17" name="テキスト ボックス 16">
-            <a:extLst>
-              <a:ext uri="{FF2B5EF4-FFF2-40B4-BE49-F238E27FC236}">
-                <a16:creationId xmlns:a16="http://schemas.microsoft.com/office/drawing/2014/main" id="{E9AABB88-90A5-40D8-B367-C0A0180FC072}"/>
-              </a:ext>
-            </a:extLst>
-          </p:cNvPr>
-          <p:cNvSpPr txBox="1"/>
-          <p:nvPr/>
-        </p:nvSpPr>
-        <p:spPr>
-          <a:xfrm>
-            <a:off x="6204228" y="2361130"/>
-            <a:ext cx="1415772" cy="584775"/>
-          </a:xfrm>
-          <a:prstGeom prst="rect">
-            <a:avLst/>
-          </a:prstGeom>
-          <a:noFill/>
-        </p:spPr>
-        <p:txBody>
-          <a:bodyPr wrap="none" rtlCol="0">
-            <a:spAutoFit/>
-          </a:bodyPr>
-          <a:lstStyle/>
-          <a:p>
-            <a:r>
-              <a:rPr lang="ja-JP" altLang="en-US" sz="3200" b="1" dirty="0">
-                <a:highlight>
-                  <a:srgbClr val="FFFF00"/>
-                </a:highlight>
-              </a:rPr>
-              <a:t>側面１</a:t>
-            </a:r>
-            <a:endParaRPr kumimoji="1" lang="ja-JP" altLang="en-US" sz="3200" b="1" dirty="0">
-              <a:highlight>
-                <a:srgbClr val="FFFF00"/>
-              </a:highlight>
-            </a:endParaRPr>
-          </a:p>
-        </p:txBody>
-      </p:sp>
-      <p:sp>
-        <p:nvSpPr>
-          <p:cNvPr id="18" name="テキスト ボックス 17">
-            <a:extLst>
-              <a:ext uri="{FF2B5EF4-FFF2-40B4-BE49-F238E27FC236}">
-                <a16:creationId xmlns:a16="http://schemas.microsoft.com/office/drawing/2014/main" id="{0471389F-0E06-4055-AE3A-22AE11CC4FF9}"/>
-              </a:ext>
-            </a:extLst>
-          </p:cNvPr>
-          <p:cNvSpPr txBox="1"/>
-          <p:nvPr/>
-        </p:nvSpPr>
-        <p:spPr>
-          <a:xfrm>
-            <a:off x="9318727" y="2361130"/>
-            <a:ext cx="1241045" cy="584775"/>
-          </a:xfrm>
-          <a:prstGeom prst="rect">
-            <a:avLst/>
-          </a:prstGeom>
-          <a:noFill/>
-        </p:spPr>
-        <p:txBody>
-          <a:bodyPr wrap="none" rtlCol="0">
-            <a:spAutoFit/>
-          </a:bodyPr>
-          <a:lstStyle/>
-          <a:p>
-            <a:r>
-              <a:rPr lang="ja-JP" altLang="en-US" sz="3200" b="1" dirty="0">
-                <a:highlight>
-                  <a:srgbClr val="FFFF00"/>
-                </a:highlight>
-              </a:rPr>
-              <a:t>側面</a:t>
-            </a:r>
-            <a:r>
-              <a:rPr lang="en-US" altLang="ja-JP" sz="3200" b="1" dirty="0">
-                <a:highlight>
-                  <a:srgbClr val="FFFF00"/>
-                </a:highlight>
-              </a:rPr>
-              <a:t>3</a:t>
-            </a:r>
-            <a:endParaRPr kumimoji="1" lang="ja-JP" altLang="en-US" sz="3200" b="1" dirty="0">
-              <a:highlight>
-                <a:srgbClr val="FFFF00"/>
-              </a:highlight>
-            </a:endParaRPr>
-          </a:p>
-        </p:txBody>
-      </p:sp>
-      <p:sp>
-        <p:nvSpPr>
-          <p:cNvPr id="19" name="テキスト ボックス 18">
-            <a:extLst>
-              <a:ext uri="{FF2B5EF4-FFF2-40B4-BE49-F238E27FC236}">
-                <a16:creationId xmlns:a16="http://schemas.microsoft.com/office/drawing/2014/main" id="{38E7951E-2C64-4FF2-90FF-19C8857F0444}"/>
-              </a:ext>
-            </a:extLst>
-          </p:cNvPr>
-          <p:cNvSpPr txBox="1"/>
-          <p:nvPr/>
-        </p:nvSpPr>
-        <p:spPr>
-          <a:xfrm rot="10800000">
-            <a:off x="7674114" y="5393019"/>
-            <a:ext cx="1415772" cy="584775"/>
-          </a:xfrm>
-          <a:prstGeom prst="rect">
-            <a:avLst/>
-          </a:prstGeom>
-          <a:noFill/>
-        </p:spPr>
-        <p:txBody>
-          <a:bodyPr wrap="none" rtlCol="0">
-            <a:spAutoFit/>
-          </a:bodyPr>
-          <a:lstStyle/>
-          <a:p>
-            <a:r>
-              <a:rPr lang="ja-JP" altLang="en-US" sz="3200" b="1" dirty="0">
-                <a:highlight>
-                  <a:srgbClr val="FFFF00"/>
-                </a:highlight>
-              </a:rPr>
-              <a:t>側面４</a:t>
-            </a:r>
-            <a:endParaRPr kumimoji="1" lang="ja-JP" altLang="en-US" sz="3200" b="1" dirty="0">
-              <a:highlight>
-                <a:srgbClr val="FFFF00"/>
-              </a:highlight>
-            </a:endParaRPr>
-          </a:p>
-        </p:txBody>
-      </p:sp>
+              </a:endParaRPr>
+            </a:p>
+          </p:txBody>
+        </p:sp>
+      </p:grpSp>
     </p:spTree>
     <p:extLst>
       <p:ext uri="{BB962C8B-B14F-4D97-AF65-F5344CB8AC3E}">

--- a/HEW/data/TEXTURE/ロゴ作成.pptx
+++ b/HEW/data/TEXTURE/ロゴ作成.pptx
@@ -259,7 +259,7 @@
           <a:p>
             <a:fld id="{38902CDB-4AA8-4DB9-834E-17D8C468A2CA}" type="datetimeFigureOut">
               <a:rPr kumimoji="1" lang="ja-JP" altLang="en-US" smtClean="0"/>
-              <a:t>2020/5/17</a:t>
+              <a:t>2020/5/19</a:t>
             </a:fld>
             <a:endParaRPr kumimoji="1" lang="ja-JP" altLang="en-US"/>
           </a:p>
@@ -489,7 +489,7 @@
           <a:p>
             <a:fld id="{38902CDB-4AA8-4DB9-834E-17D8C468A2CA}" type="datetimeFigureOut">
               <a:rPr kumimoji="1" lang="ja-JP" altLang="en-US" smtClean="0"/>
-              <a:t>2020/5/17</a:t>
+              <a:t>2020/5/19</a:t>
             </a:fld>
             <a:endParaRPr kumimoji="1" lang="ja-JP" altLang="en-US"/>
           </a:p>
@@ -729,7 +729,7 @@
           <a:p>
             <a:fld id="{38902CDB-4AA8-4DB9-834E-17D8C468A2CA}" type="datetimeFigureOut">
               <a:rPr kumimoji="1" lang="ja-JP" altLang="en-US" smtClean="0"/>
-              <a:t>2020/5/17</a:t>
+              <a:t>2020/5/19</a:t>
             </a:fld>
             <a:endParaRPr kumimoji="1" lang="ja-JP" altLang="en-US"/>
           </a:p>
@@ -959,7 +959,7 @@
           <a:p>
             <a:fld id="{38902CDB-4AA8-4DB9-834E-17D8C468A2CA}" type="datetimeFigureOut">
               <a:rPr kumimoji="1" lang="ja-JP" altLang="en-US" smtClean="0"/>
-              <a:t>2020/5/17</a:t>
+              <a:t>2020/5/19</a:t>
             </a:fld>
             <a:endParaRPr kumimoji="1" lang="ja-JP" altLang="en-US"/>
           </a:p>
@@ -1234,7 +1234,7 @@
           <a:p>
             <a:fld id="{38902CDB-4AA8-4DB9-834E-17D8C468A2CA}" type="datetimeFigureOut">
               <a:rPr kumimoji="1" lang="ja-JP" altLang="en-US" smtClean="0"/>
-              <a:t>2020/5/17</a:t>
+              <a:t>2020/5/19</a:t>
             </a:fld>
             <a:endParaRPr kumimoji="1" lang="ja-JP" altLang="en-US"/>
           </a:p>
@@ -1563,7 +1563,7 @@
           <a:p>
             <a:fld id="{38902CDB-4AA8-4DB9-834E-17D8C468A2CA}" type="datetimeFigureOut">
               <a:rPr kumimoji="1" lang="ja-JP" altLang="en-US" smtClean="0"/>
-              <a:t>2020/5/17</a:t>
+              <a:t>2020/5/19</a:t>
             </a:fld>
             <a:endParaRPr kumimoji="1" lang="ja-JP" altLang="en-US"/>
           </a:p>
@@ -2039,7 +2039,7 @@
           <a:p>
             <a:fld id="{38902CDB-4AA8-4DB9-834E-17D8C468A2CA}" type="datetimeFigureOut">
               <a:rPr kumimoji="1" lang="ja-JP" altLang="en-US" smtClean="0"/>
-              <a:t>2020/5/17</a:t>
+              <a:t>2020/5/19</a:t>
             </a:fld>
             <a:endParaRPr kumimoji="1" lang="ja-JP" altLang="en-US"/>
           </a:p>
@@ -2180,7 +2180,7 @@
           <a:p>
             <a:fld id="{38902CDB-4AA8-4DB9-834E-17D8C468A2CA}" type="datetimeFigureOut">
               <a:rPr kumimoji="1" lang="ja-JP" altLang="en-US" smtClean="0"/>
-              <a:t>2020/5/17</a:t>
+              <a:t>2020/5/19</a:t>
             </a:fld>
             <a:endParaRPr kumimoji="1" lang="ja-JP" altLang="en-US"/>
           </a:p>
@@ -2293,7 +2293,7 @@
           <a:p>
             <a:fld id="{38902CDB-4AA8-4DB9-834E-17D8C468A2CA}" type="datetimeFigureOut">
               <a:rPr kumimoji="1" lang="ja-JP" altLang="en-US" smtClean="0"/>
-              <a:t>2020/5/17</a:t>
+              <a:t>2020/5/19</a:t>
             </a:fld>
             <a:endParaRPr kumimoji="1" lang="ja-JP" altLang="en-US"/>
           </a:p>
@@ -2636,7 +2636,7 @@
           <a:p>
             <a:fld id="{38902CDB-4AA8-4DB9-834E-17D8C468A2CA}" type="datetimeFigureOut">
               <a:rPr kumimoji="1" lang="ja-JP" altLang="en-US" smtClean="0"/>
-              <a:t>2020/5/17</a:t>
+              <a:t>2020/5/19</a:t>
             </a:fld>
             <a:endParaRPr kumimoji="1" lang="ja-JP" altLang="en-US"/>
           </a:p>
@@ -2924,7 +2924,7 @@
           <a:p>
             <a:fld id="{38902CDB-4AA8-4DB9-834E-17D8C468A2CA}" type="datetimeFigureOut">
               <a:rPr kumimoji="1" lang="ja-JP" altLang="en-US" smtClean="0"/>
-              <a:t>2020/5/17</a:t>
+              <a:t>2020/5/19</a:t>
             </a:fld>
             <a:endParaRPr kumimoji="1" lang="ja-JP" altLang="en-US"/>
           </a:p>
@@ -3197,7 +3197,7 @@
           <a:p>
             <a:fld id="{38902CDB-4AA8-4DB9-834E-17D8C468A2CA}" type="datetimeFigureOut">
               <a:rPr kumimoji="1" lang="ja-JP" altLang="en-US" smtClean="0"/>
-              <a:t>2020/5/17</a:t>
+              <a:t>2020/5/19</a:t>
             </a:fld>
             <a:endParaRPr kumimoji="1" lang="ja-JP" altLang="en-US"/>
           </a:p>
@@ -4492,6 +4492,60 @@
           </p:txBody>
         </p:sp>
       </p:grpSp>
+      <p:sp>
+        <p:nvSpPr>
+          <p:cNvPr id="6" name="正方形/長方形 5">
+            <a:extLst>
+              <a:ext uri="{FF2B5EF4-FFF2-40B4-BE49-F238E27FC236}">
+                <a16:creationId xmlns:a16="http://schemas.microsoft.com/office/drawing/2014/main" id="{43587DA6-3F2B-4726-AF72-5CB995E3BDB5}"/>
+              </a:ext>
+            </a:extLst>
+          </p:cNvPr>
+          <p:cNvSpPr/>
+          <p:nvPr/>
+        </p:nvSpPr>
+        <p:spPr>
+          <a:xfrm>
+            <a:off x="4233810" y="3687932"/>
+            <a:ext cx="1997475" cy="1997475"/>
+          </a:xfrm>
+          <a:prstGeom prst="rect">
+            <a:avLst/>
+          </a:prstGeom>
+          <a:solidFill>
+            <a:srgbClr val="FFFF00">
+              <a:alpha val="50196"/>
+            </a:srgbClr>
+          </a:solidFill>
+          <a:ln>
+            <a:noFill/>
+          </a:ln>
+        </p:spPr>
+        <p:style>
+          <a:lnRef idx="2">
+            <a:schemeClr val="accent1">
+              <a:shade val="50000"/>
+            </a:schemeClr>
+          </a:lnRef>
+          <a:fillRef idx="1">
+            <a:schemeClr val="accent1"/>
+          </a:fillRef>
+          <a:effectRef idx="0">
+            <a:schemeClr val="accent1"/>
+          </a:effectRef>
+          <a:fontRef idx="minor">
+            <a:schemeClr val="lt1"/>
+          </a:fontRef>
+        </p:style>
+        <p:txBody>
+          <a:bodyPr rtlCol="0" anchor="ctr"/>
+          <a:lstStyle/>
+          <a:p>
+            <a:pPr algn="ctr"/>
+            <a:endParaRPr kumimoji="1" lang="ja-JP" altLang="en-US"/>
+          </a:p>
+        </p:txBody>
+      </p:sp>
     </p:spTree>
     <p:extLst>
       <p:ext uri="{BB962C8B-B14F-4D97-AF65-F5344CB8AC3E}">

--- a/HEW/data/TEXTURE/ロゴ作成.pptx
+++ b/HEW/data/TEXTURE/ロゴ作成.pptx
@@ -259,7 +259,7 @@
           <a:p>
             <a:fld id="{38902CDB-4AA8-4DB9-834E-17D8C468A2CA}" type="datetimeFigureOut">
               <a:rPr kumimoji="1" lang="ja-JP" altLang="en-US" smtClean="0"/>
-              <a:t>2020/5/13</a:t>
+              <a:t>2020/5/19</a:t>
             </a:fld>
             <a:endParaRPr kumimoji="1" lang="ja-JP" altLang="en-US"/>
           </a:p>
@@ -489,7 +489,7 @@
           <a:p>
             <a:fld id="{38902CDB-4AA8-4DB9-834E-17D8C468A2CA}" type="datetimeFigureOut">
               <a:rPr kumimoji="1" lang="ja-JP" altLang="en-US" smtClean="0"/>
-              <a:t>2020/5/13</a:t>
+              <a:t>2020/5/19</a:t>
             </a:fld>
             <a:endParaRPr kumimoji="1" lang="ja-JP" altLang="en-US"/>
           </a:p>
@@ -729,7 +729,7 @@
           <a:p>
             <a:fld id="{38902CDB-4AA8-4DB9-834E-17D8C468A2CA}" type="datetimeFigureOut">
               <a:rPr kumimoji="1" lang="ja-JP" altLang="en-US" smtClean="0"/>
-              <a:t>2020/5/13</a:t>
+              <a:t>2020/5/19</a:t>
             </a:fld>
             <a:endParaRPr kumimoji="1" lang="ja-JP" altLang="en-US"/>
           </a:p>
@@ -959,7 +959,7 @@
           <a:p>
             <a:fld id="{38902CDB-4AA8-4DB9-834E-17D8C468A2CA}" type="datetimeFigureOut">
               <a:rPr kumimoji="1" lang="ja-JP" altLang="en-US" smtClean="0"/>
-              <a:t>2020/5/13</a:t>
+              <a:t>2020/5/19</a:t>
             </a:fld>
             <a:endParaRPr kumimoji="1" lang="ja-JP" altLang="en-US"/>
           </a:p>
@@ -1234,7 +1234,7 @@
           <a:p>
             <a:fld id="{38902CDB-4AA8-4DB9-834E-17D8C468A2CA}" type="datetimeFigureOut">
               <a:rPr kumimoji="1" lang="ja-JP" altLang="en-US" smtClean="0"/>
-              <a:t>2020/5/13</a:t>
+              <a:t>2020/5/19</a:t>
             </a:fld>
             <a:endParaRPr kumimoji="1" lang="ja-JP" altLang="en-US"/>
           </a:p>
@@ -1563,7 +1563,7 @@
           <a:p>
             <a:fld id="{38902CDB-4AA8-4DB9-834E-17D8C468A2CA}" type="datetimeFigureOut">
               <a:rPr kumimoji="1" lang="ja-JP" altLang="en-US" smtClean="0"/>
-              <a:t>2020/5/13</a:t>
+              <a:t>2020/5/19</a:t>
             </a:fld>
             <a:endParaRPr kumimoji="1" lang="ja-JP" altLang="en-US"/>
           </a:p>
@@ -2039,7 +2039,7 @@
           <a:p>
             <a:fld id="{38902CDB-4AA8-4DB9-834E-17D8C468A2CA}" type="datetimeFigureOut">
               <a:rPr kumimoji="1" lang="ja-JP" altLang="en-US" smtClean="0"/>
-              <a:t>2020/5/13</a:t>
+              <a:t>2020/5/19</a:t>
             </a:fld>
             <a:endParaRPr kumimoji="1" lang="ja-JP" altLang="en-US"/>
           </a:p>
@@ -2180,7 +2180,7 @@
           <a:p>
             <a:fld id="{38902CDB-4AA8-4DB9-834E-17D8C468A2CA}" type="datetimeFigureOut">
               <a:rPr kumimoji="1" lang="ja-JP" altLang="en-US" smtClean="0"/>
-              <a:t>2020/5/13</a:t>
+              <a:t>2020/5/19</a:t>
             </a:fld>
             <a:endParaRPr kumimoji="1" lang="ja-JP" altLang="en-US"/>
           </a:p>
@@ -2293,7 +2293,7 @@
           <a:p>
             <a:fld id="{38902CDB-4AA8-4DB9-834E-17D8C468A2CA}" type="datetimeFigureOut">
               <a:rPr kumimoji="1" lang="ja-JP" altLang="en-US" smtClean="0"/>
-              <a:t>2020/5/13</a:t>
+              <a:t>2020/5/19</a:t>
             </a:fld>
             <a:endParaRPr kumimoji="1" lang="ja-JP" altLang="en-US"/>
           </a:p>
@@ -2636,7 +2636,7 @@
           <a:p>
             <a:fld id="{38902CDB-4AA8-4DB9-834E-17D8C468A2CA}" type="datetimeFigureOut">
               <a:rPr kumimoji="1" lang="ja-JP" altLang="en-US" smtClean="0"/>
-              <a:t>2020/5/13</a:t>
+              <a:t>2020/5/19</a:t>
             </a:fld>
             <a:endParaRPr kumimoji="1" lang="ja-JP" altLang="en-US"/>
           </a:p>
@@ -2924,7 +2924,7 @@
           <a:p>
             <a:fld id="{38902CDB-4AA8-4DB9-834E-17D8C468A2CA}" type="datetimeFigureOut">
               <a:rPr kumimoji="1" lang="ja-JP" altLang="en-US" smtClean="0"/>
-              <a:t>2020/5/13</a:t>
+              <a:t>2020/5/19</a:t>
             </a:fld>
             <a:endParaRPr kumimoji="1" lang="ja-JP" altLang="en-US"/>
           </a:p>
@@ -3197,7 +3197,7 @@
           <a:p>
             <a:fld id="{38902CDB-4AA8-4DB9-834E-17D8C468A2CA}" type="datetimeFigureOut">
               <a:rPr kumimoji="1" lang="ja-JP" altLang="en-US" smtClean="0"/>
-              <a:t>2020/5/13</a:t>
+              <a:t>2020/5/19</a:t>
             </a:fld>
             <a:endParaRPr kumimoji="1" lang="ja-JP" altLang="en-US"/>
           </a:p>
@@ -3738,7 +3738,7 @@
         </p:nvSpPr>
         <p:spPr>
           <a:xfrm>
-            <a:off x="1392628" y="2440908"/>
+            <a:off x="-731739" y="2345740"/>
             <a:ext cx="5452839" cy="1200329"/>
           </a:xfrm>
           <a:prstGeom prst="rect">
@@ -3852,10 +3852,10 @@
       </p:sp>
       <p:pic>
         <p:nvPicPr>
-          <p:cNvPr id="5" name="図 4" descr="建物, 塗装, 男, 落書き が含まれている画像&#10;&#10;自動的に生成された説明">
-            <a:extLst>
-              <a:ext uri="{FF2B5EF4-FFF2-40B4-BE49-F238E27FC236}">
-                <a16:creationId xmlns:a16="http://schemas.microsoft.com/office/drawing/2014/main" id="{AE02EAFE-98F7-4643-8896-9B339036B5DF}"/>
+          <p:cNvPr id="10" name="図 9" descr="建物, ベンチ, 座る, 木製 が含まれている画像&#10;&#10;自動的に生成された説明">
+            <a:extLst>
+              <a:ext uri="{FF2B5EF4-FFF2-40B4-BE49-F238E27FC236}">
+                <a16:creationId xmlns:a16="http://schemas.microsoft.com/office/drawing/2014/main" id="{AC1A378D-17FC-4A45-8D7C-4A14D34EEB51}"/>
               </a:ext>
             </a:extLst>
           </p:cNvPr>
@@ -3877,8 +3877,8 @@
           </a:stretch>
         </p:blipFill>
         <p:spPr>
-          <a:xfrm>
-            <a:off x="7620000" y="351407"/>
+          <a:xfrm rot="5400000">
+            <a:off x="1658643" y="4453795"/>
             <a:ext cx="1524000" cy="1524000"/>
           </a:xfrm>
           <a:prstGeom prst="rect">
@@ -3886,552 +3886,663 @@
           </a:prstGeom>
         </p:spPr>
       </p:pic>
-      <p:pic>
-        <p:nvPicPr>
-          <p:cNvPr id="7" name="図 6" descr="建物, ベンチ, 座る, 木製 が含まれている画像&#10;&#10;自動的に生成された説明">
-            <a:extLst>
-              <a:ext uri="{FF2B5EF4-FFF2-40B4-BE49-F238E27FC236}">
-                <a16:creationId xmlns:a16="http://schemas.microsoft.com/office/drawing/2014/main" id="{A85EA9CA-3173-48C3-9865-DFECF049B585}"/>
-              </a:ext>
-            </a:extLst>
-          </p:cNvPr>
-          <p:cNvPicPr>
-            <a:picLocks noChangeAspect="1"/>
-          </p:cNvPicPr>
+      <p:grpSp>
+        <p:nvGrpSpPr>
+          <p:cNvPr id="3" name="グループ化 2">
+            <a:extLst>
+              <a:ext uri="{FF2B5EF4-FFF2-40B4-BE49-F238E27FC236}">
+                <a16:creationId xmlns:a16="http://schemas.microsoft.com/office/drawing/2014/main" id="{AB6CCACA-CA47-4924-B54E-810A43D726EB}"/>
+              </a:ext>
+            </a:extLst>
+          </p:cNvPr>
+          <p:cNvGrpSpPr/>
           <p:nvPr/>
-        </p:nvPicPr>
-        <p:blipFill>
-          <a:blip r:embed="rId3">
-            <a:extLst>
-              <a:ext uri="{28A0092B-C50C-407E-A947-70E740481C1C}">
-                <a14:useLocalDpi xmlns:a14="http://schemas.microsoft.com/office/drawing/2010/main" val="0"/>
-              </a:ext>
-            </a:extLst>
-          </a:blip>
-          <a:stretch>
-            <a:fillRect/>
-          </a:stretch>
-        </p:blipFill>
+        </p:nvGrpSpPr>
+        <p:grpSpPr>
+          <a:xfrm>
+            <a:off x="6096000" y="351407"/>
+            <a:ext cx="6096000" cy="6096000"/>
+            <a:chOff x="6096000" y="351407"/>
+            <a:chExt cx="6096000" cy="6096000"/>
+          </a:xfrm>
+        </p:grpSpPr>
+        <p:pic>
+          <p:nvPicPr>
+            <p:cNvPr id="5" name="図 4" descr="建物, 塗装, 男, 落書き が含まれている画像&#10;&#10;自動的に生成された説明">
+              <a:extLst>
+                <a:ext uri="{FF2B5EF4-FFF2-40B4-BE49-F238E27FC236}">
+                  <a16:creationId xmlns:a16="http://schemas.microsoft.com/office/drawing/2014/main" id="{AE02EAFE-98F7-4643-8896-9B339036B5DF}"/>
+                </a:ext>
+              </a:extLst>
+            </p:cNvPr>
+            <p:cNvPicPr>
+              <a:picLocks noChangeAspect="1"/>
+            </p:cNvPicPr>
+            <p:nvPr/>
+          </p:nvPicPr>
+          <p:blipFill>
+            <a:blip r:embed="rId3">
+              <a:extLst>
+                <a:ext uri="{28A0092B-C50C-407E-A947-70E740481C1C}">
+                  <a14:useLocalDpi xmlns:a14="http://schemas.microsoft.com/office/drawing/2010/main" val="0"/>
+                </a:ext>
+              </a:extLst>
+            </a:blip>
+            <a:stretch>
+              <a:fillRect/>
+            </a:stretch>
+          </p:blipFill>
+          <p:spPr>
+            <a:xfrm>
+              <a:off x="7620000" y="351407"/>
+              <a:ext cx="1524000" cy="1524000"/>
+            </a:xfrm>
+            <a:prstGeom prst="rect">
+              <a:avLst/>
+            </a:prstGeom>
+          </p:spPr>
+        </p:pic>
+        <p:pic>
+          <p:nvPicPr>
+            <p:cNvPr id="7" name="図 6" descr="建物, ベンチ, 座る, 木製 が含まれている画像&#10;&#10;自動的に生成された説明">
+              <a:extLst>
+                <a:ext uri="{FF2B5EF4-FFF2-40B4-BE49-F238E27FC236}">
+                  <a16:creationId xmlns:a16="http://schemas.microsoft.com/office/drawing/2014/main" id="{A85EA9CA-3173-48C3-9865-DFECF049B585}"/>
+                </a:ext>
+              </a:extLst>
+            </p:cNvPr>
+            <p:cNvPicPr>
+              <a:picLocks noChangeAspect="1"/>
+            </p:cNvPicPr>
+            <p:nvPr/>
+          </p:nvPicPr>
+          <p:blipFill>
+            <a:blip r:embed="rId2">
+              <a:extLst>
+                <a:ext uri="{28A0092B-C50C-407E-A947-70E740481C1C}">
+                  <a14:useLocalDpi xmlns:a14="http://schemas.microsoft.com/office/drawing/2010/main" val="0"/>
+                </a:ext>
+              </a:extLst>
+            </a:blip>
+            <a:stretch>
+              <a:fillRect/>
+            </a:stretch>
+          </p:blipFill>
+          <p:spPr>
+            <a:xfrm rot="5400000">
+              <a:off x="7620000" y="1875407"/>
+              <a:ext cx="1524000" cy="1524000"/>
+            </a:xfrm>
+            <a:prstGeom prst="rect">
+              <a:avLst/>
+            </a:prstGeom>
+          </p:spPr>
+        </p:pic>
+        <p:pic>
+          <p:nvPicPr>
+            <p:cNvPr id="8" name="図 7" descr="建物, 塗装, 男, 落書き が含まれている画像&#10;&#10;自動的に生成された説明">
+              <a:extLst>
+                <a:ext uri="{FF2B5EF4-FFF2-40B4-BE49-F238E27FC236}">
+                  <a16:creationId xmlns:a16="http://schemas.microsoft.com/office/drawing/2014/main" id="{67BA1436-D578-409D-BBE5-41EF5F2CBB9A}"/>
+                </a:ext>
+              </a:extLst>
+            </p:cNvPr>
+            <p:cNvPicPr>
+              <a:picLocks noChangeAspect="1"/>
+            </p:cNvPicPr>
+            <p:nvPr/>
+          </p:nvPicPr>
+          <p:blipFill>
+            <a:blip r:embed="rId3">
+              <a:extLst>
+                <a:ext uri="{28A0092B-C50C-407E-A947-70E740481C1C}">
+                  <a14:useLocalDpi xmlns:a14="http://schemas.microsoft.com/office/drawing/2010/main" val="0"/>
+                </a:ext>
+              </a:extLst>
+            </a:blip>
+            <a:stretch>
+              <a:fillRect/>
+            </a:stretch>
+          </p:blipFill>
+          <p:spPr>
+            <a:xfrm>
+              <a:off x="7620000" y="3399407"/>
+              <a:ext cx="1524000" cy="1524000"/>
+            </a:xfrm>
+            <a:prstGeom prst="rect">
+              <a:avLst/>
+            </a:prstGeom>
+          </p:spPr>
+        </p:pic>
+        <p:pic>
+          <p:nvPicPr>
+            <p:cNvPr id="9" name="図 8" descr="建物, ベンチ, 座る, 木製 が含まれている画像&#10;&#10;自動的に生成された説明">
+              <a:extLst>
+                <a:ext uri="{FF2B5EF4-FFF2-40B4-BE49-F238E27FC236}">
+                  <a16:creationId xmlns:a16="http://schemas.microsoft.com/office/drawing/2014/main" id="{20663E3F-58A9-4227-AE3A-7634DDD8A808}"/>
+                </a:ext>
+              </a:extLst>
+            </p:cNvPr>
+            <p:cNvPicPr>
+              <a:picLocks noChangeAspect="1"/>
+            </p:cNvPicPr>
+            <p:nvPr/>
+          </p:nvPicPr>
+          <p:blipFill>
+            <a:blip r:embed="rId2">
+              <a:extLst>
+                <a:ext uri="{28A0092B-C50C-407E-A947-70E740481C1C}">
+                  <a14:useLocalDpi xmlns:a14="http://schemas.microsoft.com/office/drawing/2010/main" val="0"/>
+                </a:ext>
+              </a:extLst>
+            </a:blip>
+            <a:stretch>
+              <a:fillRect/>
+            </a:stretch>
+          </p:blipFill>
+          <p:spPr>
+            <a:xfrm rot="5400000">
+              <a:off x="7620000" y="4923407"/>
+              <a:ext cx="1524000" cy="1524000"/>
+            </a:xfrm>
+            <a:prstGeom prst="rect">
+              <a:avLst/>
+            </a:prstGeom>
+          </p:spPr>
+        </p:pic>
+        <p:pic>
+          <p:nvPicPr>
+            <p:cNvPr id="11" name="図 10" descr="建物, ベンチ, 座る, 木製 が含まれている画像&#10;&#10;自動的に生成された説明">
+              <a:extLst>
+                <a:ext uri="{FF2B5EF4-FFF2-40B4-BE49-F238E27FC236}">
+                  <a16:creationId xmlns:a16="http://schemas.microsoft.com/office/drawing/2014/main" id="{50C6E6B6-059D-416C-A88B-B11D04CBFF00}"/>
+                </a:ext>
+              </a:extLst>
+            </p:cNvPr>
+            <p:cNvPicPr>
+              <a:picLocks noChangeAspect="1"/>
+            </p:cNvPicPr>
+            <p:nvPr/>
+          </p:nvPicPr>
+          <p:blipFill>
+            <a:blip r:embed="rId2">
+              <a:extLst>
+                <a:ext uri="{28A0092B-C50C-407E-A947-70E740481C1C}">
+                  <a14:useLocalDpi xmlns:a14="http://schemas.microsoft.com/office/drawing/2010/main" val="0"/>
+                </a:ext>
+              </a:extLst>
+            </a:blip>
+            <a:stretch>
+              <a:fillRect/>
+            </a:stretch>
+          </p:blipFill>
+          <p:spPr>
+            <a:xfrm rot="5400000">
+              <a:off x="9144000" y="1875407"/>
+              <a:ext cx="1524000" cy="1524000"/>
+            </a:xfrm>
+            <a:prstGeom prst="rect">
+              <a:avLst/>
+            </a:prstGeom>
+          </p:spPr>
+        </p:pic>
+        <p:pic>
+          <p:nvPicPr>
+            <p:cNvPr id="12" name="図 11" descr="建物, ベンチ, 座る, 木製 が含まれている画像&#10;&#10;自動的に生成された説明">
+              <a:extLst>
+                <a:ext uri="{FF2B5EF4-FFF2-40B4-BE49-F238E27FC236}">
+                  <a16:creationId xmlns:a16="http://schemas.microsoft.com/office/drawing/2014/main" id="{EA5D69A1-D631-4DD4-8712-6E9AF3316F8C}"/>
+                </a:ext>
+              </a:extLst>
+            </p:cNvPr>
+            <p:cNvPicPr>
+              <a:picLocks noChangeAspect="1"/>
+            </p:cNvPicPr>
+            <p:nvPr/>
+          </p:nvPicPr>
+          <p:blipFill>
+            <a:blip r:embed="rId4">
+              <a:extLst>
+                <a:ext uri="{BEBA8EAE-BF5A-486C-A8C5-ECC9F3942E4B}">
+                  <a14:imgProps xmlns:a14="http://schemas.microsoft.com/office/drawing/2010/main">
+                    <a14:imgLayer r:embed="rId5">
+                      <a14:imgEffect>
+                        <a14:artisticChalkSketch/>
+                      </a14:imgEffect>
+                    </a14:imgLayer>
+                  </a14:imgProps>
+                </a:ext>
+                <a:ext uri="{28A0092B-C50C-407E-A947-70E740481C1C}">
+                  <a14:useLocalDpi xmlns:a14="http://schemas.microsoft.com/office/drawing/2010/main" val="0"/>
+                </a:ext>
+              </a:extLst>
+            </a:blip>
+            <a:stretch>
+              <a:fillRect/>
+            </a:stretch>
+          </p:blipFill>
+          <p:spPr>
+            <a:xfrm rot="5400000">
+              <a:off x="10668000" y="1875407"/>
+              <a:ext cx="1524000" cy="1524000"/>
+            </a:xfrm>
+            <a:prstGeom prst="rect">
+              <a:avLst/>
+            </a:prstGeom>
+          </p:spPr>
+        </p:pic>
+        <p:sp>
+          <p:nvSpPr>
+            <p:cNvPr id="13" name="テキスト ボックス 12">
+              <a:extLst>
+                <a:ext uri="{FF2B5EF4-FFF2-40B4-BE49-F238E27FC236}">
+                  <a16:creationId xmlns:a16="http://schemas.microsoft.com/office/drawing/2014/main" id="{46BC6945-1F00-4457-8283-148587D504C0}"/>
+                </a:ext>
+              </a:extLst>
+            </p:cNvPr>
+            <p:cNvSpPr txBox="1"/>
+            <p:nvPr/>
+          </p:nvSpPr>
+          <p:spPr>
+            <a:xfrm rot="10800000">
+              <a:off x="8087557" y="3852909"/>
+              <a:ext cx="595035" cy="584775"/>
+            </a:xfrm>
+            <a:prstGeom prst="rect">
+              <a:avLst/>
+            </a:prstGeom>
+            <a:noFill/>
+          </p:spPr>
+          <p:txBody>
+            <a:bodyPr wrap="none" rtlCol="0">
+              <a:spAutoFit/>
+            </a:bodyPr>
+            <a:lstStyle/>
+            <a:p>
+              <a:r>
+                <a:rPr kumimoji="1" lang="ja-JP" altLang="en-US" sz="3200" b="1" dirty="0">
+                  <a:highlight>
+                    <a:srgbClr val="FFFF00"/>
+                  </a:highlight>
+                </a:rPr>
+                <a:t>裏</a:t>
+              </a:r>
+            </a:p>
+          </p:txBody>
+        </p:sp>
+        <p:sp>
+          <p:nvSpPr>
+            <p:cNvPr id="14" name="テキスト ボックス 13">
+              <a:extLst>
+                <a:ext uri="{FF2B5EF4-FFF2-40B4-BE49-F238E27FC236}">
+                  <a16:creationId xmlns:a16="http://schemas.microsoft.com/office/drawing/2014/main" id="{64EEE056-C52B-414A-9EB9-8D071E7CA89E}"/>
+                </a:ext>
+              </a:extLst>
+            </p:cNvPr>
+            <p:cNvSpPr txBox="1"/>
+            <p:nvPr/>
+          </p:nvSpPr>
+          <p:spPr>
+            <a:xfrm>
+              <a:off x="8056486" y="837130"/>
+              <a:ext cx="595035" cy="584775"/>
+            </a:xfrm>
+            <a:prstGeom prst="rect">
+              <a:avLst/>
+            </a:prstGeom>
+            <a:noFill/>
+          </p:spPr>
+          <p:txBody>
+            <a:bodyPr wrap="none" rtlCol="0">
+              <a:spAutoFit/>
+            </a:bodyPr>
+            <a:lstStyle/>
+            <a:p>
+              <a:r>
+                <a:rPr kumimoji="1" lang="ja-JP" altLang="en-US" sz="3200" b="1" dirty="0">
+                  <a:highlight>
+                    <a:srgbClr val="FFFF00"/>
+                  </a:highlight>
+                </a:rPr>
+                <a:t>表</a:t>
+              </a:r>
+            </a:p>
+          </p:txBody>
+        </p:sp>
+        <p:sp>
+          <p:nvSpPr>
+            <p:cNvPr id="15" name="テキスト ボックス 14">
+              <a:extLst>
+                <a:ext uri="{FF2B5EF4-FFF2-40B4-BE49-F238E27FC236}">
+                  <a16:creationId xmlns:a16="http://schemas.microsoft.com/office/drawing/2014/main" id="{D46206E8-AA92-41AE-A4B3-EF59CEA4FEA0}"/>
+                </a:ext>
+              </a:extLst>
+            </p:cNvPr>
+            <p:cNvSpPr txBox="1"/>
+            <p:nvPr/>
+          </p:nvSpPr>
+          <p:spPr>
+            <a:xfrm>
+              <a:off x="10627128" y="2183575"/>
+              <a:ext cx="1415772" cy="1077218"/>
+            </a:xfrm>
+            <a:prstGeom prst="rect">
+              <a:avLst/>
+            </a:prstGeom>
+            <a:noFill/>
+          </p:spPr>
+          <p:txBody>
+            <a:bodyPr wrap="none" rtlCol="0">
+              <a:spAutoFit/>
+            </a:bodyPr>
+            <a:lstStyle/>
+            <a:p>
+              <a:r>
+                <a:rPr lang="ja-JP" altLang="en-US" sz="3200" b="1" dirty="0">
+                  <a:highlight>
+                    <a:srgbClr val="FFFF00"/>
+                  </a:highlight>
+                </a:rPr>
+                <a:t>使用</a:t>
+              </a:r>
+              <a:endParaRPr lang="en-US" altLang="ja-JP" sz="3200" b="1" dirty="0">
+                <a:highlight>
+                  <a:srgbClr val="FFFF00"/>
+                </a:highlight>
+              </a:endParaRPr>
+            </a:p>
+            <a:p>
+              <a:r>
+                <a:rPr kumimoji="1" lang="ja-JP" altLang="en-US" sz="3200" b="1" dirty="0">
+                  <a:highlight>
+                    <a:srgbClr val="FFFF00"/>
+                  </a:highlight>
+                </a:rPr>
+                <a:t>しない</a:t>
+              </a:r>
+            </a:p>
+          </p:txBody>
+        </p:sp>
+        <p:sp>
+          <p:nvSpPr>
+            <p:cNvPr id="16" name="テキスト ボックス 15">
+              <a:extLst>
+                <a:ext uri="{FF2B5EF4-FFF2-40B4-BE49-F238E27FC236}">
+                  <a16:creationId xmlns:a16="http://schemas.microsoft.com/office/drawing/2014/main" id="{A35F4DDD-7D92-46C4-9151-FBD1C9F142E2}"/>
+                </a:ext>
+              </a:extLst>
+            </p:cNvPr>
+            <p:cNvSpPr txBox="1"/>
+            <p:nvPr/>
+          </p:nvSpPr>
+          <p:spPr>
+            <a:xfrm>
+              <a:off x="7701171" y="2361130"/>
+              <a:ext cx="1241045" cy="584775"/>
+            </a:xfrm>
+            <a:prstGeom prst="rect">
+              <a:avLst/>
+            </a:prstGeom>
+            <a:noFill/>
+          </p:spPr>
+          <p:txBody>
+            <a:bodyPr wrap="none" rtlCol="0">
+              <a:spAutoFit/>
+            </a:bodyPr>
+            <a:lstStyle/>
+            <a:p>
+              <a:r>
+                <a:rPr lang="ja-JP" altLang="en-US" sz="3200" b="1" dirty="0">
+                  <a:highlight>
+                    <a:srgbClr val="FFFF00"/>
+                  </a:highlight>
+                </a:rPr>
+                <a:t>側面</a:t>
+              </a:r>
+              <a:r>
+                <a:rPr lang="en-US" altLang="ja-JP" sz="3200" b="1" dirty="0">
+                  <a:highlight>
+                    <a:srgbClr val="FFFF00"/>
+                  </a:highlight>
+                </a:rPr>
+                <a:t>2</a:t>
+              </a:r>
+              <a:endParaRPr kumimoji="1" lang="ja-JP" altLang="en-US" sz="3200" b="1" dirty="0">
+                <a:highlight>
+                  <a:srgbClr val="FFFF00"/>
+                </a:highlight>
+              </a:endParaRPr>
+            </a:p>
+          </p:txBody>
+        </p:sp>
+        <p:sp>
+          <p:nvSpPr>
+            <p:cNvPr id="18" name="テキスト ボックス 17">
+              <a:extLst>
+                <a:ext uri="{FF2B5EF4-FFF2-40B4-BE49-F238E27FC236}">
+                  <a16:creationId xmlns:a16="http://schemas.microsoft.com/office/drawing/2014/main" id="{0471389F-0E06-4055-AE3A-22AE11CC4FF9}"/>
+                </a:ext>
+              </a:extLst>
+            </p:cNvPr>
+            <p:cNvSpPr txBox="1"/>
+            <p:nvPr/>
+          </p:nvSpPr>
+          <p:spPr>
+            <a:xfrm>
+              <a:off x="9318727" y="2361130"/>
+              <a:ext cx="1241045" cy="584775"/>
+            </a:xfrm>
+            <a:prstGeom prst="rect">
+              <a:avLst/>
+            </a:prstGeom>
+            <a:noFill/>
+          </p:spPr>
+          <p:txBody>
+            <a:bodyPr wrap="none" rtlCol="0">
+              <a:spAutoFit/>
+            </a:bodyPr>
+            <a:lstStyle/>
+            <a:p>
+              <a:r>
+                <a:rPr lang="ja-JP" altLang="en-US" sz="3200" b="1" dirty="0">
+                  <a:highlight>
+                    <a:srgbClr val="FFFF00"/>
+                  </a:highlight>
+                </a:rPr>
+                <a:t>側面</a:t>
+              </a:r>
+              <a:r>
+                <a:rPr lang="en-US" altLang="ja-JP" sz="3200" b="1" dirty="0">
+                  <a:highlight>
+                    <a:srgbClr val="FFFF00"/>
+                  </a:highlight>
+                </a:rPr>
+                <a:t>3</a:t>
+              </a:r>
+              <a:endParaRPr kumimoji="1" lang="ja-JP" altLang="en-US" sz="3200" b="1" dirty="0">
+                <a:highlight>
+                  <a:srgbClr val="FFFF00"/>
+                </a:highlight>
+              </a:endParaRPr>
+            </a:p>
+          </p:txBody>
+        </p:sp>
+        <p:sp>
+          <p:nvSpPr>
+            <p:cNvPr id="19" name="テキスト ボックス 18">
+              <a:extLst>
+                <a:ext uri="{FF2B5EF4-FFF2-40B4-BE49-F238E27FC236}">
+                  <a16:creationId xmlns:a16="http://schemas.microsoft.com/office/drawing/2014/main" id="{38E7951E-2C64-4FF2-90FF-19C8857F0444}"/>
+                </a:ext>
+              </a:extLst>
+            </p:cNvPr>
+            <p:cNvSpPr txBox="1"/>
+            <p:nvPr/>
+          </p:nvSpPr>
+          <p:spPr>
+            <a:xfrm rot="10800000">
+              <a:off x="7674114" y="5393019"/>
+              <a:ext cx="1415772" cy="584775"/>
+            </a:xfrm>
+            <a:prstGeom prst="rect">
+              <a:avLst/>
+            </a:prstGeom>
+            <a:noFill/>
+          </p:spPr>
+          <p:txBody>
+            <a:bodyPr wrap="none" rtlCol="0">
+              <a:spAutoFit/>
+            </a:bodyPr>
+            <a:lstStyle/>
+            <a:p>
+              <a:r>
+                <a:rPr lang="ja-JP" altLang="en-US" sz="3200" b="1" dirty="0">
+                  <a:highlight>
+                    <a:srgbClr val="FFFF00"/>
+                  </a:highlight>
+                </a:rPr>
+                <a:t>側面４</a:t>
+              </a:r>
+              <a:endParaRPr kumimoji="1" lang="ja-JP" altLang="en-US" sz="3200" b="1" dirty="0">
+                <a:highlight>
+                  <a:srgbClr val="FFFF00"/>
+                </a:highlight>
+              </a:endParaRPr>
+            </a:p>
+          </p:txBody>
+        </p:sp>
+        <p:pic>
+          <p:nvPicPr>
+            <p:cNvPr id="20" name="図 19" descr="建物, ベンチ, 座る, 木製 が含まれている画像&#10;&#10;自動的に生成された説明">
+              <a:extLst>
+                <a:ext uri="{FF2B5EF4-FFF2-40B4-BE49-F238E27FC236}">
+                  <a16:creationId xmlns:a16="http://schemas.microsoft.com/office/drawing/2014/main" id="{B3DA2E0A-17CE-419A-8322-A5E983674339}"/>
+                </a:ext>
+              </a:extLst>
+            </p:cNvPr>
+            <p:cNvPicPr>
+              <a:picLocks noChangeAspect="1"/>
+            </p:cNvPicPr>
+            <p:nvPr/>
+          </p:nvPicPr>
+          <p:blipFill>
+            <a:blip r:embed="rId2">
+              <a:extLst>
+                <a:ext uri="{28A0092B-C50C-407E-A947-70E740481C1C}">
+                  <a14:useLocalDpi xmlns:a14="http://schemas.microsoft.com/office/drawing/2010/main" val="0"/>
+                </a:ext>
+              </a:extLst>
+            </a:blip>
+            <a:stretch>
+              <a:fillRect/>
+            </a:stretch>
+          </p:blipFill>
+          <p:spPr>
+            <a:xfrm rot="5400000">
+              <a:off x="6096000" y="1881024"/>
+              <a:ext cx="1524000" cy="1524000"/>
+            </a:xfrm>
+            <a:prstGeom prst="rect">
+              <a:avLst/>
+            </a:prstGeom>
+          </p:spPr>
+        </p:pic>
+        <p:sp>
+          <p:nvSpPr>
+            <p:cNvPr id="17" name="テキスト ボックス 16">
+              <a:extLst>
+                <a:ext uri="{FF2B5EF4-FFF2-40B4-BE49-F238E27FC236}">
+                  <a16:creationId xmlns:a16="http://schemas.microsoft.com/office/drawing/2014/main" id="{E9AABB88-90A5-40D8-B367-C0A0180FC072}"/>
+                </a:ext>
+              </a:extLst>
+            </p:cNvPr>
+            <p:cNvSpPr txBox="1"/>
+            <p:nvPr/>
+          </p:nvSpPr>
+          <p:spPr>
+            <a:xfrm>
+              <a:off x="6231285" y="2376571"/>
+              <a:ext cx="1415772" cy="584775"/>
+            </a:xfrm>
+            <a:prstGeom prst="rect">
+              <a:avLst/>
+            </a:prstGeom>
+            <a:noFill/>
+          </p:spPr>
+          <p:txBody>
+            <a:bodyPr wrap="none" rtlCol="0">
+              <a:spAutoFit/>
+            </a:bodyPr>
+            <a:lstStyle/>
+            <a:p>
+              <a:r>
+                <a:rPr lang="ja-JP" altLang="en-US" sz="3200" b="1" dirty="0">
+                  <a:highlight>
+                    <a:srgbClr val="FFFF00"/>
+                  </a:highlight>
+                </a:rPr>
+                <a:t>側面１</a:t>
+              </a:r>
+              <a:endParaRPr kumimoji="1" lang="ja-JP" altLang="en-US" sz="3200" b="1" dirty="0">
+                <a:highlight>
+                  <a:srgbClr val="FFFF00"/>
+                </a:highlight>
+              </a:endParaRPr>
+            </a:p>
+          </p:txBody>
+        </p:sp>
+      </p:grpSp>
+      <p:sp>
+        <p:nvSpPr>
+          <p:cNvPr id="6" name="正方形/長方形 5">
+            <a:extLst>
+              <a:ext uri="{FF2B5EF4-FFF2-40B4-BE49-F238E27FC236}">
+                <a16:creationId xmlns:a16="http://schemas.microsoft.com/office/drawing/2014/main" id="{43587DA6-3F2B-4726-AF72-5CB995E3BDB5}"/>
+              </a:ext>
+            </a:extLst>
+          </p:cNvPr>
+          <p:cNvSpPr/>
+          <p:nvPr/>
+        </p:nvSpPr>
         <p:spPr>
-          <a:xfrm rot="5400000">
-            <a:off x="7620000" y="1875407"/>
-            <a:ext cx="1524000" cy="1524000"/>
+          <a:xfrm>
+            <a:off x="1099993" y="2002457"/>
+            <a:ext cx="1997475" cy="1997475"/>
           </a:xfrm>
           <a:prstGeom prst="rect">
             <a:avLst/>
           </a:prstGeom>
+          <a:solidFill>
+            <a:srgbClr val="FFFF00">
+              <a:alpha val="50196"/>
+            </a:srgbClr>
+          </a:solidFill>
+          <a:ln>
+            <a:noFill/>
+          </a:ln>
         </p:spPr>
-      </p:pic>
-      <p:pic>
-        <p:nvPicPr>
-          <p:cNvPr id="8" name="図 7" descr="建物, 塗装, 男, 落書き が含まれている画像&#10;&#10;自動的に生成された説明">
-            <a:extLst>
-              <a:ext uri="{FF2B5EF4-FFF2-40B4-BE49-F238E27FC236}">
-                <a16:creationId xmlns:a16="http://schemas.microsoft.com/office/drawing/2014/main" id="{67BA1436-D578-409D-BBE5-41EF5F2CBB9A}"/>
-              </a:ext>
-            </a:extLst>
-          </p:cNvPr>
-          <p:cNvPicPr>
-            <a:picLocks noChangeAspect="1"/>
-          </p:cNvPicPr>
-          <p:nvPr/>
-        </p:nvPicPr>
-        <p:blipFill>
-          <a:blip r:embed="rId2">
-            <a:extLst>
-              <a:ext uri="{28A0092B-C50C-407E-A947-70E740481C1C}">
-                <a14:useLocalDpi xmlns:a14="http://schemas.microsoft.com/office/drawing/2010/main" val="0"/>
-              </a:ext>
-            </a:extLst>
-          </a:blip>
-          <a:stretch>
-            <a:fillRect/>
-          </a:stretch>
-        </p:blipFill>
-        <p:spPr>
-          <a:xfrm>
-            <a:off x="7620000" y="3399407"/>
-            <a:ext cx="1524000" cy="1524000"/>
-          </a:xfrm>
-          <a:prstGeom prst="rect">
-            <a:avLst/>
-          </a:prstGeom>
-        </p:spPr>
-      </p:pic>
-      <p:pic>
-        <p:nvPicPr>
-          <p:cNvPr id="9" name="図 8" descr="建物, ベンチ, 座る, 木製 が含まれている画像&#10;&#10;自動的に生成された説明">
-            <a:extLst>
-              <a:ext uri="{FF2B5EF4-FFF2-40B4-BE49-F238E27FC236}">
-                <a16:creationId xmlns:a16="http://schemas.microsoft.com/office/drawing/2014/main" id="{20663E3F-58A9-4227-AE3A-7634DDD8A808}"/>
-              </a:ext>
-            </a:extLst>
-          </p:cNvPr>
-          <p:cNvPicPr>
-            <a:picLocks noChangeAspect="1"/>
-          </p:cNvPicPr>
-          <p:nvPr/>
-        </p:nvPicPr>
-        <p:blipFill>
-          <a:blip r:embed="rId3">
-            <a:extLst>
-              <a:ext uri="{28A0092B-C50C-407E-A947-70E740481C1C}">
-                <a14:useLocalDpi xmlns:a14="http://schemas.microsoft.com/office/drawing/2010/main" val="0"/>
-              </a:ext>
-            </a:extLst>
-          </a:blip>
-          <a:stretch>
-            <a:fillRect/>
-          </a:stretch>
-        </p:blipFill>
-        <p:spPr>
-          <a:xfrm rot="5400000">
-            <a:off x="7620000" y="4923407"/>
-            <a:ext cx="1524000" cy="1524000"/>
-          </a:xfrm>
-          <a:prstGeom prst="rect">
-            <a:avLst/>
-          </a:prstGeom>
-        </p:spPr>
-      </p:pic>
-      <p:pic>
-        <p:nvPicPr>
-          <p:cNvPr id="10" name="図 9" descr="建物, ベンチ, 座る, 木製 が含まれている画像&#10;&#10;自動的に生成された説明">
-            <a:extLst>
-              <a:ext uri="{FF2B5EF4-FFF2-40B4-BE49-F238E27FC236}">
-                <a16:creationId xmlns:a16="http://schemas.microsoft.com/office/drawing/2014/main" id="{AC1A378D-17FC-4A45-8D7C-4A14D34EEB51}"/>
-              </a:ext>
-            </a:extLst>
-          </p:cNvPr>
-          <p:cNvPicPr>
-            <a:picLocks noChangeAspect="1"/>
-          </p:cNvPicPr>
-          <p:nvPr/>
-        </p:nvPicPr>
-        <p:blipFill>
-          <a:blip r:embed="rId3">
-            <a:extLst>
-              <a:ext uri="{28A0092B-C50C-407E-A947-70E740481C1C}">
-                <a14:useLocalDpi xmlns:a14="http://schemas.microsoft.com/office/drawing/2010/main" val="0"/>
-              </a:ext>
-            </a:extLst>
-          </a:blip>
-          <a:stretch>
-            <a:fillRect/>
-          </a:stretch>
-        </p:blipFill>
-        <p:spPr>
-          <a:xfrm rot="5400000">
-            <a:off x="6096000" y="1875407"/>
-            <a:ext cx="1524000" cy="1524000"/>
-          </a:xfrm>
-          <a:prstGeom prst="rect">
-            <a:avLst/>
-          </a:prstGeom>
-        </p:spPr>
-      </p:pic>
-      <p:pic>
-        <p:nvPicPr>
-          <p:cNvPr id="11" name="図 10" descr="建物, ベンチ, 座る, 木製 が含まれている画像&#10;&#10;自動的に生成された説明">
-            <a:extLst>
-              <a:ext uri="{FF2B5EF4-FFF2-40B4-BE49-F238E27FC236}">
-                <a16:creationId xmlns:a16="http://schemas.microsoft.com/office/drawing/2014/main" id="{50C6E6B6-059D-416C-A88B-B11D04CBFF00}"/>
-              </a:ext>
-            </a:extLst>
-          </p:cNvPr>
-          <p:cNvPicPr>
-            <a:picLocks noChangeAspect="1"/>
-          </p:cNvPicPr>
-          <p:nvPr/>
-        </p:nvPicPr>
-        <p:blipFill>
-          <a:blip r:embed="rId3">
-            <a:extLst>
-              <a:ext uri="{28A0092B-C50C-407E-A947-70E740481C1C}">
-                <a14:useLocalDpi xmlns:a14="http://schemas.microsoft.com/office/drawing/2010/main" val="0"/>
-              </a:ext>
-            </a:extLst>
-          </a:blip>
-          <a:stretch>
-            <a:fillRect/>
-          </a:stretch>
-        </p:blipFill>
-        <p:spPr>
-          <a:xfrm rot="5400000">
-            <a:off x="9144000" y="1875407"/>
-            <a:ext cx="1524000" cy="1524000"/>
-          </a:xfrm>
-          <a:prstGeom prst="rect">
-            <a:avLst/>
-          </a:prstGeom>
-        </p:spPr>
-      </p:pic>
-      <p:pic>
-        <p:nvPicPr>
-          <p:cNvPr id="12" name="図 11" descr="建物, ベンチ, 座る, 木製 が含まれている画像&#10;&#10;自動的に生成された説明">
-            <a:extLst>
-              <a:ext uri="{FF2B5EF4-FFF2-40B4-BE49-F238E27FC236}">
-                <a16:creationId xmlns:a16="http://schemas.microsoft.com/office/drawing/2014/main" id="{EA5D69A1-D631-4DD4-8712-6E9AF3316F8C}"/>
-              </a:ext>
-            </a:extLst>
-          </p:cNvPr>
-          <p:cNvPicPr>
-            <a:picLocks noChangeAspect="1"/>
-          </p:cNvPicPr>
-          <p:nvPr/>
-        </p:nvPicPr>
-        <p:blipFill>
-          <a:blip r:embed="rId4">
-            <a:extLst>
-              <a:ext uri="{BEBA8EAE-BF5A-486C-A8C5-ECC9F3942E4B}">
-                <a14:imgProps xmlns:a14="http://schemas.microsoft.com/office/drawing/2010/main">
-                  <a14:imgLayer r:embed="rId5">
-                    <a14:imgEffect>
-                      <a14:artisticChalkSketch/>
-                    </a14:imgEffect>
-                  </a14:imgLayer>
-                </a14:imgProps>
-              </a:ext>
-              <a:ext uri="{28A0092B-C50C-407E-A947-70E740481C1C}">
-                <a14:useLocalDpi xmlns:a14="http://schemas.microsoft.com/office/drawing/2010/main" val="0"/>
-              </a:ext>
-            </a:extLst>
-          </a:blip>
-          <a:stretch>
-            <a:fillRect/>
-          </a:stretch>
-        </p:blipFill>
-        <p:spPr>
-          <a:xfrm rot="5400000">
-            <a:off x="10668000" y="1875407"/>
-            <a:ext cx="1524000" cy="1524000"/>
-          </a:xfrm>
-          <a:prstGeom prst="rect">
-            <a:avLst/>
-          </a:prstGeom>
-        </p:spPr>
-      </p:pic>
-      <p:sp>
-        <p:nvSpPr>
-          <p:cNvPr id="13" name="テキスト ボックス 12">
-            <a:extLst>
-              <a:ext uri="{FF2B5EF4-FFF2-40B4-BE49-F238E27FC236}">
-                <a16:creationId xmlns:a16="http://schemas.microsoft.com/office/drawing/2014/main" id="{46BC6945-1F00-4457-8283-148587D504C0}"/>
-              </a:ext>
-            </a:extLst>
-          </p:cNvPr>
-          <p:cNvSpPr txBox="1"/>
-          <p:nvPr/>
-        </p:nvSpPr>
-        <p:spPr>
-          <a:xfrm rot="10800000">
-            <a:off x="8087557" y="3852909"/>
-            <a:ext cx="595035" cy="584775"/>
-          </a:xfrm>
-          <a:prstGeom prst="rect">
-            <a:avLst/>
-          </a:prstGeom>
-          <a:noFill/>
-        </p:spPr>
-        <p:txBody>
-          <a:bodyPr wrap="none" rtlCol="0">
-            <a:spAutoFit/>
-          </a:bodyPr>
-          <a:lstStyle/>
-          <a:p>
-            <a:r>
-              <a:rPr kumimoji="1" lang="ja-JP" altLang="en-US" sz="3200" b="1" dirty="0">
-                <a:highlight>
-                  <a:srgbClr val="FFFF00"/>
-                </a:highlight>
-              </a:rPr>
-              <a:t>裏</a:t>
-            </a:r>
-          </a:p>
-        </p:txBody>
-      </p:sp>
-      <p:sp>
-        <p:nvSpPr>
-          <p:cNvPr id="14" name="テキスト ボックス 13">
-            <a:extLst>
-              <a:ext uri="{FF2B5EF4-FFF2-40B4-BE49-F238E27FC236}">
-                <a16:creationId xmlns:a16="http://schemas.microsoft.com/office/drawing/2014/main" id="{64EEE056-C52B-414A-9EB9-8D071E7CA89E}"/>
-              </a:ext>
-            </a:extLst>
-          </p:cNvPr>
-          <p:cNvSpPr txBox="1"/>
-          <p:nvPr/>
-        </p:nvSpPr>
-        <p:spPr>
-          <a:xfrm>
-            <a:off x="8056486" y="837130"/>
-            <a:ext cx="595035" cy="584775"/>
-          </a:xfrm>
-          <a:prstGeom prst="rect">
-            <a:avLst/>
-          </a:prstGeom>
-          <a:noFill/>
-        </p:spPr>
-        <p:txBody>
-          <a:bodyPr wrap="none" rtlCol="0">
-            <a:spAutoFit/>
-          </a:bodyPr>
-          <a:lstStyle/>
-          <a:p>
-            <a:r>
-              <a:rPr kumimoji="1" lang="ja-JP" altLang="en-US" sz="3200" b="1" dirty="0">
-                <a:highlight>
-                  <a:srgbClr val="FFFF00"/>
-                </a:highlight>
-              </a:rPr>
-              <a:t>表</a:t>
-            </a:r>
-          </a:p>
-        </p:txBody>
-      </p:sp>
-      <p:sp>
-        <p:nvSpPr>
-          <p:cNvPr id="15" name="テキスト ボックス 14">
-            <a:extLst>
-              <a:ext uri="{FF2B5EF4-FFF2-40B4-BE49-F238E27FC236}">
-                <a16:creationId xmlns:a16="http://schemas.microsoft.com/office/drawing/2014/main" id="{D46206E8-AA92-41AE-A4B3-EF59CEA4FEA0}"/>
-              </a:ext>
-            </a:extLst>
-          </p:cNvPr>
-          <p:cNvSpPr txBox="1"/>
-          <p:nvPr/>
-        </p:nvSpPr>
-        <p:spPr>
-          <a:xfrm>
-            <a:off x="10627128" y="2183575"/>
-            <a:ext cx="1415772" cy="1077218"/>
-          </a:xfrm>
-          <a:prstGeom prst="rect">
-            <a:avLst/>
-          </a:prstGeom>
-          <a:noFill/>
-        </p:spPr>
-        <p:txBody>
-          <a:bodyPr wrap="none" rtlCol="0">
-            <a:spAutoFit/>
-          </a:bodyPr>
-          <a:lstStyle/>
-          <a:p>
-            <a:r>
-              <a:rPr lang="ja-JP" altLang="en-US" sz="3200" b="1" dirty="0">
-                <a:highlight>
-                  <a:srgbClr val="FFFF00"/>
-                </a:highlight>
-              </a:rPr>
-              <a:t>使用</a:t>
-            </a:r>
-            <a:endParaRPr lang="en-US" altLang="ja-JP" sz="3200" b="1" dirty="0">
-              <a:highlight>
-                <a:srgbClr val="FFFF00"/>
-              </a:highlight>
-            </a:endParaRPr>
-          </a:p>
-          <a:p>
-            <a:r>
-              <a:rPr kumimoji="1" lang="ja-JP" altLang="en-US" sz="3200" b="1" dirty="0">
-                <a:highlight>
-                  <a:srgbClr val="FFFF00"/>
-                </a:highlight>
-              </a:rPr>
-              <a:t>しない</a:t>
-            </a:r>
-          </a:p>
-        </p:txBody>
-      </p:sp>
-      <p:sp>
-        <p:nvSpPr>
-          <p:cNvPr id="16" name="テキスト ボックス 15">
-            <a:extLst>
-              <a:ext uri="{FF2B5EF4-FFF2-40B4-BE49-F238E27FC236}">
-                <a16:creationId xmlns:a16="http://schemas.microsoft.com/office/drawing/2014/main" id="{A35F4DDD-7D92-46C4-9151-FBD1C9F142E2}"/>
-              </a:ext>
-            </a:extLst>
-          </p:cNvPr>
-          <p:cNvSpPr txBox="1"/>
-          <p:nvPr/>
-        </p:nvSpPr>
-        <p:spPr>
-          <a:xfrm>
-            <a:off x="7701171" y="2361130"/>
-            <a:ext cx="1241045" cy="584775"/>
-          </a:xfrm>
-          <a:prstGeom prst="rect">
-            <a:avLst/>
-          </a:prstGeom>
-          <a:noFill/>
-        </p:spPr>
-        <p:txBody>
-          <a:bodyPr wrap="none" rtlCol="0">
-            <a:spAutoFit/>
-          </a:bodyPr>
-          <a:lstStyle/>
-          <a:p>
-            <a:r>
-              <a:rPr lang="ja-JP" altLang="en-US" sz="3200" b="1" dirty="0">
-                <a:highlight>
-                  <a:srgbClr val="FFFF00"/>
-                </a:highlight>
-              </a:rPr>
-              <a:t>側面</a:t>
-            </a:r>
-            <a:r>
-              <a:rPr lang="en-US" altLang="ja-JP" sz="3200" b="1" dirty="0">
-                <a:highlight>
-                  <a:srgbClr val="FFFF00"/>
-                </a:highlight>
-              </a:rPr>
-              <a:t>2</a:t>
-            </a:r>
-            <a:endParaRPr kumimoji="1" lang="ja-JP" altLang="en-US" sz="3200" b="1" dirty="0">
-              <a:highlight>
-                <a:srgbClr val="FFFF00"/>
-              </a:highlight>
-            </a:endParaRPr>
-          </a:p>
-        </p:txBody>
-      </p:sp>
-      <p:sp>
-        <p:nvSpPr>
-          <p:cNvPr id="17" name="テキスト ボックス 16">
-            <a:extLst>
-              <a:ext uri="{FF2B5EF4-FFF2-40B4-BE49-F238E27FC236}">
-                <a16:creationId xmlns:a16="http://schemas.microsoft.com/office/drawing/2014/main" id="{E9AABB88-90A5-40D8-B367-C0A0180FC072}"/>
-              </a:ext>
-            </a:extLst>
-          </p:cNvPr>
-          <p:cNvSpPr txBox="1"/>
-          <p:nvPr/>
-        </p:nvSpPr>
-        <p:spPr>
-          <a:xfrm>
-            <a:off x="6204228" y="2361130"/>
-            <a:ext cx="1415772" cy="584775"/>
-          </a:xfrm>
-          <a:prstGeom prst="rect">
-            <a:avLst/>
-          </a:prstGeom>
-          <a:noFill/>
-        </p:spPr>
-        <p:txBody>
-          <a:bodyPr wrap="none" rtlCol="0">
-            <a:spAutoFit/>
-          </a:bodyPr>
-          <a:lstStyle/>
-          <a:p>
-            <a:r>
-              <a:rPr lang="ja-JP" altLang="en-US" sz="3200" b="1" dirty="0">
-                <a:highlight>
-                  <a:srgbClr val="FFFF00"/>
-                </a:highlight>
-              </a:rPr>
-              <a:t>側面１</a:t>
-            </a:r>
-            <a:endParaRPr kumimoji="1" lang="ja-JP" altLang="en-US" sz="3200" b="1" dirty="0">
-              <a:highlight>
-                <a:srgbClr val="FFFF00"/>
-              </a:highlight>
-            </a:endParaRPr>
-          </a:p>
-        </p:txBody>
-      </p:sp>
-      <p:sp>
-        <p:nvSpPr>
-          <p:cNvPr id="18" name="テキスト ボックス 17">
-            <a:extLst>
-              <a:ext uri="{FF2B5EF4-FFF2-40B4-BE49-F238E27FC236}">
-                <a16:creationId xmlns:a16="http://schemas.microsoft.com/office/drawing/2014/main" id="{0471389F-0E06-4055-AE3A-22AE11CC4FF9}"/>
-              </a:ext>
-            </a:extLst>
-          </p:cNvPr>
-          <p:cNvSpPr txBox="1"/>
-          <p:nvPr/>
-        </p:nvSpPr>
-        <p:spPr>
-          <a:xfrm>
-            <a:off x="9318727" y="2361130"/>
-            <a:ext cx="1241045" cy="584775"/>
-          </a:xfrm>
-          <a:prstGeom prst="rect">
-            <a:avLst/>
-          </a:prstGeom>
-          <a:noFill/>
-        </p:spPr>
-        <p:txBody>
-          <a:bodyPr wrap="none" rtlCol="0">
-            <a:spAutoFit/>
-          </a:bodyPr>
-          <a:lstStyle/>
-          <a:p>
-            <a:r>
-              <a:rPr lang="ja-JP" altLang="en-US" sz="3200" b="1" dirty="0">
-                <a:highlight>
-                  <a:srgbClr val="FFFF00"/>
-                </a:highlight>
-              </a:rPr>
-              <a:t>側面</a:t>
-            </a:r>
-            <a:r>
-              <a:rPr lang="en-US" altLang="ja-JP" sz="3200" b="1" dirty="0">
-                <a:highlight>
-                  <a:srgbClr val="FFFF00"/>
-                </a:highlight>
-              </a:rPr>
-              <a:t>3</a:t>
-            </a:r>
-            <a:endParaRPr kumimoji="1" lang="ja-JP" altLang="en-US" sz="3200" b="1" dirty="0">
-              <a:highlight>
-                <a:srgbClr val="FFFF00"/>
-              </a:highlight>
-            </a:endParaRPr>
-          </a:p>
-        </p:txBody>
-      </p:sp>
-      <p:sp>
-        <p:nvSpPr>
-          <p:cNvPr id="19" name="テキスト ボックス 18">
-            <a:extLst>
-              <a:ext uri="{FF2B5EF4-FFF2-40B4-BE49-F238E27FC236}">
-                <a16:creationId xmlns:a16="http://schemas.microsoft.com/office/drawing/2014/main" id="{38E7951E-2C64-4FF2-90FF-19C8857F0444}"/>
-              </a:ext>
-            </a:extLst>
-          </p:cNvPr>
-          <p:cNvSpPr txBox="1"/>
-          <p:nvPr/>
-        </p:nvSpPr>
-        <p:spPr>
-          <a:xfrm rot="10800000">
-            <a:off x="7674114" y="5393019"/>
-            <a:ext cx="1415772" cy="584775"/>
-          </a:xfrm>
-          <a:prstGeom prst="rect">
-            <a:avLst/>
-          </a:prstGeom>
-          <a:noFill/>
-        </p:spPr>
-        <p:txBody>
-          <a:bodyPr wrap="none" rtlCol="0">
-            <a:spAutoFit/>
-          </a:bodyPr>
-          <a:lstStyle/>
-          <a:p>
-            <a:r>
-              <a:rPr lang="ja-JP" altLang="en-US" sz="3200" b="1" dirty="0">
-                <a:highlight>
-                  <a:srgbClr val="FFFF00"/>
-                </a:highlight>
-              </a:rPr>
-              <a:t>側面４</a:t>
-            </a:r>
-            <a:endParaRPr kumimoji="1" lang="ja-JP" altLang="en-US" sz="3200" b="1" dirty="0">
-              <a:highlight>
-                <a:srgbClr val="FFFF00"/>
-              </a:highlight>
-            </a:endParaRPr>
+        <p:style>
+          <a:lnRef idx="2">
+            <a:schemeClr val="accent1">
+              <a:shade val="50000"/>
+            </a:schemeClr>
+          </a:lnRef>
+          <a:fillRef idx="1">
+            <a:schemeClr val="accent1"/>
+          </a:fillRef>
+          <a:effectRef idx="0">
+            <a:schemeClr val="accent1"/>
+          </a:effectRef>
+          <a:fontRef idx="minor">
+            <a:schemeClr val="lt1"/>
+          </a:fontRef>
+        </p:style>
+        <p:txBody>
+          <a:bodyPr rtlCol="0" anchor="ctr"/>
+          <a:lstStyle/>
+          <a:p>
+            <a:pPr algn="ctr"/>
+            <a:endParaRPr kumimoji="1" lang="ja-JP" altLang="en-US"/>
           </a:p>
         </p:txBody>
       </p:sp>

--- a/HEW/data/TEXTURE/ロゴ作成.pptx
+++ b/HEW/data/TEXTURE/ロゴ作成.pptx
@@ -6,6 +6,7 @@
   </p:sldMasterIdLst>
   <p:sldIdLst>
     <p:sldId id="256" r:id="rId2"/>
+    <p:sldId id="257" r:id="rId3"/>
   </p:sldIdLst>
   <p:sldSz cx="12192000" cy="6858000"/>
   <p:notesSz cx="6858000" cy="9144000"/>
@@ -259,7 +260,7 @@
           <a:p>
             <a:fld id="{38902CDB-4AA8-4DB9-834E-17D8C468A2CA}" type="datetimeFigureOut">
               <a:rPr kumimoji="1" lang="ja-JP" altLang="en-US" smtClean="0"/>
-              <a:t>2020/5/19</a:t>
+              <a:t>2020/6/12</a:t>
             </a:fld>
             <a:endParaRPr kumimoji="1" lang="ja-JP" altLang="en-US"/>
           </a:p>
@@ -489,7 +490,7 @@
           <a:p>
             <a:fld id="{38902CDB-4AA8-4DB9-834E-17D8C468A2CA}" type="datetimeFigureOut">
               <a:rPr kumimoji="1" lang="ja-JP" altLang="en-US" smtClean="0"/>
-              <a:t>2020/5/19</a:t>
+              <a:t>2020/6/12</a:t>
             </a:fld>
             <a:endParaRPr kumimoji="1" lang="ja-JP" altLang="en-US"/>
           </a:p>
@@ -729,7 +730,7 @@
           <a:p>
             <a:fld id="{38902CDB-4AA8-4DB9-834E-17D8C468A2CA}" type="datetimeFigureOut">
               <a:rPr kumimoji="1" lang="ja-JP" altLang="en-US" smtClean="0"/>
-              <a:t>2020/5/19</a:t>
+              <a:t>2020/6/12</a:t>
             </a:fld>
             <a:endParaRPr kumimoji="1" lang="ja-JP" altLang="en-US"/>
           </a:p>
@@ -959,7 +960,7 @@
           <a:p>
             <a:fld id="{38902CDB-4AA8-4DB9-834E-17D8C468A2CA}" type="datetimeFigureOut">
               <a:rPr kumimoji="1" lang="ja-JP" altLang="en-US" smtClean="0"/>
-              <a:t>2020/5/19</a:t>
+              <a:t>2020/6/12</a:t>
             </a:fld>
             <a:endParaRPr kumimoji="1" lang="ja-JP" altLang="en-US"/>
           </a:p>
@@ -1234,7 +1235,7 @@
           <a:p>
             <a:fld id="{38902CDB-4AA8-4DB9-834E-17D8C468A2CA}" type="datetimeFigureOut">
               <a:rPr kumimoji="1" lang="ja-JP" altLang="en-US" smtClean="0"/>
-              <a:t>2020/5/19</a:t>
+              <a:t>2020/6/12</a:t>
             </a:fld>
             <a:endParaRPr kumimoji="1" lang="ja-JP" altLang="en-US"/>
           </a:p>
@@ -1563,7 +1564,7 @@
           <a:p>
             <a:fld id="{38902CDB-4AA8-4DB9-834E-17D8C468A2CA}" type="datetimeFigureOut">
               <a:rPr kumimoji="1" lang="ja-JP" altLang="en-US" smtClean="0"/>
-              <a:t>2020/5/19</a:t>
+              <a:t>2020/6/12</a:t>
             </a:fld>
             <a:endParaRPr kumimoji="1" lang="ja-JP" altLang="en-US"/>
           </a:p>
@@ -2039,7 +2040,7 @@
           <a:p>
             <a:fld id="{38902CDB-4AA8-4DB9-834E-17D8C468A2CA}" type="datetimeFigureOut">
               <a:rPr kumimoji="1" lang="ja-JP" altLang="en-US" smtClean="0"/>
-              <a:t>2020/5/19</a:t>
+              <a:t>2020/6/12</a:t>
             </a:fld>
             <a:endParaRPr kumimoji="1" lang="ja-JP" altLang="en-US"/>
           </a:p>
@@ -2180,7 +2181,7 @@
           <a:p>
             <a:fld id="{38902CDB-4AA8-4DB9-834E-17D8C468A2CA}" type="datetimeFigureOut">
               <a:rPr kumimoji="1" lang="ja-JP" altLang="en-US" smtClean="0"/>
-              <a:t>2020/5/19</a:t>
+              <a:t>2020/6/12</a:t>
             </a:fld>
             <a:endParaRPr kumimoji="1" lang="ja-JP" altLang="en-US"/>
           </a:p>
@@ -2293,7 +2294,7 @@
           <a:p>
             <a:fld id="{38902CDB-4AA8-4DB9-834E-17D8C468A2CA}" type="datetimeFigureOut">
               <a:rPr kumimoji="1" lang="ja-JP" altLang="en-US" smtClean="0"/>
-              <a:t>2020/5/19</a:t>
+              <a:t>2020/6/12</a:t>
             </a:fld>
             <a:endParaRPr kumimoji="1" lang="ja-JP" altLang="en-US"/>
           </a:p>
@@ -2636,7 +2637,7 @@
           <a:p>
             <a:fld id="{38902CDB-4AA8-4DB9-834E-17D8C468A2CA}" type="datetimeFigureOut">
               <a:rPr kumimoji="1" lang="ja-JP" altLang="en-US" smtClean="0"/>
-              <a:t>2020/5/19</a:t>
+              <a:t>2020/6/12</a:t>
             </a:fld>
             <a:endParaRPr kumimoji="1" lang="ja-JP" altLang="en-US"/>
           </a:p>
@@ -2924,7 +2925,7 @@
           <a:p>
             <a:fld id="{38902CDB-4AA8-4DB9-834E-17D8C468A2CA}" type="datetimeFigureOut">
               <a:rPr kumimoji="1" lang="ja-JP" altLang="en-US" smtClean="0"/>
-              <a:t>2020/5/19</a:t>
+              <a:t>2020/6/12</a:t>
             </a:fld>
             <a:endParaRPr kumimoji="1" lang="ja-JP" altLang="en-US"/>
           </a:p>
@@ -3197,7 +3198,7 @@
           <a:p>
             <a:fld id="{38902CDB-4AA8-4DB9-834E-17D8C468A2CA}" type="datetimeFigureOut">
               <a:rPr kumimoji="1" lang="ja-JP" altLang="en-US" smtClean="0"/>
-              <a:t>2020/5/19</a:t>
+              <a:t>2020/6/12</a:t>
             </a:fld>
             <a:endParaRPr kumimoji="1" lang="ja-JP" altLang="en-US"/>
           </a:p>
@@ -4559,6 +4560,632 @@
 </p:sld>
 </file>
 
+<file path=ppt/slides/slide2.xml><?xml version="1.0" encoding="utf-8"?>
+<p:sld xmlns:a="http://schemas.openxmlformats.org/drawingml/2006/main" xmlns:r="http://schemas.openxmlformats.org/officeDocument/2006/relationships" xmlns:p="http://schemas.openxmlformats.org/presentationml/2006/main">
+  <p:cSld>
+    <p:spTree>
+      <p:nvGrpSpPr>
+        <p:cNvPr id="1" name=""/>
+        <p:cNvGrpSpPr/>
+        <p:nvPr/>
+      </p:nvGrpSpPr>
+      <p:grpSpPr>
+        <a:xfrm>
+          <a:off x="0" y="0"/>
+          <a:ext cx="0" cy="0"/>
+          <a:chOff x="0" y="0"/>
+          <a:chExt cx="0" cy="0"/>
+        </a:xfrm>
+      </p:grpSpPr>
+      <p:pic>
+        <p:nvPicPr>
+          <p:cNvPr id="5" name="図 4" descr="建物, 塗装, 男, 落書き が含まれている画像&#10;&#10;自動的に生成された説明">
+            <a:extLst>
+              <a:ext uri="{FF2B5EF4-FFF2-40B4-BE49-F238E27FC236}">
+                <a16:creationId xmlns:a16="http://schemas.microsoft.com/office/drawing/2014/main" id="{AE02EAFE-98F7-4643-8896-9B339036B5DF}"/>
+              </a:ext>
+            </a:extLst>
+          </p:cNvPr>
+          <p:cNvPicPr>
+            <a:picLocks noChangeAspect="1"/>
+          </p:cNvPicPr>
+          <p:nvPr/>
+        </p:nvPicPr>
+        <p:blipFill>
+          <a:blip r:embed="rId2">
+            <a:extLst>
+              <a:ext uri="{28A0092B-C50C-407E-A947-70E740481C1C}">
+                <a14:useLocalDpi xmlns:a14="http://schemas.microsoft.com/office/drawing/2010/main" val="0"/>
+              </a:ext>
+            </a:extLst>
+          </a:blip>
+          <a:stretch>
+            <a:fillRect/>
+          </a:stretch>
+        </p:blipFill>
+        <p:spPr>
+          <a:xfrm>
+            <a:off x="3687192" y="381000"/>
+            <a:ext cx="1524000" cy="1524000"/>
+          </a:xfrm>
+          <a:prstGeom prst="rect">
+            <a:avLst/>
+          </a:prstGeom>
+        </p:spPr>
+      </p:pic>
+      <p:pic>
+        <p:nvPicPr>
+          <p:cNvPr id="7" name="図 6" descr="建物, ベンチ, 座る, 木製 が含まれている画像&#10;&#10;自動的に生成された説明">
+            <a:extLst>
+              <a:ext uri="{FF2B5EF4-FFF2-40B4-BE49-F238E27FC236}">
+                <a16:creationId xmlns:a16="http://schemas.microsoft.com/office/drawing/2014/main" id="{A85EA9CA-3173-48C3-9865-DFECF049B585}"/>
+              </a:ext>
+            </a:extLst>
+          </p:cNvPr>
+          <p:cNvPicPr>
+            <a:picLocks noChangeAspect="1"/>
+          </p:cNvPicPr>
+          <p:nvPr/>
+        </p:nvPicPr>
+        <p:blipFill>
+          <a:blip r:embed="rId3">
+            <a:extLst>
+              <a:ext uri="{28A0092B-C50C-407E-A947-70E740481C1C}">
+                <a14:useLocalDpi xmlns:a14="http://schemas.microsoft.com/office/drawing/2010/main" val="0"/>
+              </a:ext>
+            </a:extLst>
+          </a:blip>
+          <a:stretch>
+            <a:fillRect/>
+          </a:stretch>
+        </p:blipFill>
+        <p:spPr>
+          <a:xfrm rot="5400000">
+            <a:off x="3687192" y="1905000"/>
+            <a:ext cx="1524000" cy="1524000"/>
+          </a:xfrm>
+          <a:prstGeom prst="rect">
+            <a:avLst/>
+          </a:prstGeom>
+        </p:spPr>
+      </p:pic>
+      <p:pic>
+        <p:nvPicPr>
+          <p:cNvPr id="8" name="図 7" descr="建物, 塗装, 男, 落書き が含まれている画像&#10;&#10;自動的に生成された説明">
+            <a:extLst>
+              <a:ext uri="{FF2B5EF4-FFF2-40B4-BE49-F238E27FC236}">
+                <a16:creationId xmlns:a16="http://schemas.microsoft.com/office/drawing/2014/main" id="{67BA1436-D578-409D-BBE5-41EF5F2CBB9A}"/>
+              </a:ext>
+            </a:extLst>
+          </p:cNvPr>
+          <p:cNvPicPr>
+            <a:picLocks noChangeAspect="1"/>
+          </p:cNvPicPr>
+          <p:nvPr/>
+        </p:nvPicPr>
+        <p:blipFill>
+          <a:blip r:embed="rId2">
+            <a:extLst>
+              <a:ext uri="{28A0092B-C50C-407E-A947-70E740481C1C}">
+                <a14:useLocalDpi xmlns:a14="http://schemas.microsoft.com/office/drawing/2010/main" val="0"/>
+              </a:ext>
+            </a:extLst>
+          </a:blip>
+          <a:stretch>
+            <a:fillRect/>
+          </a:stretch>
+        </p:blipFill>
+        <p:spPr>
+          <a:xfrm>
+            <a:off x="3687192" y="3429000"/>
+            <a:ext cx="1524000" cy="1524000"/>
+          </a:xfrm>
+          <a:prstGeom prst="rect">
+            <a:avLst/>
+          </a:prstGeom>
+        </p:spPr>
+      </p:pic>
+      <p:pic>
+        <p:nvPicPr>
+          <p:cNvPr id="9" name="図 8" descr="建物, ベンチ, 座る, 木製 が含まれている画像&#10;&#10;自動的に生成された説明">
+            <a:extLst>
+              <a:ext uri="{FF2B5EF4-FFF2-40B4-BE49-F238E27FC236}">
+                <a16:creationId xmlns:a16="http://schemas.microsoft.com/office/drawing/2014/main" id="{20663E3F-58A9-4227-AE3A-7634DDD8A808}"/>
+              </a:ext>
+            </a:extLst>
+          </p:cNvPr>
+          <p:cNvPicPr>
+            <a:picLocks noChangeAspect="1"/>
+          </p:cNvPicPr>
+          <p:nvPr/>
+        </p:nvPicPr>
+        <p:blipFill>
+          <a:blip r:embed="rId3">
+            <a:extLst>
+              <a:ext uri="{28A0092B-C50C-407E-A947-70E740481C1C}">
+                <a14:useLocalDpi xmlns:a14="http://schemas.microsoft.com/office/drawing/2010/main" val="0"/>
+              </a:ext>
+            </a:extLst>
+          </a:blip>
+          <a:stretch>
+            <a:fillRect/>
+          </a:stretch>
+        </p:blipFill>
+        <p:spPr>
+          <a:xfrm rot="5400000">
+            <a:off x="3687192" y="4953000"/>
+            <a:ext cx="1524000" cy="1524000"/>
+          </a:xfrm>
+          <a:prstGeom prst="rect">
+            <a:avLst/>
+          </a:prstGeom>
+        </p:spPr>
+      </p:pic>
+      <p:pic>
+        <p:nvPicPr>
+          <p:cNvPr id="11" name="図 10" descr="建物, ベンチ, 座る, 木製 が含まれている画像&#10;&#10;自動的に生成された説明">
+            <a:extLst>
+              <a:ext uri="{FF2B5EF4-FFF2-40B4-BE49-F238E27FC236}">
+                <a16:creationId xmlns:a16="http://schemas.microsoft.com/office/drawing/2014/main" id="{50C6E6B6-059D-416C-A88B-B11D04CBFF00}"/>
+              </a:ext>
+            </a:extLst>
+          </p:cNvPr>
+          <p:cNvPicPr>
+            <a:picLocks noChangeAspect="1"/>
+          </p:cNvPicPr>
+          <p:nvPr/>
+        </p:nvPicPr>
+        <p:blipFill>
+          <a:blip r:embed="rId3">
+            <a:extLst>
+              <a:ext uri="{28A0092B-C50C-407E-A947-70E740481C1C}">
+                <a14:useLocalDpi xmlns:a14="http://schemas.microsoft.com/office/drawing/2010/main" val="0"/>
+              </a:ext>
+            </a:extLst>
+          </a:blip>
+          <a:stretch>
+            <a:fillRect/>
+          </a:stretch>
+        </p:blipFill>
+        <p:spPr>
+          <a:xfrm rot="5400000">
+            <a:off x="5211192" y="1905000"/>
+            <a:ext cx="1524000" cy="1524000"/>
+          </a:xfrm>
+          <a:prstGeom prst="rect">
+            <a:avLst/>
+          </a:prstGeom>
+        </p:spPr>
+      </p:pic>
+      <p:pic>
+        <p:nvPicPr>
+          <p:cNvPr id="12" name="図 11" descr="建物, ベンチ, 座る, 木製 が含まれている画像&#10;&#10;自動的に生成された説明">
+            <a:extLst>
+              <a:ext uri="{FF2B5EF4-FFF2-40B4-BE49-F238E27FC236}">
+                <a16:creationId xmlns:a16="http://schemas.microsoft.com/office/drawing/2014/main" id="{EA5D69A1-D631-4DD4-8712-6E9AF3316F8C}"/>
+              </a:ext>
+            </a:extLst>
+          </p:cNvPr>
+          <p:cNvPicPr>
+            <a:picLocks noChangeAspect="1"/>
+          </p:cNvPicPr>
+          <p:nvPr/>
+        </p:nvPicPr>
+        <p:blipFill>
+          <a:blip r:embed="rId4">
+            <a:extLst>
+              <a:ext uri="{BEBA8EAE-BF5A-486C-A8C5-ECC9F3942E4B}">
+                <a14:imgProps xmlns:a14="http://schemas.microsoft.com/office/drawing/2010/main">
+                  <a14:imgLayer r:embed="rId5">
+                    <a14:imgEffect>
+                      <a14:artisticChalkSketch/>
+                    </a14:imgEffect>
+                  </a14:imgLayer>
+                </a14:imgProps>
+              </a:ext>
+              <a:ext uri="{28A0092B-C50C-407E-A947-70E740481C1C}">
+                <a14:useLocalDpi xmlns:a14="http://schemas.microsoft.com/office/drawing/2010/main" val="0"/>
+              </a:ext>
+            </a:extLst>
+          </a:blip>
+          <a:stretch>
+            <a:fillRect/>
+          </a:stretch>
+        </p:blipFill>
+        <p:spPr>
+          <a:xfrm rot="5400000">
+            <a:off x="6735192" y="1905000"/>
+            <a:ext cx="1524000" cy="1524000"/>
+          </a:xfrm>
+          <a:prstGeom prst="rect">
+            <a:avLst/>
+          </a:prstGeom>
+        </p:spPr>
+      </p:pic>
+      <p:sp>
+        <p:nvSpPr>
+          <p:cNvPr id="13" name="テキスト ボックス 12">
+            <a:extLst>
+              <a:ext uri="{FF2B5EF4-FFF2-40B4-BE49-F238E27FC236}">
+                <a16:creationId xmlns:a16="http://schemas.microsoft.com/office/drawing/2014/main" id="{46BC6945-1F00-4457-8283-148587D504C0}"/>
+              </a:ext>
+            </a:extLst>
+          </p:cNvPr>
+          <p:cNvSpPr txBox="1"/>
+          <p:nvPr/>
+        </p:nvSpPr>
+        <p:spPr>
+          <a:xfrm rot="10800000">
+            <a:off x="4154749" y="3882502"/>
+            <a:ext cx="595035" cy="584775"/>
+          </a:xfrm>
+          <a:prstGeom prst="rect">
+            <a:avLst/>
+          </a:prstGeom>
+          <a:noFill/>
+        </p:spPr>
+        <p:txBody>
+          <a:bodyPr wrap="none" rtlCol="0">
+            <a:spAutoFit/>
+          </a:bodyPr>
+          <a:lstStyle/>
+          <a:p>
+            <a:r>
+              <a:rPr kumimoji="1" lang="ja-JP" altLang="en-US" sz="3200" b="1" dirty="0">
+                <a:highlight>
+                  <a:srgbClr val="FFFF00"/>
+                </a:highlight>
+              </a:rPr>
+              <a:t>裏</a:t>
+            </a:r>
+          </a:p>
+        </p:txBody>
+      </p:sp>
+      <p:sp>
+        <p:nvSpPr>
+          <p:cNvPr id="14" name="テキスト ボックス 13">
+            <a:extLst>
+              <a:ext uri="{FF2B5EF4-FFF2-40B4-BE49-F238E27FC236}">
+                <a16:creationId xmlns:a16="http://schemas.microsoft.com/office/drawing/2014/main" id="{64EEE056-C52B-414A-9EB9-8D071E7CA89E}"/>
+              </a:ext>
+            </a:extLst>
+          </p:cNvPr>
+          <p:cNvSpPr txBox="1"/>
+          <p:nvPr/>
+        </p:nvSpPr>
+        <p:spPr>
+          <a:xfrm>
+            <a:off x="4123678" y="866723"/>
+            <a:ext cx="595035" cy="584775"/>
+          </a:xfrm>
+          <a:prstGeom prst="rect">
+            <a:avLst/>
+          </a:prstGeom>
+          <a:noFill/>
+        </p:spPr>
+        <p:txBody>
+          <a:bodyPr wrap="none" rtlCol="0">
+            <a:spAutoFit/>
+          </a:bodyPr>
+          <a:lstStyle/>
+          <a:p>
+            <a:r>
+              <a:rPr kumimoji="1" lang="ja-JP" altLang="en-US" sz="3200" b="1" dirty="0">
+                <a:highlight>
+                  <a:srgbClr val="FFFF00"/>
+                </a:highlight>
+              </a:rPr>
+              <a:t>表</a:t>
+            </a:r>
+          </a:p>
+        </p:txBody>
+      </p:sp>
+      <p:sp>
+        <p:nvSpPr>
+          <p:cNvPr id="15" name="テキスト ボックス 14">
+            <a:extLst>
+              <a:ext uri="{FF2B5EF4-FFF2-40B4-BE49-F238E27FC236}">
+                <a16:creationId xmlns:a16="http://schemas.microsoft.com/office/drawing/2014/main" id="{D46206E8-AA92-41AE-A4B3-EF59CEA4FEA0}"/>
+              </a:ext>
+            </a:extLst>
+          </p:cNvPr>
+          <p:cNvSpPr txBox="1"/>
+          <p:nvPr/>
+        </p:nvSpPr>
+        <p:spPr>
+          <a:xfrm>
+            <a:off x="6694320" y="2213168"/>
+            <a:ext cx="1415772" cy="1077218"/>
+          </a:xfrm>
+          <a:prstGeom prst="rect">
+            <a:avLst/>
+          </a:prstGeom>
+          <a:noFill/>
+        </p:spPr>
+        <p:txBody>
+          <a:bodyPr wrap="none" rtlCol="0">
+            <a:spAutoFit/>
+          </a:bodyPr>
+          <a:lstStyle/>
+          <a:p>
+            <a:r>
+              <a:rPr lang="ja-JP" altLang="en-US" sz="3200" b="1" dirty="0">
+                <a:highlight>
+                  <a:srgbClr val="FFFF00"/>
+                </a:highlight>
+              </a:rPr>
+              <a:t>使用</a:t>
+            </a:r>
+            <a:endParaRPr lang="en-US" altLang="ja-JP" sz="3200" b="1" dirty="0">
+              <a:highlight>
+                <a:srgbClr val="FFFF00"/>
+              </a:highlight>
+            </a:endParaRPr>
+          </a:p>
+          <a:p>
+            <a:r>
+              <a:rPr kumimoji="1" lang="ja-JP" altLang="en-US" sz="3200" b="1" dirty="0">
+                <a:highlight>
+                  <a:srgbClr val="FFFF00"/>
+                </a:highlight>
+              </a:rPr>
+              <a:t>しない</a:t>
+            </a:r>
+          </a:p>
+        </p:txBody>
+      </p:sp>
+      <p:sp>
+        <p:nvSpPr>
+          <p:cNvPr id="18" name="テキスト ボックス 17">
+            <a:extLst>
+              <a:ext uri="{FF2B5EF4-FFF2-40B4-BE49-F238E27FC236}">
+                <a16:creationId xmlns:a16="http://schemas.microsoft.com/office/drawing/2014/main" id="{0471389F-0E06-4055-AE3A-22AE11CC4FF9}"/>
+              </a:ext>
+            </a:extLst>
+          </p:cNvPr>
+          <p:cNvSpPr txBox="1"/>
+          <p:nvPr/>
+        </p:nvSpPr>
+        <p:spPr>
+          <a:xfrm>
+            <a:off x="5385919" y="2390723"/>
+            <a:ext cx="1241045" cy="584775"/>
+          </a:xfrm>
+          <a:prstGeom prst="rect">
+            <a:avLst/>
+          </a:prstGeom>
+          <a:noFill/>
+        </p:spPr>
+        <p:txBody>
+          <a:bodyPr wrap="none" rtlCol="0">
+            <a:spAutoFit/>
+          </a:bodyPr>
+          <a:lstStyle/>
+          <a:p>
+            <a:r>
+              <a:rPr lang="ja-JP" altLang="en-US" sz="3200" b="1" dirty="0">
+                <a:highlight>
+                  <a:srgbClr val="FFFF00"/>
+                </a:highlight>
+              </a:rPr>
+              <a:t>側面</a:t>
+            </a:r>
+            <a:r>
+              <a:rPr lang="en-US" altLang="ja-JP" sz="3200" b="1" dirty="0">
+                <a:highlight>
+                  <a:srgbClr val="FFFF00"/>
+                </a:highlight>
+              </a:rPr>
+              <a:t>3</a:t>
+            </a:r>
+            <a:endParaRPr kumimoji="1" lang="ja-JP" altLang="en-US" sz="3200" b="1" dirty="0">
+              <a:highlight>
+                <a:srgbClr val="FFFF00"/>
+              </a:highlight>
+            </a:endParaRPr>
+          </a:p>
+        </p:txBody>
+      </p:sp>
+      <p:sp>
+        <p:nvSpPr>
+          <p:cNvPr id="19" name="テキスト ボックス 18">
+            <a:extLst>
+              <a:ext uri="{FF2B5EF4-FFF2-40B4-BE49-F238E27FC236}">
+                <a16:creationId xmlns:a16="http://schemas.microsoft.com/office/drawing/2014/main" id="{38E7951E-2C64-4FF2-90FF-19C8857F0444}"/>
+              </a:ext>
+            </a:extLst>
+          </p:cNvPr>
+          <p:cNvSpPr txBox="1"/>
+          <p:nvPr/>
+        </p:nvSpPr>
+        <p:spPr>
+          <a:xfrm rot="10800000">
+            <a:off x="3741306" y="5422612"/>
+            <a:ext cx="1415772" cy="584775"/>
+          </a:xfrm>
+          <a:prstGeom prst="rect">
+            <a:avLst/>
+          </a:prstGeom>
+          <a:noFill/>
+        </p:spPr>
+        <p:txBody>
+          <a:bodyPr wrap="none" rtlCol="0">
+            <a:spAutoFit/>
+          </a:bodyPr>
+          <a:lstStyle/>
+          <a:p>
+            <a:r>
+              <a:rPr lang="ja-JP" altLang="en-US" sz="3200" b="1" dirty="0">
+                <a:highlight>
+                  <a:srgbClr val="FFFF00"/>
+                </a:highlight>
+              </a:rPr>
+              <a:t>側面４</a:t>
+            </a:r>
+            <a:endParaRPr kumimoji="1" lang="ja-JP" altLang="en-US" sz="3200" b="1" dirty="0">
+              <a:highlight>
+                <a:srgbClr val="FFFF00"/>
+              </a:highlight>
+            </a:endParaRPr>
+          </a:p>
+        </p:txBody>
+      </p:sp>
+      <p:pic>
+        <p:nvPicPr>
+          <p:cNvPr id="20" name="図 19" descr="建物, ベンチ, 座る, 木製 が含まれている画像&#10;&#10;自動的に生成された説明">
+            <a:extLst>
+              <a:ext uri="{FF2B5EF4-FFF2-40B4-BE49-F238E27FC236}">
+                <a16:creationId xmlns:a16="http://schemas.microsoft.com/office/drawing/2014/main" id="{B3DA2E0A-17CE-419A-8322-A5E983674339}"/>
+              </a:ext>
+            </a:extLst>
+          </p:cNvPr>
+          <p:cNvPicPr>
+            <a:picLocks noChangeAspect="1"/>
+          </p:cNvPicPr>
+          <p:nvPr/>
+        </p:nvPicPr>
+        <p:blipFill>
+          <a:blip r:embed="rId3">
+            <a:extLst>
+              <a:ext uri="{28A0092B-C50C-407E-A947-70E740481C1C}">
+                <a14:useLocalDpi xmlns:a14="http://schemas.microsoft.com/office/drawing/2010/main" val="0"/>
+              </a:ext>
+            </a:extLst>
+          </a:blip>
+          <a:stretch>
+            <a:fillRect/>
+          </a:stretch>
+        </p:blipFill>
+        <p:spPr>
+          <a:xfrm rot="5400000">
+            <a:off x="2163192" y="1910617"/>
+            <a:ext cx="1524000" cy="1524000"/>
+          </a:xfrm>
+          <a:prstGeom prst="rect">
+            <a:avLst/>
+          </a:prstGeom>
+        </p:spPr>
+      </p:pic>
+      <p:sp>
+        <p:nvSpPr>
+          <p:cNvPr id="17" name="テキスト ボックス 16">
+            <a:extLst>
+              <a:ext uri="{FF2B5EF4-FFF2-40B4-BE49-F238E27FC236}">
+                <a16:creationId xmlns:a16="http://schemas.microsoft.com/office/drawing/2014/main" id="{E9AABB88-90A5-40D8-B367-C0A0180FC072}"/>
+              </a:ext>
+            </a:extLst>
+          </p:cNvPr>
+          <p:cNvSpPr txBox="1"/>
+          <p:nvPr/>
+        </p:nvSpPr>
+        <p:spPr>
+          <a:xfrm>
+            <a:off x="2298477" y="2406164"/>
+            <a:ext cx="1415772" cy="584775"/>
+          </a:xfrm>
+          <a:prstGeom prst="rect">
+            <a:avLst/>
+          </a:prstGeom>
+          <a:noFill/>
+        </p:spPr>
+        <p:txBody>
+          <a:bodyPr wrap="none" rtlCol="0">
+            <a:spAutoFit/>
+          </a:bodyPr>
+          <a:lstStyle/>
+          <a:p>
+            <a:r>
+              <a:rPr lang="ja-JP" altLang="en-US" sz="3200" b="1" dirty="0">
+                <a:highlight>
+                  <a:srgbClr val="FFFF00"/>
+                </a:highlight>
+              </a:rPr>
+              <a:t>側面１</a:t>
+            </a:r>
+            <a:endParaRPr kumimoji="1" lang="ja-JP" altLang="en-US" sz="3200" b="1" dirty="0">
+              <a:highlight>
+                <a:srgbClr val="FFFF00"/>
+              </a:highlight>
+            </a:endParaRPr>
+          </a:p>
+        </p:txBody>
+      </p:sp>
+      <p:sp>
+        <p:nvSpPr>
+          <p:cNvPr id="21" name="楕円 20">
+            <a:extLst>
+              <a:ext uri="{FF2B5EF4-FFF2-40B4-BE49-F238E27FC236}">
+                <a16:creationId xmlns:a16="http://schemas.microsoft.com/office/drawing/2014/main" id="{EAC980E2-3CA9-4D24-8FA6-7434F49EA1AA}"/>
+              </a:ext>
+            </a:extLst>
+          </p:cNvPr>
+          <p:cNvSpPr/>
+          <p:nvPr/>
+        </p:nvSpPr>
+        <p:spPr>
+          <a:xfrm>
+            <a:off x="3946898" y="2213168"/>
+            <a:ext cx="899663" cy="899663"/>
+          </a:xfrm>
+          <a:prstGeom prst="ellipse">
+            <a:avLst/>
+          </a:prstGeom>
+          <a:solidFill>
+            <a:schemeClr val="bg1"/>
+          </a:solidFill>
+        </p:spPr>
+        <p:style>
+          <a:lnRef idx="2">
+            <a:schemeClr val="accent1">
+              <a:shade val="50000"/>
+            </a:schemeClr>
+          </a:lnRef>
+          <a:fillRef idx="1">
+            <a:schemeClr val="accent1"/>
+          </a:fillRef>
+          <a:effectRef idx="0">
+            <a:schemeClr val="accent1"/>
+          </a:effectRef>
+          <a:fontRef idx="minor">
+            <a:schemeClr val="lt1"/>
+          </a:fontRef>
+        </p:style>
+        <p:txBody>
+          <a:bodyPr rtlCol="0" anchor="ctr"/>
+          <a:lstStyle/>
+          <a:p>
+            <a:pPr algn="ctr"/>
+            <a:r>
+              <a:rPr lang="en-US" altLang="ja-JP" sz="6600" dirty="0">
+                <a:solidFill>
+                  <a:sysClr val="windowText" lastClr="000000"/>
+                </a:solidFill>
+                <a:latin typeface="Bauhaus 93" panose="04030905020B02020C02" pitchFamily="82" charset="0"/>
+              </a:rPr>
+              <a:t>4</a:t>
+            </a:r>
+            <a:endParaRPr kumimoji="1" lang="ja-JP" altLang="en-US" sz="6600" dirty="0">
+              <a:solidFill>
+                <a:sysClr val="windowText" lastClr="000000"/>
+              </a:solidFill>
+              <a:latin typeface="Bauhaus 93" panose="04030905020B02020C02" pitchFamily="82" charset="0"/>
+            </a:endParaRPr>
+          </a:p>
+        </p:txBody>
+      </p:sp>
+    </p:spTree>
+    <p:extLst>
+      <p:ext uri="{BB962C8B-B14F-4D97-AF65-F5344CB8AC3E}">
+        <p14:creationId xmlns:p14="http://schemas.microsoft.com/office/powerpoint/2010/main" val="3598166186"/>
+      </p:ext>
+    </p:extLst>
+  </p:cSld>
+  <p:clrMapOvr>
+    <a:masterClrMapping/>
+  </p:clrMapOvr>
+</p:sld>
+</file>
+
 <file path=ppt/theme/theme1.xml><?xml version="1.0" encoding="utf-8"?>
 <a:theme xmlns:a="http://schemas.openxmlformats.org/drawingml/2006/main" name="Office テーマ">
   <a:themeElements>

--- a/HEW/data/TEXTURE/ロゴ作成.pptx
+++ b/HEW/data/TEXTURE/ロゴ作成.pptx
@@ -7,6 +7,8 @@
   <p:sldIdLst>
     <p:sldId id="256" r:id="rId2"/>
     <p:sldId id="257" r:id="rId3"/>
+    <p:sldId id="258" r:id="rId4"/>
+    <p:sldId id="259" r:id="rId5"/>
   </p:sldIdLst>
   <p:sldSz cx="12192000" cy="6858000"/>
   <p:notesSz cx="6858000" cy="9144000"/>
@@ -260,7 +262,7 @@
           <a:p>
             <a:fld id="{38902CDB-4AA8-4DB9-834E-17D8C468A2CA}" type="datetimeFigureOut">
               <a:rPr kumimoji="1" lang="ja-JP" altLang="en-US" smtClean="0"/>
-              <a:t>2020/6/12</a:t>
+              <a:t>2020/7/26</a:t>
             </a:fld>
             <a:endParaRPr kumimoji="1" lang="ja-JP" altLang="en-US"/>
           </a:p>
@@ -490,7 +492,7 @@
           <a:p>
             <a:fld id="{38902CDB-4AA8-4DB9-834E-17D8C468A2CA}" type="datetimeFigureOut">
               <a:rPr kumimoji="1" lang="ja-JP" altLang="en-US" smtClean="0"/>
-              <a:t>2020/6/12</a:t>
+              <a:t>2020/7/26</a:t>
             </a:fld>
             <a:endParaRPr kumimoji="1" lang="ja-JP" altLang="en-US"/>
           </a:p>
@@ -730,7 +732,7 @@
           <a:p>
             <a:fld id="{38902CDB-4AA8-4DB9-834E-17D8C468A2CA}" type="datetimeFigureOut">
               <a:rPr kumimoji="1" lang="ja-JP" altLang="en-US" smtClean="0"/>
-              <a:t>2020/6/12</a:t>
+              <a:t>2020/7/26</a:t>
             </a:fld>
             <a:endParaRPr kumimoji="1" lang="ja-JP" altLang="en-US"/>
           </a:p>
@@ -960,7 +962,7 @@
           <a:p>
             <a:fld id="{38902CDB-4AA8-4DB9-834E-17D8C468A2CA}" type="datetimeFigureOut">
               <a:rPr kumimoji="1" lang="ja-JP" altLang="en-US" smtClean="0"/>
-              <a:t>2020/6/12</a:t>
+              <a:t>2020/7/26</a:t>
             </a:fld>
             <a:endParaRPr kumimoji="1" lang="ja-JP" altLang="en-US"/>
           </a:p>
@@ -1235,7 +1237,7 @@
           <a:p>
             <a:fld id="{38902CDB-4AA8-4DB9-834E-17D8C468A2CA}" type="datetimeFigureOut">
               <a:rPr kumimoji="1" lang="ja-JP" altLang="en-US" smtClean="0"/>
-              <a:t>2020/6/12</a:t>
+              <a:t>2020/7/26</a:t>
             </a:fld>
             <a:endParaRPr kumimoji="1" lang="ja-JP" altLang="en-US"/>
           </a:p>
@@ -1564,7 +1566,7 @@
           <a:p>
             <a:fld id="{38902CDB-4AA8-4DB9-834E-17D8C468A2CA}" type="datetimeFigureOut">
               <a:rPr kumimoji="1" lang="ja-JP" altLang="en-US" smtClean="0"/>
-              <a:t>2020/6/12</a:t>
+              <a:t>2020/7/26</a:t>
             </a:fld>
             <a:endParaRPr kumimoji="1" lang="ja-JP" altLang="en-US"/>
           </a:p>
@@ -2040,7 +2042,7 @@
           <a:p>
             <a:fld id="{38902CDB-4AA8-4DB9-834E-17D8C468A2CA}" type="datetimeFigureOut">
               <a:rPr kumimoji="1" lang="ja-JP" altLang="en-US" smtClean="0"/>
-              <a:t>2020/6/12</a:t>
+              <a:t>2020/7/26</a:t>
             </a:fld>
             <a:endParaRPr kumimoji="1" lang="ja-JP" altLang="en-US"/>
           </a:p>
@@ -2181,7 +2183,7 @@
           <a:p>
             <a:fld id="{38902CDB-4AA8-4DB9-834E-17D8C468A2CA}" type="datetimeFigureOut">
               <a:rPr kumimoji="1" lang="ja-JP" altLang="en-US" smtClean="0"/>
-              <a:t>2020/6/12</a:t>
+              <a:t>2020/7/26</a:t>
             </a:fld>
             <a:endParaRPr kumimoji="1" lang="ja-JP" altLang="en-US"/>
           </a:p>
@@ -2294,7 +2296,7 @@
           <a:p>
             <a:fld id="{38902CDB-4AA8-4DB9-834E-17D8C468A2CA}" type="datetimeFigureOut">
               <a:rPr kumimoji="1" lang="ja-JP" altLang="en-US" smtClean="0"/>
-              <a:t>2020/6/12</a:t>
+              <a:t>2020/7/26</a:t>
             </a:fld>
             <a:endParaRPr kumimoji="1" lang="ja-JP" altLang="en-US"/>
           </a:p>
@@ -2637,7 +2639,7 @@
           <a:p>
             <a:fld id="{38902CDB-4AA8-4DB9-834E-17D8C468A2CA}" type="datetimeFigureOut">
               <a:rPr kumimoji="1" lang="ja-JP" altLang="en-US" smtClean="0"/>
-              <a:t>2020/6/12</a:t>
+              <a:t>2020/7/26</a:t>
             </a:fld>
             <a:endParaRPr kumimoji="1" lang="ja-JP" altLang="en-US"/>
           </a:p>
@@ -2925,7 +2927,7 @@
           <a:p>
             <a:fld id="{38902CDB-4AA8-4DB9-834E-17D8C468A2CA}" type="datetimeFigureOut">
               <a:rPr kumimoji="1" lang="ja-JP" altLang="en-US" smtClean="0"/>
-              <a:t>2020/6/12</a:t>
+              <a:t>2020/7/26</a:t>
             </a:fld>
             <a:endParaRPr kumimoji="1" lang="ja-JP" altLang="en-US"/>
           </a:p>
@@ -3198,7 +3200,7 @@
           <a:p>
             <a:fld id="{38902CDB-4AA8-4DB9-834E-17D8C468A2CA}" type="datetimeFigureOut">
               <a:rPr kumimoji="1" lang="ja-JP" altLang="en-US" smtClean="0"/>
-              <a:t>2020/6/12</a:t>
+              <a:t>2020/7/26</a:t>
             </a:fld>
             <a:endParaRPr kumimoji="1" lang="ja-JP" altLang="en-US"/>
           </a:p>
@@ -5186,6 +5188,284 @@
 </p:sld>
 </file>
 
+<file path=ppt/slides/slide3.xml><?xml version="1.0" encoding="utf-8"?>
+<p:sld xmlns:a="http://schemas.openxmlformats.org/drawingml/2006/main" xmlns:r="http://schemas.openxmlformats.org/officeDocument/2006/relationships" xmlns:p="http://schemas.openxmlformats.org/presentationml/2006/main">
+  <p:cSld>
+    <p:spTree>
+      <p:nvGrpSpPr>
+        <p:cNvPr id="1" name=""/>
+        <p:cNvGrpSpPr/>
+        <p:nvPr/>
+      </p:nvGrpSpPr>
+      <p:grpSpPr>
+        <a:xfrm>
+          <a:off x="0" y="0"/>
+          <a:ext cx="0" cy="0"/>
+          <a:chOff x="0" y="0"/>
+          <a:chExt cx="0" cy="0"/>
+        </a:xfrm>
+      </p:grpSpPr>
+      <p:pic>
+        <p:nvPicPr>
+          <p:cNvPr id="5" name="図 4" descr="自然, 屋外, 草, 夜空 が含まれている画像&#10;&#10;自動的に生成された説明">
+            <a:extLst>
+              <a:ext uri="{FF2B5EF4-FFF2-40B4-BE49-F238E27FC236}">
+                <a16:creationId xmlns:a16="http://schemas.microsoft.com/office/drawing/2014/main" id="{FE224B94-2C30-4D66-891D-EE2C3E79F64B}"/>
+              </a:ext>
+            </a:extLst>
+          </p:cNvPr>
+          <p:cNvPicPr>
+            <a:picLocks noChangeAspect="1"/>
+          </p:cNvPicPr>
+          <p:nvPr/>
+        </p:nvPicPr>
+        <p:blipFill>
+          <a:blip r:embed="rId2">
+            <a:extLst>
+              <a:ext uri="{28A0092B-C50C-407E-A947-70E740481C1C}">
+                <a14:useLocalDpi xmlns:a14="http://schemas.microsoft.com/office/drawing/2010/main" val="0"/>
+              </a:ext>
+            </a:extLst>
+          </a:blip>
+          <a:stretch>
+            <a:fillRect/>
+          </a:stretch>
+        </p:blipFill>
+        <p:spPr>
+          <a:xfrm>
+            <a:off x="4760686" y="511175"/>
+            <a:ext cx="7431314" cy="5835650"/>
+          </a:xfrm>
+          <a:prstGeom prst="rect">
+            <a:avLst/>
+          </a:prstGeom>
+        </p:spPr>
+      </p:pic>
+      <p:pic>
+        <p:nvPicPr>
+          <p:cNvPr id="7" name="図 6" descr="自然, 屋外, 草, 夜空 が含まれている画像&#10;&#10;自動的に生成された説明">
+            <a:extLst>
+              <a:ext uri="{FF2B5EF4-FFF2-40B4-BE49-F238E27FC236}">
+                <a16:creationId xmlns:a16="http://schemas.microsoft.com/office/drawing/2014/main" id="{B6F6E083-727F-4902-993C-AF6F9988D525}"/>
+              </a:ext>
+            </a:extLst>
+          </p:cNvPr>
+          <p:cNvPicPr>
+            <a:picLocks noChangeAspect="1"/>
+          </p:cNvPicPr>
+          <p:nvPr/>
+        </p:nvPicPr>
+        <p:blipFill>
+          <a:blip r:embed="rId2">
+            <a:extLst>
+              <a:ext uri="{28A0092B-C50C-407E-A947-70E740481C1C}">
+                <a14:useLocalDpi xmlns:a14="http://schemas.microsoft.com/office/drawing/2010/main" val="0"/>
+              </a:ext>
+            </a:extLst>
+          </a:blip>
+          <a:stretch>
+            <a:fillRect/>
+          </a:stretch>
+        </p:blipFill>
+        <p:spPr>
+          <a:xfrm flipH="1">
+            <a:off x="12192000" y="511175"/>
+            <a:ext cx="7431314" cy="5835650"/>
+          </a:xfrm>
+          <a:prstGeom prst="rect">
+            <a:avLst/>
+          </a:prstGeom>
+        </p:spPr>
+      </p:pic>
+    </p:spTree>
+    <p:extLst>
+      <p:ext uri="{BB962C8B-B14F-4D97-AF65-F5344CB8AC3E}">
+        <p14:creationId xmlns:p14="http://schemas.microsoft.com/office/powerpoint/2010/main" val="954922860"/>
+      </p:ext>
+    </p:extLst>
+  </p:cSld>
+  <p:clrMapOvr>
+    <a:masterClrMapping/>
+  </p:clrMapOvr>
+</p:sld>
+</file>
+
+<file path=ppt/slides/slide4.xml><?xml version="1.0" encoding="utf-8"?>
+<p:sld xmlns:a="http://schemas.openxmlformats.org/drawingml/2006/main" xmlns:r="http://schemas.openxmlformats.org/officeDocument/2006/relationships" xmlns:p="http://schemas.openxmlformats.org/presentationml/2006/main">
+  <p:cSld>
+    <p:spTree>
+      <p:nvGrpSpPr>
+        <p:cNvPr id="1" name=""/>
+        <p:cNvGrpSpPr/>
+        <p:nvPr/>
+      </p:nvGrpSpPr>
+      <p:grpSpPr>
+        <a:xfrm>
+          <a:off x="0" y="0"/>
+          <a:ext cx="0" cy="0"/>
+          <a:chOff x="0" y="0"/>
+          <a:chExt cx="0" cy="0"/>
+        </a:xfrm>
+      </p:grpSpPr>
+      <p:grpSp>
+        <p:nvGrpSpPr>
+          <p:cNvPr id="10" name="グループ化 9">
+            <a:extLst>
+              <a:ext uri="{FF2B5EF4-FFF2-40B4-BE49-F238E27FC236}">
+                <a16:creationId xmlns:a16="http://schemas.microsoft.com/office/drawing/2014/main" id="{00FFDE71-1D2B-4536-A670-41EE720C72DE}"/>
+              </a:ext>
+            </a:extLst>
+          </p:cNvPr>
+          <p:cNvGrpSpPr/>
+          <p:nvPr/>
+        </p:nvGrpSpPr>
+        <p:grpSpPr>
+          <a:xfrm>
+            <a:off x="1901371" y="3077029"/>
+            <a:ext cx="8810170" cy="2075542"/>
+            <a:chOff x="2191657" y="2365829"/>
+            <a:chExt cx="8810170" cy="2075542"/>
+          </a:xfrm>
+        </p:grpSpPr>
+        <p:pic>
+          <p:nvPicPr>
+            <p:cNvPr id="5" name="図 4" descr="黒い背景と白い文字&#10;&#10;自動的に生成された説明">
+              <a:extLst>
+                <a:ext uri="{FF2B5EF4-FFF2-40B4-BE49-F238E27FC236}">
+                  <a16:creationId xmlns:a16="http://schemas.microsoft.com/office/drawing/2014/main" id="{D0482524-98C5-4F9F-96B1-1A3A7167CCE6}"/>
+                </a:ext>
+              </a:extLst>
+            </p:cNvPr>
+            <p:cNvPicPr>
+              <a:picLocks noChangeAspect="1"/>
+            </p:cNvPicPr>
+            <p:nvPr/>
+          </p:nvPicPr>
+          <p:blipFill rotWithShape="1">
+            <a:blip r:embed="rId2">
+              <a:extLst>
+                <a:ext uri="{28A0092B-C50C-407E-A947-70E740481C1C}">
+                  <a14:useLocalDpi xmlns:a14="http://schemas.microsoft.com/office/drawing/2010/main" val="0"/>
+                </a:ext>
+              </a:extLst>
+            </a:blip>
+            <a:srcRect l="7385" t="32771" b="28441"/>
+            <a:stretch/>
+          </p:blipFill>
+          <p:spPr>
+            <a:xfrm>
+              <a:off x="2191657" y="2365829"/>
+              <a:ext cx="8810170" cy="2075542"/>
+            </a:xfrm>
+            <a:prstGeom prst="rect">
+              <a:avLst/>
+            </a:prstGeom>
+          </p:spPr>
+        </p:pic>
+        <p:pic>
+          <p:nvPicPr>
+            <p:cNvPr id="7" name="図 6">
+              <a:extLst>
+                <a:ext uri="{FF2B5EF4-FFF2-40B4-BE49-F238E27FC236}">
+                  <a16:creationId xmlns:a16="http://schemas.microsoft.com/office/drawing/2014/main" id="{69D02923-A5DB-43D6-A8B3-C7C091028243}"/>
+                </a:ext>
+              </a:extLst>
+            </p:cNvPr>
+            <p:cNvPicPr>
+              <a:picLocks noChangeAspect="1"/>
+            </p:cNvPicPr>
+            <p:nvPr/>
+          </p:nvPicPr>
+          <p:blipFill>
+            <a:blip r:embed="rId3">
+              <a:extLst>
+                <a:ext uri="{28A0092B-C50C-407E-A947-70E740481C1C}">
+                  <a14:useLocalDpi xmlns:a14="http://schemas.microsoft.com/office/drawing/2010/main" val="0"/>
+                </a:ext>
+              </a:extLst>
+            </a:blip>
+            <a:stretch>
+              <a:fillRect/>
+            </a:stretch>
+          </p:blipFill>
+          <p:spPr>
+            <a:xfrm>
+              <a:off x="10366906" y="2551238"/>
+              <a:ext cx="634921" cy="634921"/>
+            </a:xfrm>
+            <a:prstGeom prst="rect">
+              <a:avLst/>
+            </a:prstGeom>
+          </p:spPr>
+        </p:pic>
+      </p:grpSp>
+      <p:pic>
+        <p:nvPicPr>
+          <p:cNvPr id="9" name="図 8" descr="黒い背景と白い文字&#10;&#10;自動的に生成された説明">
+            <a:extLst>
+              <a:ext uri="{FF2B5EF4-FFF2-40B4-BE49-F238E27FC236}">
+                <a16:creationId xmlns:a16="http://schemas.microsoft.com/office/drawing/2014/main" id="{CAB4E61F-E239-44F8-967F-B7B2B2352A9D}"/>
+              </a:ext>
+            </a:extLst>
+          </p:cNvPr>
+          <p:cNvPicPr>
+            <a:picLocks noChangeAspect="1"/>
+          </p:cNvPicPr>
+          <p:nvPr/>
+        </p:nvPicPr>
+        <p:blipFill rotWithShape="1">
+          <a:blip r:embed="rId4">
+            <a:duotone>
+              <a:prstClr val="black"/>
+              <a:srgbClr val="FF0000">
+                <a:tint val="45000"/>
+                <a:satMod val="400000"/>
+              </a:srgbClr>
+            </a:duotone>
+            <a:extLst>
+              <a:ext uri="{BEBA8EAE-BF5A-486C-A8C5-ECC9F3942E4B}">
+                <a14:imgProps xmlns:a14="http://schemas.microsoft.com/office/drawing/2010/main">
+                  <a14:imgLayer r:embed="rId5">
+                    <a14:imgEffect>
+                      <a14:artisticCement/>
+                    </a14:imgEffect>
+                    <a14:imgEffect>
+                      <a14:brightnessContrast bright="40000"/>
+                    </a14:imgEffect>
+                  </a14:imgLayer>
+                </a14:imgProps>
+              </a:ext>
+              <a:ext uri="{28A0092B-C50C-407E-A947-70E740481C1C}">
+                <a14:useLocalDpi xmlns:a14="http://schemas.microsoft.com/office/drawing/2010/main" val="0"/>
+              </a:ext>
+            </a:extLst>
+          </a:blip>
+          <a:srcRect l="35653" t="-2174" r="35937" b="82663"/>
+          <a:stretch/>
+        </p:blipFill>
+        <p:spPr>
+          <a:xfrm>
+            <a:off x="769258" y="1185090"/>
+            <a:ext cx="3373005" cy="1303009"/>
+          </a:xfrm>
+          <a:prstGeom prst="rect">
+            <a:avLst/>
+          </a:prstGeom>
+        </p:spPr>
+      </p:pic>
+    </p:spTree>
+    <p:extLst>
+      <p:ext uri="{BB962C8B-B14F-4D97-AF65-F5344CB8AC3E}">
+        <p14:creationId xmlns:p14="http://schemas.microsoft.com/office/powerpoint/2010/main" val="2841856146"/>
+      </p:ext>
+    </p:extLst>
+  </p:cSld>
+  <p:clrMapOvr>
+    <a:masterClrMapping/>
+  </p:clrMapOvr>
+</p:sld>
+</file>
+
 <file path=ppt/theme/theme1.xml><?xml version="1.0" encoding="utf-8"?>
 <a:theme xmlns:a="http://schemas.openxmlformats.org/drawingml/2006/main" name="Office テーマ">
   <a:themeElements>

--- a/HEW/data/TEXTURE/ロゴ作成.pptx
+++ b/HEW/data/TEXTURE/ロゴ作成.pptx
@@ -9,6 +9,9 @@
     <p:sldId id="257" r:id="rId3"/>
     <p:sldId id="258" r:id="rId4"/>
     <p:sldId id="259" r:id="rId5"/>
+    <p:sldId id="260" r:id="rId6"/>
+    <p:sldId id="261" r:id="rId7"/>
+    <p:sldId id="262" r:id="rId8"/>
   </p:sldIdLst>
   <p:sldSz cx="12192000" cy="6858000"/>
   <p:notesSz cx="6858000" cy="9144000"/>
@@ -262,7 +265,7 @@
           <a:p>
             <a:fld id="{38902CDB-4AA8-4DB9-834E-17D8C468A2CA}" type="datetimeFigureOut">
               <a:rPr kumimoji="1" lang="ja-JP" altLang="en-US" smtClean="0"/>
-              <a:t>2020/7/26</a:t>
+              <a:t>2020/8/4</a:t>
             </a:fld>
             <a:endParaRPr kumimoji="1" lang="ja-JP" altLang="en-US"/>
           </a:p>
@@ -492,7 +495,7 @@
           <a:p>
             <a:fld id="{38902CDB-4AA8-4DB9-834E-17D8C468A2CA}" type="datetimeFigureOut">
               <a:rPr kumimoji="1" lang="ja-JP" altLang="en-US" smtClean="0"/>
-              <a:t>2020/7/26</a:t>
+              <a:t>2020/8/4</a:t>
             </a:fld>
             <a:endParaRPr kumimoji="1" lang="ja-JP" altLang="en-US"/>
           </a:p>
@@ -732,7 +735,7 @@
           <a:p>
             <a:fld id="{38902CDB-4AA8-4DB9-834E-17D8C468A2CA}" type="datetimeFigureOut">
               <a:rPr kumimoji="1" lang="ja-JP" altLang="en-US" smtClean="0"/>
-              <a:t>2020/7/26</a:t>
+              <a:t>2020/8/4</a:t>
             </a:fld>
             <a:endParaRPr kumimoji="1" lang="ja-JP" altLang="en-US"/>
           </a:p>
@@ -962,7 +965,7 @@
           <a:p>
             <a:fld id="{38902CDB-4AA8-4DB9-834E-17D8C468A2CA}" type="datetimeFigureOut">
               <a:rPr kumimoji="1" lang="ja-JP" altLang="en-US" smtClean="0"/>
-              <a:t>2020/7/26</a:t>
+              <a:t>2020/8/4</a:t>
             </a:fld>
             <a:endParaRPr kumimoji="1" lang="ja-JP" altLang="en-US"/>
           </a:p>
@@ -1237,7 +1240,7 @@
           <a:p>
             <a:fld id="{38902CDB-4AA8-4DB9-834E-17D8C468A2CA}" type="datetimeFigureOut">
               <a:rPr kumimoji="1" lang="ja-JP" altLang="en-US" smtClean="0"/>
-              <a:t>2020/7/26</a:t>
+              <a:t>2020/8/4</a:t>
             </a:fld>
             <a:endParaRPr kumimoji="1" lang="ja-JP" altLang="en-US"/>
           </a:p>
@@ -1566,7 +1569,7 @@
           <a:p>
             <a:fld id="{38902CDB-4AA8-4DB9-834E-17D8C468A2CA}" type="datetimeFigureOut">
               <a:rPr kumimoji="1" lang="ja-JP" altLang="en-US" smtClean="0"/>
-              <a:t>2020/7/26</a:t>
+              <a:t>2020/8/4</a:t>
             </a:fld>
             <a:endParaRPr kumimoji="1" lang="ja-JP" altLang="en-US"/>
           </a:p>
@@ -2042,7 +2045,7 @@
           <a:p>
             <a:fld id="{38902CDB-4AA8-4DB9-834E-17D8C468A2CA}" type="datetimeFigureOut">
               <a:rPr kumimoji="1" lang="ja-JP" altLang="en-US" smtClean="0"/>
-              <a:t>2020/7/26</a:t>
+              <a:t>2020/8/4</a:t>
             </a:fld>
             <a:endParaRPr kumimoji="1" lang="ja-JP" altLang="en-US"/>
           </a:p>
@@ -2183,7 +2186,7 @@
           <a:p>
             <a:fld id="{38902CDB-4AA8-4DB9-834E-17D8C468A2CA}" type="datetimeFigureOut">
               <a:rPr kumimoji="1" lang="ja-JP" altLang="en-US" smtClean="0"/>
-              <a:t>2020/7/26</a:t>
+              <a:t>2020/8/4</a:t>
             </a:fld>
             <a:endParaRPr kumimoji="1" lang="ja-JP" altLang="en-US"/>
           </a:p>
@@ -2296,7 +2299,7 @@
           <a:p>
             <a:fld id="{38902CDB-4AA8-4DB9-834E-17D8C468A2CA}" type="datetimeFigureOut">
               <a:rPr kumimoji="1" lang="ja-JP" altLang="en-US" smtClean="0"/>
-              <a:t>2020/7/26</a:t>
+              <a:t>2020/8/4</a:t>
             </a:fld>
             <a:endParaRPr kumimoji="1" lang="ja-JP" altLang="en-US"/>
           </a:p>
@@ -2639,7 +2642,7 @@
           <a:p>
             <a:fld id="{38902CDB-4AA8-4DB9-834E-17D8C468A2CA}" type="datetimeFigureOut">
               <a:rPr kumimoji="1" lang="ja-JP" altLang="en-US" smtClean="0"/>
-              <a:t>2020/7/26</a:t>
+              <a:t>2020/8/4</a:t>
             </a:fld>
             <a:endParaRPr kumimoji="1" lang="ja-JP" altLang="en-US"/>
           </a:p>
@@ -2927,7 +2930,7 @@
           <a:p>
             <a:fld id="{38902CDB-4AA8-4DB9-834E-17D8C468A2CA}" type="datetimeFigureOut">
               <a:rPr kumimoji="1" lang="ja-JP" altLang="en-US" smtClean="0"/>
-              <a:t>2020/7/26</a:t>
+              <a:t>2020/8/4</a:t>
             </a:fld>
             <a:endParaRPr kumimoji="1" lang="ja-JP" altLang="en-US"/>
           </a:p>
@@ -3200,7 +3203,7 @@
           <a:p>
             <a:fld id="{38902CDB-4AA8-4DB9-834E-17D8C468A2CA}" type="datetimeFigureOut">
               <a:rPr kumimoji="1" lang="ja-JP" altLang="en-US" smtClean="0"/>
-              <a:t>2020/7/26</a:t>
+              <a:t>2020/8/4</a:t>
             </a:fld>
             <a:endParaRPr kumimoji="1" lang="ja-JP" altLang="en-US"/>
           </a:p>
@@ -5277,6 +5280,54 @@
           </a:prstGeom>
         </p:spPr>
       </p:pic>
+      <p:sp>
+        <p:nvSpPr>
+          <p:cNvPr id="2" name="テキスト ボックス 1">
+            <a:extLst>
+              <a:ext uri="{FF2B5EF4-FFF2-40B4-BE49-F238E27FC236}">
+                <a16:creationId xmlns:a16="http://schemas.microsoft.com/office/drawing/2014/main" id="{0189F93F-F815-45F3-92A4-47A415CE1B4D}"/>
+              </a:ext>
+            </a:extLst>
+          </p:cNvPr>
+          <p:cNvSpPr txBox="1"/>
+          <p:nvPr/>
+        </p:nvSpPr>
+        <p:spPr>
+          <a:xfrm>
+            <a:off x="5775960" y="2571988"/>
+            <a:ext cx="2141220" cy="369332"/>
+          </a:xfrm>
+          <a:prstGeom prst="rect">
+            <a:avLst/>
+          </a:prstGeom>
+          <a:noFill/>
+        </p:spPr>
+        <p:txBody>
+          <a:bodyPr wrap="square" rtlCol="0">
+            <a:spAutoFit/>
+          </a:bodyPr>
+          <a:lstStyle/>
+          <a:p>
+            <a:r>
+              <a:rPr kumimoji="1" lang="en-US" altLang="ja-JP" b="1" dirty="0">
+                <a:solidFill>
+                  <a:schemeClr val="bg1"/>
+                </a:solidFill>
+                <a:latin typeface="Jokerman" panose="04090605060D06020702" pitchFamily="82" charset="0"/>
+                <a:ea typeface="UD Digi Kyokasho N-B" panose="020B0400000000000000" pitchFamily="18" charset="-128"/>
+              </a:rPr>
+              <a:t>0 1 2 3 4 5 6 7 8 9</a:t>
+            </a:r>
+            <a:endParaRPr kumimoji="1" lang="ja-JP" altLang="en-US" b="1" dirty="0">
+              <a:solidFill>
+                <a:schemeClr val="bg1"/>
+              </a:solidFill>
+              <a:latin typeface="Jokerman" panose="04090605060D06020702" pitchFamily="82" charset="0"/>
+              <a:ea typeface="UD Digi Kyokasho N-B" panose="020B0400000000000000" pitchFamily="18" charset="-128"/>
+            </a:endParaRPr>
+          </a:p>
+        </p:txBody>
+      </p:sp>
     </p:spTree>
     <p:extLst>
       <p:ext uri="{BB962C8B-B14F-4D97-AF65-F5344CB8AC3E}">
@@ -5321,7 +5372,7 @@
         </p:nvGrpSpPr>
         <p:grpSpPr>
           <a:xfrm>
-            <a:off x="1901371" y="3077029"/>
+            <a:off x="1208912" y="2997130"/>
             <a:ext cx="8810170" cy="2075542"/>
             <a:chOff x="2191657" y="2365829"/>
             <a:chExt cx="8810170" cy="2075542"/>
@@ -5453,10 +5504,6586 @@
           </a:prstGeom>
         </p:spPr>
       </p:pic>
+      <p:pic>
+        <p:nvPicPr>
+          <p:cNvPr id="3" name="図 2" descr="食品, 挿絵 が含まれている画像&#10;&#10;自動的に生成された説明">
+            <a:extLst>
+              <a:ext uri="{FF2B5EF4-FFF2-40B4-BE49-F238E27FC236}">
+                <a16:creationId xmlns:a16="http://schemas.microsoft.com/office/drawing/2014/main" id="{2F260A36-B55C-4CE6-ADA4-B5DF331AEA07}"/>
+              </a:ext>
+            </a:extLst>
+          </p:cNvPr>
+          <p:cNvPicPr>
+            <a:picLocks noChangeAspect="1"/>
+          </p:cNvPicPr>
+          <p:nvPr/>
+        </p:nvPicPr>
+        <p:blipFill>
+          <a:blip r:embed="rId6">
+            <a:extLst>
+              <a:ext uri="{28A0092B-C50C-407E-A947-70E740481C1C}">
+                <a14:useLocalDpi xmlns:a14="http://schemas.microsoft.com/office/drawing/2010/main" val="0"/>
+              </a:ext>
+            </a:extLst>
+          </a:blip>
+          <a:stretch>
+            <a:fillRect/>
+          </a:stretch>
+        </p:blipFill>
+        <p:spPr>
+          <a:xfrm>
+            <a:off x="1590653" y="4701831"/>
+            <a:ext cx="3540641" cy="741681"/>
+          </a:xfrm>
+          <a:prstGeom prst="rect">
+            <a:avLst/>
+          </a:prstGeom>
+        </p:spPr>
+      </p:pic>
+      <p:sp>
+        <p:nvSpPr>
+          <p:cNvPr id="6" name="テキスト ボックス 5">
+            <a:extLst>
+              <a:ext uri="{FF2B5EF4-FFF2-40B4-BE49-F238E27FC236}">
+                <a16:creationId xmlns:a16="http://schemas.microsoft.com/office/drawing/2014/main" id="{60D60052-61C2-46A6-BFB8-921F2CED0E54}"/>
+              </a:ext>
+            </a:extLst>
+          </p:cNvPr>
+          <p:cNvSpPr txBox="1"/>
+          <p:nvPr/>
+        </p:nvSpPr>
+        <p:spPr>
+          <a:xfrm>
+            <a:off x="990055" y="4566040"/>
+            <a:ext cx="819455" cy="1015663"/>
+          </a:xfrm>
+          <a:prstGeom prst="rect">
+            <a:avLst/>
+          </a:prstGeom>
+          <a:noFill/>
+        </p:spPr>
+        <p:txBody>
+          <a:bodyPr wrap="none" rtlCol="0">
+            <a:spAutoFit/>
+          </a:bodyPr>
+          <a:lstStyle/>
+          <a:p>
+            <a:r>
+              <a:rPr kumimoji="1" lang="en-US" altLang="ja-JP" sz="6000" b="1" dirty="0">
+                <a:solidFill>
+                  <a:srgbClr val="FFC000"/>
+                </a:solidFill>
+                <a:effectLst>
+                  <a:outerShdw blurRad="38100" dist="38100" dir="2700000" algn="tl">
+                    <a:srgbClr val="000000">
+                      <a:alpha val="43137"/>
+                    </a:srgbClr>
+                  </a:outerShdw>
+                </a:effectLst>
+                <a:latin typeface="Goudy Stout" panose="0202090407030B020401" pitchFamily="18" charset="0"/>
+                <a:cs typeface="Aharoni" panose="02010803020104030203" pitchFamily="2" charset="-79"/>
+              </a:rPr>
+              <a:t>+</a:t>
+            </a:r>
+            <a:endParaRPr kumimoji="1" lang="ja-JP" altLang="en-US" sz="6000" b="1" dirty="0">
+              <a:solidFill>
+                <a:srgbClr val="FFC000"/>
+              </a:solidFill>
+              <a:effectLst>
+                <a:outerShdw blurRad="38100" dist="38100" dir="2700000" algn="tl">
+                  <a:srgbClr val="000000">
+                    <a:alpha val="43137"/>
+                  </a:srgbClr>
+                </a:outerShdw>
+              </a:effectLst>
+              <a:latin typeface="Goudy Stout" panose="0202090407030B020401" pitchFamily="18" charset="0"/>
+              <a:cs typeface="Aharoni" panose="02010803020104030203" pitchFamily="2" charset="-79"/>
+            </a:endParaRPr>
+          </a:p>
+        </p:txBody>
+      </p:sp>
     </p:spTree>
     <p:extLst>
       <p:ext uri="{BB962C8B-B14F-4D97-AF65-F5344CB8AC3E}">
         <p14:creationId xmlns:p14="http://schemas.microsoft.com/office/powerpoint/2010/main" val="2841856146"/>
+      </p:ext>
+    </p:extLst>
+  </p:cSld>
+  <p:clrMapOvr>
+    <a:masterClrMapping/>
+  </p:clrMapOvr>
+</p:sld>
+</file>
+
+<file path=ppt/slides/slide5.xml><?xml version="1.0" encoding="utf-8"?>
+<p:sld xmlns:a="http://schemas.openxmlformats.org/drawingml/2006/main" xmlns:r="http://schemas.openxmlformats.org/officeDocument/2006/relationships" xmlns:p="http://schemas.openxmlformats.org/presentationml/2006/main">
+  <p:cSld>
+    <p:spTree>
+      <p:nvGrpSpPr>
+        <p:cNvPr id="1" name=""/>
+        <p:cNvGrpSpPr/>
+        <p:nvPr/>
+      </p:nvGrpSpPr>
+      <p:grpSpPr>
+        <a:xfrm>
+          <a:off x="0" y="0"/>
+          <a:ext cx="0" cy="0"/>
+          <a:chOff x="0" y="0"/>
+          <a:chExt cx="0" cy="0"/>
+        </a:xfrm>
+      </p:grpSpPr>
+      <p:sp>
+        <p:nvSpPr>
+          <p:cNvPr id="4" name="テキスト ボックス 3">
+            <a:extLst>
+              <a:ext uri="{FF2B5EF4-FFF2-40B4-BE49-F238E27FC236}">
+                <a16:creationId xmlns:a16="http://schemas.microsoft.com/office/drawing/2014/main" id="{A85A587F-37FF-4FB3-A398-DCEF7553385D}"/>
+              </a:ext>
+            </a:extLst>
+          </p:cNvPr>
+          <p:cNvSpPr txBox="1"/>
+          <p:nvPr/>
+        </p:nvSpPr>
+        <p:spPr>
+          <a:xfrm>
+            <a:off x="2651760" y="640616"/>
+            <a:ext cx="2723887" cy="5078313"/>
+          </a:xfrm>
+          <a:prstGeom prst="rect">
+            <a:avLst/>
+          </a:prstGeom>
+          <a:noFill/>
+        </p:spPr>
+        <p:txBody>
+          <a:bodyPr wrap="none" rtlCol="0">
+            <a:spAutoFit/>
+          </a:bodyPr>
+          <a:lstStyle/>
+          <a:p>
+            <a:pPr algn="r"/>
+            <a:r>
+              <a:rPr kumimoji="1" lang="ja-JP" altLang="en-US" dirty="0">
+                <a:solidFill>
+                  <a:srgbClr val="FF0000"/>
+                </a:solidFill>
+                <a:effectLst>
+                  <a:glow rad="63500">
+                    <a:schemeClr val="accent4">
+                      <a:satMod val="175000"/>
+                      <a:alpha val="40000"/>
+                    </a:schemeClr>
+                  </a:glow>
+                  <a:innerShdw blurRad="63500" dist="50800" dir="13500000">
+                    <a:prstClr val="black">
+                      <a:alpha val="50000"/>
+                    </a:prstClr>
+                  </a:innerShdw>
+                </a:effectLst>
+                <a:latin typeface="HGS創英角ﾎﾟｯﾌﾟ体" panose="040B0A00000000000000" pitchFamily="50" charset="-128"/>
+                <a:ea typeface="HGS創英角ﾎﾟｯﾌﾟ体" panose="040B0A00000000000000" pitchFamily="50" charset="-128"/>
+              </a:rPr>
+              <a:t>初めてのコイン</a:t>
+            </a:r>
+            <a:endParaRPr kumimoji="1" lang="en-US" altLang="ja-JP" dirty="0">
+              <a:solidFill>
+                <a:srgbClr val="FF0000"/>
+              </a:solidFill>
+              <a:effectLst>
+                <a:glow rad="63500">
+                  <a:schemeClr val="accent4">
+                    <a:satMod val="175000"/>
+                    <a:alpha val="40000"/>
+                  </a:schemeClr>
+                </a:glow>
+                <a:innerShdw blurRad="63500" dist="50800" dir="13500000">
+                  <a:prstClr val="black">
+                    <a:alpha val="50000"/>
+                  </a:prstClr>
+                </a:innerShdw>
+              </a:effectLst>
+              <a:latin typeface="HGS創英角ﾎﾟｯﾌﾟ体" panose="040B0A00000000000000" pitchFamily="50" charset="-128"/>
+              <a:ea typeface="HGS創英角ﾎﾟｯﾌﾟ体" panose="040B0A00000000000000" pitchFamily="50" charset="-128"/>
+            </a:endParaRPr>
+          </a:p>
+          <a:p>
+            <a:pPr algn="r"/>
+            <a:r>
+              <a:rPr lang="ja-JP" altLang="en-US" dirty="0">
+                <a:solidFill>
+                  <a:srgbClr val="FF0000"/>
+                </a:solidFill>
+                <a:effectLst>
+                  <a:glow rad="63500">
+                    <a:schemeClr val="accent4">
+                      <a:satMod val="175000"/>
+                      <a:alpha val="40000"/>
+                    </a:schemeClr>
+                  </a:glow>
+                  <a:innerShdw blurRad="63500" dist="50800" dir="13500000">
+                    <a:prstClr val="black">
+                      <a:alpha val="50000"/>
+                    </a:prstClr>
+                  </a:innerShdw>
+                </a:effectLst>
+                <a:latin typeface="HGS創英角ﾎﾟｯﾌﾟ体" panose="040B0A00000000000000" pitchFamily="50" charset="-128"/>
+                <a:ea typeface="HGS創英角ﾎﾟｯﾌﾟ体" panose="040B0A00000000000000" pitchFamily="50" charset="-128"/>
+              </a:rPr>
+              <a:t>コイン収集初心者</a:t>
+            </a:r>
+            <a:endParaRPr kumimoji="1" lang="en-US" altLang="ja-JP" dirty="0">
+              <a:solidFill>
+                <a:srgbClr val="FF0000"/>
+              </a:solidFill>
+              <a:effectLst>
+                <a:glow rad="63500">
+                  <a:schemeClr val="accent4">
+                    <a:satMod val="175000"/>
+                    <a:alpha val="40000"/>
+                  </a:schemeClr>
+                </a:glow>
+                <a:innerShdw blurRad="63500" dist="50800" dir="13500000">
+                  <a:prstClr val="black">
+                    <a:alpha val="50000"/>
+                  </a:prstClr>
+                </a:innerShdw>
+              </a:effectLst>
+              <a:latin typeface="HGS創英角ﾎﾟｯﾌﾟ体" panose="040B0A00000000000000" pitchFamily="50" charset="-128"/>
+              <a:ea typeface="HGS創英角ﾎﾟｯﾌﾟ体" panose="040B0A00000000000000" pitchFamily="50" charset="-128"/>
+            </a:endParaRPr>
+          </a:p>
+          <a:p>
+            <a:pPr algn="r"/>
+            <a:r>
+              <a:rPr lang="ja-JP" altLang="en-US" dirty="0">
+                <a:solidFill>
+                  <a:srgbClr val="FF0000"/>
+                </a:solidFill>
+                <a:effectLst>
+                  <a:glow rad="63500">
+                    <a:schemeClr val="accent4">
+                      <a:satMod val="175000"/>
+                      <a:alpha val="40000"/>
+                    </a:schemeClr>
+                  </a:glow>
+                  <a:innerShdw blurRad="63500" dist="50800" dir="13500000">
+                    <a:prstClr val="black">
+                      <a:alpha val="50000"/>
+                    </a:prstClr>
+                  </a:innerShdw>
+                </a:effectLst>
+                <a:latin typeface="HGS創英角ﾎﾟｯﾌﾟ体" panose="040B0A00000000000000" pitchFamily="50" charset="-128"/>
+                <a:ea typeface="HGS創英角ﾎﾟｯﾌﾟ体" panose="040B0A00000000000000" pitchFamily="50" charset="-128"/>
+              </a:rPr>
+              <a:t>コイン収集家の新星</a:t>
+            </a:r>
+            <a:endParaRPr lang="en-US" altLang="ja-JP" dirty="0">
+              <a:solidFill>
+                <a:srgbClr val="FF0000"/>
+              </a:solidFill>
+              <a:effectLst>
+                <a:glow rad="63500">
+                  <a:schemeClr val="accent4">
+                    <a:satMod val="175000"/>
+                    <a:alpha val="40000"/>
+                  </a:schemeClr>
+                </a:glow>
+                <a:innerShdw blurRad="63500" dist="50800" dir="13500000">
+                  <a:prstClr val="black">
+                    <a:alpha val="50000"/>
+                  </a:prstClr>
+                </a:innerShdw>
+              </a:effectLst>
+              <a:latin typeface="HGS創英角ﾎﾟｯﾌﾟ体" panose="040B0A00000000000000" pitchFamily="50" charset="-128"/>
+              <a:ea typeface="HGS創英角ﾎﾟｯﾌﾟ体" panose="040B0A00000000000000" pitchFamily="50" charset="-128"/>
+            </a:endParaRPr>
+          </a:p>
+          <a:p>
+            <a:pPr algn="r"/>
+            <a:r>
+              <a:rPr lang="ja-JP" altLang="en-US" dirty="0">
+                <a:solidFill>
+                  <a:srgbClr val="FF0000"/>
+                </a:solidFill>
+                <a:effectLst>
+                  <a:glow rad="63500">
+                    <a:schemeClr val="accent4">
+                      <a:satMod val="175000"/>
+                      <a:alpha val="40000"/>
+                    </a:schemeClr>
+                  </a:glow>
+                  <a:innerShdw blurRad="63500" dist="50800" dir="13500000">
+                    <a:prstClr val="black">
+                      <a:alpha val="50000"/>
+                    </a:prstClr>
+                  </a:innerShdw>
+                </a:effectLst>
+                <a:latin typeface="HGS創英角ﾎﾟｯﾌﾟ体" panose="040B0A00000000000000" pitchFamily="50" charset="-128"/>
+                <a:ea typeface="HGS創英角ﾎﾟｯﾌﾟ体" panose="040B0A00000000000000" pitchFamily="50" charset="-128"/>
+              </a:rPr>
+              <a:t>コイン収集を極めし者</a:t>
+            </a:r>
+            <a:endParaRPr lang="en-US" altLang="ja-JP" dirty="0">
+              <a:solidFill>
+                <a:srgbClr val="FF0000"/>
+              </a:solidFill>
+              <a:effectLst>
+                <a:glow rad="63500">
+                  <a:schemeClr val="accent4">
+                    <a:satMod val="175000"/>
+                    <a:alpha val="40000"/>
+                  </a:schemeClr>
+                </a:glow>
+                <a:innerShdw blurRad="63500" dist="50800" dir="13500000">
+                  <a:prstClr val="black">
+                    <a:alpha val="50000"/>
+                  </a:prstClr>
+                </a:innerShdw>
+              </a:effectLst>
+              <a:latin typeface="HGS創英角ﾎﾟｯﾌﾟ体" panose="040B0A00000000000000" pitchFamily="50" charset="-128"/>
+              <a:ea typeface="HGS創英角ﾎﾟｯﾌﾟ体" panose="040B0A00000000000000" pitchFamily="50" charset="-128"/>
+            </a:endParaRPr>
+          </a:p>
+          <a:p>
+            <a:pPr algn="r"/>
+            <a:r>
+              <a:rPr lang="ja-JP" altLang="en-US" dirty="0">
+                <a:solidFill>
+                  <a:srgbClr val="FF0000"/>
+                </a:solidFill>
+                <a:effectLst>
+                  <a:glow rad="63500">
+                    <a:schemeClr val="accent4">
+                      <a:satMod val="175000"/>
+                      <a:alpha val="40000"/>
+                    </a:schemeClr>
+                  </a:glow>
+                  <a:innerShdw blurRad="63500" dist="50800" dir="13500000">
+                    <a:prstClr val="black">
+                      <a:alpha val="50000"/>
+                    </a:prstClr>
+                  </a:innerShdw>
+                </a:effectLst>
+                <a:latin typeface="HGS創英角ﾎﾟｯﾌﾟ体" panose="040B0A00000000000000" pitchFamily="50" charset="-128"/>
+                <a:ea typeface="HGS創英角ﾎﾟｯﾌﾟ体" panose="040B0A00000000000000" pitchFamily="50" charset="-128"/>
+              </a:rPr>
+              <a:t>走り始め</a:t>
+            </a:r>
+            <a:endParaRPr lang="en-US" altLang="ja-JP" dirty="0">
+              <a:solidFill>
+                <a:srgbClr val="FF0000"/>
+              </a:solidFill>
+              <a:effectLst>
+                <a:glow rad="63500">
+                  <a:schemeClr val="accent4">
+                    <a:satMod val="175000"/>
+                    <a:alpha val="40000"/>
+                  </a:schemeClr>
+                </a:glow>
+                <a:innerShdw blurRad="63500" dist="50800" dir="13500000">
+                  <a:prstClr val="black">
+                    <a:alpha val="50000"/>
+                  </a:prstClr>
+                </a:innerShdw>
+              </a:effectLst>
+              <a:latin typeface="HGS創英角ﾎﾟｯﾌﾟ体" panose="040B0A00000000000000" pitchFamily="50" charset="-128"/>
+              <a:ea typeface="HGS創英角ﾎﾟｯﾌﾟ体" panose="040B0A00000000000000" pitchFamily="50" charset="-128"/>
+            </a:endParaRPr>
+          </a:p>
+          <a:p>
+            <a:pPr algn="r"/>
+            <a:r>
+              <a:rPr lang="ja-JP" altLang="en-US" dirty="0">
+                <a:solidFill>
+                  <a:srgbClr val="FF0000"/>
+                </a:solidFill>
+                <a:effectLst>
+                  <a:glow rad="63500">
+                    <a:schemeClr val="accent4">
+                      <a:satMod val="175000"/>
+                      <a:alpha val="40000"/>
+                    </a:schemeClr>
+                  </a:glow>
+                  <a:innerShdw blurRad="63500" dist="50800" dir="13500000">
+                    <a:prstClr val="black">
+                      <a:alpha val="50000"/>
+                    </a:prstClr>
+                  </a:innerShdw>
+                </a:effectLst>
+                <a:latin typeface="HGS創英角ﾎﾟｯﾌﾟ体" panose="040B0A00000000000000" pitchFamily="50" charset="-128"/>
+                <a:ea typeface="HGS創英角ﾎﾟｯﾌﾟ体" panose="040B0A00000000000000" pitchFamily="50" charset="-128"/>
+              </a:rPr>
+              <a:t>マラソン初心者</a:t>
+            </a:r>
+            <a:endParaRPr lang="en-US" altLang="ja-JP" dirty="0">
+              <a:solidFill>
+                <a:srgbClr val="FF0000"/>
+              </a:solidFill>
+              <a:effectLst>
+                <a:glow rad="63500">
+                  <a:schemeClr val="accent4">
+                    <a:satMod val="175000"/>
+                    <a:alpha val="40000"/>
+                  </a:schemeClr>
+                </a:glow>
+                <a:innerShdw blurRad="63500" dist="50800" dir="13500000">
+                  <a:prstClr val="black">
+                    <a:alpha val="50000"/>
+                  </a:prstClr>
+                </a:innerShdw>
+              </a:effectLst>
+              <a:latin typeface="HGS創英角ﾎﾟｯﾌﾟ体" panose="040B0A00000000000000" pitchFamily="50" charset="-128"/>
+              <a:ea typeface="HGS創英角ﾎﾟｯﾌﾟ体" panose="040B0A00000000000000" pitchFamily="50" charset="-128"/>
+            </a:endParaRPr>
+          </a:p>
+          <a:p>
+            <a:pPr algn="r"/>
+            <a:r>
+              <a:rPr lang="ja-JP" altLang="en-US" dirty="0">
+                <a:solidFill>
+                  <a:srgbClr val="FF0000"/>
+                </a:solidFill>
+                <a:effectLst>
+                  <a:glow rad="63500">
+                    <a:schemeClr val="accent4">
+                      <a:satMod val="175000"/>
+                      <a:alpha val="40000"/>
+                    </a:schemeClr>
+                  </a:glow>
+                  <a:innerShdw blurRad="63500" dist="50800" dir="13500000">
+                    <a:prstClr val="black">
+                      <a:alpha val="50000"/>
+                    </a:prstClr>
+                  </a:innerShdw>
+                </a:effectLst>
+                <a:latin typeface="HGS創英角ﾎﾟｯﾌﾟ体" panose="040B0A00000000000000" pitchFamily="50" charset="-128"/>
+                <a:ea typeface="HGS創英角ﾎﾟｯﾌﾟ体" panose="040B0A00000000000000" pitchFamily="50" charset="-128"/>
+              </a:rPr>
+              <a:t>マラソンの楽しさ</a:t>
+            </a:r>
+            <a:endParaRPr lang="en-US" altLang="ja-JP" dirty="0">
+              <a:solidFill>
+                <a:srgbClr val="FF0000"/>
+              </a:solidFill>
+              <a:effectLst>
+                <a:glow rad="63500">
+                  <a:schemeClr val="accent4">
+                    <a:satMod val="175000"/>
+                    <a:alpha val="40000"/>
+                  </a:schemeClr>
+                </a:glow>
+                <a:innerShdw blurRad="63500" dist="50800" dir="13500000">
+                  <a:prstClr val="black">
+                    <a:alpha val="50000"/>
+                  </a:prstClr>
+                </a:innerShdw>
+              </a:effectLst>
+              <a:latin typeface="HGS創英角ﾎﾟｯﾌﾟ体" panose="040B0A00000000000000" pitchFamily="50" charset="-128"/>
+              <a:ea typeface="HGS創英角ﾎﾟｯﾌﾟ体" panose="040B0A00000000000000" pitchFamily="50" charset="-128"/>
+            </a:endParaRPr>
+          </a:p>
+          <a:p>
+            <a:pPr algn="r"/>
+            <a:r>
+              <a:rPr lang="ja-JP" altLang="en-US" dirty="0">
+                <a:solidFill>
+                  <a:srgbClr val="FF0000"/>
+                </a:solidFill>
+                <a:effectLst>
+                  <a:glow rad="63500">
+                    <a:schemeClr val="accent4">
+                      <a:satMod val="175000"/>
+                      <a:alpha val="40000"/>
+                    </a:schemeClr>
+                  </a:glow>
+                  <a:innerShdw blurRad="63500" dist="50800" dir="13500000">
+                    <a:prstClr val="black">
+                      <a:alpha val="50000"/>
+                    </a:prstClr>
+                  </a:innerShdw>
+                </a:effectLst>
+                <a:latin typeface="HGS創英角ﾎﾟｯﾌﾟ体" panose="040B0A00000000000000" pitchFamily="50" charset="-128"/>
+                <a:ea typeface="HGS創英角ﾎﾟｯﾌﾟ体" panose="040B0A00000000000000" pitchFamily="50" charset="-128"/>
+              </a:rPr>
+              <a:t>プロマラソンの新星</a:t>
+            </a:r>
+            <a:endParaRPr lang="en-US" altLang="ja-JP" dirty="0">
+              <a:solidFill>
+                <a:srgbClr val="FF0000"/>
+              </a:solidFill>
+              <a:effectLst>
+                <a:glow rad="63500">
+                  <a:schemeClr val="accent4">
+                    <a:satMod val="175000"/>
+                    <a:alpha val="40000"/>
+                  </a:schemeClr>
+                </a:glow>
+                <a:innerShdw blurRad="63500" dist="50800" dir="13500000">
+                  <a:prstClr val="black">
+                    <a:alpha val="50000"/>
+                  </a:prstClr>
+                </a:innerShdw>
+              </a:effectLst>
+              <a:latin typeface="HGS創英角ﾎﾟｯﾌﾟ体" panose="040B0A00000000000000" pitchFamily="50" charset="-128"/>
+              <a:ea typeface="HGS創英角ﾎﾟｯﾌﾟ体" panose="040B0A00000000000000" pitchFamily="50" charset="-128"/>
+            </a:endParaRPr>
+          </a:p>
+          <a:p>
+            <a:pPr algn="r"/>
+            <a:r>
+              <a:rPr lang="ja-JP" altLang="en-US" dirty="0">
+                <a:solidFill>
+                  <a:srgbClr val="FF0000"/>
+                </a:solidFill>
+                <a:effectLst>
+                  <a:glow rad="63500">
+                    <a:schemeClr val="accent4">
+                      <a:satMod val="175000"/>
+                      <a:alpha val="40000"/>
+                    </a:schemeClr>
+                  </a:glow>
+                  <a:innerShdw blurRad="63500" dist="50800" dir="13500000">
+                    <a:prstClr val="black">
+                      <a:alpha val="50000"/>
+                    </a:prstClr>
+                  </a:innerShdw>
+                </a:effectLst>
+                <a:latin typeface="HGS創英角ﾎﾟｯﾌﾟ体" panose="040B0A00000000000000" pitchFamily="50" charset="-128"/>
+                <a:ea typeface="HGS創英角ﾎﾟｯﾌﾟ体" panose="040B0A00000000000000" pitchFamily="50" charset="-128"/>
+              </a:rPr>
+              <a:t>プロマラソンを極めし者</a:t>
+            </a:r>
+            <a:endParaRPr lang="en-US" altLang="ja-JP" dirty="0">
+              <a:solidFill>
+                <a:srgbClr val="FF0000"/>
+              </a:solidFill>
+              <a:effectLst>
+                <a:glow rad="63500">
+                  <a:schemeClr val="accent4">
+                    <a:satMod val="175000"/>
+                    <a:alpha val="40000"/>
+                  </a:schemeClr>
+                </a:glow>
+                <a:innerShdw blurRad="63500" dist="50800" dir="13500000">
+                  <a:prstClr val="black">
+                    <a:alpha val="50000"/>
+                  </a:prstClr>
+                </a:innerShdw>
+              </a:effectLst>
+              <a:latin typeface="HGS創英角ﾎﾟｯﾌﾟ体" panose="040B0A00000000000000" pitchFamily="50" charset="-128"/>
+              <a:ea typeface="HGS創英角ﾎﾟｯﾌﾟ体" panose="040B0A00000000000000" pitchFamily="50" charset="-128"/>
+            </a:endParaRPr>
+          </a:p>
+          <a:p>
+            <a:pPr algn="r"/>
+            <a:r>
+              <a:rPr lang="ja-JP" altLang="en-US" dirty="0">
+                <a:solidFill>
+                  <a:srgbClr val="FF0000"/>
+                </a:solidFill>
+                <a:effectLst>
+                  <a:glow rad="63500">
+                    <a:schemeClr val="accent4">
+                      <a:satMod val="175000"/>
+                      <a:alpha val="40000"/>
+                    </a:schemeClr>
+                  </a:glow>
+                  <a:innerShdw blurRad="63500" dist="50800" dir="13500000">
+                    <a:prstClr val="black">
+                      <a:alpha val="50000"/>
+                    </a:prstClr>
+                  </a:innerShdw>
+                </a:effectLst>
+                <a:latin typeface="HGS創英角ﾎﾟｯﾌﾟ体" panose="040B0A00000000000000" pitchFamily="50" charset="-128"/>
+                <a:ea typeface="HGS創英角ﾎﾟｯﾌﾟ体" panose="040B0A00000000000000" pitchFamily="50" charset="-128"/>
+              </a:rPr>
+              <a:t>フルマラソン完走！</a:t>
+            </a:r>
+            <a:endParaRPr lang="en-US" altLang="ja-JP" dirty="0">
+              <a:solidFill>
+                <a:srgbClr val="FF0000"/>
+              </a:solidFill>
+              <a:effectLst>
+                <a:glow rad="63500">
+                  <a:schemeClr val="accent4">
+                    <a:satMod val="175000"/>
+                    <a:alpha val="40000"/>
+                  </a:schemeClr>
+                </a:glow>
+                <a:innerShdw blurRad="63500" dist="50800" dir="13500000">
+                  <a:prstClr val="black">
+                    <a:alpha val="50000"/>
+                  </a:prstClr>
+                </a:innerShdw>
+              </a:effectLst>
+              <a:latin typeface="HGS創英角ﾎﾟｯﾌﾟ体" panose="040B0A00000000000000" pitchFamily="50" charset="-128"/>
+              <a:ea typeface="HGS創英角ﾎﾟｯﾌﾟ体" panose="040B0A00000000000000" pitchFamily="50" charset="-128"/>
+            </a:endParaRPr>
+          </a:p>
+          <a:p>
+            <a:pPr algn="r"/>
+            <a:r>
+              <a:rPr lang="ja-JP" altLang="en-US" dirty="0">
+                <a:solidFill>
+                  <a:srgbClr val="FF0000"/>
+                </a:solidFill>
+                <a:effectLst>
+                  <a:glow rad="63500">
+                    <a:schemeClr val="accent4">
+                      <a:satMod val="175000"/>
+                      <a:alpha val="40000"/>
+                    </a:schemeClr>
+                  </a:glow>
+                  <a:innerShdw blurRad="63500" dist="50800" dir="13500000">
+                    <a:prstClr val="black">
+                      <a:alpha val="50000"/>
+                    </a:prstClr>
+                  </a:innerShdw>
+                </a:effectLst>
+                <a:latin typeface="HGS創英角ﾎﾟｯﾌﾟ体" panose="040B0A00000000000000" pitchFamily="50" charset="-128"/>
+                <a:ea typeface="HGS創英角ﾎﾟｯﾌﾟ体" panose="040B0A00000000000000" pitchFamily="50" charset="-128"/>
+              </a:rPr>
+              <a:t>ヒーローの意地</a:t>
+            </a:r>
+            <a:endParaRPr lang="en-US" altLang="ja-JP" dirty="0">
+              <a:solidFill>
+                <a:srgbClr val="FF0000"/>
+              </a:solidFill>
+              <a:effectLst>
+                <a:glow rad="63500">
+                  <a:schemeClr val="accent4">
+                    <a:satMod val="175000"/>
+                    <a:alpha val="40000"/>
+                  </a:schemeClr>
+                </a:glow>
+                <a:innerShdw blurRad="63500" dist="50800" dir="13500000">
+                  <a:prstClr val="black">
+                    <a:alpha val="50000"/>
+                  </a:prstClr>
+                </a:innerShdw>
+              </a:effectLst>
+              <a:latin typeface="HGS創英角ﾎﾟｯﾌﾟ体" panose="040B0A00000000000000" pitchFamily="50" charset="-128"/>
+              <a:ea typeface="HGS創英角ﾎﾟｯﾌﾟ体" panose="040B0A00000000000000" pitchFamily="50" charset="-128"/>
+            </a:endParaRPr>
+          </a:p>
+          <a:p>
+            <a:pPr algn="r"/>
+            <a:r>
+              <a:rPr lang="ja-JP" altLang="en-US" dirty="0">
+                <a:solidFill>
+                  <a:srgbClr val="FF0000"/>
+                </a:solidFill>
+                <a:effectLst>
+                  <a:glow rad="63500">
+                    <a:schemeClr val="accent4">
+                      <a:satMod val="175000"/>
+                      <a:alpha val="40000"/>
+                    </a:schemeClr>
+                  </a:glow>
+                  <a:innerShdw blurRad="63500" dist="50800" dir="13500000">
+                    <a:prstClr val="black">
+                      <a:alpha val="50000"/>
+                    </a:prstClr>
+                  </a:innerShdw>
+                </a:effectLst>
+                <a:latin typeface="HGS創英角ﾎﾟｯﾌﾟ体" panose="040B0A00000000000000" pitchFamily="50" charset="-128"/>
+                <a:ea typeface="HGS創英角ﾎﾟｯﾌﾟ体" panose="040B0A00000000000000" pitchFamily="50" charset="-128"/>
+              </a:rPr>
+              <a:t>孤高のヒーロー</a:t>
+            </a:r>
+            <a:endParaRPr lang="en-US" altLang="ja-JP" dirty="0">
+              <a:solidFill>
+                <a:srgbClr val="FF0000"/>
+              </a:solidFill>
+              <a:effectLst>
+                <a:glow rad="63500">
+                  <a:schemeClr val="accent4">
+                    <a:satMod val="175000"/>
+                    <a:alpha val="40000"/>
+                  </a:schemeClr>
+                </a:glow>
+                <a:innerShdw blurRad="63500" dist="50800" dir="13500000">
+                  <a:prstClr val="black">
+                    <a:alpha val="50000"/>
+                  </a:prstClr>
+                </a:innerShdw>
+              </a:effectLst>
+              <a:latin typeface="HGS創英角ﾎﾟｯﾌﾟ体" panose="040B0A00000000000000" pitchFamily="50" charset="-128"/>
+              <a:ea typeface="HGS創英角ﾎﾟｯﾌﾟ体" panose="040B0A00000000000000" pitchFamily="50" charset="-128"/>
+            </a:endParaRPr>
+          </a:p>
+          <a:p>
+            <a:pPr algn="r"/>
+            <a:r>
+              <a:rPr lang="ja-JP" altLang="en-US" dirty="0">
+                <a:solidFill>
+                  <a:schemeClr val="accent1"/>
+                </a:solidFill>
+                <a:effectLst>
+                  <a:glow rad="63500">
+                    <a:schemeClr val="accent4">
+                      <a:satMod val="175000"/>
+                      <a:alpha val="40000"/>
+                    </a:schemeClr>
+                  </a:glow>
+                  <a:innerShdw blurRad="63500" dist="50800" dir="13500000">
+                    <a:prstClr val="black">
+                      <a:alpha val="50000"/>
+                    </a:prstClr>
+                  </a:innerShdw>
+                </a:effectLst>
+                <a:latin typeface="HGS創英角ﾎﾟｯﾌﾟ体" panose="040B0A00000000000000" pitchFamily="50" charset="-128"/>
+                <a:ea typeface="HGS創英角ﾎﾟｯﾌﾟ体" panose="040B0A00000000000000" pitchFamily="50" charset="-128"/>
+              </a:rPr>
+              <a:t>執拗に集めし者</a:t>
+            </a:r>
+            <a:endParaRPr lang="en-US" altLang="ja-JP" dirty="0">
+              <a:solidFill>
+                <a:schemeClr val="accent1"/>
+              </a:solidFill>
+              <a:effectLst>
+                <a:glow rad="63500">
+                  <a:schemeClr val="accent4">
+                    <a:satMod val="175000"/>
+                    <a:alpha val="40000"/>
+                  </a:schemeClr>
+                </a:glow>
+                <a:innerShdw blurRad="63500" dist="50800" dir="13500000">
+                  <a:prstClr val="black">
+                    <a:alpha val="50000"/>
+                  </a:prstClr>
+                </a:innerShdw>
+              </a:effectLst>
+              <a:latin typeface="HGS創英角ﾎﾟｯﾌﾟ体" panose="040B0A00000000000000" pitchFamily="50" charset="-128"/>
+              <a:ea typeface="HGS創英角ﾎﾟｯﾌﾟ体" panose="040B0A00000000000000" pitchFamily="50" charset="-128"/>
+            </a:endParaRPr>
+          </a:p>
+          <a:p>
+            <a:pPr algn="r"/>
+            <a:endParaRPr lang="en-US" altLang="ja-JP" dirty="0">
+              <a:solidFill>
+                <a:srgbClr val="FF0000"/>
+              </a:solidFill>
+              <a:effectLst>
+                <a:glow rad="63500">
+                  <a:schemeClr val="accent4">
+                    <a:satMod val="175000"/>
+                    <a:alpha val="40000"/>
+                  </a:schemeClr>
+                </a:glow>
+                <a:innerShdw blurRad="63500" dist="50800" dir="13500000">
+                  <a:prstClr val="black">
+                    <a:alpha val="50000"/>
+                  </a:prstClr>
+                </a:innerShdw>
+              </a:effectLst>
+              <a:latin typeface="HGS創英角ﾎﾟｯﾌﾟ体" panose="040B0A00000000000000" pitchFamily="50" charset="-128"/>
+              <a:ea typeface="HGS創英角ﾎﾟｯﾌﾟ体" panose="040B0A00000000000000" pitchFamily="50" charset="-128"/>
+            </a:endParaRPr>
+          </a:p>
+          <a:p>
+            <a:pPr algn="r"/>
+            <a:r>
+              <a:rPr lang="ja-JP" altLang="en-US" dirty="0">
+                <a:solidFill>
+                  <a:schemeClr val="accent1"/>
+                </a:solidFill>
+                <a:effectLst>
+                  <a:glow rad="63500">
+                    <a:schemeClr val="accent4">
+                      <a:satMod val="175000"/>
+                      <a:alpha val="40000"/>
+                    </a:schemeClr>
+                  </a:glow>
+                  <a:innerShdw blurRad="63500" dist="50800" dir="13500000">
+                    <a:prstClr val="black">
+                      <a:alpha val="50000"/>
+                    </a:prstClr>
+                  </a:innerShdw>
+                </a:effectLst>
+                <a:latin typeface="HGS創英角ﾎﾟｯﾌﾟ体" panose="040B0A00000000000000" pitchFamily="50" charset="-128"/>
+                <a:ea typeface="HGS創英角ﾎﾟｯﾌﾟ体" panose="040B0A00000000000000" pitchFamily="50" charset="-128"/>
+              </a:rPr>
+              <a:t>スニーク使い</a:t>
+            </a:r>
+            <a:endParaRPr lang="en-US" altLang="ja-JP" dirty="0">
+              <a:solidFill>
+                <a:schemeClr val="accent1"/>
+              </a:solidFill>
+              <a:effectLst>
+                <a:glow rad="63500">
+                  <a:schemeClr val="accent4">
+                    <a:satMod val="175000"/>
+                    <a:alpha val="40000"/>
+                  </a:schemeClr>
+                </a:glow>
+                <a:innerShdw blurRad="63500" dist="50800" dir="13500000">
+                  <a:prstClr val="black">
+                    <a:alpha val="50000"/>
+                  </a:prstClr>
+                </a:innerShdw>
+              </a:effectLst>
+              <a:latin typeface="HGS創英角ﾎﾟｯﾌﾟ体" panose="040B0A00000000000000" pitchFamily="50" charset="-128"/>
+              <a:ea typeface="HGS創英角ﾎﾟｯﾌﾟ体" panose="040B0A00000000000000" pitchFamily="50" charset="-128"/>
+            </a:endParaRPr>
+          </a:p>
+          <a:p>
+            <a:pPr algn="r"/>
+            <a:r>
+              <a:rPr lang="ja-JP" altLang="en-US" dirty="0">
+                <a:solidFill>
+                  <a:schemeClr val="accent1"/>
+                </a:solidFill>
+                <a:effectLst>
+                  <a:glow rad="63500">
+                    <a:schemeClr val="accent4">
+                      <a:satMod val="175000"/>
+                      <a:alpha val="40000"/>
+                    </a:schemeClr>
+                  </a:glow>
+                  <a:innerShdw blurRad="63500" dist="50800" dir="13500000">
+                    <a:prstClr val="black">
+                      <a:alpha val="50000"/>
+                    </a:prstClr>
+                  </a:innerShdw>
+                </a:effectLst>
+                <a:latin typeface="HGS創英角ﾎﾟｯﾌﾟ体" panose="040B0A00000000000000" pitchFamily="50" charset="-128"/>
+                <a:ea typeface="HGS創英角ﾎﾟｯﾌﾟ体" panose="040B0A00000000000000" pitchFamily="50" charset="-128"/>
+              </a:rPr>
+              <a:t>ジャストインタラクト</a:t>
+            </a:r>
+            <a:endParaRPr lang="en-US" altLang="ja-JP" dirty="0">
+              <a:solidFill>
+                <a:schemeClr val="accent1"/>
+              </a:solidFill>
+              <a:effectLst>
+                <a:glow rad="63500">
+                  <a:schemeClr val="accent4">
+                    <a:satMod val="175000"/>
+                    <a:alpha val="40000"/>
+                  </a:schemeClr>
+                </a:glow>
+                <a:innerShdw blurRad="63500" dist="50800" dir="13500000">
+                  <a:prstClr val="black">
+                    <a:alpha val="50000"/>
+                  </a:prstClr>
+                </a:innerShdw>
+              </a:effectLst>
+              <a:latin typeface="HGS創英角ﾎﾟｯﾌﾟ体" panose="040B0A00000000000000" pitchFamily="50" charset="-128"/>
+              <a:ea typeface="HGS創英角ﾎﾟｯﾌﾟ体" panose="040B0A00000000000000" pitchFamily="50" charset="-128"/>
+            </a:endParaRPr>
+          </a:p>
+          <a:p>
+            <a:pPr algn="r"/>
+            <a:r>
+              <a:rPr kumimoji="1" lang="ja-JP" altLang="en-US" dirty="0">
+                <a:solidFill>
+                  <a:srgbClr val="FF0000"/>
+                </a:solidFill>
+                <a:effectLst>
+                  <a:glow rad="63500">
+                    <a:schemeClr val="accent4">
+                      <a:satMod val="175000"/>
+                      <a:alpha val="40000"/>
+                    </a:schemeClr>
+                  </a:glow>
+                  <a:innerShdw blurRad="63500" dist="50800" dir="13500000">
+                    <a:prstClr val="black">
+                      <a:alpha val="50000"/>
+                    </a:prstClr>
+                  </a:innerShdw>
+                </a:effectLst>
+                <a:latin typeface="HGS創英角ﾎﾟｯﾌﾟ体" panose="040B0A00000000000000" pitchFamily="50" charset="-128"/>
+                <a:ea typeface="HGS創英角ﾎﾟｯﾌﾟ体" panose="040B0A00000000000000" pitchFamily="50" charset="-128"/>
+              </a:rPr>
+              <a:t>ヒーロー</a:t>
+            </a:r>
+            <a:endParaRPr kumimoji="1" lang="en-US" altLang="ja-JP" dirty="0">
+              <a:solidFill>
+                <a:srgbClr val="FF0000"/>
+              </a:solidFill>
+              <a:effectLst>
+                <a:glow rad="63500">
+                  <a:schemeClr val="accent4">
+                    <a:satMod val="175000"/>
+                    <a:alpha val="40000"/>
+                  </a:schemeClr>
+                </a:glow>
+                <a:innerShdw blurRad="63500" dist="50800" dir="13500000">
+                  <a:prstClr val="black">
+                    <a:alpha val="50000"/>
+                  </a:prstClr>
+                </a:innerShdw>
+              </a:effectLst>
+              <a:latin typeface="HGS創英角ﾎﾟｯﾌﾟ体" panose="040B0A00000000000000" pitchFamily="50" charset="-128"/>
+              <a:ea typeface="HGS創英角ﾎﾟｯﾌﾟ体" panose="040B0A00000000000000" pitchFamily="50" charset="-128"/>
+            </a:endParaRPr>
+          </a:p>
+          <a:p>
+            <a:pPr algn="r"/>
+            <a:endParaRPr kumimoji="1" lang="ja-JP" altLang="en-US" dirty="0">
+              <a:solidFill>
+                <a:srgbClr val="FF0000"/>
+              </a:solidFill>
+              <a:effectLst>
+                <a:glow rad="63500">
+                  <a:schemeClr val="accent4">
+                    <a:satMod val="175000"/>
+                    <a:alpha val="40000"/>
+                  </a:schemeClr>
+                </a:glow>
+                <a:innerShdw blurRad="63500" dist="50800" dir="13500000">
+                  <a:prstClr val="black">
+                    <a:alpha val="50000"/>
+                  </a:prstClr>
+                </a:innerShdw>
+              </a:effectLst>
+              <a:latin typeface="HGS創英角ﾎﾟｯﾌﾟ体" panose="040B0A00000000000000" pitchFamily="50" charset="-128"/>
+              <a:ea typeface="HGS創英角ﾎﾟｯﾌﾟ体" panose="040B0A00000000000000" pitchFamily="50" charset="-128"/>
+            </a:endParaRPr>
+          </a:p>
+        </p:txBody>
+      </p:sp>
+      <p:sp>
+        <p:nvSpPr>
+          <p:cNvPr id="5" name="Rectangle 1">
+            <a:extLst>
+              <a:ext uri="{FF2B5EF4-FFF2-40B4-BE49-F238E27FC236}">
+                <a16:creationId xmlns:a16="http://schemas.microsoft.com/office/drawing/2014/main" id="{6A19A97D-2B89-428C-ACC4-3574AA23FD58}"/>
+              </a:ext>
+            </a:extLst>
+          </p:cNvPr>
+          <p:cNvSpPr>
+            <a:spLocks noChangeArrowheads="1"/>
+          </p:cNvSpPr>
+          <p:nvPr/>
+        </p:nvSpPr>
+        <p:spPr bwMode="auto">
+          <a:xfrm>
+            <a:off x="0" y="0"/>
+            <a:ext cx="12192000" cy="457200"/>
+          </a:xfrm>
+          <a:prstGeom prst="rect">
+            <a:avLst/>
+          </a:prstGeom>
+          <a:solidFill>
+            <a:srgbClr val="F8F9FA"/>
+          </a:solidFill>
+          <a:ln>
+            <a:noFill/>
+          </a:ln>
+          <a:effectLst/>
+          <a:extLst>
+            <a:ext uri="{91240B29-F687-4F45-9708-019B960494DF}">
+              <a14:hiddenLine xmlns:a14="http://schemas.microsoft.com/office/drawing/2010/main" w="9525">
+                <a:solidFill>
+                  <a:schemeClr val="tx1"/>
+                </a:solidFill>
+                <a:miter lim="800000"/>
+                <a:headEnd/>
+                <a:tailEnd/>
+              </a14:hiddenLine>
+            </a:ext>
+            <a:ext uri="{AF507438-7753-43E0-B8FC-AC1667EBCBE1}">
+              <a14:hiddenEffects xmlns:a14="http://schemas.microsoft.com/office/drawing/2010/main">
+                <a:effectLst>
+                  <a:outerShdw dist="35921" dir="2700000" algn="ctr" rotWithShape="0">
+                    <a:schemeClr val="bg2"/>
+                  </a:outerShdw>
+                </a:effectLst>
+              </a14:hiddenEffects>
+            </a:ext>
+          </a:extLst>
+        </p:spPr>
+        <p:txBody>
+          <a:bodyPr vert="horz" wrap="none" lIns="0" tIns="-12696" rIns="0" bIns="-12696" numCol="1" anchor="ctr" anchorCtr="0" compatLnSpc="1">
+            <a:prstTxWarp prst="textNoShape">
+              <a:avLst/>
+            </a:prstTxWarp>
+            <a:spAutoFit/>
+          </a:bodyPr>
+          <a:lstStyle/>
+          <a:p>
+            <a:pPr marL="0" marR="0" lvl="0" indent="0" algn="l" defTabSz="914400" rtl="0" eaLnBrk="0" fontAlgn="base" latinLnBrk="0" hangingPunct="0">
+              <a:lnSpc>
+                <a:spcPct val="100000"/>
+              </a:lnSpc>
+              <a:spcBef>
+                <a:spcPct val="0"/>
+              </a:spcBef>
+              <a:spcAft>
+                <a:spcPct val="0"/>
+              </a:spcAft>
+              <a:buClrTx/>
+              <a:buSzTx/>
+              <a:buFontTx/>
+              <a:buNone/>
+              <a:tabLst/>
+            </a:pPr>
+            <a:r>
+              <a:rPr kumimoji="0" lang="ja-JP" altLang="ja-JP" sz="2100" b="0" i="0" u="none" strike="noStrike" cap="none" normalizeH="0" baseline="0">
+                <a:ln>
+                  <a:noFill/>
+                </a:ln>
+                <a:solidFill>
+                  <a:srgbClr val="222222"/>
+                </a:solidFill>
+                <a:effectLst/>
+                <a:latin typeface="Arial Unicode MS"/>
+                <a:ea typeface="inherit"/>
+              </a:rPr>
+              <a:t>Marathon master</a:t>
+            </a:r>
+            <a:r>
+              <a:rPr kumimoji="0" lang="ja-JP" altLang="ja-JP" sz="800" b="0" i="0" u="none" strike="noStrike" cap="none" normalizeH="0" baseline="0">
+                <a:ln>
+                  <a:noFill/>
+                </a:ln>
+                <a:solidFill>
+                  <a:schemeClr val="tx1"/>
+                </a:solidFill>
+                <a:effectLst/>
+              </a:rPr>
+              <a:t> </a:t>
+            </a:r>
+            <a:endParaRPr kumimoji="0" lang="ja-JP" altLang="ja-JP" sz="1800" b="0" i="0" u="none" strike="noStrike" cap="none" normalizeH="0" baseline="0">
+              <a:ln>
+                <a:noFill/>
+              </a:ln>
+              <a:solidFill>
+                <a:schemeClr val="tx1"/>
+              </a:solidFill>
+              <a:effectLst/>
+              <a:latin typeface="Arial" panose="020B0604020202020204" pitchFamily="34" charset="0"/>
+            </a:endParaRPr>
+          </a:p>
+        </p:txBody>
+      </p:sp>
+      <p:sp>
+        <p:nvSpPr>
+          <p:cNvPr id="7" name="テキスト ボックス 6">
+            <a:extLst>
+              <a:ext uri="{FF2B5EF4-FFF2-40B4-BE49-F238E27FC236}">
+                <a16:creationId xmlns:a16="http://schemas.microsoft.com/office/drawing/2014/main" id="{9BEC560F-C239-43E4-98CC-3ABE15986A74}"/>
+              </a:ext>
+            </a:extLst>
+          </p:cNvPr>
+          <p:cNvSpPr txBox="1"/>
+          <p:nvPr/>
+        </p:nvSpPr>
+        <p:spPr>
+          <a:xfrm>
+            <a:off x="5375647" y="664012"/>
+            <a:ext cx="3065326" cy="3939540"/>
+          </a:xfrm>
+          <a:prstGeom prst="rect">
+            <a:avLst/>
+          </a:prstGeom>
+          <a:noFill/>
+        </p:spPr>
+        <p:txBody>
+          <a:bodyPr wrap="none" rtlCol="0">
+            <a:spAutoFit/>
+          </a:bodyPr>
+          <a:lstStyle/>
+          <a:p>
+            <a:pPr algn="r"/>
+            <a:r>
+              <a:rPr kumimoji="1" lang="ja-JP" altLang="en-US" dirty="0">
+                <a:effectLst>
+                  <a:innerShdw blurRad="63500" dist="50800" dir="13500000">
+                    <a:prstClr val="black">
+                      <a:alpha val="50000"/>
+                    </a:prstClr>
+                  </a:innerShdw>
+                </a:effectLst>
+                <a:latin typeface="HGSｺﾞｼｯｸE" panose="020B0900000000000000" pitchFamily="50" charset="-128"/>
+                <a:ea typeface="HGSｺﾞｼｯｸE" panose="020B0900000000000000" pitchFamily="50" charset="-128"/>
+              </a:rPr>
+              <a:t>コインを</a:t>
+            </a:r>
+            <a:r>
+              <a:rPr kumimoji="1" lang="en-US" altLang="ja-JP" dirty="0">
+                <a:effectLst>
+                  <a:innerShdw blurRad="63500" dist="50800" dir="13500000">
+                    <a:prstClr val="black">
+                      <a:alpha val="50000"/>
+                    </a:prstClr>
+                  </a:innerShdw>
+                </a:effectLst>
+                <a:latin typeface="HGSｺﾞｼｯｸE" panose="020B0900000000000000" pitchFamily="50" charset="-128"/>
+                <a:ea typeface="HGSｺﾞｼｯｸE" panose="020B0900000000000000" pitchFamily="50" charset="-128"/>
+              </a:rPr>
+              <a:t>1</a:t>
+            </a:r>
+            <a:r>
+              <a:rPr kumimoji="1" lang="ja-JP" altLang="en-US" dirty="0">
+                <a:effectLst>
+                  <a:innerShdw blurRad="63500" dist="50800" dir="13500000">
+                    <a:prstClr val="black">
+                      <a:alpha val="50000"/>
+                    </a:prstClr>
+                  </a:innerShdw>
+                </a:effectLst>
+                <a:latin typeface="HGSｺﾞｼｯｸE" panose="020B0900000000000000" pitchFamily="50" charset="-128"/>
+                <a:ea typeface="HGSｺﾞｼｯｸE" panose="020B0900000000000000" pitchFamily="50" charset="-128"/>
+              </a:rPr>
+              <a:t>枚収集</a:t>
+            </a:r>
+            <a:endParaRPr kumimoji="1" lang="en-US" altLang="ja-JP" dirty="0">
+              <a:effectLst>
+                <a:innerShdw blurRad="63500" dist="50800" dir="13500000">
+                  <a:prstClr val="black">
+                    <a:alpha val="50000"/>
+                  </a:prstClr>
+                </a:innerShdw>
+              </a:effectLst>
+              <a:latin typeface="HGSｺﾞｼｯｸE" panose="020B0900000000000000" pitchFamily="50" charset="-128"/>
+              <a:ea typeface="HGSｺﾞｼｯｸE" panose="020B0900000000000000" pitchFamily="50" charset="-128"/>
+            </a:endParaRPr>
+          </a:p>
+          <a:p>
+            <a:pPr algn="r"/>
+            <a:r>
+              <a:rPr lang="ja-JP" altLang="en-US" dirty="0">
+                <a:effectLst>
+                  <a:innerShdw blurRad="63500" dist="50800" dir="13500000">
+                    <a:prstClr val="black">
+                      <a:alpha val="50000"/>
+                    </a:prstClr>
+                  </a:innerShdw>
+                </a:effectLst>
+                <a:latin typeface="HGSｺﾞｼｯｸE" panose="020B0900000000000000" pitchFamily="50" charset="-128"/>
+                <a:ea typeface="HGSｺﾞｼｯｸE" panose="020B0900000000000000" pitchFamily="50" charset="-128"/>
+              </a:rPr>
+              <a:t>コインを</a:t>
+            </a:r>
+            <a:r>
+              <a:rPr lang="en-US" altLang="ja-JP" dirty="0">
+                <a:effectLst>
+                  <a:innerShdw blurRad="63500" dist="50800" dir="13500000">
+                    <a:prstClr val="black">
+                      <a:alpha val="50000"/>
+                    </a:prstClr>
+                  </a:innerShdw>
+                </a:effectLst>
+                <a:latin typeface="HGSｺﾞｼｯｸE" panose="020B0900000000000000" pitchFamily="50" charset="-128"/>
+                <a:ea typeface="HGSｺﾞｼｯｸE" panose="020B0900000000000000" pitchFamily="50" charset="-128"/>
+              </a:rPr>
+              <a:t>10</a:t>
+            </a:r>
+            <a:r>
+              <a:rPr lang="ja-JP" altLang="en-US" dirty="0">
+                <a:effectLst>
+                  <a:innerShdw blurRad="63500" dist="50800" dir="13500000">
+                    <a:prstClr val="black">
+                      <a:alpha val="50000"/>
+                    </a:prstClr>
+                  </a:innerShdw>
+                </a:effectLst>
+                <a:latin typeface="HGSｺﾞｼｯｸE" panose="020B0900000000000000" pitchFamily="50" charset="-128"/>
+                <a:ea typeface="HGSｺﾞｼｯｸE" panose="020B0900000000000000" pitchFamily="50" charset="-128"/>
+              </a:rPr>
+              <a:t>枚収集</a:t>
+            </a:r>
+            <a:endParaRPr lang="en-US" altLang="ja-JP" dirty="0">
+              <a:effectLst>
+                <a:innerShdw blurRad="63500" dist="50800" dir="13500000">
+                  <a:prstClr val="black">
+                    <a:alpha val="50000"/>
+                  </a:prstClr>
+                </a:innerShdw>
+              </a:effectLst>
+              <a:latin typeface="HGSｺﾞｼｯｸE" panose="020B0900000000000000" pitchFamily="50" charset="-128"/>
+              <a:ea typeface="HGSｺﾞｼｯｸE" panose="020B0900000000000000" pitchFamily="50" charset="-128"/>
+            </a:endParaRPr>
+          </a:p>
+          <a:p>
+            <a:pPr algn="r"/>
+            <a:r>
+              <a:rPr lang="ja-JP" altLang="en-US" dirty="0">
+                <a:effectLst>
+                  <a:innerShdw blurRad="63500" dist="50800" dir="13500000">
+                    <a:prstClr val="black">
+                      <a:alpha val="50000"/>
+                    </a:prstClr>
+                  </a:innerShdw>
+                </a:effectLst>
+                <a:latin typeface="HGSｺﾞｼｯｸE" panose="020B0900000000000000" pitchFamily="50" charset="-128"/>
+                <a:ea typeface="HGSｺﾞｼｯｸE" panose="020B0900000000000000" pitchFamily="50" charset="-128"/>
+              </a:rPr>
+              <a:t>コインを</a:t>
+            </a:r>
+            <a:r>
+              <a:rPr lang="en-US" altLang="ja-JP" dirty="0">
+                <a:effectLst>
+                  <a:innerShdw blurRad="63500" dist="50800" dir="13500000">
+                    <a:prstClr val="black">
+                      <a:alpha val="50000"/>
+                    </a:prstClr>
+                  </a:innerShdw>
+                </a:effectLst>
+                <a:latin typeface="HGSｺﾞｼｯｸE" panose="020B0900000000000000" pitchFamily="50" charset="-128"/>
+                <a:ea typeface="HGSｺﾞｼｯｸE" panose="020B0900000000000000" pitchFamily="50" charset="-128"/>
+              </a:rPr>
+              <a:t>100</a:t>
+            </a:r>
+            <a:r>
+              <a:rPr lang="ja-JP" altLang="en-US" dirty="0">
+                <a:effectLst>
+                  <a:innerShdw blurRad="63500" dist="50800" dir="13500000">
+                    <a:prstClr val="black">
+                      <a:alpha val="50000"/>
+                    </a:prstClr>
+                  </a:innerShdw>
+                </a:effectLst>
+                <a:latin typeface="HGSｺﾞｼｯｸE" panose="020B0900000000000000" pitchFamily="50" charset="-128"/>
+                <a:ea typeface="HGSｺﾞｼｯｸE" panose="020B0900000000000000" pitchFamily="50" charset="-128"/>
+              </a:rPr>
+              <a:t>枚収集</a:t>
+            </a:r>
+            <a:endParaRPr lang="en-US" altLang="ja-JP" dirty="0">
+              <a:effectLst>
+                <a:innerShdw blurRad="63500" dist="50800" dir="13500000">
+                  <a:prstClr val="black">
+                    <a:alpha val="50000"/>
+                  </a:prstClr>
+                </a:innerShdw>
+              </a:effectLst>
+              <a:latin typeface="HGSｺﾞｼｯｸE" panose="020B0900000000000000" pitchFamily="50" charset="-128"/>
+              <a:ea typeface="HGSｺﾞｼｯｸE" panose="020B0900000000000000" pitchFamily="50" charset="-128"/>
+            </a:endParaRPr>
+          </a:p>
+          <a:p>
+            <a:pPr algn="r"/>
+            <a:r>
+              <a:rPr lang="ja-JP" altLang="en-US" dirty="0">
+                <a:effectLst>
+                  <a:innerShdw blurRad="63500" dist="50800" dir="13500000">
+                    <a:prstClr val="black">
+                      <a:alpha val="50000"/>
+                    </a:prstClr>
+                  </a:innerShdw>
+                </a:effectLst>
+                <a:latin typeface="HGSｺﾞｼｯｸE" panose="020B0900000000000000" pitchFamily="50" charset="-128"/>
+                <a:ea typeface="HGSｺﾞｼｯｸE" panose="020B0900000000000000" pitchFamily="50" charset="-128"/>
+              </a:rPr>
+              <a:t>コインを</a:t>
+            </a:r>
+            <a:r>
+              <a:rPr lang="en-US" altLang="ja-JP" dirty="0">
+                <a:effectLst>
+                  <a:innerShdw blurRad="63500" dist="50800" dir="13500000">
+                    <a:prstClr val="black">
+                      <a:alpha val="50000"/>
+                    </a:prstClr>
+                  </a:innerShdw>
+                </a:effectLst>
+                <a:latin typeface="HGSｺﾞｼｯｸE" panose="020B0900000000000000" pitchFamily="50" charset="-128"/>
+                <a:ea typeface="HGSｺﾞｼｯｸE" panose="020B0900000000000000" pitchFamily="50" charset="-128"/>
+              </a:rPr>
+              <a:t>1000</a:t>
+            </a:r>
+            <a:r>
+              <a:rPr lang="ja-JP" altLang="en-US" dirty="0">
+                <a:effectLst>
+                  <a:innerShdw blurRad="63500" dist="50800" dir="13500000">
+                    <a:prstClr val="black">
+                      <a:alpha val="50000"/>
+                    </a:prstClr>
+                  </a:innerShdw>
+                </a:effectLst>
+                <a:latin typeface="HGSｺﾞｼｯｸE" panose="020B0900000000000000" pitchFamily="50" charset="-128"/>
+                <a:ea typeface="HGSｺﾞｼｯｸE" panose="020B0900000000000000" pitchFamily="50" charset="-128"/>
+              </a:rPr>
+              <a:t>枚収集</a:t>
+            </a:r>
+            <a:endParaRPr lang="en-US" altLang="ja-JP" dirty="0">
+              <a:effectLst>
+                <a:innerShdw blurRad="63500" dist="50800" dir="13500000">
+                  <a:prstClr val="black">
+                    <a:alpha val="50000"/>
+                  </a:prstClr>
+                </a:innerShdw>
+              </a:effectLst>
+              <a:latin typeface="HGSｺﾞｼｯｸE" panose="020B0900000000000000" pitchFamily="50" charset="-128"/>
+              <a:ea typeface="HGSｺﾞｼｯｸE" panose="020B0900000000000000" pitchFamily="50" charset="-128"/>
+            </a:endParaRPr>
+          </a:p>
+          <a:p>
+            <a:pPr algn="r"/>
+            <a:r>
+              <a:rPr lang="en-US" altLang="ja-JP" dirty="0">
+                <a:effectLst>
+                  <a:innerShdw blurRad="63500" dist="50800" dir="13500000">
+                    <a:prstClr val="black">
+                      <a:alpha val="50000"/>
+                    </a:prstClr>
+                  </a:innerShdw>
+                </a:effectLst>
+                <a:latin typeface="HGSｺﾞｼｯｸE" panose="020B0900000000000000" pitchFamily="50" charset="-128"/>
+                <a:ea typeface="HGSｺﾞｼｯｸE" panose="020B0900000000000000" pitchFamily="50" charset="-128"/>
+              </a:rPr>
+              <a:t>1m</a:t>
+            </a:r>
+            <a:r>
+              <a:rPr lang="ja-JP" altLang="en-US" dirty="0">
+                <a:effectLst>
+                  <a:innerShdw blurRad="63500" dist="50800" dir="13500000">
+                    <a:prstClr val="black">
+                      <a:alpha val="50000"/>
+                    </a:prstClr>
+                  </a:innerShdw>
+                </a:effectLst>
+                <a:latin typeface="HGSｺﾞｼｯｸE" panose="020B0900000000000000" pitchFamily="50" charset="-128"/>
+                <a:ea typeface="HGSｺﾞｼｯｸE" panose="020B0900000000000000" pitchFamily="50" charset="-128"/>
+              </a:rPr>
+              <a:t>走る</a:t>
+            </a:r>
+            <a:endParaRPr lang="en-US" altLang="ja-JP" dirty="0">
+              <a:effectLst>
+                <a:innerShdw blurRad="63500" dist="50800" dir="13500000">
+                  <a:prstClr val="black">
+                    <a:alpha val="50000"/>
+                  </a:prstClr>
+                </a:innerShdw>
+              </a:effectLst>
+              <a:latin typeface="HGSｺﾞｼｯｸE" panose="020B0900000000000000" pitchFamily="50" charset="-128"/>
+              <a:ea typeface="HGSｺﾞｼｯｸE" panose="020B0900000000000000" pitchFamily="50" charset="-128"/>
+            </a:endParaRPr>
+          </a:p>
+          <a:p>
+            <a:pPr algn="r"/>
+            <a:r>
+              <a:rPr lang="en-US" altLang="ja-JP" dirty="0">
+                <a:effectLst>
+                  <a:innerShdw blurRad="63500" dist="50800" dir="13500000">
+                    <a:prstClr val="black">
+                      <a:alpha val="50000"/>
+                    </a:prstClr>
+                  </a:innerShdw>
+                </a:effectLst>
+                <a:latin typeface="HGSｺﾞｼｯｸE" panose="020B0900000000000000" pitchFamily="50" charset="-128"/>
+                <a:ea typeface="HGSｺﾞｼｯｸE" panose="020B0900000000000000" pitchFamily="50" charset="-128"/>
+              </a:rPr>
+              <a:t>10m</a:t>
+            </a:r>
+            <a:r>
+              <a:rPr lang="ja-JP" altLang="en-US" dirty="0">
+                <a:effectLst>
+                  <a:innerShdw blurRad="63500" dist="50800" dir="13500000">
+                    <a:prstClr val="black">
+                      <a:alpha val="50000"/>
+                    </a:prstClr>
+                  </a:innerShdw>
+                </a:effectLst>
+                <a:latin typeface="HGSｺﾞｼｯｸE" panose="020B0900000000000000" pitchFamily="50" charset="-128"/>
+                <a:ea typeface="HGSｺﾞｼｯｸE" panose="020B0900000000000000" pitchFamily="50" charset="-128"/>
+              </a:rPr>
+              <a:t>走る</a:t>
+            </a:r>
+            <a:endParaRPr lang="en-US" altLang="ja-JP" dirty="0">
+              <a:effectLst>
+                <a:innerShdw blurRad="63500" dist="50800" dir="13500000">
+                  <a:prstClr val="black">
+                    <a:alpha val="50000"/>
+                  </a:prstClr>
+                </a:innerShdw>
+              </a:effectLst>
+              <a:latin typeface="HGSｺﾞｼｯｸE" panose="020B0900000000000000" pitchFamily="50" charset="-128"/>
+              <a:ea typeface="HGSｺﾞｼｯｸE" panose="020B0900000000000000" pitchFamily="50" charset="-128"/>
+            </a:endParaRPr>
+          </a:p>
+          <a:p>
+            <a:pPr algn="r"/>
+            <a:r>
+              <a:rPr lang="en-US" altLang="ja-JP" dirty="0">
+                <a:effectLst>
+                  <a:innerShdw blurRad="63500" dist="50800" dir="13500000">
+                    <a:prstClr val="black">
+                      <a:alpha val="50000"/>
+                    </a:prstClr>
+                  </a:innerShdw>
+                </a:effectLst>
+                <a:latin typeface="HGSｺﾞｼｯｸE" panose="020B0900000000000000" pitchFamily="50" charset="-128"/>
+                <a:ea typeface="HGSｺﾞｼｯｸE" panose="020B0900000000000000" pitchFamily="50" charset="-128"/>
+              </a:rPr>
+              <a:t>100m</a:t>
+            </a:r>
+            <a:r>
+              <a:rPr lang="ja-JP" altLang="en-US" dirty="0">
+                <a:effectLst>
+                  <a:innerShdw blurRad="63500" dist="50800" dir="13500000">
+                    <a:prstClr val="black">
+                      <a:alpha val="50000"/>
+                    </a:prstClr>
+                  </a:innerShdw>
+                </a:effectLst>
+                <a:latin typeface="HGSｺﾞｼｯｸE" panose="020B0900000000000000" pitchFamily="50" charset="-128"/>
+                <a:ea typeface="HGSｺﾞｼｯｸE" panose="020B0900000000000000" pitchFamily="50" charset="-128"/>
+              </a:rPr>
+              <a:t>走る</a:t>
+            </a:r>
+            <a:endParaRPr lang="en-US" altLang="ja-JP" dirty="0">
+              <a:effectLst>
+                <a:innerShdw blurRad="63500" dist="50800" dir="13500000">
+                  <a:prstClr val="black">
+                    <a:alpha val="50000"/>
+                  </a:prstClr>
+                </a:innerShdw>
+              </a:effectLst>
+              <a:latin typeface="HGSｺﾞｼｯｸE" panose="020B0900000000000000" pitchFamily="50" charset="-128"/>
+              <a:ea typeface="HGSｺﾞｼｯｸE" panose="020B0900000000000000" pitchFamily="50" charset="-128"/>
+            </a:endParaRPr>
+          </a:p>
+          <a:p>
+            <a:pPr algn="r"/>
+            <a:r>
+              <a:rPr lang="en-US" altLang="ja-JP" dirty="0">
+                <a:effectLst>
+                  <a:innerShdw blurRad="63500" dist="50800" dir="13500000">
+                    <a:prstClr val="black">
+                      <a:alpha val="50000"/>
+                    </a:prstClr>
+                  </a:innerShdw>
+                </a:effectLst>
+                <a:latin typeface="HGSｺﾞｼｯｸE" panose="020B0900000000000000" pitchFamily="50" charset="-128"/>
+                <a:ea typeface="HGSｺﾞｼｯｸE" panose="020B0900000000000000" pitchFamily="50" charset="-128"/>
+              </a:rPr>
+              <a:t>1000m</a:t>
+            </a:r>
+            <a:r>
+              <a:rPr lang="ja-JP" altLang="en-US" dirty="0">
+                <a:effectLst>
+                  <a:innerShdw blurRad="63500" dist="50800" dir="13500000">
+                    <a:prstClr val="black">
+                      <a:alpha val="50000"/>
+                    </a:prstClr>
+                  </a:innerShdw>
+                </a:effectLst>
+                <a:latin typeface="HGSｺﾞｼｯｸE" panose="020B0900000000000000" pitchFamily="50" charset="-128"/>
+                <a:ea typeface="HGSｺﾞｼｯｸE" panose="020B0900000000000000" pitchFamily="50" charset="-128"/>
+              </a:rPr>
+              <a:t>走る</a:t>
+            </a:r>
+            <a:endParaRPr lang="en-US" altLang="ja-JP" dirty="0">
+              <a:effectLst>
+                <a:innerShdw blurRad="63500" dist="50800" dir="13500000">
+                  <a:prstClr val="black">
+                    <a:alpha val="50000"/>
+                  </a:prstClr>
+                </a:innerShdw>
+              </a:effectLst>
+              <a:latin typeface="HGSｺﾞｼｯｸE" panose="020B0900000000000000" pitchFamily="50" charset="-128"/>
+              <a:ea typeface="HGSｺﾞｼｯｸE" panose="020B0900000000000000" pitchFamily="50" charset="-128"/>
+            </a:endParaRPr>
+          </a:p>
+          <a:p>
+            <a:pPr algn="r"/>
+            <a:r>
+              <a:rPr lang="en-US" altLang="ja-JP" dirty="0">
+                <a:effectLst>
+                  <a:innerShdw blurRad="63500" dist="50800" dir="13500000">
+                    <a:prstClr val="black">
+                      <a:alpha val="50000"/>
+                    </a:prstClr>
+                  </a:innerShdw>
+                </a:effectLst>
+                <a:latin typeface="HGSｺﾞｼｯｸE" panose="020B0900000000000000" pitchFamily="50" charset="-128"/>
+                <a:ea typeface="HGSｺﾞｼｯｸE" panose="020B0900000000000000" pitchFamily="50" charset="-128"/>
+              </a:rPr>
+              <a:t>10000m</a:t>
+            </a:r>
+            <a:r>
+              <a:rPr lang="ja-JP" altLang="en-US" dirty="0">
+                <a:effectLst>
+                  <a:innerShdw blurRad="63500" dist="50800" dir="13500000">
+                    <a:prstClr val="black">
+                      <a:alpha val="50000"/>
+                    </a:prstClr>
+                  </a:innerShdw>
+                </a:effectLst>
+                <a:latin typeface="HGSｺﾞｼｯｸE" panose="020B0900000000000000" pitchFamily="50" charset="-128"/>
+                <a:ea typeface="HGSｺﾞｼｯｸE" panose="020B0900000000000000" pitchFamily="50" charset="-128"/>
+              </a:rPr>
+              <a:t>走る</a:t>
+            </a:r>
+            <a:endParaRPr lang="en-US" altLang="ja-JP" dirty="0">
+              <a:effectLst>
+                <a:innerShdw blurRad="63500" dist="50800" dir="13500000">
+                  <a:prstClr val="black">
+                    <a:alpha val="50000"/>
+                  </a:prstClr>
+                </a:innerShdw>
+              </a:effectLst>
+              <a:latin typeface="HGSｺﾞｼｯｸE" panose="020B0900000000000000" pitchFamily="50" charset="-128"/>
+              <a:ea typeface="HGSｺﾞｼｯｸE" panose="020B0900000000000000" pitchFamily="50" charset="-128"/>
+            </a:endParaRPr>
+          </a:p>
+          <a:p>
+            <a:pPr algn="r"/>
+            <a:r>
+              <a:rPr lang="en-US" altLang="ja-JP" dirty="0">
+                <a:effectLst>
+                  <a:innerShdw blurRad="63500" dist="50800" dir="13500000">
+                    <a:prstClr val="black">
+                      <a:alpha val="50000"/>
+                    </a:prstClr>
+                  </a:innerShdw>
+                </a:effectLst>
+                <a:latin typeface="HGSｺﾞｼｯｸE" panose="020B0900000000000000" pitchFamily="50" charset="-128"/>
+                <a:ea typeface="HGSｺﾞｼｯｸE" panose="020B0900000000000000" pitchFamily="50" charset="-128"/>
+              </a:rPr>
+              <a:t>42.195km</a:t>
+            </a:r>
+            <a:r>
+              <a:rPr lang="ja-JP" altLang="en-US" dirty="0">
+                <a:effectLst>
+                  <a:innerShdw blurRad="63500" dist="50800" dir="13500000">
+                    <a:prstClr val="black">
+                      <a:alpha val="50000"/>
+                    </a:prstClr>
+                  </a:innerShdw>
+                </a:effectLst>
+                <a:latin typeface="HGSｺﾞｼｯｸE" panose="020B0900000000000000" pitchFamily="50" charset="-128"/>
+                <a:ea typeface="HGSｺﾞｼｯｸE" panose="020B0900000000000000" pitchFamily="50" charset="-128"/>
+              </a:rPr>
+              <a:t>走る</a:t>
+            </a:r>
+            <a:endParaRPr lang="en-US" altLang="ja-JP" dirty="0">
+              <a:effectLst>
+                <a:innerShdw blurRad="63500" dist="50800" dir="13500000">
+                  <a:prstClr val="black">
+                    <a:alpha val="50000"/>
+                  </a:prstClr>
+                </a:innerShdw>
+              </a:effectLst>
+              <a:latin typeface="HGSｺﾞｼｯｸE" panose="020B0900000000000000" pitchFamily="50" charset="-128"/>
+              <a:ea typeface="HGSｺﾞｼｯｸE" panose="020B0900000000000000" pitchFamily="50" charset="-128"/>
+            </a:endParaRPr>
+          </a:p>
+          <a:p>
+            <a:pPr algn="r"/>
+            <a:r>
+              <a:rPr lang="ja-JP" altLang="en-US" dirty="0">
+                <a:effectLst>
+                  <a:innerShdw blurRad="63500" dist="50800" dir="13500000">
+                    <a:prstClr val="black">
+                      <a:alpha val="50000"/>
+                    </a:prstClr>
+                  </a:innerShdw>
+                </a:effectLst>
+                <a:latin typeface="HGSｺﾞｼｯｸE" panose="020B0900000000000000" pitchFamily="50" charset="-128"/>
+                <a:ea typeface="HGSｺﾞｼｯｸE" panose="020B0900000000000000" pitchFamily="50" charset="-128"/>
+              </a:rPr>
+              <a:t>コイン</a:t>
+            </a:r>
+            <a:r>
+              <a:rPr lang="en-US" altLang="ja-JP" dirty="0">
+                <a:effectLst>
+                  <a:innerShdw blurRad="63500" dist="50800" dir="13500000">
+                    <a:prstClr val="black">
+                      <a:alpha val="50000"/>
+                    </a:prstClr>
+                  </a:innerShdw>
+                </a:effectLst>
+                <a:latin typeface="HGSｺﾞｼｯｸE" panose="020B0900000000000000" pitchFamily="50" charset="-128"/>
+                <a:ea typeface="HGSｺﾞｼｯｸE" panose="020B0900000000000000" pitchFamily="50" charset="-128"/>
+              </a:rPr>
+              <a:t>100</a:t>
+            </a:r>
+            <a:r>
+              <a:rPr lang="ja-JP" altLang="en-US" dirty="0">
+                <a:effectLst>
+                  <a:innerShdw blurRad="63500" dist="50800" dir="13500000">
+                    <a:prstClr val="black">
+                      <a:alpha val="50000"/>
+                    </a:prstClr>
+                  </a:innerShdw>
+                </a:effectLst>
+                <a:latin typeface="HGSｺﾞｼｯｸE" panose="020B0900000000000000" pitchFamily="50" charset="-128"/>
+                <a:ea typeface="HGSｺﾞｼｯｸE" panose="020B0900000000000000" pitchFamily="50" charset="-128"/>
+              </a:rPr>
+              <a:t>枚</a:t>
+            </a:r>
+            <a:r>
+              <a:rPr lang="en-US" altLang="ja-JP" dirty="0">
+                <a:effectLst>
+                  <a:innerShdw blurRad="63500" dist="50800" dir="13500000">
+                    <a:prstClr val="black">
+                      <a:alpha val="50000"/>
+                    </a:prstClr>
+                  </a:innerShdw>
+                </a:effectLst>
+                <a:latin typeface="HGSｺﾞｼｯｸE" panose="020B0900000000000000" pitchFamily="50" charset="-128"/>
+                <a:ea typeface="HGSｺﾞｼｯｸE" panose="020B0900000000000000" pitchFamily="50" charset="-128"/>
+              </a:rPr>
+              <a:t>&amp;1000m</a:t>
+            </a:r>
+            <a:r>
+              <a:rPr lang="ja-JP" altLang="en-US" dirty="0">
+                <a:effectLst>
+                  <a:innerShdw blurRad="63500" dist="50800" dir="13500000">
+                    <a:prstClr val="black">
+                      <a:alpha val="50000"/>
+                    </a:prstClr>
+                  </a:innerShdw>
+                </a:effectLst>
+                <a:latin typeface="HGSｺﾞｼｯｸE" panose="020B0900000000000000" pitchFamily="50" charset="-128"/>
+                <a:ea typeface="HGSｺﾞｼｯｸE" panose="020B0900000000000000" pitchFamily="50" charset="-128"/>
+              </a:rPr>
+              <a:t>走る</a:t>
+            </a:r>
+            <a:endParaRPr lang="en-US" altLang="ja-JP" dirty="0">
+              <a:effectLst>
+                <a:innerShdw blurRad="63500" dist="50800" dir="13500000">
+                  <a:prstClr val="black">
+                    <a:alpha val="50000"/>
+                  </a:prstClr>
+                </a:innerShdw>
+              </a:effectLst>
+              <a:latin typeface="HGSｺﾞｼｯｸE" panose="020B0900000000000000" pitchFamily="50" charset="-128"/>
+              <a:ea typeface="HGSｺﾞｼｯｸE" panose="020B0900000000000000" pitchFamily="50" charset="-128"/>
+            </a:endParaRPr>
+          </a:p>
+          <a:p>
+            <a:pPr algn="r"/>
+            <a:r>
+              <a:rPr lang="ja-JP" altLang="en-US" dirty="0">
+                <a:effectLst>
+                  <a:innerShdw blurRad="63500" dist="50800" dir="13500000">
+                    <a:prstClr val="black">
+                      <a:alpha val="50000"/>
+                    </a:prstClr>
+                  </a:innerShdw>
+                </a:effectLst>
+                <a:latin typeface="HGSｺﾞｼｯｸE" panose="020B0900000000000000" pitchFamily="50" charset="-128"/>
+                <a:ea typeface="HGSｺﾞｼｯｸE" panose="020B0900000000000000" pitchFamily="50" charset="-128"/>
+              </a:rPr>
+              <a:t>コイン</a:t>
+            </a:r>
+            <a:r>
+              <a:rPr lang="en-US" altLang="ja-JP" dirty="0">
+                <a:effectLst>
+                  <a:innerShdw blurRad="63500" dist="50800" dir="13500000">
+                    <a:prstClr val="black">
+                      <a:alpha val="50000"/>
+                    </a:prstClr>
+                  </a:innerShdw>
+                </a:effectLst>
+                <a:latin typeface="HGSｺﾞｼｯｸE" panose="020B0900000000000000" pitchFamily="50" charset="-128"/>
+                <a:ea typeface="HGSｺﾞｼｯｸE" panose="020B0900000000000000" pitchFamily="50" charset="-128"/>
+              </a:rPr>
+              <a:t>1000</a:t>
+            </a:r>
+            <a:r>
+              <a:rPr lang="ja-JP" altLang="en-US" dirty="0">
+                <a:effectLst>
+                  <a:innerShdw blurRad="63500" dist="50800" dir="13500000">
+                    <a:prstClr val="black">
+                      <a:alpha val="50000"/>
+                    </a:prstClr>
+                  </a:innerShdw>
+                </a:effectLst>
+                <a:latin typeface="HGSｺﾞｼｯｸE" panose="020B0900000000000000" pitchFamily="50" charset="-128"/>
+                <a:ea typeface="HGSｺﾞｼｯｸE" panose="020B0900000000000000" pitchFamily="50" charset="-128"/>
+              </a:rPr>
+              <a:t>枚</a:t>
+            </a:r>
+            <a:r>
+              <a:rPr lang="en-US" altLang="ja-JP" dirty="0">
+                <a:effectLst>
+                  <a:innerShdw blurRad="63500" dist="50800" dir="13500000">
+                    <a:prstClr val="black">
+                      <a:alpha val="50000"/>
+                    </a:prstClr>
+                  </a:innerShdw>
+                </a:effectLst>
+                <a:latin typeface="HGSｺﾞｼｯｸE" panose="020B0900000000000000" pitchFamily="50" charset="-128"/>
+                <a:ea typeface="HGSｺﾞｼｯｸE" panose="020B0900000000000000" pitchFamily="50" charset="-128"/>
+              </a:rPr>
+              <a:t>&amp;1km</a:t>
+            </a:r>
+            <a:r>
+              <a:rPr lang="ja-JP" altLang="en-US" dirty="0">
+                <a:effectLst>
+                  <a:innerShdw blurRad="63500" dist="50800" dir="13500000">
+                    <a:prstClr val="black">
+                      <a:alpha val="50000"/>
+                    </a:prstClr>
+                  </a:innerShdw>
+                </a:effectLst>
+                <a:latin typeface="HGSｺﾞｼｯｸE" panose="020B0900000000000000" pitchFamily="50" charset="-128"/>
+                <a:ea typeface="HGSｺﾞｼｯｸE" panose="020B0900000000000000" pitchFamily="50" charset="-128"/>
+              </a:rPr>
+              <a:t>走る</a:t>
+            </a:r>
+            <a:endParaRPr lang="en-US" altLang="ja-JP" dirty="0">
+              <a:effectLst>
+                <a:innerShdw blurRad="63500" dist="50800" dir="13500000">
+                  <a:prstClr val="black">
+                    <a:alpha val="50000"/>
+                  </a:prstClr>
+                </a:innerShdw>
+              </a:effectLst>
+              <a:latin typeface="HGSｺﾞｼｯｸE" panose="020B0900000000000000" pitchFamily="50" charset="-128"/>
+              <a:ea typeface="HGSｺﾞｼｯｸE" panose="020B0900000000000000" pitchFamily="50" charset="-128"/>
+            </a:endParaRPr>
+          </a:p>
+          <a:p>
+            <a:pPr algn="r"/>
+            <a:r>
+              <a:rPr lang="en-US" altLang="ja-JP" dirty="0">
+                <a:effectLst>
+                  <a:innerShdw blurRad="63500" dist="50800" dir="13500000">
+                    <a:prstClr val="black">
+                      <a:alpha val="50000"/>
+                    </a:prstClr>
+                  </a:innerShdw>
+                </a:effectLst>
+                <a:latin typeface="HGSｺﾞｼｯｸE" panose="020B0900000000000000" pitchFamily="50" charset="-128"/>
+                <a:ea typeface="HGSｺﾞｼｯｸE" panose="020B0900000000000000" pitchFamily="50" charset="-128"/>
+              </a:rPr>
+              <a:t>20</a:t>
+            </a:r>
+            <a:r>
+              <a:rPr lang="ja-JP" altLang="en-US" dirty="0">
+                <a:effectLst>
+                  <a:innerShdw blurRad="63500" dist="50800" dir="13500000">
+                    <a:prstClr val="black">
+                      <a:alpha val="50000"/>
+                    </a:prstClr>
+                  </a:innerShdw>
+                </a:effectLst>
+                <a:latin typeface="HGSｺﾞｼｯｸE" panose="020B0900000000000000" pitchFamily="50" charset="-128"/>
+                <a:ea typeface="HGSｺﾞｼｯｸE" panose="020B0900000000000000" pitchFamily="50" charset="-128"/>
+              </a:rPr>
+              <a:t>枚のコインを</a:t>
+            </a:r>
+            <a:r>
+              <a:rPr lang="en-US" altLang="ja-JP" dirty="0">
+                <a:effectLst>
+                  <a:innerShdw blurRad="63500" dist="50800" dir="13500000">
+                    <a:prstClr val="black">
+                      <a:alpha val="50000"/>
+                    </a:prstClr>
+                  </a:innerShdw>
+                </a:effectLst>
+                <a:latin typeface="HGSｺﾞｼｯｸE" panose="020B0900000000000000" pitchFamily="50" charset="-128"/>
+                <a:ea typeface="HGSｺﾞｼｯｸE" panose="020B0900000000000000" pitchFamily="50" charset="-128"/>
+              </a:rPr>
+              <a:t>100m</a:t>
+            </a:r>
+            <a:r>
+              <a:rPr lang="ja-JP" altLang="en-US" dirty="0">
+                <a:effectLst>
+                  <a:innerShdw blurRad="63500" dist="50800" dir="13500000">
+                    <a:prstClr val="black">
+                      <a:alpha val="50000"/>
+                    </a:prstClr>
+                  </a:innerShdw>
+                </a:effectLst>
+                <a:latin typeface="HGSｺﾞｼｯｸE" panose="020B0900000000000000" pitchFamily="50" charset="-128"/>
+                <a:ea typeface="HGSｺﾞｼｯｸE" panose="020B0900000000000000" pitchFamily="50" charset="-128"/>
+              </a:rPr>
+              <a:t>毎収集</a:t>
+            </a:r>
+            <a:endParaRPr lang="en-US" altLang="ja-JP" dirty="0">
+              <a:effectLst>
+                <a:innerShdw blurRad="63500" dist="50800" dir="13500000">
+                  <a:prstClr val="black">
+                    <a:alpha val="50000"/>
+                  </a:prstClr>
+                </a:innerShdw>
+              </a:effectLst>
+              <a:latin typeface="HGSｺﾞｼｯｸE" panose="020B0900000000000000" pitchFamily="50" charset="-128"/>
+              <a:ea typeface="HGSｺﾞｼｯｸE" panose="020B0900000000000000" pitchFamily="50" charset="-128"/>
+            </a:endParaRPr>
+          </a:p>
+          <a:p>
+            <a:pPr algn="r"/>
+            <a:endParaRPr lang="en-US" altLang="ja-JP" sz="1600" dirty="0">
+              <a:effectLst>
+                <a:innerShdw blurRad="63500" dist="50800" dir="13500000">
+                  <a:prstClr val="black">
+                    <a:alpha val="50000"/>
+                  </a:prstClr>
+                </a:innerShdw>
+              </a:effectLst>
+              <a:latin typeface="HGSｺﾞｼｯｸE" panose="020B0900000000000000" pitchFamily="50" charset="-128"/>
+              <a:ea typeface="HGSｺﾞｼｯｸE" panose="020B0900000000000000" pitchFamily="50" charset="-128"/>
+            </a:endParaRPr>
+          </a:p>
+        </p:txBody>
+      </p:sp>
+    </p:spTree>
+    <p:extLst>
+      <p:ext uri="{BB962C8B-B14F-4D97-AF65-F5344CB8AC3E}">
+        <p14:creationId xmlns:p14="http://schemas.microsoft.com/office/powerpoint/2010/main" val="3130902083"/>
+      </p:ext>
+    </p:extLst>
+  </p:cSld>
+  <p:clrMapOvr>
+    <a:masterClrMapping/>
+  </p:clrMapOvr>
+</p:sld>
+</file>
+
+<file path=ppt/slides/slide6.xml><?xml version="1.0" encoding="utf-8"?>
+<p:sld xmlns:a="http://schemas.openxmlformats.org/drawingml/2006/main" xmlns:r="http://schemas.openxmlformats.org/officeDocument/2006/relationships" xmlns:p="http://schemas.openxmlformats.org/presentationml/2006/main">
+  <p:cSld>
+    <p:spTree>
+      <p:nvGrpSpPr>
+        <p:cNvPr id="1" name=""/>
+        <p:cNvGrpSpPr/>
+        <p:nvPr/>
+      </p:nvGrpSpPr>
+      <p:grpSpPr>
+        <a:xfrm>
+          <a:off x="0" y="0"/>
+          <a:ext cx="0" cy="0"/>
+          <a:chOff x="0" y="0"/>
+          <a:chExt cx="0" cy="0"/>
+        </a:xfrm>
+      </p:grpSpPr>
+      <p:sp>
+        <p:nvSpPr>
+          <p:cNvPr id="6" name="正方形/長方形 5">
+            <a:extLst>
+              <a:ext uri="{FF2B5EF4-FFF2-40B4-BE49-F238E27FC236}">
+                <a16:creationId xmlns:a16="http://schemas.microsoft.com/office/drawing/2014/main" id="{EDB950A4-83FC-4C7A-9DA0-5524D3E2A940}"/>
+              </a:ext>
+            </a:extLst>
+          </p:cNvPr>
+          <p:cNvSpPr/>
+          <p:nvPr/>
+        </p:nvSpPr>
+        <p:spPr>
+          <a:xfrm>
+            <a:off x="376196" y="1517226"/>
+            <a:ext cx="10408368" cy="3888000"/>
+          </a:xfrm>
+          <a:prstGeom prst="rect">
+            <a:avLst/>
+          </a:prstGeom>
+          <a:noFill/>
+          <a:ln w="3175">
+            <a:solidFill>
+              <a:schemeClr val="tx1"/>
+            </a:solidFill>
+          </a:ln>
+        </p:spPr>
+        <p:style>
+          <a:lnRef idx="2">
+            <a:schemeClr val="accent1">
+              <a:shade val="50000"/>
+            </a:schemeClr>
+          </a:lnRef>
+          <a:fillRef idx="1">
+            <a:schemeClr val="accent1"/>
+          </a:fillRef>
+          <a:effectRef idx="0">
+            <a:schemeClr val="accent1"/>
+          </a:effectRef>
+          <a:fontRef idx="minor">
+            <a:schemeClr val="lt1"/>
+          </a:fontRef>
+        </p:style>
+        <p:txBody>
+          <a:bodyPr rtlCol="0" anchor="ctr"/>
+          <a:lstStyle/>
+          <a:p>
+            <a:pPr algn="ctr"/>
+            <a:endParaRPr kumimoji="1" lang="ja-JP" altLang="en-US"/>
+          </a:p>
+        </p:txBody>
+      </p:sp>
+      <p:graphicFrame>
+        <p:nvGraphicFramePr>
+          <p:cNvPr id="5" name="表 8">
+            <a:extLst>
+              <a:ext uri="{FF2B5EF4-FFF2-40B4-BE49-F238E27FC236}">
+                <a16:creationId xmlns:a16="http://schemas.microsoft.com/office/drawing/2014/main" id="{5D49B3A3-6892-4A3E-9BE6-AF3483D2D0E8}"/>
+              </a:ext>
+            </a:extLst>
+          </p:cNvPr>
+          <p:cNvGraphicFramePr>
+            <a:graphicFrameLocks noGrp="1"/>
+          </p:cNvGraphicFramePr>
+          <p:nvPr>
+            <p:extLst>
+              <p:ext uri="{D42A27DB-BD31-4B8C-83A1-F6EECF244321}">
+                <p14:modId xmlns:p14="http://schemas.microsoft.com/office/powerpoint/2010/main" val="775735075"/>
+              </p:ext>
+            </p:extLst>
+          </p:nvPr>
+        </p:nvGraphicFramePr>
+        <p:xfrm>
+          <a:off x="376196" y="1517226"/>
+          <a:ext cx="10408368" cy="3888000"/>
+        </p:xfrm>
+        <a:graphic>
+          <a:graphicData uri="http://schemas.openxmlformats.org/drawingml/2006/table">
+            <a:tbl>
+              <a:tblPr firstRow="1" bandRow="1">
+                <a:tableStyleId>{5C22544A-7EE6-4342-B048-85BDC9FD1C3A}</a:tableStyleId>
+              </a:tblPr>
+              <a:tblGrid>
+                <a:gridCol w="2602092">
+                  <a:extLst>
+                    <a:ext uri="{9D8B030D-6E8A-4147-A177-3AD203B41FA5}">
+                      <a16:colId xmlns:a16="http://schemas.microsoft.com/office/drawing/2014/main" val="634196164"/>
+                    </a:ext>
+                  </a:extLst>
+                </a:gridCol>
+                <a:gridCol w="2602092">
+                  <a:extLst>
+                    <a:ext uri="{9D8B030D-6E8A-4147-A177-3AD203B41FA5}">
+                      <a16:colId xmlns:a16="http://schemas.microsoft.com/office/drawing/2014/main" val="2246313978"/>
+                    </a:ext>
+                  </a:extLst>
+                </a:gridCol>
+                <a:gridCol w="2602092">
+                  <a:extLst>
+                    <a:ext uri="{9D8B030D-6E8A-4147-A177-3AD203B41FA5}">
+                      <a16:colId xmlns:a16="http://schemas.microsoft.com/office/drawing/2014/main" val="1286954542"/>
+                    </a:ext>
+                  </a:extLst>
+                </a:gridCol>
+                <a:gridCol w="2602092">
+                  <a:extLst>
+                    <a:ext uri="{9D8B030D-6E8A-4147-A177-3AD203B41FA5}">
+                      <a16:colId xmlns:a16="http://schemas.microsoft.com/office/drawing/2014/main" val="1369155131"/>
+                    </a:ext>
+                  </a:extLst>
+                </a:gridCol>
+              </a:tblGrid>
+              <a:tr h="324000">
+                <a:tc>
+                  <a:txBody>
+                    <a:bodyPr/>
+                    <a:lstStyle/>
+                    <a:p>
+                      <a:pPr marL="0" marR="0" lvl="0" indent="0" algn="r" defTabSz="914400" rtl="0" eaLnBrk="1" fontAlgn="auto" latinLnBrk="0" hangingPunct="1">
+                        <a:lnSpc>
+                          <a:spcPct val="100000"/>
+                        </a:lnSpc>
+                        <a:spcBef>
+                          <a:spcPts val="0"/>
+                        </a:spcBef>
+                        <a:spcAft>
+                          <a:spcPts val="0"/>
+                        </a:spcAft>
+                        <a:buClrTx/>
+                        <a:buSzTx/>
+                        <a:buFontTx/>
+                        <a:buNone/>
+                        <a:tabLst/>
+                        <a:defRPr/>
+                      </a:pPr>
+                      <a:r>
+                        <a:rPr kumimoji="1" lang="ja-JP" altLang="en-US" dirty="0">
+                          <a:solidFill>
+                            <a:srgbClr val="FF0000"/>
+                          </a:solidFill>
+                          <a:effectLst>
+                            <a:glow rad="63500">
+                              <a:schemeClr val="accent4">
+                                <a:satMod val="175000"/>
+                                <a:alpha val="40000"/>
+                              </a:schemeClr>
+                            </a:glow>
+                            <a:innerShdw blurRad="63500" dist="50800" dir="13500000">
+                              <a:prstClr val="black">
+                                <a:alpha val="50000"/>
+                              </a:prstClr>
+                            </a:innerShdw>
+                          </a:effectLst>
+                          <a:latin typeface="HGS創英角ﾎﾟｯﾌﾟ体" panose="040B0A00000000000000" pitchFamily="50" charset="-128"/>
+                          <a:ea typeface="HGS創英角ﾎﾟｯﾌﾟ体" panose="040B0A00000000000000" pitchFamily="50" charset="-128"/>
+                        </a:rPr>
+                        <a:t>初めてのコイン</a:t>
+                      </a:r>
+                      <a:endParaRPr kumimoji="1" lang="en-US" altLang="ja-JP" dirty="0">
+                        <a:solidFill>
+                          <a:srgbClr val="FF0000"/>
+                        </a:solidFill>
+                        <a:effectLst>
+                          <a:glow rad="63500">
+                            <a:schemeClr val="accent4">
+                              <a:satMod val="175000"/>
+                              <a:alpha val="40000"/>
+                            </a:schemeClr>
+                          </a:glow>
+                          <a:innerShdw blurRad="63500" dist="50800" dir="13500000">
+                            <a:prstClr val="black">
+                              <a:alpha val="50000"/>
+                            </a:prstClr>
+                          </a:innerShdw>
+                        </a:effectLst>
+                        <a:latin typeface="HGS創英角ﾎﾟｯﾌﾟ体" panose="040B0A00000000000000" pitchFamily="50" charset="-128"/>
+                        <a:ea typeface="HGS創英角ﾎﾟｯﾌﾟ体" panose="040B0A00000000000000" pitchFamily="50" charset="-128"/>
+                      </a:endParaRPr>
+                    </a:p>
+                  </a:txBody>
+                  <a:tcPr marL="0" marR="0" marT="0" marB="0">
+                    <a:lnL w="12700" cmpd="sng">
+                      <a:noFill/>
+                    </a:lnL>
+                    <a:lnR w="12700" cmpd="sng">
+                      <a:noFill/>
+                    </a:lnR>
+                    <a:lnT w="12700" cmpd="sng">
+                      <a:noFill/>
+                    </a:lnT>
+                    <a:lnB w="38100" cmpd="sng">
+                      <a:noFill/>
+                    </a:lnB>
+                    <a:lnTlToBr w="12700" cmpd="sng">
+                      <a:noFill/>
+                      <a:prstDash val="solid"/>
+                    </a:lnTlToBr>
+                    <a:lnBlToTr w="12700" cmpd="sng">
+                      <a:noFill/>
+                      <a:prstDash val="solid"/>
+                    </a:lnBlToTr>
+                    <a:noFill/>
+                  </a:tcPr>
+                </a:tc>
+                <a:tc>
+                  <a:txBody>
+                    <a:bodyPr/>
+                    <a:lstStyle/>
+                    <a:p>
+                      <a:pPr marL="0" marR="0" lvl="0" indent="0" algn="r" defTabSz="914400" rtl="0" eaLnBrk="1" fontAlgn="auto" latinLnBrk="0" hangingPunct="1">
+                        <a:lnSpc>
+                          <a:spcPct val="100000"/>
+                        </a:lnSpc>
+                        <a:spcBef>
+                          <a:spcPts val="0"/>
+                        </a:spcBef>
+                        <a:spcAft>
+                          <a:spcPts val="0"/>
+                        </a:spcAft>
+                        <a:buClrTx/>
+                        <a:buSzTx/>
+                        <a:buFontTx/>
+                        <a:buNone/>
+                        <a:tabLst/>
+                        <a:defRPr/>
+                      </a:pPr>
+                      <a:r>
+                        <a:rPr kumimoji="1" lang="ja-JP" altLang="en-US" sz="1400" b="0" i="0" u="none" strike="noStrike" kern="1200" cap="none" spc="0" normalizeH="0" baseline="0" noProof="0" dirty="0">
+                          <a:ln w="3175">
+                            <a:noFill/>
+                          </a:ln>
+                          <a:solidFill>
+                            <a:srgbClr val="FF0000"/>
+                          </a:solidFill>
+                          <a:effectLst>
+                            <a:innerShdw blurRad="63500" dist="50800" dir="13500000">
+                              <a:prstClr val="black">
+                                <a:alpha val="50000"/>
+                              </a:prstClr>
+                            </a:innerShdw>
+                          </a:effectLst>
+                          <a:uLnTx/>
+                          <a:uFillTx/>
+                          <a:latin typeface="HGS創英角ﾎﾟｯﾌﾟ体" panose="040B0A00000000000000" pitchFamily="50" charset="-128"/>
+                          <a:ea typeface="HGS創英角ﾎﾟｯﾌﾟ体" panose="040B0A00000000000000" pitchFamily="50" charset="-128"/>
+                          <a:cs typeface="+mn-cs"/>
+                        </a:rPr>
+                        <a:t>コインを</a:t>
+                      </a:r>
+                      <a:r>
+                        <a:rPr kumimoji="1" lang="en-US" altLang="ja-JP" sz="1400" b="0" i="0" u="none" strike="noStrike" kern="1200" cap="none" spc="0" normalizeH="0" baseline="0" noProof="0" dirty="0">
+                          <a:ln w="3175">
+                            <a:noFill/>
+                          </a:ln>
+                          <a:solidFill>
+                            <a:srgbClr val="FF0000"/>
+                          </a:solidFill>
+                          <a:effectLst>
+                            <a:innerShdw blurRad="63500" dist="50800" dir="13500000">
+                              <a:prstClr val="black">
+                                <a:alpha val="50000"/>
+                              </a:prstClr>
+                            </a:innerShdw>
+                          </a:effectLst>
+                          <a:uLnTx/>
+                          <a:uFillTx/>
+                          <a:latin typeface="HGS創英角ﾎﾟｯﾌﾟ体" panose="040B0A00000000000000" pitchFamily="50" charset="-128"/>
+                          <a:ea typeface="HGS創英角ﾎﾟｯﾌﾟ体" panose="040B0A00000000000000" pitchFamily="50" charset="-128"/>
+                          <a:cs typeface="+mn-cs"/>
+                        </a:rPr>
+                        <a:t>1</a:t>
+                      </a:r>
+                      <a:r>
+                        <a:rPr kumimoji="1" lang="ja-JP" altLang="en-US" sz="1400" b="0" i="0" u="none" strike="noStrike" kern="1200" cap="none" spc="0" normalizeH="0" baseline="0" noProof="0" dirty="0">
+                          <a:ln w="3175">
+                            <a:noFill/>
+                          </a:ln>
+                          <a:solidFill>
+                            <a:srgbClr val="FF0000"/>
+                          </a:solidFill>
+                          <a:effectLst>
+                            <a:innerShdw blurRad="63500" dist="50800" dir="13500000">
+                              <a:prstClr val="black">
+                                <a:alpha val="50000"/>
+                              </a:prstClr>
+                            </a:innerShdw>
+                          </a:effectLst>
+                          <a:uLnTx/>
+                          <a:uFillTx/>
+                          <a:latin typeface="HGS創英角ﾎﾟｯﾌﾟ体" panose="040B0A00000000000000" pitchFamily="50" charset="-128"/>
+                          <a:ea typeface="HGS創英角ﾎﾟｯﾌﾟ体" panose="040B0A00000000000000" pitchFamily="50" charset="-128"/>
+                          <a:cs typeface="+mn-cs"/>
+                        </a:rPr>
+                        <a:t>枚収集</a:t>
+                      </a:r>
+                      <a:endParaRPr kumimoji="1" lang="en-US" altLang="ja-JP" sz="1400" b="0" i="0" u="none" strike="noStrike" kern="1200" cap="none" spc="0" normalizeH="0" baseline="0" noProof="0" dirty="0">
+                        <a:ln w="3175">
+                          <a:noFill/>
+                        </a:ln>
+                        <a:solidFill>
+                          <a:srgbClr val="FF0000"/>
+                        </a:solidFill>
+                        <a:effectLst>
+                          <a:innerShdw blurRad="63500" dist="50800" dir="13500000">
+                            <a:prstClr val="black">
+                              <a:alpha val="50000"/>
+                            </a:prstClr>
+                          </a:innerShdw>
+                        </a:effectLst>
+                        <a:uLnTx/>
+                        <a:uFillTx/>
+                        <a:latin typeface="HGS創英角ﾎﾟｯﾌﾟ体" panose="040B0A00000000000000" pitchFamily="50" charset="-128"/>
+                        <a:ea typeface="HGS創英角ﾎﾟｯﾌﾟ体" panose="040B0A00000000000000" pitchFamily="50" charset="-128"/>
+                        <a:cs typeface="+mn-cs"/>
+                      </a:endParaRPr>
+                    </a:p>
+                  </a:txBody>
+                  <a:tcPr marL="0" marR="0" marT="0" marB="0" anchor="ctr">
+                    <a:lnL w="12700" cmpd="sng">
+                      <a:noFill/>
+                    </a:lnL>
+                    <a:lnR w="12700" cmpd="sng">
+                      <a:noFill/>
+                    </a:lnR>
+                    <a:lnT w="12700" cmpd="sng">
+                      <a:noFill/>
+                    </a:lnT>
+                    <a:lnB w="38100" cmpd="sng">
+                      <a:noFill/>
+                    </a:lnB>
+                    <a:lnTlToBr w="12700" cmpd="sng">
+                      <a:noFill/>
+                      <a:prstDash val="solid"/>
+                    </a:lnTlToBr>
+                    <a:lnBlToTr w="12700" cmpd="sng">
+                      <a:noFill/>
+                      <a:prstDash val="solid"/>
+                    </a:lnBlToTr>
+                    <a:noFill/>
+                  </a:tcPr>
+                </a:tc>
+                <a:tc>
+                  <a:txBody>
+                    <a:bodyPr/>
+                    <a:lstStyle/>
+                    <a:p>
+                      <a:pPr marL="0" marR="0" lvl="0" indent="0" algn="r" defTabSz="914400" rtl="0" eaLnBrk="1" fontAlgn="auto" latinLnBrk="0" hangingPunct="1">
+                        <a:lnSpc>
+                          <a:spcPct val="100000"/>
+                        </a:lnSpc>
+                        <a:spcBef>
+                          <a:spcPts val="0"/>
+                        </a:spcBef>
+                        <a:spcAft>
+                          <a:spcPts val="0"/>
+                        </a:spcAft>
+                        <a:buClrTx/>
+                        <a:buSzTx/>
+                        <a:buFontTx/>
+                        <a:buNone/>
+                        <a:tabLst/>
+                        <a:defRPr/>
+                      </a:pPr>
+                      <a:r>
+                        <a:rPr kumimoji="1" lang="ja-JP" altLang="en-US" b="0" dirty="0">
+                          <a:solidFill>
+                            <a:srgbClr val="FF0000"/>
+                          </a:solidFill>
+                          <a:effectLst>
+                            <a:glow rad="63500">
+                              <a:schemeClr val="accent4">
+                                <a:satMod val="175000"/>
+                                <a:alpha val="40000"/>
+                              </a:schemeClr>
+                            </a:glow>
+                            <a:innerShdw blurRad="63500" dist="50800" dir="13500000">
+                              <a:prstClr val="black">
+                                <a:alpha val="50000"/>
+                              </a:prstClr>
+                            </a:innerShdw>
+                          </a:effectLst>
+                          <a:latin typeface="HGS創英角ﾎﾟｯﾌﾟ体" panose="040B0A00000000000000" pitchFamily="50" charset="-128"/>
+                          <a:ea typeface="HGS創英角ﾎﾟｯﾌﾟ体" panose="040B0A00000000000000" pitchFamily="50" charset="-128"/>
+                        </a:rPr>
+                        <a:t>障害物との邂逅</a:t>
+                      </a:r>
+                      <a:endParaRPr kumimoji="1" lang="en-US" altLang="ja-JP" b="0" dirty="0">
+                        <a:solidFill>
+                          <a:srgbClr val="FF0000"/>
+                        </a:solidFill>
+                        <a:effectLst>
+                          <a:glow rad="63500">
+                            <a:schemeClr val="accent4">
+                              <a:satMod val="175000"/>
+                              <a:alpha val="40000"/>
+                            </a:schemeClr>
+                          </a:glow>
+                          <a:innerShdw blurRad="63500" dist="50800" dir="13500000">
+                            <a:prstClr val="black">
+                              <a:alpha val="50000"/>
+                            </a:prstClr>
+                          </a:innerShdw>
+                        </a:effectLst>
+                        <a:latin typeface="HGS創英角ﾎﾟｯﾌﾟ体" panose="040B0A00000000000000" pitchFamily="50" charset="-128"/>
+                        <a:ea typeface="HGS創英角ﾎﾟｯﾌﾟ体" panose="040B0A00000000000000" pitchFamily="50" charset="-128"/>
+                      </a:endParaRPr>
+                    </a:p>
+                  </a:txBody>
+                  <a:tcPr marL="0" marR="0" marT="0" marB="0">
+                    <a:lnL w="12700" cmpd="sng">
+                      <a:noFill/>
+                    </a:lnL>
+                    <a:lnR w="12700" cmpd="sng">
+                      <a:noFill/>
+                    </a:lnR>
+                    <a:lnT w="12700" cmpd="sng">
+                      <a:noFill/>
+                    </a:lnT>
+                    <a:lnB w="38100" cmpd="sng">
+                      <a:noFill/>
+                    </a:lnB>
+                    <a:lnTlToBr w="12700" cmpd="sng">
+                      <a:noFill/>
+                      <a:prstDash val="solid"/>
+                    </a:lnTlToBr>
+                    <a:lnBlToTr w="12700" cmpd="sng">
+                      <a:noFill/>
+                      <a:prstDash val="solid"/>
+                    </a:lnBlToTr>
+                    <a:noFill/>
+                  </a:tcPr>
+                </a:tc>
+                <a:tc>
+                  <a:txBody>
+                    <a:bodyPr/>
+                    <a:lstStyle/>
+                    <a:p>
+                      <a:pPr marL="0" marR="0" lvl="0" indent="0" algn="r" defTabSz="914400" rtl="0" eaLnBrk="1" fontAlgn="auto" latinLnBrk="0" hangingPunct="1">
+                        <a:lnSpc>
+                          <a:spcPct val="100000"/>
+                        </a:lnSpc>
+                        <a:spcBef>
+                          <a:spcPts val="0"/>
+                        </a:spcBef>
+                        <a:spcAft>
+                          <a:spcPts val="0"/>
+                        </a:spcAft>
+                        <a:buClrTx/>
+                        <a:buSzTx/>
+                        <a:buFontTx/>
+                        <a:buNone/>
+                        <a:tabLst/>
+                        <a:defRPr/>
+                      </a:pPr>
+                      <a:r>
+                        <a:rPr kumimoji="1" lang="ja-JP" altLang="en-US" sz="1400" b="0" i="0" u="none" strike="noStrike" kern="1200" cap="none" spc="0" normalizeH="0" baseline="0" noProof="0" dirty="0">
+                          <a:ln>
+                            <a:noFill/>
+                          </a:ln>
+                          <a:solidFill>
+                            <a:srgbClr val="FF0000"/>
+                          </a:solidFill>
+                          <a:effectLst>
+                            <a:innerShdw blurRad="63500" dist="50800" dir="13500000">
+                              <a:prstClr val="black">
+                                <a:alpha val="50000"/>
+                              </a:prstClr>
+                            </a:innerShdw>
+                          </a:effectLst>
+                          <a:uLnTx/>
+                          <a:uFillTx/>
+                          <a:latin typeface="HGS創英角ﾎﾟｯﾌﾟ体" panose="040B0A00000000000000" pitchFamily="50" charset="-128"/>
+                          <a:ea typeface="HGS創英角ﾎﾟｯﾌﾟ体" panose="040B0A00000000000000" pitchFamily="50" charset="-128"/>
+                          <a:cs typeface="+mn-cs"/>
+                        </a:rPr>
+                        <a:t>初めてギミックをこなす</a:t>
+                      </a:r>
+                      <a:endParaRPr kumimoji="1" lang="en-US" altLang="ja-JP" sz="1400" b="0" i="0" u="none" strike="noStrike" kern="1200" cap="none" spc="0" normalizeH="0" baseline="0" noProof="0" dirty="0">
+                        <a:ln>
+                          <a:noFill/>
+                        </a:ln>
+                        <a:solidFill>
+                          <a:srgbClr val="FF0000"/>
+                        </a:solidFill>
+                        <a:effectLst>
+                          <a:innerShdw blurRad="63500" dist="50800" dir="13500000">
+                            <a:prstClr val="black">
+                              <a:alpha val="50000"/>
+                            </a:prstClr>
+                          </a:innerShdw>
+                        </a:effectLst>
+                        <a:uLnTx/>
+                        <a:uFillTx/>
+                        <a:latin typeface="HGS創英角ﾎﾟｯﾌﾟ体" panose="040B0A00000000000000" pitchFamily="50" charset="-128"/>
+                        <a:ea typeface="HGS創英角ﾎﾟｯﾌﾟ体" panose="040B0A00000000000000" pitchFamily="50" charset="-128"/>
+                        <a:cs typeface="+mn-cs"/>
+                      </a:endParaRPr>
+                    </a:p>
+                  </a:txBody>
+                  <a:tcPr marL="0" marR="0" marT="0" marB="0" anchor="ctr">
+                    <a:lnL w="12700" cmpd="sng">
+                      <a:noFill/>
+                    </a:lnL>
+                    <a:lnR w="12700" cmpd="sng">
+                      <a:noFill/>
+                    </a:lnR>
+                    <a:lnT w="12700" cmpd="sng">
+                      <a:noFill/>
+                    </a:lnT>
+                    <a:lnB w="38100" cmpd="sng">
+                      <a:noFill/>
+                    </a:lnB>
+                    <a:lnTlToBr w="12700" cmpd="sng">
+                      <a:noFill/>
+                      <a:prstDash val="solid"/>
+                    </a:lnTlToBr>
+                    <a:lnBlToTr w="12700" cmpd="sng">
+                      <a:noFill/>
+                      <a:prstDash val="solid"/>
+                    </a:lnBlToTr>
+                    <a:noFill/>
+                  </a:tcPr>
+                </a:tc>
+                <a:extLst>
+                  <a:ext uri="{0D108BD9-81ED-4DB2-BD59-A6C34878D82A}">
+                    <a16:rowId xmlns:a16="http://schemas.microsoft.com/office/drawing/2014/main" val="3671577706"/>
+                  </a:ext>
+                </a:extLst>
+              </a:tr>
+              <a:tr h="324000">
+                <a:tc>
+                  <a:txBody>
+                    <a:bodyPr/>
+                    <a:lstStyle/>
+                    <a:p>
+                      <a:pPr marL="0" marR="0" lvl="0" indent="0" algn="r" defTabSz="914400" rtl="0" eaLnBrk="1" fontAlgn="auto" latinLnBrk="0" hangingPunct="1">
+                        <a:lnSpc>
+                          <a:spcPct val="100000"/>
+                        </a:lnSpc>
+                        <a:spcBef>
+                          <a:spcPts val="0"/>
+                        </a:spcBef>
+                        <a:spcAft>
+                          <a:spcPts val="0"/>
+                        </a:spcAft>
+                        <a:buClrTx/>
+                        <a:buSzTx/>
+                        <a:buFontTx/>
+                        <a:buNone/>
+                        <a:tabLst/>
+                        <a:defRPr/>
+                      </a:pPr>
+                      <a:r>
+                        <a:rPr lang="ja-JP" altLang="en-US" dirty="0">
+                          <a:solidFill>
+                            <a:srgbClr val="FF0000"/>
+                          </a:solidFill>
+                          <a:effectLst>
+                            <a:glow rad="63500">
+                              <a:schemeClr val="accent4">
+                                <a:satMod val="175000"/>
+                                <a:alpha val="40000"/>
+                              </a:schemeClr>
+                            </a:glow>
+                            <a:innerShdw blurRad="63500" dist="50800" dir="13500000">
+                              <a:prstClr val="black">
+                                <a:alpha val="50000"/>
+                              </a:prstClr>
+                            </a:innerShdw>
+                          </a:effectLst>
+                          <a:latin typeface="HGS創英角ﾎﾟｯﾌﾟ体" panose="040B0A00000000000000" pitchFamily="50" charset="-128"/>
+                          <a:ea typeface="HGS創英角ﾎﾟｯﾌﾟ体" panose="040B0A00000000000000" pitchFamily="50" charset="-128"/>
+                        </a:rPr>
+                        <a:t>コイン収集初心者</a:t>
+                      </a:r>
+                      <a:endParaRPr kumimoji="1" lang="en-US" altLang="ja-JP" dirty="0">
+                        <a:solidFill>
+                          <a:srgbClr val="FF0000"/>
+                        </a:solidFill>
+                        <a:effectLst>
+                          <a:glow rad="63500">
+                            <a:schemeClr val="accent4">
+                              <a:satMod val="175000"/>
+                              <a:alpha val="40000"/>
+                            </a:schemeClr>
+                          </a:glow>
+                          <a:innerShdw blurRad="63500" dist="50800" dir="13500000">
+                            <a:prstClr val="black">
+                              <a:alpha val="50000"/>
+                            </a:prstClr>
+                          </a:innerShdw>
+                        </a:effectLst>
+                        <a:latin typeface="HGS創英角ﾎﾟｯﾌﾟ体" panose="040B0A00000000000000" pitchFamily="50" charset="-128"/>
+                        <a:ea typeface="HGS創英角ﾎﾟｯﾌﾟ体" panose="040B0A00000000000000" pitchFamily="50" charset="-128"/>
+                      </a:endParaRPr>
+                    </a:p>
+                  </a:txBody>
+                  <a:tcPr marL="0" marR="0" marT="0" marB="0">
+                    <a:lnL w="12700" cmpd="sng">
+                      <a:noFill/>
+                    </a:lnL>
+                    <a:lnR w="12700" cmpd="sng">
+                      <a:noFill/>
+                    </a:lnR>
+                    <a:lnT w="38100" cmpd="sng">
+                      <a:noFill/>
+                    </a:lnT>
+                    <a:lnB w="12700" cmpd="sng">
+                      <a:noFill/>
+                    </a:lnB>
+                    <a:lnTlToBr w="12700" cmpd="sng">
+                      <a:noFill/>
+                      <a:prstDash val="solid"/>
+                    </a:lnTlToBr>
+                    <a:lnBlToTr w="12700" cmpd="sng">
+                      <a:noFill/>
+                      <a:prstDash val="solid"/>
+                    </a:lnBlToTr>
+                    <a:noFill/>
+                  </a:tcPr>
+                </a:tc>
+                <a:tc>
+                  <a:txBody>
+                    <a:bodyPr/>
+                    <a:lstStyle/>
+                    <a:p>
+                      <a:pPr marL="0" marR="0" lvl="0" indent="0" algn="r" defTabSz="914400" rtl="0" eaLnBrk="1" fontAlgn="auto" latinLnBrk="0" hangingPunct="1">
+                        <a:lnSpc>
+                          <a:spcPct val="100000"/>
+                        </a:lnSpc>
+                        <a:spcBef>
+                          <a:spcPts val="0"/>
+                        </a:spcBef>
+                        <a:spcAft>
+                          <a:spcPts val="0"/>
+                        </a:spcAft>
+                        <a:buClrTx/>
+                        <a:buSzTx/>
+                        <a:buFontTx/>
+                        <a:buNone/>
+                        <a:tabLst/>
+                        <a:defRPr/>
+                      </a:pPr>
+                      <a:r>
+                        <a:rPr lang="ja-JP" altLang="en-US" sz="1400" b="0" i="0" dirty="0">
+                          <a:solidFill>
+                            <a:srgbClr val="FF0000"/>
+                          </a:solidFill>
+                          <a:effectLst>
+                            <a:innerShdw blurRad="63500" dist="50800" dir="13500000">
+                              <a:prstClr val="black">
+                                <a:alpha val="50000"/>
+                              </a:prstClr>
+                            </a:innerShdw>
+                          </a:effectLst>
+                          <a:latin typeface="HGS創英角ﾎﾟｯﾌﾟ体" panose="040B0A00000000000000" pitchFamily="50" charset="-128"/>
+                          <a:ea typeface="HGS創英角ﾎﾟｯﾌﾟ体" panose="040B0A00000000000000" pitchFamily="50" charset="-128"/>
+                        </a:rPr>
+                        <a:t>コインを</a:t>
+                      </a:r>
+                      <a:r>
+                        <a:rPr lang="en-US" altLang="ja-JP" sz="1400" b="0" i="0" dirty="0">
+                          <a:solidFill>
+                            <a:srgbClr val="FF0000"/>
+                          </a:solidFill>
+                          <a:effectLst>
+                            <a:innerShdw blurRad="63500" dist="50800" dir="13500000">
+                              <a:prstClr val="black">
+                                <a:alpha val="50000"/>
+                              </a:prstClr>
+                            </a:innerShdw>
+                          </a:effectLst>
+                          <a:latin typeface="HGS創英角ﾎﾟｯﾌﾟ体" panose="040B0A00000000000000" pitchFamily="50" charset="-128"/>
+                          <a:ea typeface="HGS創英角ﾎﾟｯﾌﾟ体" panose="040B0A00000000000000" pitchFamily="50" charset="-128"/>
+                        </a:rPr>
+                        <a:t>10</a:t>
+                      </a:r>
+                      <a:r>
+                        <a:rPr lang="ja-JP" altLang="en-US" sz="1400" b="0" i="0" dirty="0">
+                          <a:solidFill>
+                            <a:srgbClr val="FF0000"/>
+                          </a:solidFill>
+                          <a:effectLst>
+                            <a:innerShdw blurRad="63500" dist="50800" dir="13500000">
+                              <a:prstClr val="black">
+                                <a:alpha val="50000"/>
+                              </a:prstClr>
+                            </a:innerShdw>
+                          </a:effectLst>
+                          <a:latin typeface="HGS創英角ﾎﾟｯﾌﾟ体" panose="040B0A00000000000000" pitchFamily="50" charset="-128"/>
+                          <a:ea typeface="HGS創英角ﾎﾟｯﾌﾟ体" panose="040B0A00000000000000" pitchFamily="50" charset="-128"/>
+                        </a:rPr>
+                        <a:t>枚収集</a:t>
+                      </a:r>
+                      <a:endParaRPr lang="en-US" altLang="ja-JP" sz="1400" b="0" i="0" dirty="0">
+                        <a:solidFill>
+                          <a:srgbClr val="FF0000"/>
+                        </a:solidFill>
+                        <a:effectLst>
+                          <a:innerShdw blurRad="63500" dist="50800" dir="13500000">
+                            <a:prstClr val="black">
+                              <a:alpha val="50000"/>
+                            </a:prstClr>
+                          </a:innerShdw>
+                        </a:effectLst>
+                        <a:latin typeface="HGS創英角ﾎﾟｯﾌﾟ体" panose="040B0A00000000000000" pitchFamily="50" charset="-128"/>
+                        <a:ea typeface="HGS創英角ﾎﾟｯﾌﾟ体" panose="040B0A00000000000000" pitchFamily="50" charset="-128"/>
+                      </a:endParaRPr>
+                    </a:p>
+                  </a:txBody>
+                  <a:tcPr marL="0" marR="0" marT="0" marB="0" anchor="ctr">
+                    <a:lnL w="12700" cmpd="sng">
+                      <a:noFill/>
+                    </a:lnL>
+                    <a:lnR w="12700" cmpd="sng">
+                      <a:noFill/>
+                    </a:lnR>
+                    <a:lnT w="38100" cmpd="sng">
+                      <a:noFill/>
+                    </a:lnT>
+                    <a:lnB w="12700" cmpd="sng">
+                      <a:noFill/>
+                    </a:lnB>
+                    <a:lnTlToBr w="12700" cmpd="sng">
+                      <a:noFill/>
+                      <a:prstDash val="solid"/>
+                    </a:lnTlToBr>
+                    <a:lnBlToTr w="12700" cmpd="sng">
+                      <a:noFill/>
+                      <a:prstDash val="solid"/>
+                    </a:lnBlToTr>
+                    <a:noFill/>
+                  </a:tcPr>
+                </a:tc>
+                <a:tc>
+                  <a:txBody>
+                    <a:bodyPr/>
+                    <a:lstStyle/>
+                    <a:p>
+                      <a:pPr marL="0" marR="0" lvl="0" indent="0" algn="r" defTabSz="914400" rtl="0" eaLnBrk="1" fontAlgn="auto" latinLnBrk="0" hangingPunct="1">
+                        <a:lnSpc>
+                          <a:spcPct val="100000"/>
+                        </a:lnSpc>
+                        <a:spcBef>
+                          <a:spcPts val="0"/>
+                        </a:spcBef>
+                        <a:spcAft>
+                          <a:spcPts val="0"/>
+                        </a:spcAft>
+                        <a:buClrTx/>
+                        <a:buSzTx/>
+                        <a:buFontTx/>
+                        <a:buNone/>
+                        <a:tabLst/>
+                        <a:defRPr/>
+                      </a:pPr>
+                      <a:r>
+                        <a:rPr kumimoji="1" lang="ja-JP" altLang="en-US" b="0" dirty="0">
+                          <a:solidFill>
+                            <a:srgbClr val="FF0000"/>
+                          </a:solidFill>
+                          <a:effectLst>
+                            <a:glow rad="63500">
+                              <a:schemeClr val="accent4">
+                                <a:satMod val="175000"/>
+                                <a:alpha val="40000"/>
+                              </a:schemeClr>
+                            </a:glow>
+                            <a:innerShdw blurRad="63500" dist="50800" dir="13500000">
+                              <a:prstClr val="black">
+                                <a:alpha val="50000"/>
+                              </a:prstClr>
+                            </a:innerShdw>
+                          </a:effectLst>
+                          <a:latin typeface="HGS創英角ﾎﾟｯﾌﾟ体" panose="040B0A00000000000000" pitchFamily="50" charset="-128"/>
+                          <a:ea typeface="HGS創英角ﾎﾟｯﾌﾟ体" panose="040B0A00000000000000" pitchFamily="50" charset="-128"/>
+                        </a:rPr>
+                        <a:t>華麗なるかわしかた</a:t>
+                      </a:r>
+                      <a:endParaRPr kumimoji="1" lang="en-US" altLang="ja-JP" b="0" dirty="0">
+                        <a:solidFill>
+                          <a:srgbClr val="FF0000"/>
+                        </a:solidFill>
+                        <a:effectLst>
+                          <a:glow rad="63500">
+                            <a:schemeClr val="accent4">
+                              <a:satMod val="175000"/>
+                              <a:alpha val="40000"/>
+                            </a:schemeClr>
+                          </a:glow>
+                          <a:innerShdw blurRad="63500" dist="50800" dir="13500000">
+                            <a:prstClr val="black">
+                              <a:alpha val="50000"/>
+                            </a:prstClr>
+                          </a:innerShdw>
+                        </a:effectLst>
+                        <a:latin typeface="HGS創英角ﾎﾟｯﾌﾟ体" panose="040B0A00000000000000" pitchFamily="50" charset="-128"/>
+                        <a:ea typeface="HGS創英角ﾎﾟｯﾌﾟ体" panose="040B0A00000000000000" pitchFamily="50" charset="-128"/>
+                      </a:endParaRPr>
+                    </a:p>
+                  </a:txBody>
+                  <a:tcPr marL="0" marR="0" marT="0" marB="0">
+                    <a:lnL w="12700" cmpd="sng">
+                      <a:noFill/>
+                    </a:lnL>
+                    <a:lnR w="12700" cmpd="sng">
+                      <a:noFill/>
+                    </a:lnR>
+                    <a:lnT w="38100" cmpd="sng">
+                      <a:noFill/>
+                    </a:lnT>
+                    <a:lnB w="12700" cmpd="sng">
+                      <a:noFill/>
+                    </a:lnB>
+                    <a:lnTlToBr w="12700" cmpd="sng">
+                      <a:noFill/>
+                      <a:prstDash val="solid"/>
+                    </a:lnTlToBr>
+                    <a:lnBlToTr w="12700" cmpd="sng">
+                      <a:noFill/>
+                      <a:prstDash val="solid"/>
+                    </a:lnBlToTr>
+                    <a:noFill/>
+                  </a:tcPr>
+                </a:tc>
+                <a:tc>
+                  <a:txBody>
+                    <a:bodyPr/>
+                    <a:lstStyle/>
+                    <a:p>
+                      <a:pPr algn="r"/>
+                      <a:r>
+                        <a:rPr kumimoji="1" lang="ja-JP" altLang="en-US" sz="1400" b="0" i="0" u="none" strike="noStrike" kern="1200" cap="none" spc="0" normalizeH="0" baseline="0" noProof="0" dirty="0">
+                          <a:ln>
+                            <a:noFill/>
+                          </a:ln>
+                          <a:solidFill>
+                            <a:srgbClr val="FF0000"/>
+                          </a:solidFill>
+                          <a:effectLst>
+                            <a:innerShdw blurRad="63500" dist="50800" dir="13500000">
+                              <a:prstClr val="black">
+                                <a:alpha val="50000"/>
+                              </a:prstClr>
+                            </a:innerShdw>
+                          </a:effectLst>
+                          <a:uLnTx/>
+                          <a:uFillTx/>
+                          <a:latin typeface="HGS創英角ﾎﾟｯﾌﾟ体" panose="040B0A00000000000000" pitchFamily="50" charset="-128"/>
+                          <a:ea typeface="HGS創英角ﾎﾟｯﾌﾟ体" panose="040B0A00000000000000" pitchFamily="50" charset="-128"/>
+                          <a:cs typeface="+mn-cs"/>
+                        </a:rPr>
+                        <a:t>ギミックを</a:t>
+                      </a:r>
+                      <a:r>
+                        <a:rPr kumimoji="1" lang="en-US" altLang="ja-JP" sz="1400" b="0" i="0" u="none" strike="noStrike" kern="1200" cap="none" spc="0" normalizeH="0" baseline="0" noProof="0" dirty="0">
+                          <a:ln>
+                            <a:noFill/>
+                          </a:ln>
+                          <a:solidFill>
+                            <a:srgbClr val="FF0000"/>
+                          </a:solidFill>
+                          <a:effectLst>
+                            <a:innerShdw blurRad="63500" dist="50800" dir="13500000">
+                              <a:prstClr val="black">
+                                <a:alpha val="50000"/>
+                              </a:prstClr>
+                            </a:innerShdw>
+                          </a:effectLst>
+                          <a:uLnTx/>
+                          <a:uFillTx/>
+                          <a:latin typeface="HGS創英角ﾎﾟｯﾌﾟ体" panose="040B0A00000000000000" pitchFamily="50" charset="-128"/>
+                          <a:ea typeface="HGS創英角ﾎﾟｯﾌﾟ体" panose="040B0A00000000000000" pitchFamily="50" charset="-128"/>
+                          <a:cs typeface="+mn-cs"/>
+                        </a:rPr>
+                        <a:t>10</a:t>
+                      </a:r>
+                      <a:r>
+                        <a:rPr kumimoji="1" lang="ja-JP" altLang="en-US" sz="1400" b="0" i="0" u="none" strike="noStrike" kern="1200" cap="none" spc="0" normalizeH="0" baseline="0" noProof="0" dirty="0">
+                          <a:ln>
+                            <a:noFill/>
+                          </a:ln>
+                          <a:solidFill>
+                            <a:srgbClr val="FF0000"/>
+                          </a:solidFill>
+                          <a:effectLst>
+                            <a:innerShdw blurRad="63500" dist="50800" dir="13500000">
+                              <a:prstClr val="black">
+                                <a:alpha val="50000"/>
+                              </a:prstClr>
+                            </a:innerShdw>
+                          </a:effectLst>
+                          <a:uLnTx/>
+                          <a:uFillTx/>
+                          <a:latin typeface="HGS創英角ﾎﾟｯﾌﾟ体" panose="040B0A00000000000000" pitchFamily="50" charset="-128"/>
+                          <a:ea typeface="HGS創英角ﾎﾟｯﾌﾟ体" panose="040B0A00000000000000" pitchFamily="50" charset="-128"/>
+                          <a:cs typeface="+mn-cs"/>
+                        </a:rPr>
+                        <a:t>回処理</a:t>
+                      </a:r>
+                      <a:endParaRPr kumimoji="1" lang="ja-JP" altLang="en-US" sz="1400" b="0" dirty="0">
+                        <a:solidFill>
+                          <a:srgbClr val="FF0000"/>
+                        </a:solidFill>
+                        <a:latin typeface="HGS創英角ﾎﾟｯﾌﾟ体" panose="040B0A00000000000000" pitchFamily="50" charset="-128"/>
+                        <a:ea typeface="HGS創英角ﾎﾟｯﾌﾟ体" panose="040B0A00000000000000" pitchFamily="50" charset="-128"/>
+                      </a:endParaRPr>
+                    </a:p>
+                  </a:txBody>
+                  <a:tcPr marL="0" marR="0" marT="0" marB="0" anchor="ctr">
+                    <a:lnL w="12700" cmpd="sng">
+                      <a:noFill/>
+                    </a:lnL>
+                    <a:lnR w="12700" cmpd="sng">
+                      <a:noFill/>
+                    </a:lnR>
+                    <a:lnT w="38100" cmpd="sng">
+                      <a:noFill/>
+                    </a:lnT>
+                    <a:lnB w="12700" cmpd="sng">
+                      <a:noFill/>
+                    </a:lnB>
+                    <a:lnTlToBr w="12700" cmpd="sng">
+                      <a:noFill/>
+                      <a:prstDash val="solid"/>
+                    </a:lnTlToBr>
+                    <a:lnBlToTr w="12700" cmpd="sng">
+                      <a:noFill/>
+                      <a:prstDash val="solid"/>
+                    </a:lnBlToTr>
+                    <a:noFill/>
+                  </a:tcPr>
+                </a:tc>
+                <a:extLst>
+                  <a:ext uri="{0D108BD9-81ED-4DB2-BD59-A6C34878D82A}">
+                    <a16:rowId xmlns:a16="http://schemas.microsoft.com/office/drawing/2014/main" val="671176224"/>
+                  </a:ext>
+                </a:extLst>
+              </a:tr>
+              <a:tr h="324000">
+                <a:tc>
+                  <a:txBody>
+                    <a:bodyPr/>
+                    <a:lstStyle/>
+                    <a:p>
+                      <a:pPr marL="0" marR="0" lvl="0" indent="0" algn="r" defTabSz="914400" rtl="0" eaLnBrk="1" fontAlgn="auto" latinLnBrk="0" hangingPunct="1">
+                        <a:lnSpc>
+                          <a:spcPct val="100000"/>
+                        </a:lnSpc>
+                        <a:spcBef>
+                          <a:spcPts val="0"/>
+                        </a:spcBef>
+                        <a:spcAft>
+                          <a:spcPts val="0"/>
+                        </a:spcAft>
+                        <a:buClrTx/>
+                        <a:buSzTx/>
+                        <a:buFontTx/>
+                        <a:buNone/>
+                        <a:tabLst/>
+                        <a:defRPr/>
+                      </a:pPr>
+                      <a:r>
+                        <a:rPr lang="ja-JP" altLang="en-US" dirty="0">
+                          <a:solidFill>
+                            <a:srgbClr val="FF0000"/>
+                          </a:solidFill>
+                          <a:effectLst>
+                            <a:glow rad="63500">
+                              <a:schemeClr val="accent4">
+                                <a:satMod val="175000"/>
+                                <a:alpha val="40000"/>
+                              </a:schemeClr>
+                            </a:glow>
+                            <a:innerShdw blurRad="63500" dist="50800" dir="13500000">
+                              <a:prstClr val="black">
+                                <a:alpha val="50000"/>
+                              </a:prstClr>
+                            </a:innerShdw>
+                          </a:effectLst>
+                          <a:latin typeface="HGS創英角ﾎﾟｯﾌﾟ体" panose="040B0A00000000000000" pitchFamily="50" charset="-128"/>
+                          <a:ea typeface="HGS創英角ﾎﾟｯﾌﾟ体" panose="040B0A00000000000000" pitchFamily="50" charset="-128"/>
+                        </a:rPr>
+                        <a:t>コイン収集家の新星</a:t>
+                      </a:r>
+                      <a:endParaRPr lang="en-US" altLang="ja-JP" dirty="0">
+                        <a:solidFill>
+                          <a:srgbClr val="FF0000"/>
+                        </a:solidFill>
+                        <a:effectLst>
+                          <a:glow rad="63500">
+                            <a:schemeClr val="accent4">
+                              <a:satMod val="175000"/>
+                              <a:alpha val="40000"/>
+                            </a:schemeClr>
+                          </a:glow>
+                          <a:innerShdw blurRad="63500" dist="50800" dir="13500000">
+                            <a:prstClr val="black">
+                              <a:alpha val="50000"/>
+                            </a:prstClr>
+                          </a:innerShdw>
+                        </a:effectLst>
+                        <a:latin typeface="HGS創英角ﾎﾟｯﾌﾟ体" panose="040B0A00000000000000" pitchFamily="50" charset="-128"/>
+                        <a:ea typeface="HGS創英角ﾎﾟｯﾌﾟ体" panose="040B0A00000000000000" pitchFamily="50" charset="-128"/>
+                      </a:endParaRPr>
+                    </a:p>
+                  </a:txBody>
+                  <a:tcPr marL="0" marR="0" marT="0" marB="0">
+                    <a:lnL w="12700" cmpd="sng">
+                      <a:noFill/>
+                    </a:lnL>
+                    <a:lnR w="12700" cmpd="sng">
+                      <a:noFill/>
+                    </a:lnR>
+                    <a:lnT w="12700" cmpd="sng">
+                      <a:noFill/>
+                    </a:lnT>
+                    <a:lnB w="12700" cmpd="sng">
+                      <a:noFill/>
+                    </a:lnB>
+                    <a:lnTlToBr w="12700" cmpd="sng">
+                      <a:noFill/>
+                      <a:prstDash val="solid"/>
+                    </a:lnTlToBr>
+                    <a:lnBlToTr w="12700" cmpd="sng">
+                      <a:noFill/>
+                      <a:prstDash val="solid"/>
+                    </a:lnBlToTr>
+                    <a:noFill/>
+                  </a:tcPr>
+                </a:tc>
+                <a:tc>
+                  <a:txBody>
+                    <a:bodyPr/>
+                    <a:lstStyle/>
+                    <a:p>
+                      <a:pPr marL="0" marR="0" lvl="0" indent="0" algn="r" defTabSz="914400" rtl="0" eaLnBrk="1" fontAlgn="auto" latinLnBrk="0" hangingPunct="1">
+                        <a:lnSpc>
+                          <a:spcPct val="100000"/>
+                        </a:lnSpc>
+                        <a:spcBef>
+                          <a:spcPts val="0"/>
+                        </a:spcBef>
+                        <a:spcAft>
+                          <a:spcPts val="0"/>
+                        </a:spcAft>
+                        <a:buClrTx/>
+                        <a:buSzTx/>
+                        <a:buFontTx/>
+                        <a:buNone/>
+                        <a:tabLst/>
+                        <a:defRPr/>
+                      </a:pPr>
+                      <a:r>
+                        <a:rPr lang="ja-JP" altLang="en-US" sz="1400" b="0" i="0" dirty="0">
+                          <a:solidFill>
+                            <a:srgbClr val="FF0000"/>
+                          </a:solidFill>
+                          <a:effectLst>
+                            <a:innerShdw blurRad="63500" dist="50800" dir="13500000">
+                              <a:prstClr val="black">
+                                <a:alpha val="50000"/>
+                              </a:prstClr>
+                            </a:innerShdw>
+                          </a:effectLst>
+                          <a:latin typeface="HGS創英角ﾎﾟｯﾌﾟ体" panose="040B0A00000000000000" pitchFamily="50" charset="-128"/>
+                          <a:ea typeface="HGS創英角ﾎﾟｯﾌﾟ体" panose="040B0A00000000000000" pitchFamily="50" charset="-128"/>
+                        </a:rPr>
+                        <a:t>コインを</a:t>
+                      </a:r>
+                      <a:r>
+                        <a:rPr lang="en-US" altLang="ja-JP" sz="1400" b="0" i="0" dirty="0">
+                          <a:solidFill>
+                            <a:srgbClr val="FF0000"/>
+                          </a:solidFill>
+                          <a:effectLst>
+                            <a:innerShdw blurRad="63500" dist="50800" dir="13500000">
+                              <a:prstClr val="black">
+                                <a:alpha val="50000"/>
+                              </a:prstClr>
+                            </a:innerShdw>
+                          </a:effectLst>
+                          <a:latin typeface="HGS創英角ﾎﾟｯﾌﾟ体" panose="040B0A00000000000000" pitchFamily="50" charset="-128"/>
+                          <a:ea typeface="HGS創英角ﾎﾟｯﾌﾟ体" panose="040B0A00000000000000" pitchFamily="50" charset="-128"/>
+                        </a:rPr>
+                        <a:t>100</a:t>
+                      </a:r>
+                      <a:r>
+                        <a:rPr lang="ja-JP" altLang="en-US" sz="1400" b="0" i="0" dirty="0">
+                          <a:solidFill>
+                            <a:srgbClr val="FF0000"/>
+                          </a:solidFill>
+                          <a:effectLst>
+                            <a:innerShdw blurRad="63500" dist="50800" dir="13500000">
+                              <a:prstClr val="black">
+                                <a:alpha val="50000"/>
+                              </a:prstClr>
+                            </a:innerShdw>
+                          </a:effectLst>
+                          <a:latin typeface="HGS創英角ﾎﾟｯﾌﾟ体" panose="040B0A00000000000000" pitchFamily="50" charset="-128"/>
+                          <a:ea typeface="HGS創英角ﾎﾟｯﾌﾟ体" panose="040B0A00000000000000" pitchFamily="50" charset="-128"/>
+                        </a:rPr>
+                        <a:t>枚収集</a:t>
+                      </a:r>
+                      <a:endParaRPr lang="en-US" altLang="ja-JP" sz="1400" b="0" i="0" dirty="0">
+                        <a:solidFill>
+                          <a:srgbClr val="FF0000"/>
+                        </a:solidFill>
+                        <a:effectLst>
+                          <a:innerShdw blurRad="63500" dist="50800" dir="13500000">
+                            <a:prstClr val="black">
+                              <a:alpha val="50000"/>
+                            </a:prstClr>
+                          </a:innerShdw>
+                        </a:effectLst>
+                        <a:latin typeface="HGS創英角ﾎﾟｯﾌﾟ体" panose="040B0A00000000000000" pitchFamily="50" charset="-128"/>
+                        <a:ea typeface="HGS創英角ﾎﾟｯﾌﾟ体" panose="040B0A00000000000000" pitchFamily="50" charset="-128"/>
+                      </a:endParaRPr>
+                    </a:p>
+                  </a:txBody>
+                  <a:tcPr marL="0" marR="0" marT="0" marB="0" anchor="ctr">
+                    <a:lnL w="12700" cmpd="sng">
+                      <a:noFill/>
+                    </a:lnL>
+                    <a:lnR w="12700" cmpd="sng">
+                      <a:noFill/>
+                    </a:lnR>
+                    <a:lnT w="12700" cmpd="sng">
+                      <a:noFill/>
+                    </a:lnT>
+                    <a:lnB w="12700" cmpd="sng">
+                      <a:noFill/>
+                    </a:lnB>
+                    <a:lnTlToBr w="12700" cmpd="sng">
+                      <a:noFill/>
+                      <a:prstDash val="solid"/>
+                    </a:lnTlToBr>
+                    <a:lnBlToTr w="12700" cmpd="sng">
+                      <a:noFill/>
+                      <a:prstDash val="solid"/>
+                    </a:lnBlToTr>
+                    <a:noFill/>
+                  </a:tcPr>
+                </a:tc>
+                <a:tc>
+                  <a:txBody>
+                    <a:bodyPr/>
+                    <a:lstStyle/>
+                    <a:p>
+                      <a:pPr marL="0" marR="0" lvl="0" indent="0" algn="r" defTabSz="914400" rtl="0" eaLnBrk="1" fontAlgn="auto" latinLnBrk="0" hangingPunct="1">
+                        <a:lnSpc>
+                          <a:spcPct val="100000"/>
+                        </a:lnSpc>
+                        <a:spcBef>
+                          <a:spcPts val="0"/>
+                        </a:spcBef>
+                        <a:spcAft>
+                          <a:spcPts val="0"/>
+                        </a:spcAft>
+                        <a:buClrTx/>
+                        <a:buSzTx/>
+                        <a:buFontTx/>
+                        <a:buNone/>
+                        <a:tabLst/>
+                        <a:defRPr/>
+                      </a:pPr>
+                      <a:r>
+                        <a:rPr kumimoji="1" lang="ja-JP" altLang="en-US" b="0" dirty="0">
+                          <a:solidFill>
+                            <a:srgbClr val="FF0000"/>
+                          </a:solidFill>
+                          <a:effectLst>
+                            <a:glow rad="63500">
+                              <a:schemeClr val="accent4">
+                                <a:satMod val="175000"/>
+                                <a:alpha val="40000"/>
+                              </a:schemeClr>
+                            </a:glow>
+                            <a:innerShdw blurRad="63500" dist="50800" dir="13500000">
+                              <a:prstClr val="black">
+                                <a:alpha val="50000"/>
+                              </a:prstClr>
+                            </a:innerShdw>
+                          </a:effectLst>
+                          <a:latin typeface="HGS創英角ﾎﾟｯﾌﾟ体" panose="040B0A00000000000000" pitchFamily="50" charset="-128"/>
+                          <a:ea typeface="HGS創英角ﾎﾟｯﾌﾟ体" panose="040B0A00000000000000" pitchFamily="50" charset="-128"/>
+                        </a:rPr>
+                        <a:t>ギミック博士</a:t>
+                      </a:r>
+                      <a:endParaRPr kumimoji="1" lang="en-US" altLang="ja-JP" b="0" dirty="0">
+                        <a:solidFill>
+                          <a:srgbClr val="FF0000"/>
+                        </a:solidFill>
+                        <a:effectLst>
+                          <a:glow rad="63500">
+                            <a:schemeClr val="accent4">
+                              <a:satMod val="175000"/>
+                              <a:alpha val="40000"/>
+                            </a:schemeClr>
+                          </a:glow>
+                          <a:innerShdw blurRad="63500" dist="50800" dir="13500000">
+                            <a:prstClr val="black">
+                              <a:alpha val="50000"/>
+                            </a:prstClr>
+                          </a:innerShdw>
+                        </a:effectLst>
+                        <a:latin typeface="HGS創英角ﾎﾟｯﾌﾟ体" panose="040B0A00000000000000" pitchFamily="50" charset="-128"/>
+                        <a:ea typeface="HGS創英角ﾎﾟｯﾌﾟ体" panose="040B0A00000000000000" pitchFamily="50" charset="-128"/>
+                      </a:endParaRPr>
+                    </a:p>
+                  </a:txBody>
+                  <a:tcPr marL="0" marR="0" marT="0" marB="0">
+                    <a:lnL w="12700" cmpd="sng">
+                      <a:noFill/>
+                    </a:lnL>
+                    <a:lnR w="12700" cmpd="sng">
+                      <a:noFill/>
+                    </a:lnR>
+                    <a:lnT w="12700" cmpd="sng">
+                      <a:noFill/>
+                    </a:lnT>
+                    <a:lnB w="12700" cmpd="sng">
+                      <a:noFill/>
+                    </a:lnB>
+                    <a:lnTlToBr w="12700" cmpd="sng">
+                      <a:noFill/>
+                      <a:prstDash val="solid"/>
+                    </a:lnTlToBr>
+                    <a:lnBlToTr w="12700" cmpd="sng">
+                      <a:noFill/>
+                      <a:prstDash val="solid"/>
+                    </a:lnBlToTr>
+                    <a:noFill/>
+                  </a:tcPr>
+                </a:tc>
+                <a:tc>
+                  <a:txBody>
+                    <a:bodyPr/>
+                    <a:lstStyle/>
+                    <a:p>
+                      <a:pPr marL="0" marR="0" lvl="0" indent="0" algn="r" defTabSz="914400" rtl="0" eaLnBrk="1" fontAlgn="auto" latinLnBrk="0" hangingPunct="1">
+                        <a:lnSpc>
+                          <a:spcPct val="100000"/>
+                        </a:lnSpc>
+                        <a:spcBef>
+                          <a:spcPts val="0"/>
+                        </a:spcBef>
+                        <a:spcAft>
+                          <a:spcPts val="0"/>
+                        </a:spcAft>
+                        <a:buClrTx/>
+                        <a:buSzTx/>
+                        <a:buFontTx/>
+                        <a:buNone/>
+                        <a:tabLst/>
+                        <a:defRPr/>
+                      </a:pPr>
+                      <a:r>
+                        <a:rPr kumimoji="1" lang="ja-JP" altLang="en-US" sz="1400" b="0" i="0" u="none" strike="noStrike" kern="1200" cap="none" spc="0" normalizeH="0" baseline="0" noProof="0" dirty="0">
+                          <a:ln>
+                            <a:noFill/>
+                          </a:ln>
+                          <a:solidFill>
+                            <a:srgbClr val="FF0000"/>
+                          </a:solidFill>
+                          <a:effectLst>
+                            <a:innerShdw blurRad="63500" dist="50800" dir="13500000">
+                              <a:prstClr val="black">
+                                <a:alpha val="50000"/>
+                              </a:prstClr>
+                            </a:innerShdw>
+                          </a:effectLst>
+                          <a:uLnTx/>
+                          <a:uFillTx/>
+                          <a:latin typeface="HGS創英角ﾎﾟｯﾌﾟ体" panose="040B0A00000000000000" pitchFamily="50" charset="-128"/>
+                          <a:ea typeface="HGS創英角ﾎﾟｯﾌﾟ体" panose="040B0A00000000000000" pitchFamily="50" charset="-128"/>
+                          <a:cs typeface="+mn-cs"/>
+                        </a:rPr>
+                        <a:t>ギミックを</a:t>
+                      </a:r>
+                      <a:r>
+                        <a:rPr kumimoji="1" lang="en-US" altLang="ja-JP" sz="1400" b="0" i="0" u="none" strike="noStrike" kern="1200" cap="none" spc="0" normalizeH="0" baseline="0" noProof="0" dirty="0">
+                          <a:ln>
+                            <a:noFill/>
+                          </a:ln>
+                          <a:solidFill>
+                            <a:srgbClr val="FF0000"/>
+                          </a:solidFill>
+                          <a:effectLst>
+                            <a:innerShdw blurRad="63500" dist="50800" dir="13500000">
+                              <a:prstClr val="black">
+                                <a:alpha val="50000"/>
+                              </a:prstClr>
+                            </a:innerShdw>
+                          </a:effectLst>
+                          <a:uLnTx/>
+                          <a:uFillTx/>
+                          <a:latin typeface="HGS創英角ﾎﾟｯﾌﾟ体" panose="040B0A00000000000000" pitchFamily="50" charset="-128"/>
+                          <a:ea typeface="HGS創英角ﾎﾟｯﾌﾟ体" panose="040B0A00000000000000" pitchFamily="50" charset="-128"/>
+                          <a:cs typeface="+mn-cs"/>
+                        </a:rPr>
+                        <a:t>50</a:t>
+                      </a:r>
+                      <a:r>
+                        <a:rPr kumimoji="1" lang="ja-JP" altLang="en-US" sz="1400" b="0" i="0" u="none" strike="noStrike" kern="1200" cap="none" spc="0" normalizeH="0" baseline="0" noProof="0" dirty="0">
+                          <a:ln>
+                            <a:noFill/>
+                          </a:ln>
+                          <a:solidFill>
+                            <a:srgbClr val="FF0000"/>
+                          </a:solidFill>
+                          <a:effectLst>
+                            <a:innerShdw blurRad="63500" dist="50800" dir="13500000">
+                              <a:prstClr val="black">
+                                <a:alpha val="50000"/>
+                              </a:prstClr>
+                            </a:innerShdw>
+                          </a:effectLst>
+                          <a:uLnTx/>
+                          <a:uFillTx/>
+                          <a:latin typeface="HGS創英角ﾎﾟｯﾌﾟ体" panose="040B0A00000000000000" pitchFamily="50" charset="-128"/>
+                          <a:ea typeface="HGS創英角ﾎﾟｯﾌﾟ体" panose="040B0A00000000000000" pitchFamily="50" charset="-128"/>
+                          <a:cs typeface="+mn-cs"/>
+                        </a:rPr>
+                        <a:t>回処理</a:t>
+                      </a:r>
+                      <a:endParaRPr kumimoji="1" lang="ja-JP" altLang="en-US" sz="1400" b="0" i="0" u="none" strike="noStrike" kern="1200" cap="none" spc="0" normalizeH="0" baseline="0" noProof="0" dirty="0">
+                        <a:ln>
+                          <a:noFill/>
+                        </a:ln>
+                        <a:solidFill>
+                          <a:srgbClr val="FF0000"/>
+                        </a:solidFill>
+                        <a:effectLst/>
+                        <a:uLnTx/>
+                        <a:uFillTx/>
+                        <a:latin typeface="HGS創英角ﾎﾟｯﾌﾟ体" panose="040B0A00000000000000" pitchFamily="50" charset="-128"/>
+                        <a:ea typeface="HGS創英角ﾎﾟｯﾌﾟ体" panose="040B0A00000000000000" pitchFamily="50" charset="-128"/>
+                        <a:cs typeface="+mn-cs"/>
+                      </a:endParaRPr>
+                    </a:p>
+                  </a:txBody>
+                  <a:tcPr marL="0" marR="0" marT="0" marB="0" anchor="ctr">
+                    <a:lnL w="12700" cmpd="sng">
+                      <a:noFill/>
+                    </a:lnL>
+                    <a:lnR w="12700" cmpd="sng">
+                      <a:noFill/>
+                    </a:lnR>
+                    <a:lnT w="12700" cmpd="sng">
+                      <a:noFill/>
+                    </a:lnT>
+                    <a:lnB w="12700" cmpd="sng">
+                      <a:noFill/>
+                    </a:lnB>
+                    <a:lnTlToBr w="12700" cmpd="sng">
+                      <a:noFill/>
+                      <a:prstDash val="solid"/>
+                    </a:lnTlToBr>
+                    <a:lnBlToTr w="12700" cmpd="sng">
+                      <a:noFill/>
+                      <a:prstDash val="solid"/>
+                    </a:lnBlToTr>
+                    <a:noFill/>
+                  </a:tcPr>
+                </a:tc>
+                <a:extLst>
+                  <a:ext uri="{0D108BD9-81ED-4DB2-BD59-A6C34878D82A}">
+                    <a16:rowId xmlns:a16="http://schemas.microsoft.com/office/drawing/2014/main" val="1008075915"/>
+                  </a:ext>
+                </a:extLst>
+              </a:tr>
+              <a:tr h="324000">
+                <a:tc>
+                  <a:txBody>
+                    <a:bodyPr/>
+                    <a:lstStyle/>
+                    <a:p>
+                      <a:pPr marL="0" marR="0" lvl="0" indent="0" algn="r" defTabSz="914400" rtl="0" eaLnBrk="1" fontAlgn="auto" latinLnBrk="0" hangingPunct="1">
+                        <a:lnSpc>
+                          <a:spcPct val="100000"/>
+                        </a:lnSpc>
+                        <a:spcBef>
+                          <a:spcPts val="0"/>
+                        </a:spcBef>
+                        <a:spcAft>
+                          <a:spcPts val="0"/>
+                        </a:spcAft>
+                        <a:buClrTx/>
+                        <a:buSzTx/>
+                        <a:buFontTx/>
+                        <a:buNone/>
+                        <a:tabLst/>
+                        <a:defRPr/>
+                      </a:pPr>
+                      <a:r>
+                        <a:rPr lang="ja-JP" altLang="en-US" dirty="0">
+                          <a:solidFill>
+                            <a:srgbClr val="FF0000"/>
+                          </a:solidFill>
+                          <a:effectLst>
+                            <a:glow rad="63500">
+                              <a:schemeClr val="accent4">
+                                <a:satMod val="175000"/>
+                                <a:alpha val="40000"/>
+                              </a:schemeClr>
+                            </a:glow>
+                            <a:innerShdw blurRad="63500" dist="50800" dir="13500000">
+                              <a:prstClr val="black">
+                                <a:alpha val="50000"/>
+                              </a:prstClr>
+                            </a:innerShdw>
+                          </a:effectLst>
+                          <a:latin typeface="HGS創英角ﾎﾟｯﾌﾟ体" panose="040B0A00000000000000" pitchFamily="50" charset="-128"/>
+                          <a:ea typeface="HGS創英角ﾎﾟｯﾌﾟ体" panose="040B0A00000000000000" pitchFamily="50" charset="-128"/>
+                        </a:rPr>
+                        <a:t>コイン収集を極めし者</a:t>
+                      </a:r>
+                      <a:endParaRPr lang="en-US" altLang="ja-JP" dirty="0">
+                        <a:solidFill>
+                          <a:srgbClr val="FF0000"/>
+                        </a:solidFill>
+                        <a:effectLst>
+                          <a:glow rad="63500">
+                            <a:schemeClr val="accent4">
+                              <a:satMod val="175000"/>
+                              <a:alpha val="40000"/>
+                            </a:schemeClr>
+                          </a:glow>
+                          <a:innerShdw blurRad="63500" dist="50800" dir="13500000">
+                            <a:prstClr val="black">
+                              <a:alpha val="50000"/>
+                            </a:prstClr>
+                          </a:innerShdw>
+                        </a:effectLst>
+                        <a:latin typeface="HGS創英角ﾎﾟｯﾌﾟ体" panose="040B0A00000000000000" pitchFamily="50" charset="-128"/>
+                        <a:ea typeface="HGS創英角ﾎﾟｯﾌﾟ体" panose="040B0A00000000000000" pitchFamily="50" charset="-128"/>
+                      </a:endParaRPr>
+                    </a:p>
+                  </a:txBody>
+                  <a:tcPr marL="0" marR="0" marT="0" marB="0">
+                    <a:lnL w="12700" cmpd="sng">
+                      <a:noFill/>
+                    </a:lnL>
+                    <a:lnR w="12700" cmpd="sng">
+                      <a:noFill/>
+                    </a:lnR>
+                    <a:lnT w="12700" cmpd="sng">
+                      <a:noFill/>
+                    </a:lnT>
+                    <a:lnB w="12700" cmpd="sng">
+                      <a:noFill/>
+                    </a:lnB>
+                    <a:lnTlToBr w="12700" cmpd="sng">
+                      <a:noFill/>
+                      <a:prstDash val="solid"/>
+                    </a:lnTlToBr>
+                    <a:lnBlToTr w="12700" cmpd="sng">
+                      <a:noFill/>
+                      <a:prstDash val="solid"/>
+                    </a:lnBlToTr>
+                    <a:noFill/>
+                  </a:tcPr>
+                </a:tc>
+                <a:tc>
+                  <a:txBody>
+                    <a:bodyPr/>
+                    <a:lstStyle/>
+                    <a:p>
+                      <a:pPr marL="0" marR="0" lvl="0" indent="0" algn="r" defTabSz="914400" rtl="0" eaLnBrk="1" fontAlgn="auto" latinLnBrk="0" hangingPunct="1">
+                        <a:lnSpc>
+                          <a:spcPct val="100000"/>
+                        </a:lnSpc>
+                        <a:spcBef>
+                          <a:spcPts val="0"/>
+                        </a:spcBef>
+                        <a:spcAft>
+                          <a:spcPts val="0"/>
+                        </a:spcAft>
+                        <a:buClrTx/>
+                        <a:buSzTx/>
+                        <a:buFontTx/>
+                        <a:buNone/>
+                        <a:tabLst/>
+                        <a:defRPr/>
+                      </a:pPr>
+                      <a:r>
+                        <a:rPr lang="ja-JP" altLang="en-US" sz="1400" b="0" i="0" dirty="0">
+                          <a:solidFill>
+                            <a:srgbClr val="FF0000"/>
+                          </a:solidFill>
+                          <a:effectLst>
+                            <a:innerShdw blurRad="63500" dist="50800" dir="13500000">
+                              <a:prstClr val="black">
+                                <a:alpha val="50000"/>
+                              </a:prstClr>
+                            </a:innerShdw>
+                          </a:effectLst>
+                          <a:latin typeface="HGS創英角ﾎﾟｯﾌﾟ体" panose="040B0A00000000000000" pitchFamily="50" charset="-128"/>
+                          <a:ea typeface="HGS創英角ﾎﾟｯﾌﾟ体" panose="040B0A00000000000000" pitchFamily="50" charset="-128"/>
+                        </a:rPr>
+                        <a:t>コインを</a:t>
+                      </a:r>
+                      <a:r>
+                        <a:rPr lang="en-US" altLang="ja-JP" sz="1400" b="0" i="0" dirty="0">
+                          <a:solidFill>
+                            <a:srgbClr val="FF0000"/>
+                          </a:solidFill>
+                          <a:effectLst>
+                            <a:innerShdw blurRad="63500" dist="50800" dir="13500000">
+                              <a:prstClr val="black">
+                                <a:alpha val="50000"/>
+                              </a:prstClr>
+                            </a:innerShdw>
+                          </a:effectLst>
+                          <a:latin typeface="HGS創英角ﾎﾟｯﾌﾟ体" panose="040B0A00000000000000" pitchFamily="50" charset="-128"/>
+                          <a:ea typeface="HGS創英角ﾎﾟｯﾌﾟ体" panose="040B0A00000000000000" pitchFamily="50" charset="-128"/>
+                        </a:rPr>
+                        <a:t>1000</a:t>
+                      </a:r>
+                      <a:r>
+                        <a:rPr lang="ja-JP" altLang="en-US" sz="1400" b="0" i="0" dirty="0">
+                          <a:solidFill>
+                            <a:srgbClr val="FF0000"/>
+                          </a:solidFill>
+                          <a:effectLst>
+                            <a:innerShdw blurRad="63500" dist="50800" dir="13500000">
+                              <a:prstClr val="black">
+                                <a:alpha val="50000"/>
+                              </a:prstClr>
+                            </a:innerShdw>
+                          </a:effectLst>
+                          <a:latin typeface="HGS創英角ﾎﾟｯﾌﾟ体" panose="040B0A00000000000000" pitchFamily="50" charset="-128"/>
+                          <a:ea typeface="HGS創英角ﾎﾟｯﾌﾟ体" panose="040B0A00000000000000" pitchFamily="50" charset="-128"/>
+                        </a:rPr>
+                        <a:t>枚収集</a:t>
+                      </a:r>
+                      <a:endParaRPr lang="en-US" altLang="ja-JP" sz="1400" b="0" i="0" dirty="0">
+                        <a:solidFill>
+                          <a:srgbClr val="FF0000"/>
+                        </a:solidFill>
+                        <a:effectLst>
+                          <a:innerShdw blurRad="63500" dist="50800" dir="13500000">
+                            <a:prstClr val="black">
+                              <a:alpha val="50000"/>
+                            </a:prstClr>
+                          </a:innerShdw>
+                        </a:effectLst>
+                        <a:latin typeface="HGS創英角ﾎﾟｯﾌﾟ体" panose="040B0A00000000000000" pitchFamily="50" charset="-128"/>
+                        <a:ea typeface="HGS創英角ﾎﾟｯﾌﾟ体" panose="040B0A00000000000000" pitchFamily="50" charset="-128"/>
+                      </a:endParaRPr>
+                    </a:p>
+                  </a:txBody>
+                  <a:tcPr marL="0" marR="0" marT="0" marB="0" anchor="ctr">
+                    <a:lnL w="12700" cmpd="sng">
+                      <a:noFill/>
+                    </a:lnL>
+                    <a:lnR w="12700" cmpd="sng">
+                      <a:noFill/>
+                    </a:lnR>
+                    <a:lnT w="12700" cmpd="sng">
+                      <a:noFill/>
+                    </a:lnT>
+                    <a:lnB w="12700" cmpd="sng">
+                      <a:noFill/>
+                    </a:lnB>
+                    <a:lnTlToBr w="12700" cmpd="sng">
+                      <a:noFill/>
+                      <a:prstDash val="solid"/>
+                    </a:lnTlToBr>
+                    <a:lnBlToTr w="12700" cmpd="sng">
+                      <a:noFill/>
+                      <a:prstDash val="solid"/>
+                    </a:lnBlToTr>
+                    <a:noFill/>
+                  </a:tcPr>
+                </a:tc>
+                <a:tc>
+                  <a:txBody>
+                    <a:bodyPr/>
+                    <a:lstStyle/>
+                    <a:p>
+                      <a:pPr algn="r"/>
+                      <a:r>
+                        <a:rPr kumimoji="1" lang="ja-JP" altLang="en-US" sz="1800" b="0" i="0" u="none" strike="noStrike" kern="1200" cap="none" spc="0" normalizeH="0" baseline="0" noProof="0" dirty="0">
+                          <a:ln>
+                            <a:noFill/>
+                          </a:ln>
+                          <a:solidFill>
+                            <a:srgbClr val="FF0000"/>
+                          </a:solidFill>
+                          <a:effectLst>
+                            <a:glow rad="63500">
+                              <a:srgbClr val="FFC000">
+                                <a:satMod val="175000"/>
+                                <a:alpha val="40000"/>
+                              </a:srgbClr>
+                            </a:glow>
+                            <a:innerShdw blurRad="63500" dist="50800" dir="13500000">
+                              <a:prstClr val="black">
+                                <a:alpha val="50000"/>
+                              </a:prstClr>
+                            </a:innerShdw>
+                          </a:effectLst>
+                          <a:uLnTx/>
+                          <a:uFillTx/>
+                          <a:latin typeface="HGS創英角ﾎﾟｯﾌﾟ体" panose="040B0A00000000000000" pitchFamily="50" charset="-128"/>
+                          <a:ea typeface="HGS創英角ﾎﾟｯﾌﾟ体" panose="040B0A00000000000000" pitchFamily="50" charset="-128"/>
+                          <a:cs typeface="+mn-cs"/>
+                        </a:rPr>
+                        <a:t>長く魅せる者</a:t>
+                      </a:r>
+                      <a:endParaRPr kumimoji="1" lang="ja-JP" altLang="en-US" dirty="0"/>
+                    </a:p>
+                  </a:txBody>
+                  <a:tcPr marL="0" marR="0" marT="0" marB="0">
+                    <a:lnL w="12700" cmpd="sng">
+                      <a:noFill/>
+                    </a:lnL>
+                    <a:lnR w="12700" cmpd="sng">
+                      <a:noFill/>
+                    </a:lnR>
+                    <a:lnT w="12700" cmpd="sng">
+                      <a:noFill/>
+                    </a:lnT>
+                    <a:lnB w="12700" cmpd="sng">
+                      <a:noFill/>
+                    </a:lnB>
+                    <a:lnTlToBr w="12700" cmpd="sng">
+                      <a:noFill/>
+                      <a:prstDash val="solid"/>
+                    </a:lnTlToBr>
+                    <a:lnBlToTr w="12700" cmpd="sng">
+                      <a:noFill/>
+                      <a:prstDash val="solid"/>
+                    </a:lnBlToTr>
+                    <a:noFill/>
+                  </a:tcPr>
+                </a:tc>
+                <a:tc>
+                  <a:txBody>
+                    <a:bodyPr/>
+                    <a:lstStyle/>
+                    <a:p>
+                      <a:pPr algn="r"/>
+                      <a:r>
+                        <a:rPr kumimoji="1" lang="en-US" altLang="ja-JP" sz="1400" b="0" i="0" u="none" strike="noStrike" kern="1200" cap="none" spc="0" normalizeH="0" baseline="0" noProof="0" dirty="0">
+                          <a:ln>
+                            <a:noFill/>
+                          </a:ln>
+                          <a:solidFill>
+                            <a:srgbClr val="FF0000"/>
+                          </a:solidFill>
+                          <a:effectLst>
+                            <a:innerShdw blurRad="63500" dist="50800" dir="13500000">
+                              <a:prstClr val="black">
+                                <a:alpha val="50000"/>
+                              </a:prstClr>
+                            </a:innerShdw>
+                          </a:effectLst>
+                          <a:uLnTx/>
+                          <a:uFillTx/>
+                          <a:latin typeface="HGS創英角ﾎﾟｯﾌﾟ体" panose="040B0A00000000000000" pitchFamily="50" charset="-128"/>
+                          <a:ea typeface="HGS創英角ﾎﾟｯﾌﾟ体" panose="040B0A00000000000000" pitchFamily="50" charset="-128"/>
+                          <a:cs typeface="+mn-cs"/>
+                        </a:rPr>
+                        <a:t>90</a:t>
+                      </a:r>
+                      <a:r>
+                        <a:rPr kumimoji="1" lang="ja-JP" altLang="en-US" sz="1400" b="0" i="0" u="none" strike="noStrike" kern="1200" cap="none" spc="0" normalizeH="0" baseline="0" noProof="0" dirty="0">
+                          <a:ln>
+                            <a:noFill/>
+                          </a:ln>
+                          <a:solidFill>
+                            <a:srgbClr val="FF0000"/>
+                          </a:solidFill>
+                          <a:effectLst>
+                            <a:innerShdw blurRad="63500" dist="50800" dir="13500000">
+                              <a:prstClr val="black">
+                                <a:alpha val="50000"/>
+                              </a:prstClr>
+                            </a:innerShdw>
+                          </a:effectLst>
+                          <a:uLnTx/>
+                          <a:uFillTx/>
+                          <a:latin typeface="HGS創英角ﾎﾟｯﾌﾟ体" panose="040B0A00000000000000" pitchFamily="50" charset="-128"/>
+                          <a:ea typeface="HGS創英角ﾎﾟｯﾌﾟ体" panose="040B0A00000000000000" pitchFamily="50" charset="-128"/>
+                          <a:cs typeface="+mn-cs"/>
+                        </a:rPr>
+                        <a:t>秒生存</a:t>
+                      </a:r>
+                      <a:endParaRPr kumimoji="1" lang="ja-JP" altLang="en-US" b="0" dirty="0">
+                        <a:solidFill>
+                          <a:srgbClr val="FF0000"/>
+                        </a:solidFill>
+                        <a:latin typeface="HGS創英角ﾎﾟｯﾌﾟ体" panose="040B0A00000000000000" pitchFamily="50" charset="-128"/>
+                        <a:ea typeface="HGS創英角ﾎﾟｯﾌﾟ体" panose="040B0A00000000000000" pitchFamily="50" charset="-128"/>
+                      </a:endParaRPr>
+                    </a:p>
+                  </a:txBody>
+                  <a:tcPr marL="0" marR="0" marT="0" marB="0" anchor="ctr">
+                    <a:lnL w="12700" cmpd="sng">
+                      <a:noFill/>
+                    </a:lnL>
+                    <a:lnR w="12700" cmpd="sng">
+                      <a:noFill/>
+                    </a:lnR>
+                    <a:lnT w="12700" cmpd="sng">
+                      <a:noFill/>
+                    </a:lnT>
+                    <a:lnB w="12700" cmpd="sng">
+                      <a:noFill/>
+                    </a:lnB>
+                    <a:lnTlToBr w="12700" cmpd="sng">
+                      <a:noFill/>
+                      <a:prstDash val="solid"/>
+                    </a:lnTlToBr>
+                    <a:lnBlToTr w="12700" cmpd="sng">
+                      <a:noFill/>
+                      <a:prstDash val="solid"/>
+                    </a:lnBlToTr>
+                    <a:noFill/>
+                  </a:tcPr>
+                </a:tc>
+                <a:extLst>
+                  <a:ext uri="{0D108BD9-81ED-4DB2-BD59-A6C34878D82A}">
+                    <a16:rowId xmlns:a16="http://schemas.microsoft.com/office/drawing/2014/main" val="783265652"/>
+                  </a:ext>
+                </a:extLst>
+              </a:tr>
+              <a:tr h="324000">
+                <a:tc>
+                  <a:txBody>
+                    <a:bodyPr/>
+                    <a:lstStyle/>
+                    <a:p>
+                      <a:pPr marL="0" marR="0" lvl="0" indent="0" algn="r" defTabSz="914400" rtl="0" eaLnBrk="1" fontAlgn="auto" latinLnBrk="0" hangingPunct="1">
+                        <a:lnSpc>
+                          <a:spcPct val="100000"/>
+                        </a:lnSpc>
+                        <a:spcBef>
+                          <a:spcPts val="0"/>
+                        </a:spcBef>
+                        <a:spcAft>
+                          <a:spcPts val="0"/>
+                        </a:spcAft>
+                        <a:buClrTx/>
+                        <a:buSzTx/>
+                        <a:buFontTx/>
+                        <a:buNone/>
+                        <a:tabLst/>
+                        <a:defRPr/>
+                      </a:pPr>
+                      <a:r>
+                        <a:rPr lang="ja-JP" altLang="en-US" dirty="0">
+                          <a:solidFill>
+                            <a:srgbClr val="FF0000"/>
+                          </a:solidFill>
+                          <a:effectLst>
+                            <a:glow rad="63500">
+                              <a:schemeClr val="accent4">
+                                <a:satMod val="175000"/>
+                                <a:alpha val="40000"/>
+                              </a:schemeClr>
+                            </a:glow>
+                            <a:innerShdw blurRad="63500" dist="50800" dir="13500000">
+                              <a:prstClr val="black">
+                                <a:alpha val="50000"/>
+                              </a:prstClr>
+                            </a:innerShdw>
+                          </a:effectLst>
+                          <a:latin typeface="HGS創英角ﾎﾟｯﾌﾟ体" panose="040B0A00000000000000" pitchFamily="50" charset="-128"/>
+                          <a:ea typeface="HGS創英角ﾎﾟｯﾌﾟ体" panose="040B0A00000000000000" pitchFamily="50" charset="-128"/>
+                        </a:rPr>
+                        <a:t>最初の一歩</a:t>
+                      </a:r>
+                      <a:endParaRPr lang="en-US" altLang="ja-JP" dirty="0">
+                        <a:solidFill>
+                          <a:srgbClr val="FF0000"/>
+                        </a:solidFill>
+                        <a:effectLst>
+                          <a:glow rad="63500">
+                            <a:schemeClr val="accent4">
+                              <a:satMod val="175000"/>
+                              <a:alpha val="40000"/>
+                            </a:schemeClr>
+                          </a:glow>
+                          <a:innerShdw blurRad="63500" dist="50800" dir="13500000">
+                            <a:prstClr val="black">
+                              <a:alpha val="50000"/>
+                            </a:prstClr>
+                          </a:innerShdw>
+                        </a:effectLst>
+                        <a:latin typeface="HGS創英角ﾎﾟｯﾌﾟ体" panose="040B0A00000000000000" pitchFamily="50" charset="-128"/>
+                        <a:ea typeface="HGS創英角ﾎﾟｯﾌﾟ体" panose="040B0A00000000000000" pitchFamily="50" charset="-128"/>
+                      </a:endParaRPr>
+                    </a:p>
+                  </a:txBody>
+                  <a:tcPr marL="0" marR="0" marT="0" marB="0">
+                    <a:lnL w="12700" cmpd="sng">
+                      <a:noFill/>
+                    </a:lnL>
+                    <a:lnR w="12700" cmpd="sng">
+                      <a:noFill/>
+                    </a:lnR>
+                    <a:lnT w="12700" cmpd="sng">
+                      <a:noFill/>
+                    </a:lnT>
+                    <a:lnB w="12700" cmpd="sng">
+                      <a:noFill/>
+                    </a:lnB>
+                    <a:lnTlToBr w="12700" cmpd="sng">
+                      <a:noFill/>
+                      <a:prstDash val="solid"/>
+                    </a:lnTlToBr>
+                    <a:lnBlToTr w="12700" cmpd="sng">
+                      <a:noFill/>
+                      <a:prstDash val="solid"/>
+                    </a:lnBlToTr>
+                    <a:noFill/>
+                  </a:tcPr>
+                </a:tc>
+                <a:tc>
+                  <a:txBody>
+                    <a:bodyPr/>
+                    <a:lstStyle/>
+                    <a:p>
+                      <a:pPr algn="r"/>
+                      <a:r>
+                        <a:rPr lang="en-US" altLang="ja-JP" sz="1400" b="0" i="0" dirty="0">
+                          <a:solidFill>
+                            <a:srgbClr val="FF0000"/>
+                          </a:solidFill>
+                          <a:effectLst>
+                            <a:innerShdw blurRad="63500" dist="50800" dir="13500000">
+                              <a:prstClr val="black">
+                                <a:alpha val="50000"/>
+                              </a:prstClr>
+                            </a:innerShdw>
+                          </a:effectLst>
+                          <a:latin typeface="HGS創英角ﾎﾟｯﾌﾟ体" panose="040B0A00000000000000" pitchFamily="50" charset="-128"/>
+                          <a:ea typeface="HGS創英角ﾎﾟｯﾌﾟ体" panose="040B0A00000000000000" pitchFamily="50" charset="-128"/>
+                        </a:rPr>
+                        <a:t>1m</a:t>
+                      </a:r>
+                      <a:r>
+                        <a:rPr lang="ja-JP" altLang="en-US" sz="1400" b="0" i="0" dirty="0">
+                          <a:solidFill>
+                            <a:srgbClr val="FF0000"/>
+                          </a:solidFill>
+                          <a:effectLst>
+                            <a:innerShdw blurRad="63500" dist="50800" dir="13500000">
+                              <a:prstClr val="black">
+                                <a:alpha val="50000"/>
+                              </a:prstClr>
+                            </a:innerShdw>
+                          </a:effectLst>
+                          <a:latin typeface="HGS創英角ﾎﾟｯﾌﾟ体" panose="040B0A00000000000000" pitchFamily="50" charset="-128"/>
+                          <a:ea typeface="HGS創英角ﾎﾟｯﾌﾟ体" panose="040B0A00000000000000" pitchFamily="50" charset="-128"/>
+                        </a:rPr>
+                        <a:t>走る</a:t>
+                      </a:r>
+                      <a:endParaRPr kumimoji="1" lang="ja-JP" altLang="en-US" sz="1400" b="0" i="0" dirty="0">
+                        <a:solidFill>
+                          <a:srgbClr val="FF0000"/>
+                        </a:solidFill>
+                        <a:latin typeface="HGS創英角ﾎﾟｯﾌﾟ体" panose="040B0A00000000000000" pitchFamily="50" charset="-128"/>
+                        <a:ea typeface="HGS創英角ﾎﾟｯﾌﾟ体" panose="040B0A00000000000000" pitchFamily="50" charset="-128"/>
+                      </a:endParaRPr>
+                    </a:p>
+                  </a:txBody>
+                  <a:tcPr marL="0" marR="0" marT="0" marB="0" anchor="ctr">
+                    <a:lnL w="12700" cmpd="sng">
+                      <a:noFill/>
+                    </a:lnL>
+                    <a:lnR w="12700" cmpd="sng">
+                      <a:noFill/>
+                    </a:lnR>
+                    <a:lnT w="12700" cmpd="sng">
+                      <a:noFill/>
+                    </a:lnT>
+                    <a:lnB w="12700" cmpd="sng">
+                      <a:noFill/>
+                    </a:lnB>
+                    <a:lnTlToBr w="12700" cmpd="sng">
+                      <a:noFill/>
+                      <a:prstDash val="solid"/>
+                    </a:lnTlToBr>
+                    <a:lnBlToTr w="12700" cmpd="sng">
+                      <a:noFill/>
+                      <a:prstDash val="solid"/>
+                    </a:lnBlToTr>
+                    <a:noFill/>
+                  </a:tcPr>
+                </a:tc>
+                <a:tc>
+                  <a:txBody>
+                    <a:bodyPr/>
+                    <a:lstStyle/>
+                    <a:p>
+                      <a:pPr algn="r"/>
+                      <a:r>
+                        <a:rPr kumimoji="1" lang="ja-JP" altLang="en-US" sz="1800" b="0" i="0" u="none" strike="noStrike" kern="1200" cap="none" spc="0" normalizeH="0" baseline="0" noProof="0" dirty="0">
+                          <a:ln>
+                            <a:noFill/>
+                          </a:ln>
+                          <a:solidFill>
+                            <a:srgbClr val="FFC000"/>
+                          </a:solidFill>
+                          <a:effectLst>
+                            <a:glow rad="101600">
+                              <a:schemeClr val="bg1">
+                                <a:alpha val="60000"/>
+                              </a:schemeClr>
+                            </a:glow>
+                            <a:innerShdw blurRad="63500" dist="50800" dir="13500000">
+                              <a:prstClr val="black">
+                                <a:alpha val="50000"/>
+                              </a:prstClr>
+                            </a:innerShdw>
+                          </a:effectLst>
+                          <a:uLnTx/>
+                          <a:uFillTx/>
+                          <a:latin typeface="HGS創英角ﾎﾟｯﾌﾟ体" panose="040B0A00000000000000" pitchFamily="50" charset="-128"/>
+                          <a:ea typeface="HGS創英角ﾎﾟｯﾌﾟ体" panose="040B0A00000000000000" pitchFamily="50" charset="-128"/>
+                          <a:cs typeface="+mn-cs"/>
+                        </a:rPr>
+                        <a:t>億万長者</a:t>
+                      </a:r>
+                      <a:endParaRPr kumimoji="1" lang="ja-JP" altLang="en-US" dirty="0">
+                        <a:solidFill>
+                          <a:srgbClr val="FFC000"/>
+                        </a:solidFill>
+                        <a:effectLst>
+                          <a:glow rad="101600">
+                            <a:schemeClr val="bg1">
+                              <a:alpha val="60000"/>
+                            </a:schemeClr>
+                          </a:glow>
+                        </a:effectLst>
+                      </a:endParaRPr>
+                    </a:p>
+                  </a:txBody>
+                  <a:tcPr marL="0" marR="0" marT="0" marB="0">
+                    <a:lnL w="12700" cmpd="sng">
+                      <a:noFill/>
+                    </a:lnL>
+                    <a:lnR w="12700" cmpd="sng">
+                      <a:noFill/>
+                    </a:lnR>
+                    <a:lnT w="12700" cmpd="sng">
+                      <a:noFill/>
+                    </a:lnT>
+                    <a:lnB w="12700" cmpd="sng">
+                      <a:noFill/>
+                    </a:lnB>
+                    <a:lnTlToBr w="12700" cmpd="sng">
+                      <a:noFill/>
+                      <a:prstDash val="solid"/>
+                    </a:lnTlToBr>
+                    <a:lnBlToTr w="12700" cmpd="sng">
+                      <a:noFill/>
+                      <a:prstDash val="solid"/>
+                    </a:lnBlToTr>
+                    <a:noFill/>
+                  </a:tcPr>
+                </a:tc>
+                <a:tc>
+                  <a:txBody>
+                    <a:bodyPr/>
+                    <a:lstStyle/>
+                    <a:p>
+                      <a:pPr algn="r"/>
+                      <a:r>
+                        <a:rPr kumimoji="1" lang="ja-JP" altLang="en-US" sz="1000" b="0" i="0" u="none" strike="noStrike" kern="1200" cap="none" spc="0" normalizeH="0" baseline="0" noProof="0" dirty="0">
+                          <a:ln>
+                            <a:noFill/>
+                          </a:ln>
+                          <a:solidFill>
+                            <a:srgbClr val="FF0000"/>
+                          </a:solidFill>
+                          <a:effectLst>
+                            <a:innerShdw blurRad="63500" dist="50800" dir="13500000">
+                              <a:prstClr val="black">
+                                <a:alpha val="50000"/>
+                              </a:prstClr>
+                            </a:innerShdw>
+                          </a:effectLst>
+                          <a:uLnTx/>
+                          <a:uFillTx/>
+                          <a:latin typeface="HGS創英角ﾎﾟｯﾌﾟ体" panose="040B0A00000000000000" pitchFamily="50" charset="-128"/>
+                          <a:ea typeface="HGS創英角ﾎﾟｯﾌﾟ体" panose="040B0A00000000000000" pitchFamily="50" charset="-128"/>
+                          <a:cs typeface="+mn-cs"/>
+                        </a:rPr>
+                        <a:t>コインを</a:t>
+                      </a:r>
+                      <a:r>
+                        <a:rPr kumimoji="1" lang="en-US" altLang="ja-JP" sz="1000" b="0" i="0" u="none" strike="noStrike" kern="1200" cap="none" spc="0" normalizeH="0" baseline="0" noProof="0" dirty="0">
+                          <a:ln>
+                            <a:noFill/>
+                          </a:ln>
+                          <a:solidFill>
+                            <a:srgbClr val="FF0000"/>
+                          </a:solidFill>
+                          <a:effectLst>
+                            <a:innerShdw blurRad="63500" dist="50800" dir="13500000">
+                              <a:prstClr val="black">
+                                <a:alpha val="50000"/>
+                              </a:prstClr>
+                            </a:innerShdw>
+                          </a:effectLst>
+                          <a:uLnTx/>
+                          <a:uFillTx/>
+                          <a:latin typeface="HGS創英角ﾎﾟｯﾌﾟ体" panose="040B0A00000000000000" pitchFamily="50" charset="-128"/>
+                          <a:ea typeface="HGS創英角ﾎﾟｯﾌﾟ体" panose="040B0A00000000000000" pitchFamily="50" charset="-128"/>
+                          <a:cs typeface="+mn-cs"/>
+                        </a:rPr>
+                        <a:t>75</a:t>
+                      </a:r>
+                      <a:r>
+                        <a:rPr kumimoji="1" lang="ja-JP" altLang="en-US" sz="1000" b="0" i="0" u="none" strike="noStrike" kern="1200" cap="none" spc="0" normalizeH="0" baseline="0" noProof="0" dirty="0">
+                          <a:ln>
+                            <a:noFill/>
+                          </a:ln>
+                          <a:solidFill>
+                            <a:srgbClr val="FF0000"/>
+                          </a:solidFill>
+                          <a:effectLst>
+                            <a:innerShdw blurRad="63500" dist="50800" dir="13500000">
+                              <a:prstClr val="black">
+                                <a:alpha val="50000"/>
+                              </a:prstClr>
+                            </a:innerShdw>
+                          </a:effectLst>
+                          <a:uLnTx/>
+                          <a:uFillTx/>
+                          <a:latin typeface="HGS創英角ﾎﾟｯﾌﾟ体" panose="040B0A00000000000000" pitchFamily="50" charset="-128"/>
+                          <a:ea typeface="HGS創英角ﾎﾟｯﾌﾟ体" panose="040B0A00000000000000" pitchFamily="50" charset="-128"/>
+                          <a:cs typeface="+mn-cs"/>
+                        </a:rPr>
+                        <a:t>枚収集　　　　　　　　　　　</a:t>
+                      </a:r>
+                      <a:r>
+                        <a:rPr kumimoji="1" lang="en-US" altLang="ja-JP" sz="1000" b="0" i="0" u="none" strike="noStrike" kern="1200" cap="none" spc="0" normalizeH="0" baseline="0" noProof="0" dirty="0">
+                          <a:ln>
+                            <a:noFill/>
+                          </a:ln>
+                          <a:solidFill>
+                            <a:srgbClr val="FF0000"/>
+                          </a:solidFill>
+                          <a:effectLst>
+                            <a:innerShdw blurRad="63500" dist="50800" dir="13500000">
+                              <a:prstClr val="black">
+                                <a:alpha val="50000"/>
+                              </a:prstClr>
+                            </a:innerShdw>
+                          </a:effectLst>
+                          <a:uLnTx/>
+                          <a:uFillTx/>
+                          <a:latin typeface="HGS創英角ﾎﾟｯﾌﾟ体" panose="040B0A00000000000000" pitchFamily="50" charset="-128"/>
+                          <a:ea typeface="HGS創英角ﾎﾟｯﾌﾟ体" panose="040B0A00000000000000" pitchFamily="50" charset="-128"/>
+                          <a:cs typeface="+mn-cs"/>
+                        </a:rPr>
+                        <a:t>(300</a:t>
+                      </a:r>
+                      <a:r>
+                        <a:rPr kumimoji="1" lang="ja-JP" altLang="en-US" sz="1000" b="0" i="0" u="none" strike="noStrike" kern="1200" cap="none" spc="0" normalizeH="0" baseline="0" noProof="0" dirty="0">
+                          <a:ln>
+                            <a:noFill/>
+                          </a:ln>
+                          <a:solidFill>
+                            <a:srgbClr val="FF0000"/>
+                          </a:solidFill>
+                          <a:effectLst>
+                            <a:innerShdw blurRad="63500" dist="50800" dir="13500000">
+                              <a:prstClr val="black">
+                                <a:alpha val="50000"/>
+                              </a:prstClr>
+                            </a:innerShdw>
+                          </a:effectLst>
+                          <a:uLnTx/>
+                          <a:uFillTx/>
+                          <a:latin typeface="HGS創英角ﾎﾟｯﾌﾟ体" panose="040B0A00000000000000" pitchFamily="50" charset="-128"/>
+                          <a:ea typeface="HGS創英角ﾎﾟｯﾌﾟ体" panose="040B0A00000000000000" pitchFamily="50" charset="-128"/>
+                          <a:cs typeface="+mn-cs"/>
+                        </a:rPr>
+                        <a:t>枚以降複数回獲得可能</a:t>
+                      </a:r>
+                      <a:r>
+                        <a:rPr kumimoji="1" lang="en-US" altLang="ja-JP" sz="1000" b="0" i="0" u="none" strike="noStrike" kern="1200" cap="none" spc="0" normalizeH="0" baseline="0" noProof="0" dirty="0">
+                          <a:ln>
+                            <a:noFill/>
+                          </a:ln>
+                          <a:solidFill>
+                            <a:srgbClr val="FF0000"/>
+                          </a:solidFill>
+                          <a:effectLst>
+                            <a:innerShdw blurRad="63500" dist="50800" dir="13500000">
+                              <a:prstClr val="black">
+                                <a:alpha val="50000"/>
+                              </a:prstClr>
+                            </a:innerShdw>
+                          </a:effectLst>
+                          <a:uLnTx/>
+                          <a:uFillTx/>
+                          <a:latin typeface="HGS創英角ﾎﾟｯﾌﾟ体" panose="040B0A00000000000000" pitchFamily="50" charset="-128"/>
+                          <a:ea typeface="HGS創英角ﾎﾟｯﾌﾟ体" panose="040B0A00000000000000" pitchFamily="50" charset="-128"/>
+                          <a:cs typeface="+mn-cs"/>
+                        </a:rPr>
+                        <a:t>)</a:t>
+                      </a:r>
+                      <a:endParaRPr kumimoji="1" lang="ja-JP" altLang="en-US" sz="1100" b="0" dirty="0">
+                        <a:solidFill>
+                          <a:srgbClr val="FF0000"/>
+                        </a:solidFill>
+                        <a:latin typeface="HGS創英角ﾎﾟｯﾌﾟ体" panose="040B0A00000000000000" pitchFamily="50" charset="-128"/>
+                        <a:ea typeface="HGS創英角ﾎﾟｯﾌﾟ体" panose="040B0A00000000000000" pitchFamily="50" charset="-128"/>
+                      </a:endParaRPr>
+                    </a:p>
+                  </a:txBody>
+                  <a:tcPr marL="0" marR="0" marT="0" marB="0" anchor="ctr">
+                    <a:lnL w="12700" cmpd="sng">
+                      <a:noFill/>
+                    </a:lnL>
+                    <a:lnR w="12700" cmpd="sng">
+                      <a:noFill/>
+                    </a:lnR>
+                    <a:lnT w="12700" cmpd="sng">
+                      <a:noFill/>
+                    </a:lnT>
+                    <a:lnB w="12700" cmpd="sng">
+                      <a:noFill/>
+                    </a:lnB>
+                    <a:lnTlToBr w="12700" cmpd="sng">
+                      <a:noFill/>
+                      <a:prstDash val="solid"/>
+                    </a:lnTlToBr>
+                    <a:lnBlToTr w="12700" cmpd="sng">
+                      <a:noFill/>
+                      <a:prstDash val="solid"/>
+                    </a:lnBlToTr>
+                    <a:noFill/>
+                  </a:tcPr>
+                </a:tc>
+                <a:extLst>
+                  <a:ext uri="{0D108BD9-81ED-4DB2-BD59-A6C34878D82A}">
+                    <a16:rowId xmlns:a16="http://schemas.microsoft.com/office/drawing/2014/main" val="1362482565"/>
+                  </a:ext>
+                </a:extLst>
+              </a:tr>
+              <a:tr h="324000">
+                <a:tc>
+                  <a:txBody>
+                    <a:bodyPr/>
+                    <a:lstStyle/>
+                    <a:p>
+                      <a:pPr algn="r"/>
+                      <a:r>
+                        <a:rPr lang="ja-JP" altLang="en-US" dirty="0">
+                          <a:solidFill>
+                            <a:srgbClr val="FF0000"/>
+                          </a:solidFill>
+                          <a:effectLst>
+                            <a:glow rad="63500">
+                              <a:schemeClr val="accent4">
+                                <a:satMod val="175000"/>
+                                <a:alpha val="40000"/>
+                              </a:schemeClr>
+                            </a:glow>
+                            <a:innerShdw blurRad="63500" dist="50800" dir="13500000">
+                              <a:prstClr val="black">
+                                <a:alpha val="50000"/>
+                              </a:prstClr>
+                            </a:innerShdw>
+                          </a:effectLst>
+                          <a:latin typeface="HGS創英角ﾎﾟｯﾌﾟ体" panose="040B0A00000000000000" pitchFamily="50" charset="-128"/>
+                          <a:ea typeface="HGS創英角ﾎﾟｯﾌﾟ体" panose="040B0A00000000000000" pitchFamily="50" charset="-128"/>
+                        </a:rPr>
+                        <a:t>走ることの楽しさ</a:t>
+                      </a:r>
+                      <a:endParaRPr lang="en-US" altLang="ja-JP" dirty="0">
+                        <a:solidFill>
+                          <a:srgbClr val="FF0000"/>
+                        </a:solidFill>
+                        <a:effectLst>
+                          <a:glow rad="63500">
+                            <a:schemeClr val="accent4">
+                              <a:satMod val="175000"/>
+                              <a:alpha val="40000"/>
+                            </a:schemeClr>
+                          </a:glow>
+                          <a:innerShdw blurRad="63500" dist="50800" dir="13500000">
+                            <a:prstClr val="black">
+                              <a:alpha val="50000"/>
+                            </a:prstClr>
+                          </a:innerShdw>
+                        </a:effectLst>
+                        <a:latin typeface="HGS創英角ﾎﾟｯﾌﾟ体" panose="040B0A00000000000000" pitchFamily="50" charset="-128"/>
+                        <a:ea typeface="HGS創英角ﾎﾟｯﾌﾟ体" panose="040B0A00000000000000" pitchFamily="50" charset="-128"/>
+                      </a:endParaRPr>
+                    </a:p>
+                  </a:txBody>
+                  <a:tcPr marL="0" marR="0" marT="0" marB="0">
+                    <a:lnL w="12700" cmpd="sng">
+                      <a:noFill/>
+                    </a:lnL>
+                    <a:lnR w="12700" cmpd="sng">
+                      <a:noFill/>
+                    </a:lnR>
+                    <a:lnT w="12700" cmpd="sng">
+                      <a:noFill/>
+                    </a:lnT>
+                    <a:lnB w="12700" cmpd="sng">
+                      <a:noFill/>
+                    </a:lnB>
+                    <a:lnTlToBr w="12700" cmpd="sng">
+                      <a:noFill/>
+                      <a:prstDash val="solid"/>
+                    </a:lnTlToBr>
+                    <a:lnBlToTr w="12700" cmpd="sng">
+                      <a:noFill/>
+                      <a:prstDash val="solid"/>
+                    </a:lnBlToTr>
+                    <a:noFill/>
+                  </a:tcPr>
+                </a:tc>
+                <a:tc>
+                  <a:txBody>
+                    <a:bodyPr/>
+                    <a:lstStyle/>
+                    <a:p>
+                      <a:pPr algn="r"/>
+                      <a:r>
+                        <a:rPr kumimoji="1" lang="en-US" altLang="ja-JP" sz="1400" b="0" i="0" dirty="0">
+                          <a:solidFill>
+                            <a:srgbClr val="FF0000"/>
+                          </a:solidFill>
+                          <a:latin typeface="HGS創英角ﾎﾟｯﾌﾟ体" panose="040B0A00000000000000" pitchFamily="50" charset="-128"/>
+                          <a:ea typeface="HGS創英角ﾎﾟｯﾌﾟ体" panose="040B0A00000000000000" pitchFamily="50" charset="-128"/>
+                        </a:rPr>
+                        <a:t>10m</a:t>
+                      </a:r>
+                      <a:r>
+                        <a:rPr kumimoji="1" lang="ja-JP" altLang="en-US" sz="1400" b="0" i="0" dirty="0">
+                          <a:solidFill>
+                            <a:srgbClr val="FF0000"/>
+                          </a:solidFill>
+                          <a:latin typeface="HGS創英角ﾎﾟｯﾌﾟ体" panose="040B0A00000000000000" pitchFamily="50" charset="-128"/>
+                          <a:ea typeface="HGS創英角ﾎﾟｯﾌﾟ体" panose="040B0A00000000000000" pitchFamily="50" charset="-128"/>
+                        </a:rPr>
+                        <a:t>走る</a:t>
+                      </a:r>
+                    </a:p>
+                  </a:txBody>
+                  <a:tcPr marL="0" marR="0" marT="0" marB="0" anchor="ctr">
+                    <a:lnL w="12700" cmpd="sng">
+                      <a:noFill/>
+                    </a:lnL>
+                    <a:lnR w="12700" cmpd="sng">
+                      <a:noFill/>
+                    </a:lnR>
+                    <a:lnT w="12700" cmpd="sng">
+                      <a:noFill/>
+                    </a:lnT>
+                    <a:lnB w="12700" cmpd="sng">
+                      <a:noFill/>
+                    </a:lnB>
+                    <a:lnTlToBr w="12700" cmpd="sng">
+                      <a:noFill/>
+                      <a:prstDash val="solid"/>
+                    </a:lnTlToBr>
+                    <a:lnBlToTr w="12700" cmpd="sng">
+                      <a:noFill/>
+                      <a:prstDash val="solid"/>
+                    </a:lnBlToTr>
+                    <a:noFill/>
+                  </a:tcPr>
+                </a:tc>
+                <a:tc>
+                  <a:txBody>
+                    <a:bodyPr/>
+                    <a:lstStyle/>
+                    <a:p>
+                      <a:pPr algn="r"/>
+                      <a:r>
+                        <a:rPr kumimoji="1" lang="ja-JP" altLang="en-US" sz="1800" b="0" i="0" u="none" strike="noStrike" kern="1200" cap="none" spc="0" normalizeH="0" baseline="0" noProof="0" dirty="0">
+                          <a:ln>
+                            <a:noFill/>
+                          </a:ln>
+                          <a:solidFill>
+                            <a:srgbClr val="FFC000"/>
+                          </a:solidFill>
+                          <a:effectLst>
+                            <a:glow rad="101600">
+                              <a:schemeClr val="bg1">
+                                <a:alpha val="60000"/>
+                              </a:schemeClr>
+                            </a:glow>
+                            <a:innerShdw blurRad="63500" dist="50800" dir="13500000">
+                              <a:prstClr val="black">
+                                <a:alpha val="50000"/>
+                              </a:prstClr>
+                            </a:innerShdw>
+                          </a:effectLst>
+                          <a:uLnTx/>
+                          <a:uFillTx/>
+                          <a:latin typeface="HGS創英角ﾎﾟｯﾌﾟ体" panose="040B0A00000000000000" pitchFamily="50" charset="-128"/>
+                          <a:ea typeface="HGS創英角ﾎﾟｯﾌﾟ体" panose="040B0A00000000000000" pitchFamily="50" charset="-128"/>
+                          <a:cs typeface="+mn-cs"/>
+                        </a:rPr>
+                        <a:t>無限のスタミナ</a:t>
+                      </a:r>
+                      <a:endParaRPr kumimoji="1" lang="ja-JP" altLang="en-US" dirty="0">
+                        <a:solidFill>
+                          <a:srgbClr val="FFC000"/>
+                        </a:solidFill>
+                        <a:effectLst>
+                          <a:glow rad="101600">
+                            <a:schemeClr val="bg1">
+                              <a:alpha val="60000"/>
+                            </a:schemeClr>
+                          </a:glow>
+                        </a:effectLst>
+                      </a:endParaRPr>
+                    </a:p>
+                  </a:txBody>
+                  <a:tcPr marL="0" marR="0" marT="0" marB="0">
+                    <a:lnL w="12700" cmpd="sng">
+                      <a:noFill/>
+                    </a:lnL>
+                    <a:lnR w="12700" cmpd="sng">
+                      <a:noFill/>
+                    </a:lnR>
+                    <a:lnT w="12700" cmpd="sng">
+                      <a:noFill/>
+                    </a:lnT>
+                    <a:lnB w="12700" cmpd="sng">
+                      <a:noFill/>
+                    </a:lnB>
+                    <a:lnTlToBr w="12700" cmpd="sng">
+                      <a:noFill/>
+                      <a:prstDash val="solid"/>
+                    </a:lnTlToBr>
+                    <a:lnBlToTr w="12700" cmpd="sng">
+                      <a:noFill/>
+                      <a:prstDash val="solid"/>
+                    </a:lnBlToTr>
+                    <a:noFill/>
+                  </a:tcPr>
+                </a:tc>
+                <a:tc>
+                  <a:txBody>
+                    <a:bodyPr/>
+                    <a:lstStyle/>
+                    <a:p>
+                      <a:pPr marL="0" marR="0" lvl="0" indent="0" algn="r" defTabSz="914400" rtl="0" eaLnBrk="1" fontAlgn="auto" latinLnBrk="0" hangingPunct="1">
+                        <a:lnSpc>
+                          <a:spcPct val="100000"/>
+                        </a:lnSpc>
+                        <a:spcBef>
+                          <a:spcPts val="0"/>
+                        </a:spcBef>
+                        <a:spcAft>
+                          <a:spcPts val="0"/>
+                        </a:spcAft>
+                        <a:buClrTx/>
+                        <a:buSzTx/>
+                        <a:buFontTx/>
+                        <a:buNone/>
+                        <a:tabLst/>
+                        <a:defRPr/>
+                      </a:pPr>
+                      <a:r>
+                        <a:rPr kumimoji="1" lang="en-US" altLang="ja-JP" sz="1000" b="0" i="0" u="none" strike="noStrike" kern="1200" cap="none" spc="0" normalizeH="0" baseline="0" noProof="0" dirty="0">
+                          <a:ln>
+                            <a:noFill/>
+                          </a:ln>
+                          <a:solidFill>
+                            <a:srgbClr val="FF0000"/>
+                          </a:solidFill>
+                          <a:effectLst>
+                            <a:innerShdw blurRad="63500" dist="50800" dir="13500000">
+                              <a:prstClr val="black">
+                                <a:alpha val="50000"/>
+                              </a:prstClr>
+                            </a:innerShdw>
+                          </a:effectLst>
+                          <a:uLnTx/>
+                          <a:uFillTx/>
+                          <a:latin typeface="HGS創英角ﾎﾟｯﾌﾟ体" panose="040B0A00000000000000" pitchFamily="50" charset="-128"/>
+                          <a:ea typeface="HGS創英角ﾎﾟｯﾌﾟ体" panose="040B0A00000000000000" pitchFamily="50" charset="-128"/>
+                          <a:cs typeface="+mn-cs"/>
+                        </a:rPr>
+                        <a:t>150m</a:t>
+                      </a:r>
+                      <a:r>
+                        <a:rPr kumimoji="1" lang="ja-JP" altLang="en-US" sz="1000" b="0" i="0" u="none" strike="noStrike" kern="1200" cap="none" spc="0" normalizeH="0" baseline="0" noProof="0" dirty="0">
+                          <a:ln>
+                            <a:noFill/>
+                          </a:ln>
+                          <a:solidFill>
+                            <a:srgbClr val="FF0000"/>
+                          </a:solidFill>
+                          <a:effectLst>
+                            <a:innerShdw blurRad="63500" dist="50800" dir="13500000">
+                              <a:prstClr val="black">
+                                <a:alpha val="50000"/>
+                              </a:prstClr>
+                            </a:innerShdw>
+                          </a:effectLst>
+                          <a:uLnTx/>
+                          <a:uFillTx/>
+                          <a:latin typeface="HGS創英角ﾎﾟｯﾌﾟ体" panose="040B0A00000000000000" pitchFamily="50" charset="-128"/>
+                          <a:ea typeface="HGS創英角ﾎﾟｯﾌﾟ体" panose="040B0A00000000000000" pitchFamily="50" charset="-128"/>
+                          <a:cs typeface="+mn-cs"/>
+                        </a:rPr>
+                        <a:t>走る　　　　　　　　　　　　　　 </a:t>
+                      </a:r>
+                      <a:r>
+                        <a:rPr kumimoji="1" lang="en-US" altLang="ja-JP" sz="1000" b="0" i="0" u="none" strike="noStrike" kern="1200" cap="none" spc="0" normalizeH="0" baseline="0" noProof="0" dirty="0">
+                          <a:ln>
+                            <a:noFill/>
+                          </a:ln>
+                          <a:solidFill>
+                            <a:srgbClr val="FF0000"/>
+                          </a:solidFill>
+                          <a:effectLst>
+                            <a:innerShdw blurRad="63500" dist="50800" dir="13500000">
+                              <a:prstClr val="black">
+                                <a:alpha val="50000"/>
+                              </a:prstClr>
+                            </a:innerShdw>
+                          </a:effectLst>
+                          <a:uLnTx/>
+                          <a:uFillTx/>
+                          <a:latin typeface="HGS創英角ﾎﾟｯﾌﾟ体" panose="040B0A00000000000000" pitchFamily="50" charset="-128"/>
+                          <a:ea typeface="HGS創英角ﾎﾟｯﾌﾟ体" panose="040B0A00000000000000" pitchFamily="50" charset="-128"/>
+                          <a:cs typeface="+mn-cs"/>
+                        </a:rPr>
+                        <a:t>(500m</a:t>
+                      </a:r>
+                      <a:r>
+                        <a:rPr kumimoji="1" lang="ja-JP" altLang="en-US" sz="1000" b="0" i="0" u="none" strike="noStrike" kern="1200" cap="none" spc="0" normalizeH="0" baseline="0" noProof="0" dirty="0">
+                          <a:ln>
+                            <a:noFill/>
+                          </a:ln>
+                          <a:solidFill>
+                            <a:srgbClr val="FF0000"/>
+                          </a:solidFill>
+                          <a:effectLst>
+                            <a:innerShdw blurRad="63500" dist="50800" dir="13500000">
+                              <a:prstClr val="black">
+                                <a:alpha val="50000"/>
+                              </a:prstClr>
+                            </a:innerShdw>
+                          </a:effectLst>
+                          <a:uLnTx/>
+                          <a:uFillTx/>
+                          <a:latin typeface="HGS創英角ﾎﾟｯﾌﾟ体" panose="040B0A00000000000000" pitchFamily="50" charset="-128"/>
+                          <a:ea typeface="HGS創英角ﾎﾟｯﾌﾟ体" panose="040B0A00000000000000" pitchFamily="50" charset="-128"/>
+                          <a:cs typeface="+mn-cs"/>
+                        </a:rPr>
+                        <a:t>以降複数回獲得可能</a:t>
+                      </a:r>
+                      <a:r>
+                        <a:rPr kumimoji="1" lang="en-US" altLang="ja-JP" sz="1000" b="0" i="0" u="none" strike="noStrike" kern="1200" cap="none" spc="0" normalizeH="0" baseline="0" noProof="0" dirty="0">
+                          <a:ln>
+                            <a:noFill/>
+                          </a:ln>
+                          <a:solidFill>
+                            <a:srgbClr val="FF0000"/>
+                          </a:solidFill>
+                          <a:effectLst>
+                            <a:innerShdw blurRad="63500" dist="50800" dir="13500000">
+                              <a:prstClr val="black">
+                                <a:alpha val="50000"/>
+                              </a:prstClr>
+                            </a:innerShdw>
+                          </a:effectLst>
+                          <a:uLnTx/>
+                          <a:uFillTx/>
+                          <a:latin typeface="HGS創英角ﾎﾟｯﾌﾟ体" panose="040B0A00000000000000" pitchFamily="50" charset="-128"/>
+                          <a:ea typeface="HGS創英角ﾎﾟｯﾌﾟ体" panose="040B0A00000000000000" pitchFamily="50" charset="-128"/>
+                          <a:cs typeface="+mn-cs"/>
+                        </a:rPr>
+                        <a:t>)</a:t>
+                      </a:r>
+                      <a:endParaRPr kumimoji="1" lang="ja-JP" altLang="en-US" sz="1100" b="0" i="0" u="none" strike="noStrike" kern="1200" cap="none" spc="0" normalizeH="0" baseline="0" noProof="0" dirty="0">
+                        <a:ln>
+                          <a:noFill/>
+                        </a:ln>
+                        <a:solidFill>
+                          <a:srgbClr val="FF0000"/>
+                        </a:solidFill>
+                        <a:effectLst/>
+                        <a:uLnTx/>
+                        <a:uFillTx/>
+                        <a:latin typeface="HGS創英角ﾎﾟｯﾌﾟ体" panose="040B0A00000000000000" pitchFamily="50" charset="-128"/>
+                        <a:ea typeface="HGS創英角ﾎﾟｯﾌﾟ体" panose="040B0A00000000000000" pitchFamily="50" charset="-128"/>
+                        <a:cs typeface="+mn-cs"/>
+                      </a:endParaRPr>
+                    </a:p>
+                  </a:txBody>
+                  <a:tcPr marL="0" marR="0" marT="0" marB="0" anchor="ctr">
+                    <a:lnL w="12700" cmpd="sng">
+                      <a:noFill/>
+                    </a:lnL>
+                    <a:lnR w="12700" cmpd="sng">
+                      <a:noFill/>
+                    </a:lnR>
+                    <a:lnT w="12700" cmpd="sng">
+                      <a:noFill/>
+                    </a:lnT>
+                    <a:lnB w="12700" cmpd="sng">
+                      <a:noFill/>
+                    </a:lnB>
+                    <a:lnTlToBr w="12700" cmpd="sng">
+                      <a:noFill/>
+                      <a:prstDash val="solid"/>
+                    </a:lnTlToBr>
+                    <a:lnBlToTr w="12700" cmpd="sng">
+                      <a:noFill/>
+                      <a:prstDash val="solid"/>
+                    </a:lnBlToTr>
+                    <a:noFill/>
+                  </a:tcPr>
+                </a:tc>
+                <a:extLst>
+                  <a:ext uri="{0D108BD9-81ED-4DB2-BD59-A6C34878D82A}">
+                    <a16:rowId xmlns:a16="http://schemas.microsoft.com/office/drawing/2014/main" val="3823815785"/>
+                  </a:ext>
+                </a:extLst>
+              </a:tr>
+              <a:tr h="324000">
+                <a:tc>
+                  <a:txBody>
+                    <a:bodyPr/>
+                    <a:lstStyle/>
+                    <a:p>
+                      <a:pPr marL="0" marR="0" lvl="0" indent="0" algn="r" defTabSz="914400" rtl="0" eaLnBrk="1" fontAlgn="auto" latinLnBrk="0" hangingPunct="1">
+                        <a:lnSpc>
+                          <a:spcPct val="100000"/>
+                        </a:lnSpc>
+                        <a:spcBef>
+                          <a:spcPts val="0"/>
+                        </a:spcBef>
+                        <a:spcAft>
+                          <a:spcPts val="0"/>
+                        </a:spcAft>
+                        <a:buClrTx/>
+                        <a:buSzTx/>
+                        <a:buFontTx/>
+                        <a:buNone/>
+                        <a:tabLst/>
+                        <a:defRPr/>
+                      </a:pPr>
+                      <a:r>
+                        <a:rPr lang="ja-JP" altLang="en-US" dirty="0">
+                          <a:solidFill>
+                            <a:srgbClr val="FF0000"/>
+                          </a:solidFill>
+                          <a:effectLst>
+                            <a:glow rad="63500">
+                              <a:schemeClr val="accent4">
+                                <a:satMod val="175000"/>
+                                <a:alpha val="40000"/>
+                              </a:schemeClr>
+                            </a:glow>
+                            <a:innerShdw blurRad="63500" dist="50800" dir="13500000">
+                              <a:prstClr val="black">
+                                <a:alpha val="50000"/>
+                              </a:prstClr>
+                            </a:innerShdw>
+                          </a:effectLst>
+                          <a:latin typeface="HGS創英角ﾎﾟｯﾌﾟ体" panose="040B0A00000000000000" pitchFamily="50" charset="-128"/>
+                          <a:ea typeface="HGS創英角ﾎﾟｯﾌﾟ体" panose="040B0A00000000000000" pitchFamily="50" charset="-128"/>
+                        </a:rPr>
+                        <a:t>駆けることの楽しさ</a:t>
+                      </a:r>
+                      <a:endParaRPr lang="en-US" altLang="ja-JP" dirty="0">
+                        <a:solidFill>
+                          <a:srgbClr val="FF0000"/>
+                        </a:solidFill>
+                        <a:effectLst>
+                          <a:glow rad="63500">
+                            <a:schemeClr val="accent4">
+                              <a:satMod val="175000"/>
+                              <a:alpha val="40000"/>
+                            </a:schemeClr>
+                          </a:glow>
+                          <a:innerShdw blurRad="63500" dist="50800" dir="13500000">
+                            <a:prstClr val="black">
+                              <a:alpha val="50000"/>
+                            </a:prstClr>
+                          </a:innerShdw>
+                        </a:effectLst>
+                        <a:latin typeface="HGS創英角ﾎﾟｯﾌﾟ体" panose="040B0A00000000000000" pitchFamily="50" charset="-128"/>
+                        <a:ea typeface="HGS創英角ﾎﾟｯﾌﾟ体" panose="040B0A00000000000000" pitchFamily="50" charset="-128"/>
+                      </a:endParaRPr>
+                    </a:p>
+                  </a:txBody>
+                  <a:tcPr marL="0" marR="0" marT="0" marB="0">
+                    <a:lnL w="12700" cmpd="sng">
+                      <a:noFill/>
+                    </a:lnL>
+                    <a:lnR w="12700" cmpd="sng">
+                      <a:noFill/>
+                    </a:lnR>
+                    <a:lnT w="12700" cmpd="sng">
+                      <a:noFill/>
+                    </a:lnT>
+                    <a:lnB w="12700" cmpd="sng">
+                      <a:noFill/>
+                    </a:lnB>
+                    <a:lnTlToBr w="12700" cmpd="sng">
+                      <a:noFill/>
+                      <a:prstDash val="solid"/>
+                    </a:lnTlToBr>
+                    <a:lnBlToTr w="12700" cmpd="sng">
+                      <a:noFill/>
+                      <a:prstDash val="solid"/>
+                    </a:lnBlToTr>
+                    <a:noFill/>
+                  </a:tcPr>
+                </a:tc>
+                <a:tc>
+                  <a:txBody>
+                    <a:bodyPr/>
+                    <a:lstStyle/>
+                    <a:p>
+                      <a:pPr algn="r"/>
+                      <a:r>
+                        <a:rPr kumimoji="1" lang="en-US" altLang="ja-JP" sz="1400" b="0" i="0" dirty="0">
+                          <a:solidFill>
+                            <a:srgbClr val="FF0000"/>
+                          </a:solidFill>
+                          <a:latin typeface="HGS創英角ﾎﾟｯﾌﾟ体" panose="040B0A00000000000000" pitchFamily="50" charset="-128"/>
+                          <a:ea typeface="HGS創英角ﾎﾟｯﾌﾟ体" panose="040B0A00000000000000" pitchFamily="50" charset="-128"/>
+                        </a:rPr>
+                        <a:t>100m</a:t>
+                      </a:r>
+                      <a:r>
+                        <a:rPr kumimoji="1" lang="ja-JP" altLang="en-US" sz="1400" b="0" i="0" dirty="0">
+                          <a:solidFill>
+                            <a:srgbClr val="FF0000"/>
+                          </a:solidFill>
+                          <a:latin typeface="HGS創英角ﾎﾟｯﾌﾟ体" panose="040B0A00000000000000" pitchFamily="50" charset="-128"/>
+                          <a:ea typeface="HGS創英角ﾎﾟｯﾌﾟ体" panose="040B0A00000000000000" pitchFamily="50" charset="-128"/>
+                        </a:rPr>
+                        <a:t>走る</a:t>
+                      </a:r>
+                    </a:p>
+                  </a:txBody>
+                  <a:tcPr marL="0" marR="0" marT="0" marB="0" anchor="ctr">
+                    <a:lnL w="12700" cmpd="sng">
+                      <a:noFill/>
+                    </a:lnL>
+                    <a:lnR w="12700" cmpd="sng">
+                      <a:noFill/>
+                    </a:lnR>
+                    <a:lnT w="12700" cmpd="sng">
+                      <a:noFill/>
+                    </a:lnT>
+                    <a:lnB w="12700" cmpd="sng">
+                      <a:noFill/>
+                    </a:lnB>
+                    <a:lnTlToBr w="12700" cmpd="sng">
+                      <a:noFill/>
+                      <a:prstDash val="solid"/>
+                    </a:lnTlToBr>
+                    <a:lnBlToTr w="12700" cmpd="sng">
+                      <a:noFill/>
+                      <a:prstDash val="solid"/>
+                    </a:lnBlToTr>
+                    <a:noFill/>
+                  </a:tcPr>
+                </a:tc>
+                <a:tc>
+                  <a:txBody>
+                    <a:bodyPr/>
+                    <a:lstStyle/>
+                    <a:p>
+                      <a:pPr algn="r"/>
+                      <a:r>
+                        <a:rPr kumimoji="1" lang="ja-JP" altLang="en-US" sz="1800" b="0" i="0" u="none" strike="noStrike" kern="1200" cap="none" spc="0" normalizeH="0" baseline="0" noProof="0" dirty="0">
+                          <a:ln>
+                            <a:noFill/>
+                          </a:ln>
+                          <a:solidFill>
+                            <a:srgbClr val="FFC000"/>
+                          </a:solidFill>
+                          <a:effectLst>
+                            <a:glow rad="139700">
+                              <a:schemeClr val="bg1">
+                                <a:alpha val="40000"/>
+                              </a:schemeClr>
+                            </a:glow>
+                            <a:innerShdw blurRad="63500" dist="50800" dir="13500000">
+                              <a:prstClr val="black">
+                                <a:alpha val="50000"/>
+                              </a:prstClr>
+                            </a:innerShdw>
+                          </a:effectLst>
+                          <a:uLnTx/>
+                          <a:uFillTx/>
+                          <a:latin typeface="HGS創英角ﾎﾟｯﾌﾟ体" panose="040B0A00000000000000" pitchFamily="50" charset="-128"/>
+                          <a:ea typeface="HGS創英角ﾎﾟｯﾌﾟ体" panose="040B0A00000000000000" pitchFamily="50" charset="-128"/>
+                          <a:cs typeface="+mn-cs"/>
+                        </a:rPr>
+                        <a:t>衰えない直感</a:t>
+                      </a:r>
+                      <a:endParaRPr kumimoji="1" lang="ja-JP" altLang="en-US" dirty="0">
+                        <a:solidFill>
+                          <a:srgbClr val="FFC000"/>
+                        </a:solidFill>
+                        <a:effectLst>
+                          <a:glow rad="139700">
+                            <a:schemeClr val="bg1">
+                              <a:alpha val="40000"/>
+                            </a:schemeClr>
+                          </a:glow>
+                        </a:effectLst>
+                      </a:endParaRPr>
+                    </a:p>
+                  </a:txBody>
+                  <a:tcPr marL="0" marR="0" marT="0" marB="0">
+                    <a:lnL w="12700" cmpd="sng">
+                      <a:noFill/>
+                    </a:lnL>
+                    <a:lnR w="12700" cmpd="sng">
+                      <a:noFill/>
+                    </a:lnR>
+                    <a:lnT w="12700" cmpd="sng">
+                      <a:noFill/>
+                    </a:lnT>
+                    <a:lnB w="12700" cmpd="sng">
+                      <a:noFill/>
+                    </a:lnB>
+                    <a:lnTlToBr w="12700" cmpd="sng">
+                      <a:noFill/>
+                      <a:prstDash val="solid"/>
+                    </a:lnTlToBr>
+                    <a:lnBlToTr w="12700" cmpd="sng">
+                      <a:noFill/>
+                      <a:prstDash val="solid"/>
+                    </a:lnBlToTr>
+                    <a:noFill/>
+                  </a:tcPr>
+                </a:tc>
+                <a:tc>
+                  <a:txBody>
+                    <a:bodyPr/>
+                    <a:lstStyle/>
+                    <a:p>
+                      <a:pPr marL="0" marR="0" lvl="0" indent="0" algn="r" defTabSz="914400" rtl="0" eaLnBrk="1" fontAlgn="auto" latinLnBrk="0" hangingPunct="1">
+                        <a:lnSpc>
+                          <a:spcPct val="100000"/>
+                        </a:lnSpc>
+                        <a:spcBef>
+                          <a:spcPts val="0"/>
+                        </a:spcBef>
+                        <a:spcAft>
+                          <a:spcPts val="0"/>
+                        </a:spcAft>
+                        <a:buClrTx/>
+                        <a:buSzTx/>
+                        <a:buFontTx/>
+                        <a:buNone/>
+                        <a:tabLst/>
+                        <a:defRPr/>
+                      </a:pPr>
+                      <a:r>
+                        <a:rPr kumimoji="1" lang="ja-JP" altLang="en-US" sz="1000" b="0" i="0" u="none" strike="noStrike" kern="1200" cap="none" spc="0" normalizeH="0" baseline="0" noProof="0" dirty="0">
+                          <a:ln>
+                            <a:noFill/>
+                          </a:ln>
+                          <a:solidFill>
+                            <a:srgbClr val="FF0000"/>
+                          </a:solidFill>
+                          <a:effectLst>
+                            <a:innerShdw blurRad="63500" dist="50800" dir="13500000">
+                              <a:prstClr val="black">
+                                <a:alpha val="50000"/>
+                              </a:prstClr>
+                            </a:innerShdw>
+                          </a:effectLst>
+                          <a:uLnTx/>
+                          <a:uFillTx/>
+                          <a:latin typeface="HGS創英角ﾎﾟｯﾌﾟ体" panose="040B0A00000000000000" pitchFamily="50" charset="-128"/>
+                          <a:ea typeface="HGS創英角ﾎﾟｯﾌﾟ体" panose="040B0A00000000000000" pitchFamily="50" charset="-128"/>
+                          <a:cs typeface="+mn-cs"/>
+                        </a:rPr>
+                        <a:t>ギミックを</a:t>
+                      </a:r>
+                      <a:r>
+                        <a:rPr kumimoji="1" lang="en-US" altLang="ja-JP" sz="1000" b="0" i="0" u="none" strike="noStrike" kern="1200" cap="none" spc="0" normalizeH="0" baseline="0" noProof="0" dirty="0">
+                          <a:ln>
+                            <a:noFill/>
+                          </a:ln>
+                          <a:solidFill>
+                            <a:srgbClr val="FF0000"/>
+                          </a:solidFill>
+                          <a:effectLst>
+                            <a:innerShdw blurRad="63500" dist="50800" dir="13500000">
+                              <a:prstClr val="black">
+                                <a:alpha val="50000"/>
+                              </a:prstClr>
+                            </a:innerShdw>
+                          </a:effectLst>
+                          <a:uLnTx/>
+                          <a:uFillTx/>
+                          <a:latin typeface="HGS創英角ﾎﾟｯﾌﾟ体" panose="040B0A00000000000000" pitchFamily="50" charset="-128"/>
+                          <a:ea typeface="HGS創英角ﾎﾟｯﾌﾟ体" panose="040B0A00000000000000" pitchFamily="50" charset="-128"/>
+                          <a:cs typeface="+mn-cs"/>
+                        </a:rPr>
+                        <a:t>10</a:t>
+                      </a:r>
+                      <a:r>
+                        <a:rPr kumimoji="1" lang="ja-JP" altLang="en-US" sz="1000" b="0" i="0" u="none" strike="noStrike" kern="1200" cap="none" spc="0" normalizeH="0" baseline="0" noProof="0" dirty="0">
+                          <a:ln>
+                            <a:noFill/>
+                          </a:ln>
+                          <a:solidFill>
+                            <a:srgbClr val="FF0000"/>
+                          </a:solidFill>
+                          <a:effectLst>
+                            <a:innerShdw blurRad="63500" dist="50800" dir="13500000">
+                              <a:prstClr val="black">
+                                <a:alpha val="50000"/>
+                              </a:prstClr>
+                            </a:innerShdw>
+                          </a:effectLst>
+                          <a:uLnTx/>
+                          <a:uFillTx/>
+                          <a:latin typeface="HGS創英角ﾎﾟｯﾌﾟ体" panose="040B0A00000000000000" pitchFamily="50" charset="-128"/>
+                          <a:ea typeface="HGS創英角ﾎﾟｯﾌﾟ体" panose="040B0A00000000000000" pitchFamily="50" charset="-128"/>
+                          <a:cs typeface="+mn-cs"/>
+                        </a:rPr>
+                        <a:t>回処理　　　　　　　　　　　　　　 </a:t>
+                      </a:r>
+                      <a:r>
+                        <a:rPr kumimoji="1" lang="en-US" altLang="ja-JP" sz="1000" b="0" i="0" u="none" strike="noStrike" kern="1200" cap="none" spc="0" normalizeH="0" baseline="0" noProof="0" dirty="0">
+                          <a:ln>
+                            <a:noFill/>
+                          </a:ln>
+                          <a:solidFill>
+                            <a:srgbClr val="FF0000"/>
+                          </a:solidFill>
+                          <a:effectLst>
+                            <a:innerShdw blurRad="63500" dist="50800" dir="13500000">
+                              <a:prstClr val="black">
+                                <a:alpha val="50000"/>
+                              </a:prstClr>
+                            </a:innerShdw>
+                          </a:effectLst>
+                          <a:uLnTx/>
+                          <a:uFillTx/>
+                          <a:latin typeface="HGS創英角ﾎﾟｯﾌﾟ体" panose="040B0A00000000000000" pitchFamily="50" charset="-128"/>
+                          <a:ea typeface="HGS創英角ﾎﾟｯﾌﾟ体" panose="040B0A00000000000000" pitchFamily="50" charset="-128"/>
+                          <a:cs typeface="+mn-cs"/>
+                        </a:rPr>
+                        <a:t>(100</a:t>
+                      </a:r>
+                      <a:r>
+                        <a:rPr kumimoji="1" lang="ja-JP" altLang="en-US" sz="1000" b="0" i="0" u="none" strike="noStrike" kern="1200" cap="none" spc="0" normalizeH="0" baseline="0" noProof="0" dirty="0">
+                          <a:ln>
+                            <a:noFill/>
+                          </a:ln>
+                          <a:solidFill>
+                            <a:srgbClr val="FF0000"/>
+                          </a:solidFill>
+                          <a:effectLst>
+                            <a:innerShdw blurRad="63500" dist="50800" dir="13500000">
+                              <a:prstClr val="black">
+                                <a:alpha val="50000"/>
+                              </a:prstClr>
+                            </a:innerShdw>
+                          </a:effectLst>
+                          <a:uLnTx/>
+                          <a:uFillTx/>
+                          <a:latin typeface="HGS創英角ﾎﾟｯﾌﾟ体" panose="040B0A00000000000000" pitchFamily="50" charset="-128"/>
+                          <a:ea typeface="HGS創英角ﾎﾟｯﾌﾟ体" panose="040B0A00000000000000" pitchFamily="50" charset="-128"/>
+                          <a:cs typeface="+mn-cs"/>
+                        </a:rPr>
+                        <a:t>回以降複数回獲得可能</a:t>
+                      </a:r>
+                      <a:r>
+                        <a:rPr kumimoji="1" lang="en-US" altLang="ja-JP" sz="1000" b="0" i="0" u="none" strike="noStrike" kern="1200" cap="none" spc="0" normalizeH="0" baseline="0" noProof="0" dirty="0">
+                          <a:ln>
+                            <a:noFill/>
+                          </a:ln>
+                          <a:solidFill>
+                            <a:srgbClr val="FF0000"/>
+                          </a:solidFill>
+                          <a:effectLst>
+                            <a:innerShdw blurRad="63500" dist="50800" dir="13500000">
+                              <a:prstClr val="black">
+                                <a:alpha val="50000"/>
+                              </a:prstClr>
+                            </a:innerShdw>
+                          </a:effectLst>
+                          <a:uLnTx/>
+                          <a:uFillTx/>
+                          <a:latin typeface="HGS創英角ﾎﾟｯﾌﾟ体" panose="040B0A00000000000000" pitchFamily="50" charset="-128"/>
+                          <a:ea typeface="HGS創英角ﾎﾟｯﾌﾟ体" panose="040B0A00000000000000" pitchFamily="50" charset="-128"/>
+                          <a:cs typeface="+mn-cs"/>
+                        </a:rPr>
+                        <a:t>)</a:t>
+                      </a:r>
+                      <a:endParaRPr kumimoji="1" lang="ja-JP" altLang="en-US" sz="1100" b="0" i="0" u="none" strike="noStrike" kern="1200" cap="none" spc="0" normalizeH="0" baseline="0" noProof="0" dirty="0">
+                        <a:ln>
+                          <a:noFill/>
+                        </a:ln>
+                        <a:solidFill>
+                          <a:srgbClr val="FF0000"/>
+                        </a:solidFill>
+                        <a:effectLst/>
+                        <a:uLnTx/>
+                        <a:uFillTx/>
+                        <a:latin typeface="HGS創英角ﾎﾟｯﾌﾟ体" panose="040B0A00000000000000" pitchFamily="50" charset="-128"/>
+                        <a:ea typeface="HGS創英角ﾎﾟｯﾌﾟ体" panose="040B0A00000000000000" pitchFamily="50" charset="-128"/>
+                        <a:cs typeface="+mn-cs"/>
+                      </a:endParaRPr>
+                    </a:p>
+                  </a:txBody>
+                  <a:tcPr marL="0" marR="0" marT="0" marB="0" anchor="ctr">
+                    <a:lnL w="12700" cmpd="sng">
+                      <a:noFill/>
+                    </a:lnL>
+                    <a:lnR w="12700" cmpd="sng">
+                      <a:noFill/>
+                    </a:lnR>
+                    <a:lnT w="12700" cmpd="sng">
+                      <a:noFill/>
+                    </a:lnT>
+                    <a:lnB w="12700" cmpd="sng">
+                      <a:noFill/>
+                    </a:lnB>
+                    <a:lnTlToBr w="12700" cmpd="sng">
+                      <a:noFill/>
+                      <a:prstDash val="solid"/>
+                    </a:lnTlToBr>
+                    <a:lnBlToTr w="12700" cmpd="sng">
+                      <a:noFill/>
+                      <a:prstDash val="solid"/>
+                    </a:lnBlToTr>
+                    <a:noFill/>
+                  </a:tcPr>
+                </a:tc>
+                <a:extLst>
+                  <a:ext uri="{0D108BD9-81ED-4DB2-BD59-A6C34878D82A}">
+                    <a16:rowId xmlns:a16="http://schemas.microsoft.com/office/drawing/2014/main" val="2591609446"/>
+                  </a:ext>
+                </a:extLst>
+              </a:tr>
+              <a:tr h="324000">
+                <a:tc>
+                  <a:txBody>
+                    <a:bodyPr/>
+                    <a:lstStyle/>
+                    <a:p>
+                      <a:pPr marL="0" marR="0" lvl="0" indent="0" algn="r" defTabSz="914400" rtl="0" eaLnBrk="1" fontAlgn="auto" latinLnBrk="0" hangingPunct="1">
+                        <a:lnSpc>
+                          <a:spcPct val="100000"/>
+                        </a:lnSpc>
+                        <a:spcBef>
+                          <a:spcPts val="0"/>
+                        </a:spcBef>
+                        <a:spcAft>
+                          <a:spcPts val="0"/>
+                        </a:spcAft>
+                        <a:buClrTx/>
+                        <a:buSzTx/>
+                        <a:buFontTx/>
+                        <a:buNone/>
+                        <a:tabLst/>
+                        <a:defRPr/>
+                      </a:pPr>
+                      <a:r>
+                        <a:rPr lang="ja-JP" altLang="en-US" dirty="0">
+                          <a:solidFill>
+                            <a:srgbClr val="FF0000"/>
+                          </a:solidFill>
+                          <a:effectLst>
+                            <a:glow rad="63500">
+                              <a:schemeClr val="accent4">
+                                <a:satMod val="175000"/>
+                                <a:alpha val="40000"/>
+                              </a:schemeClr>
+                            </a:glow>
+                            <a:innerShdw blurRad="63500" dist="50800" dir="13500000">
+                              <a:prstClr val="black">
+                                <a:alpha val="50000"/>
+                              </a:prstClr>
+                            </a:innerShdw>
+                          </a:effectLst>
+                          <a:latin typeface="HGS創英角ﾎﾟｯﾌﾟ体" panose="040B0A00000000000000" pitchFamily="50" charset="-128"/>
+                          <a:ea typeface="HGS創英角ﾎﾟｯﾌﾟ体" panose="040B0A00000000000000" pitchFamily="50" charset="-128"/>
+                        </a:rPr>
+                        <a:t>ランナーの新星</a:t>
+                      </a:r>
+                      <a:endParaRPr lang="en-US" altLang="ja-JP" dirty="0">
+                        <a:solidFill>
+                          <a:srgbClr val="FF0000"/>
+                        </a:solidFill>
+                        <a:effectLst>
+                          <a:glow rad="63500">
+                            <a:schemeClr val="accent4">
+                              <a:satMod val="175000"/>
+                              <a:alpha val="40000"/>
+                            </a:schemeClr>
+                          </a:glow>
+                          <a:innerShdw blurRad="63500" dist="50800" dir="13500000">
+                            <a:prstClr val="black">
+                              <a:alpha val="50000"/>
+                            </a:prstClr>
+                          </a:innerShdw>
+                        </a:effectLst>
+                        <a:latin typeface="HGS創英角ﾎﾟｯﾌﾟ体" panose="040B0A00000000000000" pitchFamily="50" charset="-128"/>
+                        <a:ea typeface="HGS創英角ﾎﾟｯﾌﾟ体" panose="040B0A00000000000000" pitchFamily="50" charset="-128"/>
+                      </a:endParaRPr>
+                    </a:p>
+                  </a:txBody>
+                  <a:tcPr marL="0" marR="0" marT="0" marB="0">
+                    <a:lnL w="12700" cmpd="sng">
+                      <a:noFill/>
+                    </a:lnL>
+                    <a:lnR w="12700" cmpd="sng">
+                      <a:noFill/>
+                    </a:lnR>
+                    <a:lnT w="12700" cmpd="sng">
+                      <a:noFill/>
+                    </a:lnT>
+                    <a:lnB w="12700" cmpd="sng">
+                      <a:noFill/>
+                    </a:lnB>
+                    <a:lnTlToBr w="12700" cmpd="sng">
+                      <a:noFill/>
+                      <a:prstDash val="solid"/>
+                    </a:lnTlToBr>
+                    <a:lnBlToTr w="12700" cmpd="sng">
+                      <a:noFill/>
+                      <a:prstDash val="solid"/>
+                    </a:lnBlToTr>
+                    <a:noFill/>
+                  </a:tcPr>
+                </a:tc>
+                <a:tc>
+                  <a:txBody>
+                    <a:bodyPr/>
+                    <a:lstStyle/>
+                    <a:p>
+                      <a:pPr algn="r"/>
+                      <a:r>
+                        <a:rPr kumimoji="1" lang="en-US" altLang="ja-JP" sz="1400" b="0" i="0" dirty="0">
+                          <a:solidFill>
+                            <a:srgbClr val="FF0000"/>
+                          </a:solidFill>
+                          <a:latin typeface="HGS創英角ﾎﾟｯﾌﾟ体" panose="040B0A00000000000000" pitchFamily="50" charset="-128"/>
+                          <a:ea typeface="HGS創英角ﾎﾟｯﾌﾟ体" panose="040B0A00000000000000" pitchFamily="50" charset="-128"/>
+                        </a:rPr>
+                        <a:t>1000m</a:t>
+                      </a:r>
+                      <a:r>
+                        <a:rPr kumimoji="1" lang="ja-JP" altLang="en-US" sz="1400" b="0" i="0" dirty="0">
+                          <a:solidFill>
+                            <a:srgbClr val="FF0000"/>
+                          </a:solidFill>
+                          <a:latin typeface="HGS創英角ﾎﾟｯﾌﾟ体" panose="040B0A00000000000000" pitchFamily="50" charset="-128"/>
+                          <a:ea typeface="HGS創英角ﾎﾟｯﾌﾟ体" panose="040B0A00000000000000" pitchFamily="50" charset="-128"/>
+                        </a:rPr>
+                        <a:t>走る</a:t>
+                      </a:r>
+                    </a:p>
+                  </a:txBody>
+                  <a:tcPr marL="0" marR="0" marT="0" marB="0" anchor="ctr">
+                    <a:lnL w="12700" cmpd="sng">
+                      <a:noFill/>
+                    </a:lnL>
+                    <a:lnR w="12700" cmpd="sng">
+                      <a:noFill/>
+                    </a:lnR>
+                    <a:lnT w="12700" cmpd="sng">
+                      <a:noFill/>
+                    </a:lnT>
+                    <a:lnB w="12700" cmpd="sng">
+                      <a:noFill/>
+                    </a:lnB>
+                    <a:lnTlToBr w="12700" cmpd="sng">
+                      <a:noFill/>
+                      <a:prstDash val="solid"/>
+                    </a:lnTlToBr>
+                    <a:lnBlToTr w="12700" cmpd="sng">
+                      <a:noFill/>
+                      <a:prstDash val="solid"/>
+                    </a:lnBlToTr>
+                    <a:noFill/>
+                  </a:tcPr>
+                </a:tc>
+                <a:tc>
+                  <a:txBody>
+                    <a:bodyPr/>
+                    <a:lstStyle/>
+                    <a:p>
+                      <a:pPr algn="r"/>
+                      <a:r>
+                        <a:rPr kumimoji="1" lang="ja-JP" altLang="en-US" sz="1800" b="0" i="0" u="none" strike="noStrike" kern="1200" cap="none" spc="0" normalizeH="0" baseline="0" noProof="0" dirty="0">
+                          <a:ln>
+                            <a:noFill/>
+                          </a:ln>
+                          <a:solidFill>
+                            <a:srgbClr val="4472C4"/>
+                          </a:solidFill>
+                          <a:effectLst>
+                            <a:glow rad="63500">
+                              <a:srgbClr val="FFC000">
+                                <a:satMod val="175000"/>
+                                <a:alpha val="40000"/>
+                              </a:srgbClr>
+                            </a:glow>
+                            <a:innerShdw blurRad="63500" dist="50800" dir="13500000">
+                              <a:prstClr val="black">
+                                <a:alpha val="50000"/>
+                              </a:prstClr>
+                            </a:innerShdw>
+                          </a:effectLst>
+                          <a:uLnTx/>
+                          <a:uFillTx/>
+                          <a:latin typeface="HGS創英角ﾎﾟｯﾌﾟ体" panose="040B0A00000000000000" pitchFamily="50" charset="-128"/>
+                          <a:ea typeface="HGS創英角ﾎﾟｯﾌﾟ体" panose="040B0A00000000000000" pitchFamily="50" charset="-128"/>
+                          <a:cs typeface="+mn-cs"/>
+                        </a:rPr>
+                        <a:t>ヒーローの緩み</a:t>
+                      </a:r>
+                      <a:endParaRPr kumimoji="1" lang="ja-JP" altLang="en-US" dirty="0"/>
+                    </a:p>
+                  </a:txBody>
+                  <a:tcPr marL="0" marR="0" marT="0" marB="0">
+                    <a:lnL w="12700" cmpd="sng">
+                      <a:noFill/>
+                    </a:lnL>
+                    <a:lnR w="12700" cmpd="sng">
+                      <a:noFill/>
+                    </a:lnR>
+                    <a:lnT w="12700" cmpd="sng">
+                      <a:noFill/>
+                    </a:lnT>
+                    <a:lnB w="12700" cmpd="sng">
+                      <a:noFill/>
+                    </a:lnB>
+                    <a:lnTlToBr w="12700" cmpd="sng">
+                      <a:noFill/>
+                      <a:prstDash val="solid"/>
+                    </a:lnTlToBr>
+                    <a:lnBlToTr w="12700" cmpd="sng">
+                      <a:noFill/>
+                      <a:prstDash val="solid"/>
+                    </a:lnBlToTr>
+                    <a:noFill/>
+                  </a:tcPr>
+                </a:tc>
+                <a:tc>
+                  <a:txBody>
+                    <a:bodyPr/>
+                    <a:lstStyle/>
+                    <a:p>
+                      <a:pPr algn="r"/>
+                      <a:r>
+                        <a:rPr kumimoji="1" lang="ja-JP" altLang="en-US" sz="1400" b="0" i="0" u="none" strike="noStrike" kern="1200" cap="none" spc="0" normalizeH="0" baseline="0" noProof="0" dirty="0">
+                          <a:ln>
+                            <a:noFill/>
+                          </a:ln>
+                          <a:solidFill>
+                            <a:srgbClr val="FF0000"/>
+                          </a:solidFill>
+                          <a:effectLst>
+                            <a:innerShdw blurRad="63500" dist="50800" dir="13500000">
+                              <a:prstClr val="black">
+                                <a:alpha val="50000"/>
+                              </a:prstClr>
+                            </a:innerShdw>
+                          </a:effectLst>
+                          <a:uLnTx/>
+                          <a:uFillTx/>
+                          <a:latin typeface="HGS創英角ﾎﾟｯﾌﾟ体" panose="040B0A00000000000000" pitchFamily="50" charset="-128"/>
+                          <a:ea typeface="HGS創英角ﾎﾟｯﾌﾟ体" panose="040B0A00000000000000" pitchFamily="50" charset="-128"/>
+                          <a:cs typeface="+mn-cs"/>
+                        </a:rPr>
+                        <a:t>レアボイスを聴く</a:t>
+                      </a:r>
+                      <a:endParaRPr kumimoji="1" lang="ja-JP" altLang="en-US" b="0" dirty="0">
+                        <a:solidFill>
+                          <a:srgbClr val="FF0000"/>
+                        </a:solidFill>
+                        <a:latin typeface="HGS創英角ﾎﾟｯﾌﾟ体" panose="040B0A00000000000000" pitchFamily="50" charset="-128"/>
+                        <a:ea typeface="HGS創英角ﾎﾟｯﾌﾟ体" panose="040B0A00000000000000" pitchFamily="50" charset="-128"/>
+                      </a:endParaRPr>
+                    </a:p>
+                  </a:txBody>
+                  <a:tcPr marL="0" marR="0" marT="0" marB="0" anchor="ctr">
+                    <a:lnL w="12700" cmpd="sng">
+                      <a:noFill/>
+                    </a:lnL>
+                    <a:lnR w="12700" cmpd="sng">
+                      <a:noFill/>
+                    </a:lnR>
+                    <a:lnT w="12700" cmpd="sng">
+                      <a:noFill/>
+                    </a:lnT>
+                    <a:lnB w="12700" cmpd="sng">
+                      <a:noFill/>
+                    </a:lnB>
+                    <a:lnTlToBr w="12700" cmpd="sng">
+                      <a:noFill/>
+                      <a:prstDash val="solid"/>
+                    </a:lnTlToBr>
+                    <a:lnBlToTr w="12700" cmpd="sng">
+                      <a:noFill/>
+                      <a:prstDash val="solid"/>
+                    </a:lnBlToTr>
+                    <a:noFill/>
+                  </a:tcPr>
+                </a:tc>
+                <a:extLst>
+                  <a:ext uri="{0D108BD9-81ED-4DB2-BD59-A6C34878D82A}">
+                    <a16:rowId xmlns:a16="http://schemas.microsoft.com/office/drawing/2014/main" val="516072511"/>
+                  </a:ext>
+                </a:extLst>
+              </a:tr>
+              <a:tr h="324000">
+                <a:tc>
+                  <a:txBody>
+                    <a:bodyPr/>
+                    <a:lstStyle/>
+                    <a:p>
+                      <a:pPr marL="0" marR="0" lvl="0" indent="0" algn="r" defTabSz="914400" rtl="0" eaLnBrk="1" fontAlgn="auto" latinLnBrk="0" hangingPunct="1">
+                        <a:lnSpc>
+                          <a:spcPct val="100000"/>
+                        </a:lnSpc>
+                        <a:spcBef>
+                          <a:spcPts val="0"/>
+                        </a:spcBef>
+                        <a:spcAft>
+                          <a:spcPts val="0"/>
+                        </a:spcAft>
+                        <a:buClrTx/>
+                        <a:buSzTx/>
+                        <a:buFontTx/>
+                        <a:buNone/>
+                        <a:tabLst/>
+                        <a:defRPr/>
+                      </a:pPr>
+                      <a:r>
+                        <a:rPr lang="ja-JP" altLang="en-US" dirty="0">
+                          <a:solidFill>
+                            <a:srgbClr val="FF0000"/>
+                          </a:solidFill>
+                          <a:effectLst>
+                            <a:glow rad="63500">
+                              <a:schemeClr val="accent4">
+                                <a:satMod val="175000"/>
+                                <a:alpha val="40000"/>
+                              </a:schemeClr>
+                            </a:glow>
+                            <a:innerShdw blurRad="63500" dist="50800" dir="13500000">
+                              <a:prstClr val="black">
+                                <a:alpha val="50000"/>
+                              </a:prstClr>
+                            </a:innerShdw>
+                          </a:effectLst>
+                          <a:latin typeface="HGS創英角ﾎﾟｯﾌﾟ体" panose="040B0A00000000000000" pitchFamily="50" charset="-128"/>
+                          <a:ea typeface="HGS創英角ﾎﾟｯﾌﾟ体" panose="040B0A00000000000000" pitchFamily="50" charset="-128"/>
+                        </a:rPr>
+                        <a:t>ランナーを極めし者</a:t>
+                      </a:r>
+                      <a:endParaRPr lang="en-US" altLang="ja-JP" dirty="0">
+                        <a:solidFill>
+                          <a:srgbClr val="FF0000"/>
+                        </a:solidFill>
+                        <a:effectLst>
+                          <a:glow rad="63500">
+                            <a:schemeClr val="accent4">
+                              <a:satMod val="175000"/>
+                              <a:alpha val="40000"/>
+                            </a:schemeClr>
+                          </a:glow>
+                          <a:innerShdw blurRad="63500" dist="50800" dir="13500000">
+                            <a:prstClr val="black">
+                              <a:alpha val="50000"/>
+                            </a:prstClr>
+                          </a:innerShdw>
+                        </a:effectLst>
+                        <a:latin typeface="HGS創英角ﾎﾟｯﾌﾟ体" panose="040B0A00000000000000" pitchFamily="50" charset="-128"/>
+                        <a:ea typeface="HGS創英角ﾎﾟｯﾌﾟ体" panose="040B0A00000000000000" pitchFamily="50" charset="-128"/>
+                      </a:endParaRPr>
+                    </a:p>
+                  </a:txBody>
+                  <a:tcPr marL="0" marR="0" marT="0" marB="0">
+                    <a:lnL w="12700" cmpd="sng">
+                      <a:noFill/>
+                    </a:lnL>
+                    <a:lnR w="12700" cmpd="sng">
+                      <a:noFill/>
+                    </a:lnR>
+                    <a:lnT w="12700" cmpd="sng">
+                      <a:noFill/>
+                    </a:lnT>
+                    <a:lnB w="12700" cmpd="sng">
+                      <a:noFill/>
+                    </a:lnB>
+                    <a:lnTlToBr w="12700" cmpd="sng">
+                      <a:noFill/>
+                      <a:prstDash val="solid"/>
+                    </a:lnTlToBr>
+                    <a:lnBlToTr w="12700" cmpd="sng">
+                      <a:noFill/>
+                      <a:prstDash val="solid"/>
+                    </a:lnBlToTr>
+                    <a:noFill/>
+                  </a:tcPr>
+                </a:tc>
+                <a:tc>
+                  <a:txBody>
+                    <a:bodyPr/>
+                    <a:lstStyle/>
+                    <a:p>
+                      <a:pPr algn="r"/>
+                      <a:r>
+                        <a:rPr kumimoji="1" lang="en-US" altLang="ja-JP" sz="1400" b="0" i="0" dirty="0">
+                          <a:solidFill>
+                            <a:srgbClr val="FF0000"/>
+                          </a:solidFill>
+                          <a:latin typeface="HGS創英角ﾎﾟｯﾌﾟ体" panose="040B0A00000000000000" pitchFamily="50" charset="-128"/>
+                          <a:ea typeface="HGS創英角ﾎﾟｯﾌﾟ体" panose="040B0A00000000000000" pitchFamily="50" charset="-128"/>
+                        </a:rPr>
+                        <a:t>10000m</a:t>
+                      </a:r>
+                      <a:r>
+                        <a:rPr kumimoji="1" lang="ja-JP" altLang="en-US" sz="1400" b="0" i="0" dirty="0">
+                          <a:solidFill>
+                            <a:srgbClr val="FF0000"/>
+                          </a:solidFill>
+                          <a:latin typeface="HGS創英角ﾎﾟｯﾌﾟ体" panose="040B0A00000000000000" pitchFamily="50" charset="-128"/>
+                          <a:ea typeface="HGS創英角ﾎﾟｯﾌﾟ体" panose="040B0A00000000000000" pitchFamily="50" charset="-128"/>
+                        </a:rPr>
+                        <a:t>走る</a:t>
+                      </a:r>
+                    </a:p>
+                  </a:txBody>
+                  <a:tcPr marL="0" marR="0" marT="0" marB="0" anchor="ctr">
+                    <a:lnL w="12700" cmpd="sng">
+                      <a:noFill/>
+                    </a:lnL>
+                    <a:lnR w="12700" cmpd="sng">
+                      <a:noFill/>
+                    </a:lnR>
+                    <a:lnT w="12700" cmpd="sng">
+                      <a:noFill/>
+                    </a:lnT>
+                    <a:lnB w="12700" cmpd="sng">
+                      <a:noFill/>
+                    </a:lnB>
+                    <a:lnTlToBr w="12700" cmpd="sng">
+                      <a:noFill/>
+                      <a:prstDash val="solid"/>
+                    </a:lnTlToBr>
+                    <a:lnBlToTr w="12700" cmpd="sng">
+                      <a:noFill/>
+                      <a:prstDash val="solid"/>
+                    </a:lnBlToTr>
+                    <a:noFill/>
+                  </a:tcPr>
+                </a:tc>
+                <a:tc>
+                  <a:txBody>
+                    <a:bodyPr/>
+                    <a:lstStyle/>
+                    <a:p>
+                      <a:pPr algn="r"/>
+                      <a:r>
+                        <a:rPr lang="ja-JP" altLang="en-US" dirty="0">
+                          <a:solidFill>
+                            <a:schemeClr val="accent1"/>
+                          </a:solidFill>
+                          <a:effectLst>
+                            <a:glow rad="63500">
+                              <a:schemeClr val="accent4">
+                                <a:satMod val="175000"/>
+                                <a:alpha val="40000"/>
+                              </a:schemeClr>
+                            </a:glow>
+                            <a:innerShdw blurRad="63500" dist="50800" dir="13500000">
+                              <a:prstClr val="black">
+                                <a:alpha val="50000"/>
+                              </a:prstClr>
+                            </a:innerShdw>
+                          </a:effectLst>
+                          <a:latin typeface="HGS創英角ﾎﾟｯﾌﾟ体" panose="040B0A00000000000000" pitchFamily="50" charset="-128"/>
+                          <a:ea typeface="HGS創英角ﾎﾟｯﾌﾟ体" panose="040B0A00000000000000" pitchFamily="50" charset="-128"/>
+                        </a:rPr>
+                        <a:t>壁破り</a:t>
+                      </a:r>
+                      <a:endParaRPr kumimoji="1" lang="ja-JP" altLang="en-US" dirty="0"/>
+                    </a:p>
+                  </a:txBody>
+                  <a:tcPr marL="0" marR="0" marT="0" marB="0">
+                    <a:lnL w="12700" cmpd="sng">
+                      <a:noFill/>
+                    </a:lnL>
+                    <a:lnR w="12700" cmpd="sng">
+                      <a:noFill/>
+                    </a:lnR>
+                    <a:lnT w="12700" cmpd="sng">
+                      <a:noFill/>
+                    </a:lnT>
+                    <a:lnB w="12700" cmpd="sng">
+                      <a:noFill/>
+                    </a:lnB>
+                    <a:lnTlToBr w="12700" cmpd="sng">
+                      <a:noFill/>
+                      <a:prstDash val="solid"/>
+                    </a:lnTlToBr>
+                    <a:lnBlToTr w="12700" cmpd="sng">
+                      <a:noFill/>
+                      <a:prstDash val="solid"/>
+                    </a:lnBlToTr>
+                    <a:noFill/>
+                  </a:tcPr>
+                </a:tc>
+                <a:tc>
+                  <a:txBody>
+                    <a:bodyPr/>
+                    <a:lstStyle/>
+                    <a:p>
+                      <a:pPr algn="r"/>
+                      <a:r>
+                        <a:rPr kumimoji="1" lang="ja-JP" altLang="en-US" sz="1400" b="0" i="0" u="none" strike="noStrike" kern="1200" cap="none" spc="0" normalizeH="0" baseline="0" noProof="0" dirty="0">
+                          <a:ln>
+                            <a:noFill/>
+                          </a:ln>
+                          <a:solidFill>
+                            <a:srgbClr val="FF0000"/>
+                          </a:solidFill>
+                          <a:effectLst>
+                            <a:innerShdw blurRad="63500" dist="50800" dir="13500000">
+                              <a:prstClr val="black">
+                                <a:alpha val="50000"/>
+                              </a:prstClr>
+                            </a:innerShdw>
+                          </a:effectLst>
+                          <a:uLnTx/>
+                          <a:uFillTx/>
+                          <a:latin typeface="HGS創英角ﾎﾟｯﾌﾟ体" panose="040B0A00000000000000" pitchFamily="50" charset="-128"/>
+                          <a:ea typeface="HGS創英角ﾎﾟｯﾌﾟ体" panose="040B0A00000000000000" pitchFamily="50" charset="-128"/>
+                          <a:cs typeface="+mn-cs"/>
+                        </a:rPr>
+                        <a:t>壁ギミックを処理</a:t>
+                      </a:r>
+                      <a:endParaRPr kumimoji="1" lang="ja-JP" altLang="en-US" b="0" dirty="0">
+                        <a:solidFill>
+                          <a:srgbClr val="FF0000"/>
+                        </a:solidFill>
+                        <a:latin typeface="HGS創英角ﾎﾟｯﾌﾟ体" panose="040B0A00000000000000" pitchFamily="50" charset="-128"/>
+                        <a:ea typeface="HGS創英角ﾎﾟｯﾌﾟ体" panose="040B0A00000000000000" pitchFamily="50" charset="-128"/>
+                      </a:endParaRPr>
+                    </a:p>
+                  </a:txBody>
+                  <a:tcPr marL="0" marR="0" marT="0" marB="0" anchor="ctr">
+                    <a:lnL w="12700" cmpd="sng">
+                      <a:noFill/>
+                    </a:lnL>
+                    <a:lnR w="12700" cmpd="sng">
+                      <a:noFill/>
+                    </a:lnR>
+                    <a:lnT w="12700" cmpd="sng">
+                      <a:noFill/>
+                    </a:lnT>
+                    <a:lnB w="12700" cmpd="sng">
+                      <a:noFill/>
+                    </a:lnB>
+                    <a:lnTlToBr w="12700" cmpd="sng">
+                      <a:noFill/>
+                      <a:prstDash val="solid"/>
+                    </a:lnTlToBr>
+                    <a:lnBlToTr w="12700" cmpd="sng">
+                      <a:noFill/>
+                      <a:prstDash val="solid"/>
+                    </a:lnBlToTr>
+                    <a:noFill/>
+                  </a:tcPr>
+                </a:tc>
+                <a:extLst>
+                  <a:ext uri="{0D108BD9-81ED-4DB2-BD59-A6C34878D82A}">
+                    <a16:rowId xmlns:a16="http://schemas.microsoft.com/office/drawing/2014/main" val="2645470797"/>
+                  </a:ext>
+                </a:extLst>
+              </a:tr>
+              <a:tr h="324000">
+                <a:tc>
+                  <a:txBody>
+                    <a:bodyPr/>
+                    <a:lstStyle/>
+                    <a:p>
+                      <a:pPr marL="0" marR="0" lvl="0" indent="0" algn="r" defTabSz="914400" rtl="0" eaLnBrk="1" fontAlgn="auto" latinLnBrk="0" hangingPunct="1">
+                        <a:lnSpc>
+                          <a:spcPct val="100000"/>
+                        </a:lnSpc>
+                        <a:spcBef>
+                          <a:spcPts val="0"/>
+                        </a:spcBef>
+                        <a:spcAft>
+                          <a:spcPts val="0"/>
+                        </a:spcAft>
+                        <a:buClrTx/>
+                        <a:buSzTx/>
+                        <a:buFontTx/>
+                        <a:buNone/>
+                        <a:tabLst/>
+                        <a:defRPr/>
+                      </a:pPr>
+                      <a:r>
+                        <a:rPr lang="ja-JP" altLang="en-US" dirty="0">
+                          <a:solidFill>
+                            <a:srgbClr val="FF0000"/>
+                          </a:solidFill>
+                          <a:effectLst>
+                            <a:glow rad="63500">
+                              <a:schemeClr val="accent4">
+                                <a:satMod val="175000"/>
+                                <a:alpha val="40000"/>
+                              </a:schemeClr>
+                            </a:glow>
+                            <a:innerShdw blurRad="63500" dist="50800" dir="13500000">
+                              <a:prstClr val="black">
+                                <a:alpha val="50000"/>
+                              </a:prstClr>
+                            </a:innerShdw>
+                          </a:effectLst>
+                          <a:latin typeface="HGS創英角ﾎﾟｯﾌﾟ体" panose="040B0A00000000000000" pitchFamily="50" charset="-128"/>
+                          <a:ea typeface="HGS創英角ﾎﾟｯﾌﾟ体" panose="040B0A00000000000000" pitchFamily="50" charset="-128"/>
+                        </a:rPr>
+                        <a:t>フルマラソン完走者</a:t>
+                      </a:r>
+                      <a:endParaRPr lang="en-US" altLang="ja-JP" dirty="0">
+                        <a:solidFill>
+                          <a:srgbClr val="FF0000"/>
+                        </a:solidFill>
+                        <a:effectLst>
+                          <a:glow rad="63500">
+                            <a:schemeClr val="accent4">
+                              <a:satMod val="175000"/>
+                              <a:alpha val="40000"/>
+                            </a:schemeClr>
+                          </a:glow>
+                          <a:innerShdw blurRad="63500" dist="50800" dir="13500000">
+                            <a:prstClr val="black">
+                              <a:alpha val="50000"/>
+                            </a:prstClr>
+                          </a:innerShdw>
+                        </a:effectLst>
+                        <a:latin typeface="HGS創英角ﾎﾟｯﾌﾟ体" panose="040B0A00000000000000" pitchFamily="50" charset="-128"/>
+                        <a:ea typeface="HGS創英角ﾎﾟｯﾌﾟ体" panose="040B0A00000000000000" pitchFamily="50" charset="-128"/>
+                      </a:endParaRPr>
+                    </a:p>
+                  </a:txBody>
+                  <a:tcPr marL="0" marR="0" marT="0" marB="0">
+                    <a:lnL w="12700" cmpd="sng">
+                      <a:noFill/>
+                    </a:lnL>
+                    <a:lnR w="12700" cmpd="sng">
+                      <a:noFill/>
+                    </a:lnR>
+                    <a:lnT w="12700" cmpd="sng">
+                      <a:noFill/>
+                    </a:lnT>
+                    <a:lnB w="12700" cmpd="sng">
+                      <a:noFill/>
+                    </a:lnB>
+                    <a:lnTlToBr w="12700" cmpd="sng">
+                      <a:noFill/>
+                      <a:prstDash val="solid"/>
+                    </a:lnTlToBr>
+                    <a:lnBlToTr w="12700" cmpd="sng">
+                      <a:noFill/>
+                      <a:prstDash val="solid"/>
+                    </a:lnBlToTr>
+                    <a:noFill/>
+                  </a:tcPr>
+                </a:tc>
+                <a:tc>
+                  <a:txBody>
+                    <a:bodyPr/>
+                    <a:lstStyle/>
+                    <a:p>
+                      <a:pPr algn="r"/>
+                      <a:r>
+                        <a:rPr kumimoji="1" lang="en-US" altLang="ja-JP" sz="1400" b="0" i="0" dirty="0">
+                          <a:solidFill>
+                            <a:srgbClr val="FF0000"/>
+                          </a:solidFill>
+                          <a:latin typeface="HGS創英角ﾎﾟｯﾌﾟ体" panose="040B0A00000000000000" pitchFamily="50" charset="-128"/>
+                          <a:ea typeface="HGS創英角ﾎﾟｯﾌﾟ体" panose="040B0A00000000000000" pitchFamily="50" charset="-128"/>
+                        </a:rPr>
+                        <a:t>42.195km</a:t>
+                      </a:r>
+                      <a:r>
+                        <a:rPr kumimoji="1" lang="ja-JP" altLang="en-US" sz="1400" b="0" i="0" dirty="0">
+                          <a:solidFill>
+                            <a:srgbClr val="FF0000"/>
+                          </a:solidFill>
+                          <a:latin typeface="HGS創英角ﾎﾟｯﾌﾟ体" panose="040B0A00000000000000" pitchFamily="50" charset="-128"/>
+                          <a:ea typeface="HGS創英角ﾎﾟｯﾌﾟ体" panose="040B0A00000000000000" pitchFamily="50" charset="-128"/>
+                        </a:rPr>
+                        <a:t>走る</a:t>
+                      </a:r>
+                    </a:p>
+                  </a:txBody>
+                  <a:tcPr marL="0" marR="0" marT="0" marB="0" anchor="ctr">
+                    <a:lnL w="12700" cmpd="sng">
+                      <a:noFill/>
+                    </a:lnL>
+                    <a:lnR w="12700" cmpd="sng">
+                      <a:noFill/>
+                    </a:lnR>
+                    <a:lnT w="12700" cmpd="sng">
+                      <a:noFill/>
+                    </a:lnT>
+                    <a:lnB w="12700" cmpd="sng">
+                      <a:noFill/>
+                    </a:lnB>
+                    <a:lnTlToBr w="12700" cmpd="sng">
+                      <a:noFill/>
+                      <a:prstDash val="solid"/>
+                    </a:lnTlToBr>
+                    <a:lnBlToTr w="12700" cmpd="sng">
+                      <a:noFill/>
+                      <a:prstDash val="solid"/>
+                    </a:lnBlToTr>
+                    <a:noFill/>
+                  </a:tcPr>
+                </a:tc>
+                <a:tc>
+                  <a:txBody>
+                    <a:bodyPr/>
+                    <a:lstStyle/>
+                    <a:p>
+                      <a:pPr algn="r"/>
+                      <a:r>
+                        <a:rPr lang="ja-JP" altLang="en-US" dirty="0">
+                          <a:solidFill>
+                            <a:schemeClr val="accent1"/>
+                          </a:solidFill>
+                          <a:effectLst>
+                            <a:glow rad="63500">
+                              <a:schemeClr val="accent4">
+                                <a:satMod val="175000"/>
+                                <a:alpha val="40000"/>
+                              </a:schemeClr>
+                            </a:glow>
+                            <a:innerShdw blurRad="63500" dist="50800" dir="13500000">
+                              <a:prstClr val="black">
+                                <a:alpha val="50000"/>
+                              </a:prstClr>
+                            </a:innerShdw>
+                          </a:effectLst>
+                          <a:latin typeface="HGS創英角ﾎﾟｯﾌﾟ体" panose="040B0A00000000000000" pitchFamily="50" charset="-128"/>
+                          <a:ea typeface="HGS創英角ﾎﾟｯﾌﾟ体" panose="040B0A00000000000000" pitchFamily="50" charset="-128"/>
+                        </a:rPr>
+                        <a:t>スニーク使い</a:t>
+                      </a:r>
+                      <a:endParaRPr kumimoji="1" lang="ja-JP" altLang="en-US" dirty="0"/>
+                    </a:p>
+                  </a:txBody>
+                  <a:tcPr marL="0" marR="0" marT="0" marB="0">
+                    <a:lnL w="12700" cmpd="sng">
+                      <a:noFill/>
+                    </a:lnL>
+                    <a:lnR w="12700" cmpd="sng">
+                      <a:noFill/>
+                    </a:lnR>
+                    <a:lnT w="12700" cmpd="sng">
+                      <a:noFill/>
+                    </a:lnT>
+                    <a:lnB w="12700" cmpd="sng">
+                      <a:noFill/>
+                    </a:lnB>
+                    <a:lnTlToBr w="12700" cmpd="sng">
+                      <a:noFill/>
+                      <a:prstDash val="solid"/>
+                    </a:lnTlToBr>
+                    <a:lnBlToTr w="12700" cmpd="sng">
+                      <a:noFill/>
+                      <a:prstDash val="solid"/>
+                    </a:lnBlToTr>
+                    <a:noFill/>
+                  </a:tcPr>
+                </a:tc>
+                <a:tc>
+                  <a:txBody>
+                    <a:bodyPr/>
+                    <a:lstStyle/>
+                    <a:p>
+                      <a:pPr algn="r"/>
+                      <a:r>
+                        <a:rPr kumimoji="1" lang="ja-JP" altLang="en-US" sz="1400" b="0" i="0" u="none" strike="noStrike" kern="1200" cap="none" spc="0" normalizeH="0" baseline="0" noProof="0" dirty="0">
+                          <a:ln>
+                            <a:noFill/>
+                          </a:ln>
+                          <a:solidFill>
+                            <a:srgbClr val="FF0000"/>
+                          </a:solidFill>
+                          <a:effectLst>
+                            <a:innerShdw blurRad="63500" dist="50800" dir="13500000">
+                              <a:prstClr val="black">
+                                <a:alpha val="50000"/>
+                              </a:prstClr>
+                            </a:innerShdw>
+                          </a:effectLst>
+                          <a:uLnTx/>
+                          <a:uFillTx/>
+                          <a:latin typeface="HGS創英角ﾎﾟｯﾌﾟ体" panose="040B0A00000000000000" pitchFamily="50" charset="-128"/>
+                          <a:ea typeface="HGS創英角ﾎﾟｯﾌﾟ体" panose="040B0A00000000000000" pitchFamily="50" charset="-128"/>
+                          <a:cs typeface="+mn-cs"/>
+                        </a:rPr>
+                        <a:t>スニークでギミック処理</a:t>
+                      </a:r>
+                      <a:endParaRPr kumimoji="1" lang="ja-JP" altLang="en-US" sz="1400" b="0" dirty="0">
+                        <a:solidFill>
+                          <a:srgbClr val="FF0000"/>
+                        </a:solidFill>
+                        <a:latin typeface="HGS創英角ﾎﾟｯﾌﾟ体" panose="040B0A00000000000000" pitchFamily="50" charset="-128"/>
+                        <a:ea typeface="HGS創英角ﾎﾟｯﾌﾟ体" panose="040B0A00000000000000" pitchFamily="50" charset="-128"/>
+                      </a:endParaRPr>
+                    </a:p>
+                  </a:txBody>
+                  <a:tcPr marL="0" marR="0" marT="0" marB="0" anchor="ctr">
+                    <a:lnL w="12700" cmpd="sng">
+                      <a:noFill/>
+                    </a:lnL>
+                    <a:lnR w="12700" cmpd="sng">
+                      <a:noFill/>
+                    </a:lnR>
+                    <a:lnT w="12700" cmpd="sng">
+                      <a:noFill/>
+                    </a:lnT>
+                    <a:lnB w="12700" cmpd="sng">
+                      <a:noFill/>
+                    </a:lnB>
+                    <a:lnTlToBr w="12700" cmpd="sng">
+                      <a:noFill/>
+                      <a:prstDash val="solid"/>
+                    </a:lnTlToBr>
+                    <a:lnBlToTr w="12700" cmpd="sng">
+                      <a:noFill/>
+                      <a:prstDash val="solid"/>
+                    </a:lnBlToTr>
+                    <a:noFill/>
+                  </a:tcPr>
+                </a:tc>
+                <a:extLst>
+                  <a:ext uri="{0D108BD9-81ED-4DB2-BD59-A6C34878D82A}">
+                    <a16:rowId xmlns:a16="http://schemas.microsoft.com/office/drawing/2014/main" val="1826361166"/>
+                  </a:ext>
+                </a:extLst>
+              </a:tr>
+              <a:tr h="324000">
+                <a:tc>
+                  <a:txBody>
+                    <a:bodyPr/>
+                    <a:lstStyle/>
+                    <a:p>
+                      <a:pPr marL="0" marR="0" lvl="0" indent="0" algn="r" defTabSz="914400" rtl="0" eaLnBrk="1" fontAlgn="auto" latinLnBrk="0" hangingPunct="1">
+                        <a:lnSpc>
+                          <a:spcPct val="100000"/>
+                        </a:lnSpc>
+                        <a:spcBef>
+                          <a:spcPts val="0"/>
+                        </a:spcBef>
+                        <a:spcAft>
+                          <a:spcPts val="0"/>
+                        </a:spcAft>
+                        <a:buClrTx/>
+                        <a:buSzTx/>
+                        <a:buFontTx/>
+                        <a:buNone/>
+                        <a:tabLst/>
+                        <a:defRPr/>
+                      </a:pPr>
+                      <a:r>
+                        <a:rPr lang="ja-JP" altLang="en-US" dirty="0">
+                          <a:solidFill>
+                            <a:srgbClr val="FF0000"/>
+                          </a:solidFill>
+                          <a:effectLst>
+                            <a:glow rad="63500">
+                              <a:schemeClr val="accent4">
+                                <a:satMod val="175000"/>
+                                <a:alpha val="40000"/>
+                              </a:schemeClr>
+                            </a:glow>
+                            <a:innerShdw blurRad="63500" dist="50800" dir="13500000">
+                              <a:prstClr val="black">
+                                <a:alpha val="50000"/>
+                              </a:prstClr>
+                            </a:innerShdw>
+                          </a:effectLst>
+                          <a:latin typeface="HGS創英角ﾎﾟｯﾌﾟ体" panose="040B0A00000000000000" pitchFamily="50" charset="-128"/>
+                          <a:ea typeface="HGS創英角ﾎﾟｯﾌﾟ体" panose="040B0A00000000000000" pitchFamily="50" charset="-128"/>
+                        </a:rPr>
+                        <a:t>ヒーローの意地</a:t>
+                      </a:r>
+                      <a:endParaRPr lang="en-US" altLang="ja-JP" dirty="0">
+                        <a:solidFill>
+                          <a:srgbClr val="FF0000"/>
+                        </a:solidFill>
+                        <a:effectLst>
+                          <a:glow rad="63500">
+                            <a:schemeClr val="accent4">
+                              <a:satMod val="175000"/>
+                              <a:alpha val="40000"/>
+                            </a:schemeClr>
+                          </a:glow>
+                          <a:innerShdw blurRad="63500" dist="50800" dir="13500000">
+                            <a:prstClr val="black">
+                              <a:alpha val="50000"/>
+                            </a:prstClr>
+                          </a:innerShdw>
+                        </a:effectLst>
+                        <a:latin typeface="HGS創英角ﾎﾟｯﾌﾟ体" panose="040B0A00000000000000" pitchFamily="50" charset="-128"/>
+                        <a:ea typeface="HGS創英角ﾎﾟｯﾌﾟ体" panose="040B0A00000000000000" pitchFamily="50" charset="-128"/>
+                      </a:endParaRPr>
+                    </a:p>
+                  </a:txBody>
+                  <a:tcPr marL="0" marR="0" marT="0" marB="0">
+                    <a:lnL w="12700" cmpd="sng">
+                      <a:noFill/>
+                    </a:lnL>
+                    <a:lnR w="12700" cmpd="sng">
+                      <a:noFill/>
+                    </a:lnR>
+                    <a:lnT w="12700" cmpd="sng">
+                      <a:noFill/>
+                    </a:lnT>
+                    <a:lnB w="12700" cmpd="sng">
+                      <a:noFill/>
+                    </a:lnB>
+                    <a:lnTlToBr w="12700" cmpd="sng">
+                      <a:noFill/>
+                      <a:prstDash val="solid"/>
+                    </a:lnTlToBr>
+                    <a:lnBlToTr w="12700" cmpd="sng">
+                      <a:noFill/>
+                      <a:prstDash val="solid"/>
+                    </a:lnBlToTr>
+                    <a:noFill/>
+                  </a:tcPr>
+                </a:tc>
+                <a:tc>
+                  <a:txBody>
+                    <a:bodyPr/>
+                    <a:lstStyle/>
+                    <a:p>
+                      <a:pPr marL="0" marR="0" lvl="0" indent="0" algn="r" defTabSz="914400" rtl="0" eaLnBrk="1" fontAlgn="auto" latinLnBrk="0" hangingPunct="1">
+                        <a:lnSpc>
+                          <a:spcPct val="100000"/>
+                        </a:lnSpc>
+                        <a:spcBef>
+                          <a:spcPts val="0"/>
+                        </a:spcBef>
+                        <a:spcAft>
+                          <a:spcPts val="0"/>
+                        </a:spcAft>
+                        <a:buClrTx/>
+                        <a:buSzTx/>
+                        <a:buFontTx/>
+                        <a:buNone/>
+                        <a:tabLst/>
+                        <a:defRPr/>
+                      </a:pPr>
+                      <a:r>
+                        <a:rPr lang="ja-JP" altLang="en-US" sz="1400" b="0" i="0" dirty="0">
+                          <a:solidFill>
+                            <a:srgbClr val="FF0000"/>
+                          </a:solidFill>
+                          <a:effectLst>
+                            <a:innerShdw blurRad="63500" dist="50800" dir="13500000">
+                              <a:prstClr val="black">
+                                <a:alpha val="50000"/>
+                              </a:prstClr>
+                            </a:innerShdw>
+                          </a:effectLst>
+                          <a:latin typeface="HGS創英角ﾎﾟｯﾌﾟ体" panose="040B0A00000000000000" pitchFamily="50" charset="-128"/>
+                          <a:ea typeface="HGS創英角ﾎﾟｯﾌﾟ体" panose="040B0A00000000000000" pitchFamily="50" charset="-128"/>
+                        </a:rPr>
+                        <a:t>コイン</a:t>
+                      </a:r>
+                      <a:r>
+                        <a:rPr lang="en-US" altLang="ja-JP" sz="1400" b="0" i="0" dirty="0">
+                          <a:solidFill>
+                            <a:srgbClr val="FF0000"/>
+                          </a:solidFill>
+                          <a:effectLst>
+                            <a:innerShdw blurRad="63500" dist="50800" dir="13500000">
+                              <a:prstClr val="black">
+                                <a:alpha val="50000"/>
+                              </a:prstClr>
+                            </a:innerShdw>
+                          </a:effectLst>
+                          <a:latin typeface="HGS創英角ﾎﾟｯﾌﾟ体" panose="040B0A00000000000000" pitchFamily="50" charset="-128"/>
+                          <a:ea typeface="HGS創英角ﾎﾟｯﾌﾟ体" panose="040B0A00000000000000" pitchFamily="50" charset="-128"/>
+                        </a:rPr>
+                        <a:t>100</a:t>
+                      </a:r>
+                      <a:r>
+                        <a:rPr lang="ja-JP" altLang="en-US" sz="1400" b="0" i="0" dirty="0">
+                          <a:solidFill>
+                            <a:srgbClr val="FF0000"/>
+                          </a:solidFill>
+                          <a:effectLst>
+                            <a:innerShdw blurRad="63500" dist="50800" dir="13500000">
+                              <a:prstClr val="black">
+                                <a:alpha val="50000"/>
+                              </a:prstClr>
+                            </a:innerShdw>
+                          </a:effectLst>
+                          <a:latin typeface="HGS創英角ﾎﾟｯﾌﾟ体" panose="040B0A00000000000000" pitchFamily="50" charset="-128"/>
+                          <a:ea typeface="HGS創英角ﾎﾟｯﾌﾟ体" panose="040B0A00000000000000" pitchFamily="50" charset="-128"/>
+                        </a:rPr>
+                        <a:t>枚</a:t>
+                      </a:r>
+                      <a:r>
+                        <a:rPr lang="en-US" altLang="ja-JP" sz="1400" b="0" i="0" dirty="0">
+                          <a:solidFill>
+                            <a:srgbClr val="FF0000"/>
+                          </a:solidFill>
+                          <a:effectLst>
+                            <a:innerShdw blurRad="63500" dist="50800" dir="13500000">
+                              <a:prstClr val="black">
+                                <a:alpha val="50000"/>
+                              </a:prstClr>
+                            </a:innerShdw>
+                          </a:effectLst>
+                          <a:latin typeface="HGS創英角ﾎﾟｯﾌﾟ体" panose="040B0A00000000000000" pitchFamily="50" charset="-128"/>
+                          <a:ea typeface="HGS創英角ﾎﾟｯﾌﾟ体" panose="040B0A00000000000000" pitchFamily="50" charset="-128"/>
+                        </a:rPr>
+                        <a:t>&amp;1000m</a:t>
+                      </a:r>
+                      <a:r>
+                        <a:rPr lang="ja-JP" altLang="en-US" sz="1400" b="0" i="0" dirty="0">
+                          <a:solidFill>
+                            <a:srgbClr val="FF0000"/>
+                          </a:solidFill>
+                          <a:effectLst>
+                            <a:innerShdw blurRad="63500" dist="50800" dir="13500000">
+                              <a:prstClr val="black">
+                                <a:alpha val="50000"/>
+                              </a:prstClr>
+                            </a:innerShdw>
+                          </a:effectLst>
+                          <a:latin typeface="HGS創英角ﾎﾟｯﾌﾟ体" panose="040B0A00000000000000" pitchFamily="50" charset="-128"/>
+                          <a:ea typeface="HGS創英角ﾎﾟｯﾌﾟ体" panose="040B0A00000000000000" pitchFamily="50" charset="-128"/>
+                        </a:rPr>
+                        <a:t>走る</a:t>
+                      </a:r>
+                      <a:endParaRPr lang="en-US" altLang="ja-JP" sz="1400" b="0" i="0" dirty="0">
+                        <a:solidFill>
+                          <a:srgbClr val="FF0000"/>
+                        </a:solidFill>
+                        <a:effectLst>
+                          <a:innerShdw blurRad="63500" dist="50800" dir="13500000">
+                            <a:prstClr val="black">
+                              <a:alpha val="50000"/>
+                            </a:prstClr>
+                          </a:innerShdw>
+                        </a:effectLst>
+                        <a:latin typeface="HGS創英角ﾎﾟｯﾌﾟ体" panose="040B0A00000000000000" pitchFamily="50" charset="-128"/>
+                        <a:ea typeface="HGS創英角ﾎﾟｯﾌﾟ体" panose="040B0A00000000000000" pitchFamily="50" charset="-128"/>
+                      </a:endParaRPr>
+                    </a:p>
+                  </a:txBody>
+                  <a:tcPr marL="0" marR="0" marT="0" marB="0" anchor="ctr">
+                    <a:lnL w="12700" cmpd="sng">
+                      <a:noFill/>
+                    </a:lnL>
+                    <a:lnR w="12700" cmpd="sng">
+                      <a:noFill/>
+                    </a:lnR>
+                    <a:lnT w="12700" cmpd="sng">
+                      <a:noFill/>
+                    </a:lnT>
+                    <a:lnB w="12700" cmpd="sng">
+                      <a:noFill/>
+                    </a:lnB>
+                    <a:lnTlToBr w="12700" cmpd="sng">
+                      <a:noFill/>
+                      <a:prstDash val="solid"/>
+                    </a:lnTlToBr>
+                    <a:lnBlToTr w="12700" cmpd="sng">
+                      <a:noFill/>
+                      <a:prstDash val="solid"/>
+                    </a:lnBlToTr>
+                    <a:noFill/>
+                  </a:tcPr>
+                </a:tc>
+                <a:tc>
+                  <a:txBody>
+                    <a:bodyPr/>
+                    <a:lstStyle/>
+                    <a:p>
+                      <a:pPr marL="0" marR="0" lvl="0" indent="0" algn="r" defTabSz="914400" rtl="0" eaLnBrk="1" fontAlgn="auto" latinLnBrk="0" hangingPunct="1">
+                        <a:lnSpc>
+                          <a:spcPct val="100000"/>
+                        </a:lnSpc>
+                        <a:spcBef>
+                          <a:spcPts val="0"/>
+                        </a:spcBef>
+                        <a:spcAft>
+                          <a:spcPts val="0"/>
+                        </a:spcAft>
+                        <a:buClrTx/>
+                        <a:buSzTx/>
+                        <a:buFontTx/>
+                        <a:buNone/>
+                        <a:tabLst/>
+                        <a:defRPr/>
+                      </a:pPr>
+                      <a:r>
+                        <a:rPr lang="ja-JP" altLang="en-US" dirty="0">
+                          <a:solidFill>
+                            <a:schemeClr val="accent1"/>
+                          </a:solidFill>
+                          <a:effectLst>
+                            <a:glow rad="63500">
+                              <a:schemeClr val="accent4">
+                                <a:satMod val="175000"/>
+                                <a:alpha val="40000"/>
+                              </a:schemeClr>
+                            </a:glow>
+                            <a:innerShdw blurRad="63500" dist="50800" dir="13500000">
+                              <a:prstClr val="black">
+                                <a:alpha val="50000"/>
+                              </a:prstClr>
+                            </a:innerShdw>
+                          </a:effectLst>
+                          <a:latin typeface="HGS創英角ﾎﾟｯﾌﾟ体" panose="040B0A00000000000000" pitchFamily="50" charset="-128"/>
+                          <a:ea typeface="HGS創英角ﾎﾟｯﾌﾟ体" panose="040B0A00000000000000" pitchFamily="50" charset="-128"/>
+                        </a:rPr>
+                        <a:t>お金大好き</a:t>
+                      </a:r>
+                      <a:endParaRPr lang="en-US" altLang="ja-JP" dirty="0">
+                        <a:solidFill>
+                          <a:schemeClr val="accent1"/>
+                        </a:solidFill>
+                        <a:effectLst>
+                          <a:glow rad="63500">
+                            <a:schemeClr val="accent4">
+                              <a:satMod val="175000"/>
+                              <a:alpha val="40000"/>
+                            </a:schemeClr>
+                          </a:glow>
+                          <a:innerShdw blurRad="63500" dist="50800" dir="13500000">
+                            <a:prstClr val="black">
+                              <a:alpha val="50000"/>
+                            </a:prstClr>
+                          </a:innerShdw>
+                        </a:effectLst>
+                        <a:latin typeface="HGS創英角ﾎﾟｯﾌﾟ体" panose="040B0A00000000000000" pitchFamily="50" charset="-128"/>
+                        <a:ea typeface="HGS創英角ﾎﾟｯﾌﾟ体" panose="040B0A00000000000000" pitchFamily="50" charset="-128"/>
+                      </a:endParaRPr>
+                    </a:p>
+                  </a:txBody>
+                  <a:tcPr marL="0" marR="0" marT="0" marB="0">
+                    <a:lnL w="12700" cmpd="sng">
+                      <a:noFill/>
+                    </a:lnL>
+                    <a:lnR w="12700" cmpd="sng">
+                      <a:noFill/>
+                    </a:lnR>
+                    <a:lnT w="12700" cmpd="sng">
+                      <a:noFill/>
+                    </a:lnT>
+                    <a:lnB w="12700" cmpd="sng">
+                      <a:noFill/>
+                    </a:lnB>
+                    <a:lnTlToBr w="12700" cmpd="sng">
+                      <a:noFill/>
+                      <a:prstDash val="solid"/>
+                    </a:lnTlToBr>
+                    <a:lnBlToTr w="12700" cmpd="sng">
+                      <a:noFill/>
+                      <a:prstDash val="solid"/>
+                    </a:lnBlToTr>
+                    <a:noFill/>
+                  </a:tcPr>
+                </a:tc>
+                <a:tc>
+                  <a:txBody>
+                    <a:bodyPr/>
+                    <a:lstStyle/>
+                    <a:p>
+                      <a:pPr marL="0" marR="0" lvl="0" indent="0" algn="r" defTabSz="914400" rtl="0" eaLnBrk="1" fontAlgn="auto" latinLnBrk="0" hangingPunct="1">
+                        <a:lnSpc>
+                          <a:spcPct val="100000"/>
+                        </a:lnSpc>
+                        <a:spcBef>
+                          <a:spcPts val="0"/>
+                        </a:spcBef>
+                        <a:spcAft>
+                          <a:spcPts val="0"/>
+                        </a:spcAft>
+                        <a:buClrTx/>
+                        <a:buSzTx/>
+                        <a:buFontTx/>
+                        <a:buNone/>
+                        <a:tabLst/>
+                        <a:defRPr/>
+                      </a:pPr>
+                      <a:r>
+                        <a:rPr kumimoji="1" lang="en-US" altLang="ja-JP" sz="1400" b="0" i="0" u="none" strike="noStrike" kern="1200" cap="none" spc="0" normalizeH="0" baseline="0" noProof="0" dirty="0">
+                          <a:ln>
+                            <a:noFill/>
+                          </a:ln>
+                          <a:solidFill>
+                            <a:srgbClr val="FF0000"/>
+                          </a:solidFill>
+                          <a:effectLst>
+                            <a:innerShdw blurRad="63500" dist="50800" dir="13500000">
+                              <a:prstClr val="black">
+                                <a:alpha val="50000"/>
+                              </a:prstClr>
+                            </a:innerShdw>
+                          </a:effectLst>
+                          <a:uLnTx/>
+                          <a:uFillTx/>
+                          <a:latin typeface="HGS創英角ﾎﾟｯﾌﾟ体" panose="040B0A00000000000000" pitchFamily="50" charset="-128"/>
+                          <a:ea typeface="HGS創英角ﾎﾟｯﾌﾟ体" panose="040B0A00000000000000" pitchFamily="50" charset="-128"/>
+                          <a:cs typeface="+mn-cs"/>
+                        </a:rPr>
+                        <a:t>20</a:t>
+                      </a:r>
+                      <a:r>
+                        <a:rPr kumimoji="1" lang="ja-JP" altLang="en-US" sz="1400" b="0" i="0" u="none" strike="noStrike" kern="1200" cap="none" spc="0" normalizeH="0" baseline="0" noProof="0" dirty="0">
+                          <a:ln>
+                            <a:noFill/>
+                          </a:ln>
+                          <a:solidFill>
+                            <a:srgbClr val="FF0000"/>
+                          </a:solidFill>
+                          <a:effectLst>
+                            <a:innerShdw blurRad="63500" dist="50800" dir="13500000">
+                              <a:prstClr val="black">
+                                <a:alpha val="50000"/>
+                              </a:prstClr>
+                            </a:innerShdw>
+                          </a:effectLst>
+                          <a:uLnTx/>
+                          <a:uFillTx/>
+                          <a:latin typeface="HGS創英角ﾎﾟｯﾌﾟ体" panose="040B0A00000000000000" pitchFamily="50" charset="-128"/>
+                          <a:ea typeface="HGS創英角ﾎﾟｯﾌﾟ体" panose="040B0A00000000000000" pitchFamily="50" charset="-128"/>
+                          <a:cs typeface="+mn-cs"/>
+                        </a:rPr>
+                        <a:t>枚のコインを</a:t>
+                      </a:r>
+                      <a:r>
+                        <a:rPr kumimoji="1" lang="en-US" altLang="ja-JP" sz="1400" b="0" i="0" u="none" strike="noStrike" kern="1200" cap="none" spc="0" normalizeH="0" baseline="0" noProof="0" dirty="0">
+                          <a:ln>
+                            <a:noFill/>
+                          </a:ln>
+                          <a:solidFill>
+                            <a:srgbClr val="FF0000"/>
+                          </a:solidFill>
+                          <a:effectLst>
+                            <a:innerShdw blurRad="63500" dist="50800" dir="13500000">
+                              <a:prstClr val="black">
+                                <a:alpha val="50000"/>
+                              </a:prstClr>
+                            </a:innerShdw>
+                          </a:effectLst>
+                          <a:uLnTx/>
+                          <a:uFillTx/>
+                          <a:latin typeface="HGS創英角ﾎﾟｯﾌﾟ体" panose="040B0A00000000000000" pitchFamily="50" charset="-128"/>
+                          <a:ea typeface="HGS創英角ﾎﾟｯﾌﾟ体" panose="040B0A00000000000000" pitchFamily="50" charset="-128"/>
+                          <a:cs typeface="+mn-cs"/>
+                        </a:rPr>
+                        <a:t>100m</a:t>
+                      </a:r>
+                      <a:r>
+                        <a:rPr kumimoji="1" lang="ja-JP" altLang="en-US" sz="1400" b="0" i="0" u="none" strike="noStrike" kern="1200" cap="none" spc="0" normalizeH="0" baseline="0" noProof="0" dirty="0">
+                          <a:ln>
+                            <a:noFill/>
+                          </a:ln>
+                          <a:solidFill>
+                            <a:srgbClr val="FF0000"/>
+                          </a:solidFill>
+                          <a:effectLst>
+                            <a:innerShdw blurRad="63500" dist="50800" dir="13500000">
+                              <a:prstClr val="black">
+                                <a:alpha val="50000"/>
+                              </a:prstClr>
+                            </a:innerShdw>
+                          </a:effectLst>
+                          <a:uLnTx/>
+                          <a:uFillTx/>
+                          <a:latin typeface="HGS創英角ﾎﾟｯﾌﾟ体" panose="040B0A00000000000000" pitchFamily="50" charset="-128"/>
+                          <a:ea typeface="HGS創英角ﾎﾟｯﾌﾟ体" panose="040B0A00000000000000" pitchFamily="50" charset="-128"/>
+                          <a:cs typeface="+mn-cs"/>
+                        </a:rPr>
+                        <a:t>毎収集</a:t>
+                      </a:r>
+                      <a:endParaRPr kumimoji="1" lang="en-US" altLang="ja-JP" sz="1400" b="0" i="0" u="none" strike="noStrike" kern="1200" cap="none" spc="0" normalizeH="0" baseline="0" noProof="0" dirty="0">
+                        <a:ln>
+                          <a:noFill/>
+                        </a:ln>
+                        <a:solidFill>
+                          <a:srgbClr val="FF0000"/>
+                        </a:solidFill>
+                        <a:effectLst>
+                          <a:innerShdw blurRad="63500" dist="50800" dir="13500000">
+                            <a:prstClr val="black">
+                              <a:alpha val="50000"/>
+                            </a:prstClr>
+                          </a:innerShdw>
+                        </a:effectLst>
+                        <a:uLnTx/>
+                        <a:uFillTx/>
+                        <a:latin typeface="HGS創英角ﾎﾟｯﾌﾟ体" panose="040B0A00000000000000" pitchFamily="50" charset="-128"/>
+                        <a:ea typeface="HGS創英角ﾎﾟｯﾌﾟ体" panose="040B0A00000000000000" pitchFamily="50" charset="-128"/>
+                        <a:cs typeface="+mn-cs"/>
+                      </a:endParaRPr>
+                    </a:p>
+                  </a:txBody>
+                  <a:tcPr marL="0" marR="0" marT="0" marB="0" anchor="ctr">
+                    <a:lnL w="12700" cmpd="sng">
+                      <a:noFill/>
+                    </a:lnL>
+                    <a:lnR w="12700" cmpd="sng">
+                      <a:noFill/>
+                    </a:lnR>
+                    <a:lnT w="12700" cmpd="sng">
+                      <a:noFill/>
+                    </a:lnT>
+                    <a:lnB w="12700" cmpd="sng">
+                      <a:noFill/>
+                    </a:lnB>
+                    <a:lnTlToBr w="12700" cmpd="sng">
+                      <a:noFill/>
+                      <a:prstDash val="solid"/>
+                    </a:lnTlToBr>
+                    <a:lnBlToTr w="12700" cmpd="sng">
+                      <a:noFill/>
+                      <a:prstDash val="solid"/>
+                    </a:lnBlToTr>
+                    <a:noFill/>
+                  </a:tcPr>
+                </a:tc>
+                <a:extLst>
+                  <a:ext uri="{0D108BD9-81ED-4DB2-BD59-A6C34878D82A}">
+                    <a16:rowId xmlns:a16="http://schemas.microsoft.com/office/drawing/2014/main" val="2545914831"/>
+                  </a:ext>
+                </a:extLst>
+              </a:tr>
+              <a:tr h="324000">
+                <a:tc>
+                  <a:txBody>
+                    <a:bodyPr/>
+                    <a:lstStyle/>
+                    <a:p>
+                      <a:pPr marL="0" marR="0" lvl="0" indent="0" algn="r" defTabSz="914400" rtl="0" eaLnBrk="1" fontAlgn="auto" latinLnBrk="0" hangingPunct="1">
+                        <a:lnSpc>
+                          <a:spcPct val="100000"/>
+                        </a:lnSpc>
+                        <a:spcBef>
+                          <a:spcPts val="0"/>
+                        </a:spcBef>
+                        <a:spcAft>
+                          <a:spcPts val="0"/>
+                        </a:spcAft>
+                        <a:buClrTx/>
+                        <a:buSzTx/>
+                        <a:buFontTx/>
+                        <a:buNone/>
+                        <a:tabLst/>
+                        <a:defRPr/>
+                      </a:pPr>
+                      <a:r>
+                        <a:rPr lang="ja-JP" altLang="en-US" dirty="0">
+                          <a:solidFill>
+                            <a:srgbClr val="FF0000"/>
+                          </a:solidFill>
+                          <a:effectLst>
+                            <a:glow rad="63500">
+                              <a:schemeClr val="accent4">
+                                <a:satMod val="175000"/>
+                                <a:alpha val="40000"/>
+                              </a:schemeClr>
+                            </a:glow>
+                            <a:innerShdw blurRad="63500" dist="50800" dir="13500000">
+                              <a:prstClr val="black">
+                                <a:alpha val="50000"/>
+                              </a:prstClr>
+                            </a:innerShdw>
+                          </a:effectLst>
+                          <a:latin typeface="HGS創英角ﾎﾟｯﾌﾟ体" panose="040B0A00000000000000" pitchFamily="50" charset="-128"/>
+                          <a:ea typeface="HGS創英角ﾎﾟｯﾌﾟ体" panose="040B0A00000000000000" pitchFamily="50" charset="-128"/>
+                        </a:rPr>
+                        <a:t>孤高のヒーロー</a:t>
+                      </a:r>
+                      <a:endParaRPr lang="en-US" altLang="ja-JP" dirty="0">
+                        <a:solidFill>
+                          <a:srgbClr val="FF0000"/>
+                        </a:solidFill>
+                        <a:effectLst>
+                          <a:glow rad="63500">
+                            <a:schemeClr val="accent4">
+                              <a:satMod val="175000"/>
+                              <a:alpha val="40000"/>
+                            </a:schemeClr>
+                          </a:glow>
+                          <a:innerShdw blurRad="63500" dist="50800" dir="13500000">
+                            <a:prstClr val="black">
+                              <a:alpha val="50000"/>
+                            </a:prstClr>
+                          </a:innerShdw>
+                        </a:effectLst>
+                        <a:latin typeface="HGS創英角ﾎﾟｯﾌﾟ体" panose="040B0A00000000000000" pitchFamily="50" charset="-128"/>
+                        <a:ea typeface="HGS創英角ﾎﾟｯﾌﾟ体" panose="040B0A00000000000000" pitchFamily="50" charset="-128"/>
+                      </a:endParaRPr>
+                    </a:p>
+                  </a:txBody>
+                  <a:tcPr marL="0" marR="0" marT="0" marB="0">
+                    <a:lnL w="12700" cmpd="sng">
+                      <a:noFill/>
+                    </a:lnL>
+                    <a:lnR w="12700" cmpd="sng">
+                      <a:noFill/>
+                    </a:lnR>
+                    <a:lnT w="12700" cmpd="sng">
+                      <a:noFill/>
+                    </a:lnT>
+                    <a:lnB w="12700" cmpd="sng">
+                      <a:noFill/>
+                    </a:lnB>
+                    <a:lnTlToBr w="12700" cmpd="sng">
+                      <a:noFill/>
+                      <a:prstDash val="solid"/>
+                    </a:lnTlToBr>
+                    <a:lnBlToTr w="12700" cmpd="sng">
+                      <a:noFill/>
+                      <a:prstDash val="solid"/>
+                    </a:lnBlToTr>
+                    <a:noFill/>
+                  </a:tcPr>
+                </a:tc>
+                <a:tc>
+                  <a:txBody>
+                    <a:bodyPr/>
+                    <a:lstStyle/>
+                    <a:p>
+                      <a:pPr marL="0" marR="0" lvl="0" indent="0" algn="r" defTabSz="914400" rtl="0" eaLnBrk="1" fontAlgn="auto" latinLnBrk="0" hangingPunct="1">
+                        <a:lnSpc>
+                          <a:spcPct val="100000"/>
+                        </a:lnSpc>
+                        <a:spcBef>
+                          <a:spcPts val="0"/>
+                        </a:spcBef>
+                        <a:spcAft>
+                          <a:spcPts val="0"/>
+                        </a:spcAft>
+                        <a:buClrTx/>
+                        <a:buSzTx/>
+                        <a:buFontTx/>
+                        <a:buNone/>
+                        <a:tabLst/>
+                        <a:defRPr/>
+                      </a:pPr>
+                      <a:r>
+                        <a:rPr lang="ja-JP" altLang="en-US" sz="1400" b="0" i="0" dirty="0">
+                          <a:solidFill>
+                            <a:srgbClr val="FF0000"/>
+                          </a:solidFill>
+                          <a:effectLst>
+                            <a:innerShdw blurRad="63500" dist="50800" dir="13500000">
+                              <a:prstClr val="black">
+                                <a:alpha val="50000"/>
+                              </a:prstClr>
+                            </a:innerShdw>
+                          </a:effectLst>
+                          <a:latin typeface="HGS創英角ﾎﾟｯﾌﾟ体" panose="040B0A00000000000000" pitchFamily="50" charset="-128"/>
+                          <a:ea typeface="HGS創英角ﾎﾟｯﾌﾟ体" panose="040B0A00000000000000" pitchFamily="50" charset="-128"/>
+                        </a:rPr>
+                        <a:t>コイン</a:t>
+                      </a:r>
+                      <a:r>
+                        <a:rPr lang="en-US" altLang="ja-JP" sz="1400" b="0" i="0" dirty="0">
+                          <a:solidFill>
+                            <a:srgbClr val="FF0000"/>
+                          </a:solidFill>
+                          <a:effectLst>
+                            <a:innerShdw blurRad="63500" dist="50800" dir="13500000">
+                              <a:prstClr val="black">
+                                <a:alpha val="50000"/>
+                              </a:prstClr>
+                            </a:innerShdw>
+                          </a:effectLst>
+                          <a:latin typeface="HGS創英角ﾎﾟｯﾌﾟ体" panose="040B0A00000000000000" pitchFamily="50" charset="-128"/>
+                          <a:ea typeface="HGS創英角ﾎﾟｯﾌﾟ体" panose="040B0A00000000000000" pitchFamily="50" charset="-128"/>
+                        </a:rPr>
+                        <a:t>1000</a:t>
+                      </a:r>
+                      <a:r>
+                        <a:rPr lang="ja-JP" altLang="en-US" sz="1400" b="0" i="0" dirty="0">
+                          <a:solidFill>
+                            <a:srgbClr val="FF0000"/>
+                          </a:solidFill>
+                          <a:effectLst>
+                            <a:innerShdw blurRad="63500" dist="50800" dir="13500000">
+                              <a:prstClr val="black">
+                                <a:alpha val="50000"/>
+                              </a:prstClr>
+                            </a:innerShdw>
+                          </a:effectLst>
+                          <a:latin typeface="HGS創英角ﾎﾟｯﾌﾟ体" panose="040B0A00000000000000" pitchFamily="50" charset="-128"/>
+                          <a:ea typeface="HGS創英角ﾎﾟｯﾌﾟ体" panose="040B0A00000000000000" pitchFamily="50" charset="-128"/>
+                        </a:rPr>
+                        <a:t>枚</a:t>
+                      </a:r>
+                      <a:r>
+                        <a:rPr lang="en-US" altLang="ja-JP" sz="1400" b="0" i="0" dirty="0">
+                          <a:solidFill>
+                            <a:srgbClr val="FF0000"/>
+                          </a:solidFill>
+                          <a:effectLst>
+                            <a:innerShdw blurRad="63500" dist="50800" dir="13500000">
+                              <a:prstClr val="black">
+                                <a:alpha val="50000"/>
+                              </a:prstClr>
+                            </a:innerShdw>
+                          </a:effectLst>
+                          <a:latin typeface="HGS創英角ﾎﾟｯﾌﾟ体" panose="040B0A00000000000000" pitchFamily="50" charset="-128"/>
+                          <a:ea typeface="HGS創英角ﾎﾟｯﾌﾟ体" panose="040B0A00000000000000" pitchFamily="50" charset="-128"/>
+                        </a:rPr>
+                        <a:t>&amp;10km</a:t>
+                      </a:r>
+                      <a:r>
+                        <a:rPr lang="ja-JP" altLang="en-US" sz="1400" b="0" i="0" dirty="0">
+                          <a:solidFill>
+                            <a:srgbClr val="FF0000"/>
+                          </a:solidFill>
+                          <a:effectLst>
+                            <a:innerShdw blurRad="63500" dist="50800" dir="13500000">
+                              <a:prstClr val="black">
+                                <a:alpha val="50000"/>
+                              </a:prstClr>
+                            </a:innerShdw>
+                          </a:effectLst>
+                          <a:latin typeface="HGS創英角ﾎﾟｯﾌﾟ体" panose="040B0A00000000000000" pitchFamily="50" charset="-128"/>
+                          <a:ea typeface="HGS創英角ﾎﾟｯﾌﾟ体" panose="040B0A00000000000000" pitchFamily="50" charset="-128"/>
+                        </a:rPr>
+                        <a:t>走る</a:t>
+                      </a:r>
+                      <a:endParaRPr lang="en-US" altLang="ja-JP" sz="1400" b="0" i="0" dirty="0">
+                        <a:solidFill>
+                          <a:srgbClr val="FF0000"/>
+                        </a:solidFill>
+                        <a:effectLst>
+                          <a:innerShdw blurRad="63500" dist="50800" dir="13500000">
+                            <a:prstClr val="black">
+                              <a:alpha val="50000"/>
+                            </a:prstClr>
+                          </a:innerShdw>
+                        </a:effectLst>
+                        <a:latin typeface="HGS創英角ﾎﾟｯﾌﾟ体" panose="040B0A00000000000000" pitchFamily="50" charset="-128"/>
+                        <a:ea typeface="HGS創英角ﾎﾟｯﾌﾟ体" panose="040B0A00000000000000" pitchFamily="50" charset="-128"/>
+                      </a:endParaRPr>
+                    </a:p>
+                  </a:txBody>
+                  <a:tcPr marL="0" marR="0" marT="0" marB="0" anchor="ctr">
+                    <a:lnL w="12700" cmpd="sng">
+                      <a:noFill/>
+                    </a:lnL>
+                    <a:lnR w="12700" cmpd="sng">
+                      <a:noFill/>
+                    </a:lnR>
+                    <a:lnT w="12700" cmpd="sng">
+                      <a:noFill/>
+                    </a:lnT>
+                    <a:lnB w="12700" cmpd="sng">
+                      <a:noFill/>
+                    </a:lnB>
+                    <a:lnTlToBr w="12700" cmpd="sng">
+                      <a:noFill/>
+                      <a:prstDash val="solid"/>
+                    </a:lnTlToBr>
+                    <a:lnBlToTr w="12700" cmpd="sng">
+                      <a:noFill/>
+                      <a:prstDash val="solid"/>
+                    </a:lnBlToTr>
+                    <a:noFill/>
+                  </a:tcPr>
+                </a:tc>
+                <a:tc>
+                  <a:txBody>
+                    <a:bodyPr/>
+                    <a:lstStyle/>
+                    <a:p>
+                      <a:pPr marL="0" marR="0" lvl="0" indent="0" algn="r" defTabSz="914400" rtl="0" eaLnBrk="1" fontAlgn="auto" latinLnBrk="0" hangingPunct="1">
+                        <a:lnSpc>
+                          <a:spcPct val="100000"/>
+                        </a:lnSpc>
+                        <a:spcBef>
+                          <a:spcPts val="0"/>
+                        </a:spcBef>
+                        <a:spcAft>
+                          <a:spcPts val="0"/>
+                        </a:spcAft>
+                        <a:buClrTx/>
+                        <a:buSzTx/>
+                        <a:buFontTx/>
+                        <a:buNone/>
+                        <a:tabLst/>
+                        <a:defRPr/>
+                      </a:pPr>
+                      <a:r>
+                        <a:rPr lang="ja-JP" altLang="en-US" dirty="0">
+                          <a:solidFill>
+                            <a:schemeClr val="accent1"/>
+                          </a:solidFill>
+                          <a:effectLst>
+                            <a:glow rad="63500">
+                              <a:schemeClr val="accent4">
+                                <a:satMod val="175000"/>
+                                <a:alpha val="40000"/>
+                              </a:schemeClr>
+                            </a:glow>
+                            <a:innerShdw blurRad="63500" dist="50800" dir="13500000">
+                              <a:prstClr val="black">
+                                <a:alpha val="50000"/>
+                              </a:prstClr>
+                            </a:innerShdw>
+                          </a:effectLst>
+                          <a:latin typeface="HGS創英角ﾎﾟｯﾌﾟ体" panose="040B0A00000000000000" pitchFamily="50" charset="-128"/>
+                          <a:ea typeface="HGS創英角ﾎﾟｯﾌﾟ体" panose="040B0A00000000000000" pitchFamily="50" charset="-128"/>
+                        </a:rPr>
+                        <a:t>ジャストインタラクト</a:t>
+                      </a:r>
+                      <a:endParaRPr lang="en-US" altLang="ja-JP" dirty="0">
+                        <a:solidFill>
+                          <a:schemeClr val="accent1"/>
+                        </a:solidFill>
+                        <a:effectLst>
+                          <a:glow rad="63500">
+                            <a:schemeClr val="accent4">
+                              <a:satMod val="175000"/>
+                              <a:alpha val="40000"/>
+                            </a:schemeClr>
+                          </a:glow>
+                          <a:innerShdw blurRad="63500" dist="50800" dir="13500000">
+                            <a:prstClr val="black">
+                              <a:alpha val="50000"/>
+                            </a:prstClr>
+                          </a:innerShdw>
+                        </a:effectLst>
+                        <a:latin typeface="HGS創英角ﾎﾟｯﾌﾟ体" panose="040B0A00000000000000" pitchFamily="50" charset="-128"/>
+                        <a:ea typeface="HGS創英角ﾎﾟｯﾌﾟ体" panose="040B0A00000000000000" pitchFamily="50" charset="-128"/>
+                      </a:endParaRPr>
+                    </a:p>
+                  </a:txBody>
+                  <a:tcPr marL="0" marR="0" marT="0" marB="0">
+                    <a:lnL w="12700" cmpd="sng">
+                      <a:noFill/>
+                    </a:lnL>
+                    <a:lnR w="12700" cmpd="sng">
+                      <a:noFill/>
+                    </a:lnR>
+                    <a:lnT w="12700" cmpd="sng">
+                      <a:noFill/>
+                    </a:lnT>
+                    <a:lnB w="12700" cmpd="sng">
+                      <a:noFill/>
+                    </a:lnB>
+                    <a:lnTlToBr w="12700" cmpd="sng">
+                      <a:noFill/>
+                      <a:prstDash val="solid"/>
+                    </a:lnTlToBr>
+                    <a:lnBlToTr w="12700" cmpd="sng">
+                      <a:noFill/>
+                      <a:prstDash val="solid"/>
+                    </a:lnBlToTr>
+                    <a:noFill/>
+                  </a:tcPr>
+                </a:tc>
+                <a:tc>
+                  <a:txBody>
+                    <a:bodyPr/>
+                    <a:lstStyle/>
+                    <a:p>
+                      <a:pPr algn="r"/>
+                      <a:r>
+                        <a:rPr kumimoji="1" lang="ja-JP" altLang="en-US" sz="1400" b="0" i="0" u="none" strike="noStrike" kern="1200" cap="none" spc="0" normalizeH="0" baseline="0" noProof="0" dirty="0">
+                          <a:ln>
+                            <a:noFill/>
+                          </a:ln>
+                          <a:solidFill>
+                            <a:srgbClr val="FF0000"/>
+                          </a:solidFill>
+                          <a:effectLst>
+                            <a:innerShdw blurRad="63500" dist="50800" dir="13500000">
+                              <a:prstClr val="black">
+                                <a:alpha val="50000"/>
+                              </a:prstClr>
+                            </a:innerShdw>
+                          </a:effectLst>
+                          <a:uLnTx/>
+                          <a:uFillTx/>
+                          <a:latin typeface="HGS創英角ﾎﾟｯﾌﾟ体" panose="040B0A00000000000000" pitchFamily="50" charset="-128"/>
+                          <a:ea typeface="HGS創英角ﾎﾟｯﾌﾟ体" panose="040B0A00000000000000" pitchFamily="50" charset="-128"/>
+                          <a:cs typeface="+mn-cs"/>
+                        </a:rPr>
+                        <a:t>ギミックの処理を直前に行う</a:t>
+                      </a:r>
+                      <a:endParaRPr kumimoji="1" lang="ja-JP" altLang="en-US" sz="1400" b="0" dirty="0">
+                        <a:solidFill>
+                          <a:srgbClr val="FF0000"/>
+                        </a:solidFill>
+                        <a:latin typeface="HGS創英角ﾎﾟｯﾌﾟ体" panose="040B0A00000000000000" pitchFamily="50" charset="-128"/>
+                        <a:ea typeface="HGS創英角ﾎﾟｯﾌﾟ体" panose="040B0A00000000000000" pitchFamily="50" charset="-128"/>
+                      </a:endParaRPr>
+                    </a:p>
+                  </a:txBody>
+                  <a:tcPr marL="0" marR="0" marT="0" marB="0" anchor="ctr">
+                    <a:lnL w="12700" cmpd="sng">
+                      <a:noFill/>
+                    </a:lnL>
+                    <a:lnR w="12700" cmpd="sng">
+                      <a:noFill/>
+                    </a:lnR>
+                    <a:lnT w="12700" cmpd="sng">
+                      <a:noFill/>
+                    </a:lnT>
+                    <a:lnB w="12700" cmpd="sng">
+                      <a:noFill/>
+                    </a:lnB>
+                    <a:lnTlToBr w="12700" cmpd="sng">
+                      <a:noFill/>
+                      <a:prstDash val="solid"/>
+                    </a:lnTlToBr>
+                    <a:lnBlToTr w="12700" cmpd="sng">
+                      <a:noFill/>
+                      <a:prstDash val="solid"/>
+                    </a:lnBlToTr>
+                    <a:noFill/>
+                  </a:tcPr>
+                </a:tc>
+                <a:extLst>
+                  <a:ext uri="{0D108BD9-81ED-4DB2-BD59-A6C34878D82A}">
+                    <a16:rowId xmlns:a16="http://schemas.microsoft.com/office/drawing/2014/main" val="1248208955"/>
+                  </a:ext>
+                </a:extLst>
+              </a:tr>
+            </a:tbl>
+          </a:graphicData>
+        </a:graphic>
+      </p:graphicFrame>
+    </p:spTree>
+    <p:extLst>
+      <p:ext uri="{BB962C8B-B14F-4D97-AF65-F5344CB8AC3E}">
+        <p14:creationId xmlns:p14="http://schemas.microsoft.com/office/powerpoint/2010/main" val="2292533"/>
+      </p:ext>
+    </p:extLst>
+  </p:cSld>
+  <p:clrMapOvr>
+    <a:masterClrMapping/>
+  </p:clrMapOvr>
+</p:sld>
+</file>
+
+<file path=ppt/slides/slide7.xml><?xml version="1.0" encoding="utf-8"?>
+<p:sld xmlns:a="http://schemas.openxmlformats.org/drawingml/2006/main" xmlns:r="http://schemas.openxmlformats.org/officeDocument/2006/relationships" xmlns:p="http://schemas.openxmlformats.org/presentationml/2006/main">
+  <p:cSld>
+    <p:spTree>
+      <p:nvGrpSpPr>
+        <p:cNvPr id="1" name=""/>
+        <p:cNvGrpSpPr/>
+        <p:nvPr/>
+      </p:nvGrpSpPr>
+      <p:grpSpPr>
+        <a:xfrm>
+          <a:off x="0" y="0"/>
+          <a:ext cx="0" cy="0"/>
+          <a:chOff x="0" y="0"/>
+          <a:chExt cx="0" cy="0"/>
+        </a:xfrm>
+      </p:grpSpPr>
+      <p:sp>
+        <p:nvSpPr>
+          <p:cNvPr id="4" name="テキスト ボックス 3">
+            <a:extLst>
+              <a:ext uri="{FF2B5EF4-FFF2-40B4-BE49-F238E27FC236}">
+                <a16:creationId xmlns:a16="http://schemas.microsoft.com/office/drawing/2014/main" id="{FEBE018B-579F-4E2C-BD3F-F0EFE8A367BC}"/>
+              </a:ext>
+            </a:extLst>
+          </p:cNvPr>
+          <p:cNvSpPr txBox="1"/>
+          <p:nvPr/>
+        </p:nvSpPr>
+        <p:spPr>
+          <a:xfrm>
+            <a:off x="2682240" y="3059668"/>
+            <a:ext cx="2481770" cy="369332"/>
+          </a:xfrm>
+          <a:prstGeom prst="rect">
+            <a:avLst/>
+          </a:prstGeom>
+          <a:noFill/>
+        </p:spPr>
+        <p:txBody>
+          <a:bodyPr wrap="none" rtlCol="0">
+            <a:spAutoFit/>
+          </a:bodyPr>
+          <a:lstStyle/>
+          <a:p>
+            <a:r>
+              <a:rPr kumimoji="1" lang="en-US" altLang="ja-JP" b="1" dirty="0">
+                <a:latin typeface="Agency FB" panose="020B0503020202020204" pitchFamily="34" charset="0"/>
+                <a:ea typeface="UD Digi Kyokasho N-B" panose="020B0400000000000000" pitchFamily="18" charset="-128"/>
+              </a:rPr>
+              <a:t>0   1   2   3   4   5   6   7   8   9</a:t>
+            </a:r>
+            <a:endParaRPr kumimoji="1" lang="ja-JP" altLang="en-US" b="1" dirty="0">
+              <a:latin typeface="Agency FB" panose="020B0503020202020204" pitchFamily="34" charset="0"/>
+              <a:ea typeface="UD Digi Kyokasho N-B" panose="020B0400000000000000" pitchFamily="18" charset="-128"/>
+            </a:endParaRPr>
+          </a:p>
+        </p:txBody>
+      </p:sp>
+    </p:spTree>
+    <p:extLst>
+      <p:ext uri="{BB962C8B-B14F-4D97-AF65-F5344CB8AC3E}">
+        <p14:creationId xmlns:p14="http://schemas.microsoft.com/office/powerpoint/2010/main" val="1489843229"/>
       </p:ext>
     </p:extLst>
   </p:cSld>

--- a/HEW/data/TEXTURE/ロゴ作成.pptx
+++ b/HEW/data/TEXTURE/ロゴ作成.pptx
@@ -265,7 +265,7 @@
           <a:p>
             <a:fld id="{38902CDB-4AA8-4DB9-834E-17D8C468A2CA}" type="datetimeFigureOut">
               <a:rPr kumimoji="1" lang="ja-JP" altLang="en-US" smtClean="0"/>
-              <a:t>2020/8/4</a:t>
+              <a:t>2020/8/6</a:t>
             </a:fld>
             <a:endParaRPr kumimoji="1" lang="ja-JP" altLang="en-US"/>
           </a:p>
@@ -495,7 +495,7 @@
           <a:p>
             <a:fld id="{38902CDB-4AA8-4DB9-834E-17D8C468A2CA}" type="datetimeFigureOut">
               <a:rPr kumimoji="1" lang="ja-JP" altLang="en-US" smtClean="0"/>
-              <a:t>2020/8/4</a:t>
+              <a:t>2020/8/6</a:t>
             </a:fld>
             <a:endParaRPr kumimoji="1" lang="ja-JP" altLang="en-US"/>
           </a:p>
@@ -735,7 +735,7 @@
           <a:p>
             <a:fld id="{38902CDB-4AA8-4DB9-834E-17D8C468A2CA}" type="datetimeFigureOut">
               <a:rPr kumimoji="1" lang="ja-JP" altLang="en-US" smtClean="0"/>
-              <a:t>2020/8/4</a:t>
+              <a:t>2020/8/6</a:t>
             </a:fld>
             <a:endParaRPr kumimoji="1" lang="ja-JP" altLang="en-US"/>
           </a:p>
@@ -965,7 +965,7 @@
           <a:p>
             <a:fld id="{38902CDB-4AA8-4DB9-834E-17D8C468A2CA}" type="datetimeFigureOut">
               <a:rPr kumimoji="1" lang="ja-JP" altLang="en-US" smtClean="0"/>
-              <a:t>2020/8/4</a:t>
+              <a:t>2020/8/6</a:t>
             </a:fld>
             <a:endParaRPr kumimoji="1" lang="ja-JP" altLang="en-US"/>
           </a:p>
@@ -1240,7 +1240,7 @@
           <a:p>
             <a:fld id="{38902CDB-4AA8-4DB9-834E-17D8C468A2CA}" type="datetimeFigureOut">
               <a:rPr kumimoji="1" lang="ja-JP" altLang="en-US" smtClean="0"/>
-              <a:t>2020/8/4</a:t>
+              <a:t>2020/8/6</a:t>
             </a:fld>
             <a:endParaRPr kumimoji="1" lang="ja-JP" altLang="en-US"/>
           </a:p>
@@ -1569,7 +1569,7 @@
           <a:p>
             <a:fld id="{38902CDB-4AA8-4DB9-834E-17D8C468A2CA}" type="datetimeFigureOut">
               <a:rPr kumimoji="1" lang="ja-JP" altLang="en-US" smtClean="0"/>
-              <a:t>2020/8/4</a:t>
+              <a:t>2020/8/6</a:t>
             </a:fld>
             <a:endParaRPr kumimoji="1" lang="ja-JP" altLang="en-US"/>
           </a:p>
@@ -2045,7 +2045,7 @@
           <a:p>
             <a:fld id="{38902CDB-4AA8-4DB9-834E-17D8C468A2CA}" type="datetimeFigureOut">
               <a:rPr kumimoji="1" lang="ja-JP" altLang="en-US" smtClean="0"/>
-              <a:t>2020/8/4</a:t>
+              <a:t>2020/8/6</a:t>
             </a:fld>
             <a:endParaRPr kumimoji="1" lang="ja-JP" altLang="en-US"/>
           </a:p>
@@ -2186,7 +2186,7 @@
           <a:p>
             <a:fld id="{38902CDB-4AA8-4DB9-834E-17D8C468A2CA}" type="datetimeFigureOut">
               <a:rPr kumimoji="1" lang="ja-JP" altLang="en-US" smtClean="0"/>
-              <a:t>2020/8/4</a:t>
+              <a:t>2020/8/6</a:t>
             </a:fld>
             <a:endParaRPr kumimoji="1" lang="ja-JP" altLang="en-US"/>
           </a:p>
@@ -2299,7 +2299,7 @@
           <a:p>
             <a:fld id="{38902CDB-4AA8-4DB9-834E-17D8C468A2CA}" type="datetimeFigureOut">
               <a:rPr kumimoji="1" lang="ja-JP" altLang="en-US" smtClean="0"/>
-              <a:t>2020/8/4</a:t>
+              <a:t>2020/8/6</a:t>
             </a:fld>
             <a:endParaRPr kumimoji="1" lang="ja-JP" altLang="en-US"/>
           </a:p>
@@ -2642,7 +2642,7 @@
           <a:p>
             <a:fld id="{38902CDB-4AA8-4DB9-834E-17D8C468A2CA}" type="datetimeFigureOut">
               <a:rPr kumimoji="1" lang="ja-JP" altLang="en-US" smtClean="0"/>
-              <a:t>2020/8/4</a:t>
+              <a:t>2020/8/6</a:t>
             </a:fld>
             <a:endParaRPr kumimoji="1" lang="ja-JP" altLang="en-US"/>
           </a:p>
@@ -2930,7 +2930,7 @@
           <a:p>
             <a:fld id="{38902CDB-4AA8-4DB9-834E-17D8C468A2CA}" type="datetimeFigureOut">
               <a:rPr kumimoji="1" lang="ja-JP" altLang="en-US" smtClean="0"/>
-              <a:t>2020/8/4</a:t>
+              <a:t>2020/8/6</a:t>
             </a:fld>
             <a:endParaRPr kumimoji="1" lang="ja-JP" altLang="en-US"/>
           </a:p>
@@ -3203,7 +3203,7 @@
           <a:p>
             <a:fld id="{38902CDB-4AA8-4DB9-834E-17D8C468A2CA}" type="datetimeFigureOut">
               <a:rPr kumimoji="1" lang="ja-JP" altLang="en-US" smtClean="0"/>
-              <a:t>2020/8/4</a:t>
+              <a:t>2020/8/6</a:t>
             </a:fld>
             <a:endParaRPr kumimoji="1" lang="ja-JP" altLang="en-US"/>
           </a:p>
@@ -6520,7 +6520,7 @@
               <a:tabLst/>
             </a:pPr>
             <a:r>
-              <a:rPr kumimoji="0" lang="ja-JP" altLang="ja-JP" sz="2100" b="0" i="0" u="none" strike="noStrike" cap="none" normalizeH="0" baseline="0">
+              <a:rPr kumimoji="0" lang="ja-JP" altLang="ja-JP" sz="2100" b="0" i="0" u="none" strike="noStrike" cap="none" normalizeH="0" baseline="0" dirty="0">
                 <a:ln>
                   <a:noFill/>
                 </a:ln>
@@ -6534,7 +6534,7 @@
               <a:t>Marathon master</a:t>
             </a:r>
             <a:r>
-              <a:rPr kumimoji="0" lang="ja-JP" altLang="ja-JP" sz="800" b="0" i="0" u="none" strike="noStrike" cap="none" normalizeH="0" baseline="0">
+              <a:rPr kumimoji="0" lang="ja-JP" altLang="ja-JP" sz="800" b="0" i="0" u="none" strike="noStrike" cap="none" normalizeH="0" baseline="0" dirty="0">
                 <a:ln>
                   <a:noFill/>
                 </a:ln>
@@ -6545,7 +6545,7 @@
               </a:rPr>
               <a:t> </a:t>
             </a:r>
-            <a:endParaRPr kumimoji="0" lang="ja-JP" altLang="ja-JP" sz="1800" b="0" i="0" u="none" strike="noStrike" cap="none" normalizeH="0" baseline="0">
+            <a:endParaRPr kumimoji="0" lang="ja-JP" altLang="ja-JP" sz="1800" b="0" i="0" u="none" strike="noStrike" cap="none" normalizeH="0" baseline="0" dirty="0">
               <a:ln>
                 <a:noFill/>
               </a:ln>
@@ -12040,10 +12040,73 @@
       </p:grpSpPr>
       <p:sp>
         <p:nvSpPr>
-          <p:cNvPr id="4" name="テキスト ボックス 3">
+          <p:cNvPr id="2" name="四角形: 角を丸くする 1">
             <a:extLst>
               <a:ext uri="{FF2B5EF4-FFF2-40B4-BE49-F238E27FC236}">
-                <a16:creationId xmlns:a16="http://schemas.microsoft.com/office/drawing/2014/main" id="{FEBE018B-579F-4E2C-BD3F-F0EFE8A367BC}"/>
+                <a16:creationId xmlns:a16="http://schemas.microsoft.com/office/drawing/2014/main" id="{04657724-CC0B-448B-8879-2AE55591729F}"/>
+              </a:ext>
+            </a:extLst>
+          </p:cNvPr>
+          <p:cNvSpPr>
+            <a:spLocks noChangeAspect="1"/>
+          </p:cNvSpPr>
+          <p:nvPr/>
+        </p:nvSpPr>
+        <p:spPr>
+          <a:xfrm>
+            <a:off x="382112" y="471055"/>
+            <a:ext cx="7432654" cy="4032000"/>
+          </a:xfrm>
+          <a:prstGeom prst="roundRect">
+            <a:avLst>
+              <a:gd name="adj" fmla="val 3144"/>
+            </a:avLst>
+          </a:prstGeom>
+          <a:solidFill>
+            <a:srgbClr val="92D050"/>
+          </a:solidFill>
+          <a:ln>
+            <a:noFill/>
+          </a:ln>
+          <a:scene3d>
+            <a:camera prst="orthographicFront"/>
+            <a:lightRig rig="threePt" dir="t"/>
+          </a:scene3d>
+          <a:sp3d>
+            <a:bevelT prst="angle"/>
+          </a:sp3d>
+        </p:spPr>
+        <p:style>
+          <a:lnRef idx="2">
+            <a:schemeClr val="accent1">
+              <a:shade val="50000"/>
+            </a:schemeClr>
+          </a:lnRef>
+          <a:fillRef idx="1">
+            <a:schemeClr val="accent1"/>
+          </a:fillRef>
+          <a:effectRef idx="0">
+            <a:schemeClr val="accent1"/>
+          </a:effectRef>
+          <a:fontRef idx="minor">
+            <a:schemeClr val="lt1"/>
+          </a:fontRef>
+        </p:style>
+        <p:txBody>
+          <a:bodyPr rtlCol="0" anchor="ctr"/>
+          <a:lstStyle/>
+          <a:p>
+            <a:pPr algn="ctr"/>
+            <a:endParaRPr kumimoji="1" lang="ja-JP" altLang="en-US" dirty="0"/>
+          </a:p>
+        </p:txBody>
+      </p:sp>
+      <p:sp>
+        <p:nvSpPr>
+          <p:cNvPr id="3" name="テキスト ボックス 2">
+            <a:extLst>
+              <a:ext uri="{FF2B5EF4-FFF2-40B4-BE49-F238E27FC236}">
+                <a16:creationId xmlns:a16="http://schemas.microsoft.com/office/drawing/2014/main" id="{A9919C1B-AE1C-4A30-8480-74B193EDD7FC}"/>
               </a:ext>
             </a:extLst>
           </p:cNvPr>
@@ -12052,8 +12115,8 @@
         </p:nvSpPr>
         <p:spPr>
           <a:xfrm>
-            <a:off x="2682240" y="3059668"/>
-            <a:ext cx="2481770" cy="369332"/>
+            <a:off x="1021795" y="1117264"/>
+            <a:ext cx="3230372" cy="400110"/>
           </a:xfrm>
           <a:prstGeom prst="rect">
             <a:avLst/>
@@ -12067,16 +12130,886 @@
           <a:lstStyle/>
           <a:p>
             <a:r>
-              <a:rPr kumimoji="1" lang="en-US" altLang="ja-JP" b="1" dirty="0">
-                <a:latin typeface="Agency FB" panose="020B0503020202020204" pitchFamily="34" charset="0"/>
-                <a:ea typeface="UD Digi Kyokasho N-B" panose="020B0400000000000000" pitchFamily="18" charset="-128"/>
+              <a:rPr kumimoji="1" lang="ja-JP" altLang="en-US" sz="2000" dirty="0">
+                <a:latin typeface="HGS創英角ﾎﾟｯﾌﾟ体" panose="040B0A00000000000000" pitchFamily="50" charset="-128"/>
+                <a:ea typeface="HGS創英角ﾎﾟｯﾌﾟ体" panose="040B0A00000000000000" pitchFamily="50" charset="-128"/>
               </a:rPr>
-              <a:t>0   1   2   3   4   5   6   7   8   9</a:t>
-            </a:r>
-            <a:endParaRPr kumimoji="1" lang="ja-JP" altLang="en-US" b="1" dirty="0">
-              <a:latin typeface="Agency FB" panose="020B0503020202020204" pitchFamily="34" charset="0"/>
-              <a:ea typeface="UD Digi Kyokasho N-B" panose="020B0400000000000000" pitchFamily="18" charset="-128"/>
+              <a:t>ボーナス獲得</a:t>
+            </a:r>
+            <a:r>
+              <a:rPr kumimoji="1" lang="en-US" altLang="ja-JP" sz="2000" dirty="0">
+                <a:latin typeface="HGS創英角ﾎﾟｯﾌﾟ体" panose="040B0A00000000000000" pitchFamily="50" charset="-128"/>
+                <a:ea typeface="HGS創英角ﾎﾟｯﾌﾟ体" panose="040B0A00000000000000" pitchFamily="50" charset="-128"/>
+              </a:rPr>
+              <a:t>UI</a:t>
+            </a:r>
+            <a:r>
+              <a:rPr kumimoji="1" lang="ja-JP" altLang="en-US" sz="2000" dirty="0">
+                <a:latin typeface="HGS創英角ﾎﾟｯﾌﾟ体" panose="040B0A00000000000000" pitchFamily="50" charset="-128"/>
+                <a:ea typeface="HGS創英角ﾎﾟｯﾌﾟ体" panose="040B0A00000000000000" pitchFamily="50" charset="-128"/>
+              </a:rPr>
+              <a:t>を表示する</a:t>
+            </a:r>
+          </a:p>
+        </p:txBody>
+      </p:sp>
+      <p:sp>
+        <p:nvSpPr>
+          <p:cNvPr id="8" name="テキスト ボックス 7">
+            <a:extLst>
+              <a:ext uri="{FF2B5EF4-FFF2-40B4-BE49-F238E27FC236}">
+                <a16:creationId xmlns:a16="http://schemas.microsoft.com/office/drawing/2014/main" id="{115E216F-930F-4D64-91CF-57203784D846}"/>
+              </a:ext>
+            </a:extLst>
+          </p:cNvPr>
+          <p:cNvSpPr txBox="1"/>
+          <p:nvPr/>
+        </p:nvSpPr>
+        <p:spPr>
+          <a:xfrm>
+            <a:off x="1021795" y="1859156"/>
+            <a:ext cx="3518912" cy="400110"/>
+          </a:xfrm>
+          <a:prstGeom prst="rect">
+            <a:avLst/>
+          </a:prstGeom>
+          <a:noFill/>
+        </p:spPr>
+        <p:txBody>
+          <a:bodyPr wrap="none" rtlCol="0">
+            <a:spAutoFit/>
+          </a:bodyPr>
+          <a:lstStyle/>
+          <a:p>
+            <a:r>
+              <a:rPr lang="ja-JP" altLang="en-US" sz="2000" dirty="0">
+                <a:latin typeface="HGS創英角ﾎﾟｯﾌﾟ体" panose="040B0A00000000000000" pitchFamily="50" charset="-128"/>
+                <a:ea typeface="HGS創英角ﾎﾟｯﾌﾟ体" panose="040B0A00000000000000" pitchFamily="50" charset="-128"/>
+              </a:rPr>
+              <a:t>アシストモードを有効に</a:t>
+            </a:r>
+            <a:r>
+              <a:rPr kumimoji="1" lang="ja-JP" altLang="en-US" sz="2000" dirty="0">
+                <a:latin typeface="HGS創英角ﾎﾟｯﾌﾟ体" panose="040B0A00000000000000" pitchFamily="50" charset="-128"/>
+                <a:ea typeface="HGS創英角ﾎﾟｯﾌﾟ体" panose="040B0A00000000000000" pitchFamily="50" charset="-128"/>
+              </a:rPr>
+              <a:t>する</a:t>
+            </a:r>
+          </a:p>
+        </p:txBody>
+      </p:sp>
+      <p:sp>
+        <p:nvSpPr>
+          <p:cNvPr id="10" name="テキスト ボックス 9">
+            <a:extLst>
+              <a:ext uri="{FF2B5EF4-FFF2-40B4-BE49-F238E27FC236}">
+                <a16:creationId xmlns:a16="http://schemas.microsoft.com/office/drawing/2014/main" id="{4082242B-8E0D-4533-86CE-FC9C176A2953}"/>
+              </a:ext>
+            </a:extLst>
+          </p:cNvPr>
+          <p:cNvSpPr txBox="1"/>
+          <p:nvPr/>
+        </p:nvSpPr>
+        <p:spPr>
+          <a:xfrm>
+            <a:off x="1021793" y="2600207"/>
+            <a:ext cx="3005951" cy="400110"/>
+          </a:xfrm>
+          <a:prstGeom prst="rect">
+            <a:avLst/>
+          </a:prstGeom>
+          <a:noFill/>
+        </p:spPr>
+        <p:txBody>
+          <a:bodyPr wrap="none" rtlCol="0">
+            <a:spAutoFit/>
+          </a:bodyPr>
+          <a:lstStyle/>
+          <a:p>
+            <a:r>
+              <a:rPr lang="ja-JP" altLang="en-US" sz="2000" dirty="0">
+                <a:latin typeface="HGS創英角ﾎﾟｯﾌﾟ体" panose="040B0A00000000000000" pitchFamily="50" charset="-128"/>
+                <a:ea typeface="HGS創英角ﾎﾟｯﾌﾟ体" panose="040B0A00000000000000" pitchFamily="50" charset="-128"/>
+              </a:rPr>
+              <a:t>ランキングリセット</a:t>
+            </a:r>
+            <a:r>
+              <a:rPr kumimoji="1" lang="ja-JP" altLang="en-US" sz="2000" dirty="0">
+                <a:latin typeface="HGS創英角ﾎﾟｯﾌﾟ体" panose="040B0A00000000000000" pitchFamily="50" charset="-128"/>
+                <a:ea typeface="HGS創英角ﾎﾟｯﾌﾟ体" panose="040B0A00000000000000" pitchFamily="50" charset="-128"/>
+              </a:rPr>
+              <a:t>する</a:t>
+            </a:r>
+          </a:p>
+        </p:txBody>
+      </p:sp>
+      <p:sp>
+        <p:nvSpPr>
+          <p:cNvPr id="12" name="テキスト ボックス 11">
+            <a:extLst>
+              <a:ext uri="{FF2B5EF4-FFF2-40B4-BE49-F238E27FC236}">
+                <a16:creationId xmlns:a16="http://schemas.microsoft.com/office/drawing/2014/main" id="{E22EDBB2-8FEB-4BD7-9D54-B676B93DEDD2}"/>
+              </a:ext>
+            </a:extLst>
+          </p:cNvPr>
+          <p:cNvSpPr txBox="1"/>
+          <p:nvPr/>
+        </p:nvSpPr>
+        <p:spPr>
+          <a:xfrm>
+            <a:off x="1021793" y="3341258"/>
+            <a:ext cx="697627" cy="400110"/>
+          </a:xfrm>
+          <a:prstGeom prst="rect">
+            <a:avLst/>
+          </a:prstGeom>
+          <a:noFill/>
+        </p:spPr>
+        <p:txBody>
+          <a:bodyPr wrap="none" rtlCol="0">
+            <a:spAutoFit/>
+          </a:bodyPr>
+          <a:lstStyle/>
+          <a:p>
+            <a:r>
+              <a:rPr kumimoji="1" lang="ja-JP" altLang="en-US" sz="2000" dirty="0">
+                <a:latin typeface="HGS創英角ﾎﾟｯﾌﾟ体" panose="040B0A00000000000000" pitchFamily="50" charset="-128"/>
+                <a:ea typeface="HGS創英角ﾎﾟｯﾌﾟ体" panose="040B0A00000000000000" pitchFamily="50" charset="-128"/>
+              </a:rPr>
+              <a:t>音量</a:t>
+            </a:r>
+          </a:p>
+        </p:txBody>
+      </p:sp>
+      <p:sp>
+        <p:nvSpPr>
+          <p:cNvPr id="18" name="正方形/長方形 17">
+            <a:extLst>
+              <a:ext uri="{FF2B5EF4-FFF2-40B4-BE49-F238E27FC236}">
+                <a16:creationId xmlns:a16="http://schemas.microsoft.com/office/drawing/2014/main" id="{64D7C1A5-78FE-42F5-8C44-3A9CC2CC0EE8}"/>
+              </a:ext>
+            </a:extLst>
+          </p:cNvPr>
+          <p:cNvSpPr/>
+          <p:nvPr/>
+        </p:nvSpPr>
+        <p:spPr>
+          <a:xfrm>
+            <a:off x="5504872" y="1123247"/>
+            <a:ext cx="1893456" cy="400110"/>
+          </a:xfrm>
+          <a:prstGeom prst="rect">
+            <a:avLst/>
+          </a:prstGeom>
+          <a:solidFill>
+            <a:schemeClr val="bg1">
+              <a:lumMod val="65000"/>
+            </a:schemeClr>
+          </a:solidFill>
+          <a:ln w="28575">
+            <a:solidFill>
+              <a:schemeClr val="bg1"/>
+            </a:solidFill>
+          </a:ln>
+        </p:spPr>
+        <p:style>
+          <a:lnRef idx="2">
+            <a:schemeClr val="accent1">
+              <a:shade val="50000"/>
+            </a:schemeClr>
+          </a:lnRef>
+          <a:fillRef idx="1">
+            <a:schemeClr val="accent1"/>
+          </a:fillRef>
+          <a:effectRef idx="0">
+            <a:schemeClr val="accent1"/>
+          </a:effectRef>
+          <a:fontRef idx="minor">
+            <a:schemeClr val="lt1"/>
+          </a:fontRef>
+        </p:style>
+        <p:txBody>
+          <a:bodyPr rtlCol="0" anchor="ctr"/>
+          <a:lstStyle/>
+          <a:p>
+            <a:pPr algn="ctr"/>
+            <a:r>
+              <a:rPr lang="en-US" altLang="ja-JP" dirty="0">
+                <a:solidFill>
+                  <a:srgbClr val="FFFF00"/>
+                </a:solidFill>
+                <a:latin typeface="Berlin Sans FB" panose="020E0602020502020306" pitchFamily="34" charset="0"/>
+              </a:rPr>
+              <a:t>ON</a:t>
+            </a:r>
+            <a:r>
+              <a:rPr lang="en-US" altLang="ja-JP" dirty="0">
+                <a:latin typeface="Berlin Sans FB" panose="020E0602020502020306" pitchFamily="34" charset="0"/>
+              </a:rPr>
+              <a:t>          </a:t>
+            </a:r>
+            <a:r>
+              <a:rPr lang="en-US" altLang="ja-JP" dirty="0">
+                <a:solidFill>
+                  <a:schemeClr val="accent1">
+                    <a:lumMod val="75000"/>
+                  </a:schemeClr>
+                </a:solidFill>
+                <a:latin typeface="Berlin Sans FB" panose="020E0602020502020306" pitchFamily="34" charset="0"/>
+              </a:rPr>
+              <a:t>OFF</a:t>
+            </a:r>
+            <a:endParaRPr kumimoji="1" lang="ja-JP" altLang="en-US" dirty="0">
+              <a:solidFill>
+                <a:schemeClr val="accent1">
+                  <a:lumMod val="75000"/>
+                </a:schemeClr>
+              </a:solidFill>
+              <a:latin typeface="Berlin Sans FB" panose="020E0602020502020306" pitchFamily="34" charset="0"/>
             </a:endParaRPr>
+          </a:p>
+        </p:txBody>
+      </p:sp>
+      <p:sp>
+        <p:nvSpPr>
+          <p:cNvPr id="23" name="正方形/長方形 22">
+            <a:extLst>
+              <a:ext uri="{FF2B5EF4-FFF2-40B4-BE49-F238E27FC236}">
+                <a16:creationId xmlns:a16="http://schemas.microsoft.com/office/drawing/2014/main" id="{7820B74D-0A37-4966-B0EA-C269DA26DCDE}"/>
+              </a:ext>
+            </a:extLst>
+          </p:cNvPr>
+          <p:cNvSpPr/>
+          <p:nvPr/>
+        </p:nvSpPr>
+        <p:spPr>
+          <a:xfrm>
+            <a:off x="5504872" y="1859156"/>
+            <a:ext cx="1893456" cy="400110"/>
+          </a:xfrm>
+          <a:prstGeom prst="rect">
+            <a:avLst/>
+          </a:prstGeom>
+          <a:solidFill>
+            <a:schemeClr val="bg1">
+              <a:lumMod val="65000"/>
+            </a:schemeClr>
+          </a:solidFill>
+          <a:ln w="28575">
+            <a:solidFill>
+              <a:schemeClr val="bg1"/>
+            </a:solidFill>
+          </a:ln>
+        </p:spPr>
+        <p:style>
+          <a:lnRef idx="2">
+            <a:schemeClr val="accent1">
+              <a:shade val="50000"/>
+            </a:schemeClr>
+          </a:lnRef>
+          <a:fillRef idx="1">
+            <a:schemeClr val="accent1"/>
+          </a:fillRef>
+          <a:effectRef idx="0">
+            <a:schemeClr val="accent1"/>
+          </a:effectRef>
+          <a:fontRef idx="minor">
+            <a:schemeClr val="lt1"/>
+          </a:fontRef>
+        </p:style>
+        <p:txBody>
+          <a:bodyPr rtlCol="0" anchor="ctr"/>
+          <a:lstStyle/>
+          <a:p>
+            <a:pPr algn="ctr"/>
+            <a:r>
+              <a:rPr lang="en-US" altLang="ja-JP" dirty="0">
+                <a:solidFill>
+                  <a:srgbClr val="FFFF00"/>
+                </a:solidFill>
+                <a:latin typeface="Berlin Sans FB" panose="020E0602020502020306" pitchFamily="34" charset="0"/>
+              </a:rPr>
+              <a:t>ON</a:t>
+            </a:r>
+            <a:r>
+              <a:rPr lang="en-US" altLang="ja-JP" dirty="0">
+                <a:latin typeface="Berlin Sans FB" panose="020E0602020502020306" pitchFamily="34" charset="0"/>
+              </a:rPr>
+              <a:t>          </a:t>
+            </a:r>
+            <a:r>
+              <a:rPr lang="en-US" altLang="ja-JP" dirty="0">
+                <a:solidFill>
+                  <a:schemeClr val="accent1">
+                    <a:lumMod val="75000"/>
+                  </a:schemeClr>
+                </a:solidFill>
+                <a:latin typeface="Berlin Sans FB" panose="020E0602020502020306" pitchFamily="34" charset="0"/>
+              </a:rPr>
+              <a:t>OFF</a:t>
+            </a:r>
+            <a:endParaRPr kumimoji="1" lang="ja-JP" altLang="en-US" dirty="0">
+              <a:solidFill>
+                <a:schemeClr val="accent1">
+                  <a:lumMod val="75000"/>
+                </a:schemeClr>
+              </a:solidFill>
+              <a:latin typeface="Berlin Sans FB" panose="020E0602020502020306" pitchFamily="34" charset="0"/>
+            </a:endParaRPr>
+          </a:p>
+        </p:txBody>
+      </p:sp>
+      <p:sp>
+        <p:nvSpPr>
+          <p:cNvPr id="19" name="四角形: 角を丸くする 18">
+            <a:extLst>
+              <a:ext uri="{FF2B5EF4-FFF2-40B4-BE49-F238E27FC236}">
+                <a16:creationId xmlns:a16="http://schemas.microsoft.com/office/drawing/2014/main" id="{B7462D34-5AA5-4253-8A62-2C7CEFAA409D}"/>
+              </a:ext>
+            </a:extLst>
+          </p:cNvPr>
+          <p:cNvSpPr/>
+          <p:nvPr/>
+        </p:nvSpPr>
+        <p:spPr>
+          <a:xfrm>
+            <a:off x="8972648" y="2149178"/>
+            <a:ext cx="1893456" cy="434345"/>
+          </a:xfrm>
+          <a:prstGeom prst="roundRect">
+            <a:avLst/>
+          </a:prstGeom>
+          <a:solidFill>
+            <a:schemeClr val="bg1">
+              <a:lumMod val="85000"/>
+            </a:schemeClr>
+          </a:solidFill>
+          <a:ln w="28575">
+            <a:solidFill>
+              <a:schemeClr val="bg1"/>
+            </a:solidFill>
+          </a:ln>
+        </p:spPr>
+        <p:style>
+          <a:lnRef idx="2">
+            <a:schemeClr val="accent1">
+              <a:shade val="50000"/>
+            </a:schemeClr>
+          </a:lnRef>
+          <a:fillRef idx="1">
+            <a:schemeClr val="accent1"/>
+          </a:fillRef>
+          <a:effectRef idx="0">
+            <a:schemeClr val="accent1"/>
+          </a:effectRef>
+          <a:fontRef idx="minor">
+            <a:schemeClr val="lt1"/>
+          </a:fontRef>
+        </p:style>
+        <p:txBody>
+          <a:bodyPr rtlCol="0" anchor="ctr"/>
+          <a:lstStyle/>
+          <a:p>
+            <a:pPr algn="ctr"/>
+            <a:r>
+              <a:rPr kumimoji="1" lang="ja-JP" altLang="en-US" b="1" dirty="0">
+                <a:solidFill>
+                  <a:schemeClr val="tx1"/>
+                </a:solidFill>
+              </a:rPr>
+              <a:t>リセット</a:t>
+            </a:r>
+          </a:p>
+        </p:txBody>
+      </p:sp>
+      <p:sp>
+        <p:nvSpPr>
+          <p:cNvPr id="24" name="減算記号 23">
+            <a:extLst>
+              <a:ext uri="{FF2B5EF4-FFF2-40B4-BE49-F238E27FC236}">
+                <a16:creationId xmlns:a16="http://schemas.microsoft.com/office/drawing/2014/main" id="{C10A63CA-A2E4-4DAE-A38A-EA8FEFD874C9}"/>
+              </a:ext>
+            </a:extLst>
+          </p:cNvPr>
+          <p:cNvSpPr/>
+          <p:nvPr/>
+        </p:nvSpPr>
+        <p:spPr>
+          <a:xfrm>
+            <a:off x="2343482" y="3440980"/>
+            <a:ext cx="5395214" cy="193426"/>
+          </a:xfrm>
+          <a:prstGeom prst="mathMinus">
+            <a:avLst/>
+          </a:prstGeom>
+          <a:solidFill>
+            <a:schemeClr val="bg1"/>
+          </a:solidFill>
+        </p:spPr>
+        <p:style>
+          <a:lnRef idx="2">
+            <a:schemeClr val="accent1">
+              <a:shade val="50000"/>
+            </a:schemeClr>
+          </a:lnRef>
+          <a:fillRef idx="1">
+            <a:schemeClr val="accent1"/>
+          </a:fillRef>
+          <a:effectRef idx="0">
+            <a:schemeClr val="accent1"/>
+          </a:effectRef>
+          <a:fontRef idx="minor">
+            <a:schemeClr val="lt1"/>
+          </a:fontRef>
+        </p:style>
+        <p:txBody>
+          <a:bodyPr rtlCol="0" anchor="ctr"/>
+          <a:lstStyle/>
+          <a:p>
+            <a:pPr algn="ctr"/>
+            <a:endParaRPr kumimoji="1" lang="ja-JP" altLang="en-US"/>
+          </a:p>
+        </p:txBody>
+      </p:sp>
+      <p:sp>
+        <p:nvSpPr>
+          <p:cNvPr id="26" name="楕円 25">
+            <a:extLst>
+              <a:ext uri="{FF2B5EF4-FFF2-40B4-BE49-F238E27FC236}">
+                <a16:creationId xmlns:a16="http://schemas.microsoft.com/office/drawing/2014/main" id="{9B8BA821-819C-4678-88A6-55E1E3249911}"/>
+              </a:ext>
+            </a:extLst>
+          </p:cNvPr>
+          <p:cNvSpPr/>
+          <p:nvPr/>
+        </p:nvSpPr>
+        <p:spPr>
+          <a:xfrm>
+            <a:off x="9329248" y="2936610"/>
+            <a:ext cx="193426" cy="193426"/>
+          </a:xfrm>
+          <a:prstGeom prst="ellipse">
+            <a:avLst/>
+          </a:prstGeom>
+        </p:spPr>
+        <p:style>
+          <a:lnRef idx="2">
+            <a:schemeClr val="accent1">
+              <a:shade val="50000"/>
+            </a:schemeClr>
+          </a:lnRef>
+          <a:fillRef idx="1">
+            <a:schemeClr val="accent1"/>
+          </a:fillRef>
+          <a:effectRef idx="0">
+            <a:schemeClr val="accent1"/>
+          </a:effectRef>
+          <a:fontRef idx="minor">
+            <a:schemeClr val="lt1"/>
+          </a:fontRef>
+        </p:style>
+        <p:txBody>
+          <a:bodyPr rtlCol="0" anchor="ctr"/>
+          <a:lstStyle/>
+          <a:p>
+            <a:pPr algn="ctr"/>
+            <a:endParaRPr kumimoji="1" lang="ja-JP" altLang="en-US"/>
+          </a:p>
+        </p:txBody>
+      </p:sp>
+      <p:grpSp>
+        <p:nvGrpSpPr>
+          <p:cNvPr id="32" name="グループ化 31">
+            <a:extLst>
+              <a:ext uri="{FF2B5EF4-FFF2-40B4-BE49-F238E27FC236}">
+                <a16:creationId xmlns:a16="http://schemas.microsoft.com/office/drawing/2014/main" id="{4C53670B-685F-4C8F-A803-B2F251C0788E}"/>
+              </a:ext>
+            </a:extLst>
+          </p:cNvPr>
+          <p:cNvGrpSpPr/>
+          <p:nvPr/>
+        </p:nvGrpSpPr>
+        <p:grpSpPr>
+          <a:xfrm>
+            <a:off x="8673432" y="3455378"/>
+            <a:ext cx="2335826" cy="630850"/>
+            <a:chOff x="2927927" y="3742789"/>
+            <a:chExt cx="2335826" cy="630850"/>
+          </a:xfrm>
+        </p:grpSpPr>
+        <p:sp>
+          <p:nvSpPr>
+            <p:cNvPr id="27" name="フローチャート: 代替処理 26">
+              <a:extLst>
+                <a:ext uri="{FF2B5EF4-FFF2-40B4-BE49-F238E27FC236}">
+                  <a16:creationId xmlns:a16="http://schemas.microsoft.com/office/drawing/2014/main" id="{A373478C-142F-4066-B40F-7CA4B270D9BB}"/>
+                </a:ext>
+              </a:extLst>
+            </p:cNvPr>
+            <p:cNvSpPr/>
+            <p:nvPr/>
+          </p:nvSpPr>
+          <p:spPr>
+            <a:xfrm>
+              <a:off x="2927927" y="3808686"/>
+              <a:ext cx="2335826" cy="489527"/>
+            </a:xfrm>
+            <a:prstGeom prst="flowChartAlternateProcess">
+              <a:avLst/>
+            </a:prstGeom>
+            <a:solidFill>
+              <a:srgbClr val="FFC000"/>
+            </a:solidFill>
+            <a:ln>
+              <a:solidFill>
+                <a:schemeClr val="tx1"/>
+              </a:solidFill>
+            </a:ln>
+          </p:spPr>
+          <p:style>
+            <a:lnRef idx="2">
+              <a:schemeClr val="accent1">
+                <a:shade val="50000"/>
+              </a:schemeClr>
+            </a:lnRef>
+            <a:fillRef idx="1">
+              <a:schemeClr val="accent1"/>
+            </a:fillRef>
+            <a:effectRef idx="0">
+              <a:schemeClr val="accent1"/>
+            </a:effectRef>
+            <a:fontRef idx="minor">
+              <a:schemeClr val="lt1"/>
+            </a:fontRef>
+          </p:style>
+          <p:txBody>
+            <a:bodyPr rtlCol="0" anchor="ctr"/>
+            <a:lstStyle/>
+            <a:p>
+              <a:pPr algn="ctr"/>
+              <a:r>
+                <a:rPr kumimoji="1" lang="ja-JP" altLang="en-US" sz="2800" dirty="0">
+                  <a:solidFill>
+                    <a:schemeClr val="bg1"/>
+                  </a:solidFill>
+                  <a:latin typeface="HGS創英角ｺﾞｼｯｸUB" panose="020B0900000000000000" pitchFamily="50" charset="-128"/>
+                  <a:ea typeface="HGS創英角ｺﾞｼｯｸUB" panose="020B0900000000000000" pitchFamily="50" charset="-128"/>
+                </a:rPr>
+                <a:t>戻る</a:t>
+              </a:r>
+            </a:p>
+          </p:txBody>
+        </p:sp>
+        <p:sp>
+          <p:nvSpPr>
+            <p:cNvPr id="28" name="乗算記号 27">
+              <a:extLst>
+                <a:ext uri="{FF2B5EF4-FFF2-40B4-BE49-F238E27FC236}">
+                  <a16:creationId xmlns:a16="http://schemas.microsoft.com/office/drawing/2014/main" id="{171947F5-9E6B-4111-888C-4EEA14A2FDCD}"/>
+                </a:ext>
+              </a:extLst>
+            </p:cNvPr>
+            <p:cNvSpPr/>
+            <p:nvPr/>
+          </p:nvSpPr>
+          <p:spPr>
+            <a:xfrm>
+              <a:off x="2927927" y="3742789"/>
+              <a:ext cx="630850" cy="630850"/>
+            </a:xfrm>
+            <a:prstGeom prst="mathMultiply">
+              <a:avLst>
+                <a:gd name="adj1" fmla="val 18736"/>
+              </a:avLst>
+            </a:prstGeom>
+            <a:solidFill>
+              <a:srgbClr val="FF0000"/>
+            </a:solidFill>
+            <a:ln>
+              <a:solidFill>
+                <a:schemeClr val="tx1"/>
+              </a:solidFill>
+            </a:ln>
+          </p:spPr>
+          <p:style>
+            <a:lnRef idx="2">
+              <a:schemeClr val="accent1">
+                <a:shade val="50000"/>
+              </a:schemeClr>
+            </a:lnRef>
+            <a:fillRef idx="1">
+              <a:schemeClr val="accent1"/>
+            </a:fillRef>
+            <a:effectRef idx="0">
+              <a:schemeClr val="accent1"/>
+            </a:effectRef>
+            <a:fontRef idx="minor">
+              <a:schemeClr val="lt1"/>
+            </a:fontRef>
+          </p:style>
+          <p:txBody>
+            <a:bodyPr rtlCol="0" anchor="ctr"/>
+            <a:lstStyle/>
+            <a:p>
+              <a:pPr algn="ctr"/>
+              <a:endParaRPr kumimoji="1" lang="ja-JP" altLang="en-US"/>
+            </a:p>
+          </p:txBody>
+        </p:sp>
+      </p:grpSp>
+      <p:sp>
+        <p:nvSpPr>
+          <p:cNvPr id="31" name="テキスト ボックス 30">
+            <a:extLst>
+              <a:ext uri="{FF2B5EF4-FFF2-40B4-BE49-F238E27FC236}">
+                <a16:creationId xmlns:a16="http://schemas.microsoft.com/office/drawing/2014/main" id="{2EDEF633-F7DF-4690-9107-4200D78C3DB8}"/>
+              </a:ext>
+            </a:extLst>
+          </p:cNvPr>
+          <p:cNvSpPr txBox="1"/>
+          <p:nvPr/>
+        </p:nvSpPr>
+        <p:spPr>
+          <a:xfrm>
+            <a:off x="446122" y="515703"/>
+            <a:ext cx="2146742" cy="584775"/>
+          </a:xfrm>
+          <a:prstGeom prst="rect">
+            <a:avLst/>
+          </a:prstGeom>
+          <a:noFill/>
+        </p:spPr>
+        <p:txBody>
+          <a:bodyPr wrap="none" rtlCol="0">
+            <a:spAutoFit/>
+          </a:bodyPr>
+          <a:lstStyle/>
+          <a:p>
+            <a:r>
+              <a:rPr kumimoji="1" lang="en-US" altLang="ja-JP" sz="3200" dirty="0">
+                <a:solidFill>
+                  <a:srgbClr val="7030A0"/>
+                </a:solidFill>
+                <a:latin typeface="Showcard Gothic" panose="04020904020102020604" pitchFamily="82" charset="0"/>
+              </a:rPr>
+              <a:t>~CONFIG~</a:t>
+            </a:r>
+            <a:endParaRPr kumimoji="1" lang="ja-JP" altLang="en-US" sz="3200" dirty="0">
+              <a:solidFill>
+                <a:srgbClr val="7030A0"/>
+              </a:solidFill>
+              <a:latin typeface="Showcard Gothic" panose="04020904020102020604" pitchFamily="82" charset="0"/>
+            </a:endParaRPr>
+          </a:p>
+        </p:txBody>
+      </p:sp>
+      <p:sp>
+        <p:nvSpPr>
+          <p:cNvPr id="33" name="正方形/長方形 32">
+            <a:extLst>
+              <a:ext uri="{FF2B5EF4-FFF2-40B4-BE49-F238E27FC236}">
+                <a16:creationId xmlns:a16="http://schemas.microsoft.com/office/drawing/2014/main" id="{8A48E53A-7735-421E-81CD-8117DE3A1ED9}"/>
+              </a:ext>
+            </a:extLst>
+          </p:cNvPr>
+          <p:cNvSpPr/>
+          <p:nvPr/>
+        </p:nvSpPr>
+        <p:spPr>
+          <a:xfrm>
+            <a:off x="9536067" y="1229801"/>
+            <a:ext cx="766619" cy="415972"/>
+          </a:xfrm>
+          <a:prstGeom prst="rect">
+            <a:avLst/>
+          </a:prstGeom>
+          <a:solidFill>
+            <a:srgbClr val="FFFFFF"/>
+          </a:solidFill>
+          <a:ln>
+            <a:solidFill>
+              <a:schemeClr val="bg1"/>
+            </a:solidFill>
+          </a:ln>
+          <a:scene3d>
+            <a:camera prst="orthographicFront"/>
+            <a:lightRig rig="harsh" dir="t"/>
+          </a:scene3d>
+          <a:sp3d prstMaterial="matte">
+            <a:bevelT w="165100" prst="coolSlant"/>
+          </a:sp3d>
+        </p:spPr>
+        <p:style>
+          <a:lnRef idx="2">
+            <a:schemeClr val="accent1">
+              <a:shade val="50000"/>
+            </a:schemeClr>
+          </a:lnRef>
+          <a:fillRef idx="1">
+            <a:schemeClr val="accent1"/>
+          </a:fillRef>
+          <a:effectRef idx="0">
+            <a:schemeClr val="accent1"/>
+          </a:effectRef>
+          <a:fontRef idx="minor">
+            <a:schemeClr val="lt1"/>
+          </a:fontRef>
+        </p:style>
+        <p:txBody>
+          <a:bodyPr rtlCol="0" anchor="ctr"/>
+          <a:lstStyle/>
+          <a:p>
+            <a:pPr algn="ctr"/>
+            <a:endParaRPr kumimoji="1" lang="ja-JP" altLang="en-US"/>
+          </a:p>
+        </p:txBody>
+      </p:sp>
+      <p:sp>
+        <p:nvSpPr>
+          <p:cNvPr id="34" name="テキスト ボックス 33">
+            <a:extLst>
+              <a:ext uri="{FF2B5EF4-FFF2-40B4-BE49-F238E27FC236}">
+                <a16:creationId xmlns:a16="http://schemas.microsoft.com/office/drawing/2014/main" id="{6C6A41F9-6A4A-425D-858A-E7BACEA7224C}"/>
+              </a:ext>
+            </a:extLst>
+          </p:cNvPr>
+          <p:cNvSpPr txBox="1"/>
+          <p:nvPr/>
+        </p:nvSpPr>
+        <p:spPr>
+          <a:xfrm>
+            <a:off x="1021793" y="1405722"/>
+            <a:ext cx="3147015" cy="261610"/>
+          </a:xfrm>
+          <a:prstGeom prst="rect">
+            <a:avLst/>
+          </a:prstGeom>
+          <a:noFill/>
+        </p:spPr>
+        <p:txBody>
+          <a:bodyPr wrap="none" rtlCol="0">
+            <a:spAutoFit/>
+          </a:bodyPr>
+          <a:lstStyle/>
+          <a:p>
+            <a:r>
+              <a:rPr lang="ja-JP" altLang="en-US" sz="1100" dirty="0">
+                <a:solidFill>
+                  <a:schemeClr val="tx1">
+                    <a:lumMod val="65000"/>
+                    <a:lumOff val="35000"/>
+                  </a:schemeClr>
+                </a:solidFill>
+                <a:latin typeface="HG丸ｺﾞｼｯｸM-PRO" panose="020F0600000000000000" pitchFamily="50" charset="-128"/>
+                <a:ea typeface="HG丸ｺﾞｼｯｸM-PRO" panose="020F0600000000000000" pitchFamily="50" charset="-128"/>
+              </a:rPr>
+              <a:t>非表示でもボーナススコア自体は加算されます</a:t>
+            </a:r>
+            <a:endParaRPr kumimoji="1" lang="ja-JP" altLang="en-US" sz="1100" dirty="0">
+              <a:solidFill>
+                <a:schemeClr val="tx1">
+                  <a:lumMod val="65000"/>
+                  <a:lumOff val="35000"/>
+                </a:schemeClr>
+              </a:solidFill>
+              <a:latin typeface="HG丸ｺﾞｼｯｸM-PRO" panose="020F0600000000000000" pitchFamily="50" charset="-128"/>
+              <a:ea typeface="HG丸ｺﾞｼｯｸM-PRO" panose="020F0600000000000000" pitchFamily="50" charset="-128"/>
+            </a:endParaRPr>
+          </a:p>
+        </p:txBody>
+      </p:sp>
+      <p:sp>
+        <p:nvSpPr>
+          <p:cNvPr id="36" name="テキスト ボックス 35">
+            <a:extLst>
+              <a:ext uri="{FF2B5EF4-FFF2-40B4-BE49-F238E27FC236}">
+                <a16:creationId xmlns:a16="http://schemas.microsoft.com/office/drawing/2014/main" id="{1A75DD40-EF77-4399-9134-A54B67AE375C}"/>
+              </a:ext>
+            </a:extLst>
+          </p:cNvPr>
+          <p:cNvSpPr txBox="1"/>
+          <p:nvPr/>
+        </p:nvSpPr>
+        <p:spPr>
+          <a:xfrm>
+            <a:off x="1019356" y="2128577"/>
+            <a:ext cx="4134465" cy="430887"/>
+          </a:xfrm>
+          <a:prstGeom prst="rect">
+            <a:avLst/>
+          </a:prstGeom>
+          <a:noFill/>
+        </p:spPr>
+        <p:txBody>
+          <a:bodyPr wrap="none" rtlCol="0">
+            <a:spAutoFit/>
+          </a:bodyPr>
+          <a:lstStyle/>
+          <a:p>
+            <a:r>
+              <a:rPr lang="ja-JP" altLang="en-US" sz="1100" dirty="0">
+                <a:solidFill>
+                  <a:schemeClr val="tx1">
+                    <a:lumMod val="65000"/>
+                    <a:lumOff val="35000"/>
+                  </a:schemeClr>
+                </a:solidFill>
+                <a:latin typeface="HG丸ｺﾞｼｯｸM-PRO" panose="020F0600000000000000" pitchFamily="50" charset="-128"/>
+                <a:ea typeface="HG丸ｺﾞｼｯｸM-PRO" panose="020F0600000000000000" pitchFamily="50" charset="-128"/>
+              </a:rPr>
+              <a:t>アシストモードでは</a:t>
+            </a:r>
+            <a:r>
+              <a:rPr lang="en-US" altLang="ja-JP" sz="1100" dirty="0">
+                <a:solidFill>
+                  <a:schemeClr val="tx1">
+                    <a:lumMod val="65000"/>
+                    <a:lumOff val="35000"/>
+                  </a:schemeClr>
+                </a:solidFill>
+                <a:latin typeface="HG丸ｺﾞｼｯｸM-PRO" panose="020F0600000000000000" pitchFamily="50" charset="-128"/>
+                <a:ea typeface="HG丸ｺﾞｼｯｸM-PRO" panose="020F0600000000000000" pitchFamily="50" charset="-128"/>
+              </a:rPr>
+              <a:t>QTE</a:t>
+            </a:r>
+            <a:r>
+              <a:rPr lang="ja-JP" altLang="en-US" sz="1100" dirty="0">
+                <a:solidFill>
+                  <a:schemeClr val="tx1">
+                    <a:lumMod val="65000"/>
+                    <a:lumOff val="35000"/>
+                  </a:schemeClr>
+                </a:solidFill>
+                <a:latin typeface="HG丸ｺﾞｼｯｸM-PRO" panose="020F0600000000000000" pitchFamily="50" charset="-128"/>
+                <a:ea typeface="HG丸ｺﾞｼｯｸM-PRO" panose="020F0600000000000000" pitchFamily="50" charset="-128"/>
+              </a:rPr>
+              <a:t>関連の入力が自動的に行われます</a:t>
+            </a:r>
+            <a:endParaRPr lang="en-US" altLang="ja-JP" sz="1100" dirty="0">
+              <a:solidFill>
+                <a:schemeClr val="tx1">
+                  <a:lumMod val="65000"/>
+                  <a:lumOff val="35000"/>
+                </a:schemeClr>
+              </a:solidFill>
+              <a:latin typeface="HG丸ｺﾞｼｯｸM-PRO" panose="020F0600000000000000" pitchFamily="50" charset="-128"/>
+              <a:ea typeface="HG丸ｺﾞｼｯｸM-PRO" panose="020F0600000000000000" pitchFamily="50" charset="-128"/>
+            </a:endParaRPr>
+          </a:p>
+          <a:p>
+            <a:r>
+              <a:rPr kumimoji="1" lang="ja-JP" altLang="en-US" sz="1100" dirty="0">
+                <a:solidFill>
+                  <a:schemeClr val="tx1">
+                    <a:lumMod val="65000"/>
+                    <a:lumOff val="35000"/>
+                  </a:schemeClr>
+                </a:solidFill>
+                <a:latin typeface="HG丸ｺﾞｼｯｸM-PRO" panose="020F0600000000000000" pitchFamily="50" charset="-128"/>
+                <a:ea typeface="HG丸ｺﾞｼｯｸM-PRO" panose="020F0600000000000000" pitchFamily="50" charset="-128"/>
+              </a:rPr>
+              <a:t>ランキングは無効になりますが、最初の練習におすすめです。</a:t>
+            </a:r>
           </a:p>
         </p:txBody>
       </p:sp>
